--- a/ETF Trading Presentation.pptx
+++ b/ETF Trading Presentation.pptx
@@ -1,24 +1,24 @@
 
 <file path=ppt/presentation.xml><?xml version="1.0" encoding="utf-8"?>
-<p:presentation xmlns:a="http://schemas.openxmlformats.org/drawingml/2006/main" xmlns:r="http://schemas.openxmlformats.org/officeDocument/2006/relationships" xmlns:mc="http://schemas.openxmlformats.org/markup-compatibility/2006" xmlns:mv="urn:schemas-microsoft-com:mac:vml" xmlns:p="http://schemas.openxmlformats.org/presentationml/2006/main" xmlns:c="http://schemas.openxmlformats.org/drawingml/2006/chart" xmlns:dgm="http://schemas.openxmlformats.org/drawingml/2006/diagram" xmlns:o="urn:schemas-microsoft-com:office:office" xmlns:v="urn:schemas-microsoft-com:vml" xmlns:pvml="urn:schemas-microsoft-com:office:powerpoint" xmlns:com="http://schemas.openxmlformats.org/drawingml/2006/compatibility" xmlns:p14="http://schemas.microsoft.com/office/powerpoint/2010/main" xmlns:p15="http://schemas.microsoft.com/office/powerpoint/2012/main" xmlns:ahyp="http://schemas.microsoft.com/office/drawing/2018/hyperlinkcolor" autoCompressPictures="0" strictFirstAndLastChars="0" saveSubsetFonts="1">
+<p:presentation xmlns:a="http://schemas.openxmlformats.org/drawingml/2006/main" xmlns:r="http://schemas.openxmlformats.org/officeDocument/2006/relationships" xmlns:p="http://schemas.openxmlformats.org/presentationml/2006/main" strictFirstAndLastChars="0" saveSubsetFonts="1" autoCompressPictures="0">
   <p:sldMasterIdLst>
-    <p:sldMasterId id="2147483648" r:id="rId3"/>
+    <p:sldMasterId id="2147483648" r:id="rId1"/>
   </p:sldMasterIdLst>
   <p:notesMasterIdLst>
-    <p:notesMasterId r:id="rId4"/>
+    <p:notesMasterId r:id="rId8"/>
   </p:notesMasterIdLst>
   <p:sldIdLst>
-    <p:sldId id="256" r:id="rId5"/>
-    <p:sldId id="257" r:id="rId6"/>
-    <p:sldId id="258" r:id="rId7"/>
-    <p:sldId id="259" r:id="rId8"/>
-    <p:sldId id="260" r:id="rId9"/>
-    <p:sldId id="261" r:id="rId10"/>
+    <p:sldId id="256" r:id="rId2"/>
+    <p:sldId id="262" r:id="rId3"/>
+    <p:sldId id="263" r:id="rId4"/>
+    <p:sldId id="264" r:id="rId5"/>
+    <p:sldId id="265" r:id="rId6"/>
+    <p:sldId id="266" r:id="rId7"/>
   </p:sldIdLst>
-  <p:sldSz cy="6858000" cx="12192000"/>
+  <p:sldSz cx="12192000" cy="6858000"/>
   <p:notesSz cx="6858000" cy="9144000"/>
   <p:defaultTextStyle>
-    <a:defPPr lvl="0" marR="0" rtl="0" algn="l">
+    <a:defPPr marR="0" lvl="0" algn="l" rtl="0">
       <a:lnSpc>
         <a:spcPct val="100000"/>
       </a:lnSpc>
@@ -29,7 +29,7 @@
         <a:spcPts val="0"/>
       </a:spcAft>
     </a:defPPr>
-    <a:lvl1pPr lvl="0" marR="0" rtl="0" algn="l">
+    <a:lvl1pPr marR="0" lvl="0" algn="l" rtl="0">
       <a:lnSpc>
         <a:spcPct val="100000"/>
       </a:lnSpc>
@@ -43,7 +43,7 @@
         <a:srgbClr val="000000"/>
       </a:buClr>
       <a:buFont typeface="Arial"/>
-      <a:defRPr b="0" i="0" sz="1400" u="none" cap="none" strike="noStrike">
+      <a:defRPr sz="1400" b="0" i="0" u="none" strike="noStrike" cap="none">
         <a:solidFill>
           <a:srgbClr val="000000"/>
         </a:solidFill>
@@ -53,7 +53,7 @@
         <a:sym typeface="Arial"/>
       </a:defRPr>
     </a:lvl1pPr>
-    <a:lvl2pPr lvl="1" marR="0" rtl="0" algn="l">
+    <a:lvl2pPr marR="0" lvl="1" algn="l" rtl="0">
       <a:lnSpc>
         <a:spcPct val="100000"/>
       </a:lnSpc>
@@ -67,7 +67,7 @@
         <a:srgbClr val="000000"/>
       </a:buClr>
       <a:buFont typeface="Arial"/>
-      <a:defRPr b="0" i="0" sz="1400" u="none" cap="none" strike="noStrike">
+      <a:defRPr sz="1400" b="0" i="0" u="none" strike="noStrike" cap="none">
         <a:solidFill>
           <a:srgbClr val="000000"/>
         </a:solidFill>
@@ -77,7 +77,7 @@
         <a:sym typeface="Arial"/>
       </a:defRPr>
     </a:lvl2pPr>
-    <a:lvl3pPr lvl="2" marR="0" rtl="0" algn="l">
+    <a:lvl3pPr marR="0" lvl="2" algn="l" rtl="0">
       <a:lnSpc>
         <a:spcPct val="100000"/>
       </a:lnSpc>
@@ -91,7 +91,7 @@
         <a:srgbClr val="000000"/>
       </a:buClr>
       <a:buFont typeface="Arial"/>
-      <a:defRPr b="0" i="0" sz="1400" u="none" cap="none" strike="noStrike">
+      <a:defRPr sz="1400" b="0" i="0" u="none" strike="noStrike" cap="none">
         <a:solidFill>
           <a:srgbClr val="000000"/>
         </a:solidFill>
@@ -101,7 +101,7 @@
         <a:sym typeface="Arial"/>
       </a:defRPr>
     </a:lvl3pPr>
-    <a:lvl4pPr lvl="3" marR="0" rtl="0" algn="l">
+    <a:lvl4pPr marR="0" lvl="3" algn="l" rtl="0">
       <a:lnSpc>
         <a:spcPct val="100000"/>
       </a:lnSpc>
@@ -115,7 +115,7 @@
         <a:srgbClr val="000000"/>
       </a:buClr>
       <a:buFont typeface="Arial"/>
-      <a:defRPr b="0" i="0" sz="1400" u="none" cap="none" strike="noStrike">
+      <a:defRPr sz="1400" b="0" i="0" u="none" strike="noStrike" cap="none">
         <a:solidFill>
           <a:srgbClr val="000000"/>
         </a:solidFill>
@@ -125,7 +125,7 @@
         <a:sym typeface="Arial"/>
       </a:defRPr>
     </a:lvl4pPr>
-    <a:lvl5pPr lvl="4" marR="0" rtl="0" algn="l">
+    <a:lvl5pPr marR="0" lvl="4" algn="l" rtl="0">
       <a:lnSpc>
         <a:spcPct val="100000"/>
       </a:lnSpc>
@@ -139,7 +139,7 @@
         <a:srgbClr val="000000"/>
       </a:buClr>
       <a:buFont typeface="Arial"/>
-      <a:defRPr b="0" i="0" sz="1400" u="none" cap="none" strike="noStrike">
+      <a:defRPr sz="1400" b="0" i="0" u="none" strike="noStrike" cap="none">
         <a:solidFill>
           <a:srgbClr val="000000"/>
         </a:solidFill>
@@ -149,7 +149,7 @@
         <a:sym typeface="Arial"/>
       </a:defRPr>
     </a:lvl5pPr>
-    <a:lvl6pPr lvl="5" marR="0" rtl="0" algn="l">
+    <a:lvl6pPr marR="0" lvl="5" algn="l" rtl="0">
       <a:lnSpc>
         <a:spcPct val="100000"/>
       </a:lnSpc>
@@ -163,7 +163,7 @@
         <a:srgbClr val="000000"/>
       </a:buClr>
       <a:buFont typeface="Arial"/>
-      <a:defRPr b="0" i="0" sz="1400" u="none" cap="none" strike="noStrike">
+      <a:defRPr sz="1400" b="0" i="0" u="none" strike="noStrike" cap="none">
         <a:solidFill>
           <a:srgbClr val="000000"/>
         </a:solidFill>
@@ -173,7 +173,7 @@
         <a:sym typeface="Arial"/>
       </a:defRPr>
     </a:lvl6pPr>
-    <a:lvl7pPr lvl="6" marR="0" rtl="0" algn="l">
+    <a:lvl7pPr marR="0" lvl="6" algn="l" rtl="0">
       <a:lnSpc>
         <a:spcPct val="100000"/>
       </a:lnSpc>
@@ -187,7 +187,7 @@
         <a:srgbClr val="000000"/>
       </a:buClr>
       <a:buFont typeface="Arial"/>
-      <a:defRPr b="0" i="0" sz="1400" u="none" cap="none" strike="noStrike">
+      <a:defRPr sz="1400" b="0" i="0" u="none" strike="noStrike" cap="none">
         <a:solidFill>
           <a:srgbClr val="000000"/>
         </a:solidFill>
@@ -197,7 +197,7 @@
         <a:sym typeface="Arial"/>
       </a:defRPr>
     </a:lvl7pPr>
-    <a:lvl8pPr lvl="7" marR="0" rtl="0" algn="l">
+    <a:lvl8pPr marR="0" lvl="7" algn="l" rtl="0">
       <a:lnSpc>
         <a:spcPct val="100000"/>
       </a:lnSpc>
@@ -211,7 +211,7 @@
         <a:srgbClr val="000000"/>
       </a:buClr>
       <a:buFont typeface="Arial"/>
-      <a:defRPr b="0" i="0" sz="1400" u="none" cap="none" strike="noStrike">
+      <a:defRPr sz="1400" b="0" i="0" u="none" strike="noStrike" cap="none">
         <a:solidFill>
           <a:srgbClr val="000000"/>
         </a:solidFill>
@@ -221,7 +221,7 @@
         <a:sym typeface="Arial"/>
       </a:defRPr>
     </a:lvl8pPr>
-    <a:lvl9pPr lvl="8" marR="0" rtl="0" algn="l">
+    <a:lvl9pPr marR="0" lvl="8" algn="l" rtl="0">
       <a:lnSpc>
         <a:spcPct val="100000"/>
       </a:lnSpc>
@@ -235,7 +235,7 @@
         <a:srgbClr val="000000"/>
       </a:buClr>
       <a:buFont typeface="Arial"/>
-      <a:defRPr b="0" i="0" sz="1400" u="none" cap="none" strike="noStrike">
+      <a:defRPr sz="1400" b="0" i="0" u="none" strike="noStrike" cap="none">
         <a:solidFill>
           <a:srgbClr val="000000"/>
         </a:solidFill>
@@ -248,25 +248,292 @@
   </p:defaultTextStyle>
   <p:extLst>
     <p:ext uri="http://customooxmlschemas.google.com/">
-      <go:slidesCustomData xmlns:go="http://customooxmlschemas.google.com/" r:id="rId11" roundtripDataSignature="AMtx7miw7Fg9BWm7vHNkQBXt29LrrGx/UQ=="/>
+      <go:slidesCustomData xmlns:go="http://customooxmlschemas.google.com/" xmlns:ahyp="http://schemas.microsoft.com/office/drawing/2018/hyperlinkcolor" xmlns:p15="http://schemas.microsoft.com/office/powerpoint/2012/main" xmlns:p14="http://schemas.microsoft.com/office/powerpoint/2010/main" xmlns:com="http://schemas.openxmlformats.org/drawingml/2006/compatibility" xmlns:pvml="urn:schemas-microsoft-com:office:powerpoint" xmlns:v="urn:schemas-microsoft-com:vml" xmlns:o="urn:schemas-microsoft-com:office:office" xmlns:dgm="http://schemas.openxmlformats.org/drawingml/2006/diagram" xmlns:c="http://schemas.openxmlformats.org/drawingml/2006/chart" xmlns:mv="urn:schemas-microsoft-com:mac:vml" xmlns:mc="http://schemas.openxmlformats.org/markup-compatibility/2006" xmlns="" r:id="rId11" roundtripDataSignature="AMtx7miw7Fg9BWm7vHNkQBXt29LrrGx/UQ=="/>
     </p:ext>
   </p:extLst>
 </p:presentation>
 </file>
 
+<file path=ppt/revisionInfo.xml><?xml version="1.0" encoding="utf-8"?>
+<p1510:revInfo xmlns:a="http://schemas.openxmlformats.org/drawingml/2006/main" xmlns:r="http://schemas.openxmlformats.org/officeDocument/2006/relationships" xmlns:p1510="http://schemas.microsoft.com/office/powerpoint/2015/10/main">
+  <p1510:revLst>
+    <p1510:client id="{1E53E40C-9ACA-4259-B355-28C05824811C}" v="5" dt="2023-05-04T06:50:48.444"/>
+  </p1510:revLst>
+</p1510:revInfo>
+</file>
+
+<file path=ppt/changesInfos/changesInfo1.xml><?xml version="1.0" encoding="utf-8"?>
+<pc:chgInfo xmlns:a="http://schemas.openxmlformats.org/drawingml/2006/main" xmlns:r="http://schemas.openxmlformats.org/officeDocument/2006/relationships" xmlns:ac="http://schemas.microsoft.com/office/drawing/2013/main/command" xmlns:pc="http://schemas.microsoft.com/office/powerpoint/2013/main/command">
+  <pc:docChgLst>
+    <pc:chgData name="Farruh" userId="de8bb862-12c7-472f-9cba-bb61f72c7c9e" providerId="ADAL" clId="{1E53E40C-9ACA-4259-B355-28C05824811C}"/>
+    <pc:docChg chg="undo custSel addSld delSld modSld">
+      <pc:chgData name="Farruh" userId="de8bb862-12c7-472f-9cba-bb61f72c7c9e" providerId="ADAL" clId="{1E53E40C-9ACA-4259-B355-28C05824811C}" dt="2023-05-04T06:54:24.945" v="395" actId="20577"/>
+      <pc:docMkLst>
+        <pc:docMk/>
+      </pc:docMkLst>
+      <pc:sldChg chg="modSp mod">
+        <pc:chgData name="Farruh" userId="de8bb862-12c7-472f-9cba-bb61f72c7c9e" providerId="ADAL" clId="{1E53E40C-9ACA-4259-B355-28C05824811C}" dt="2023-05-04T06:44:04.678" v="66" actId="20577"/>
+        <pc:sldMkLst>
+          <pc:docMk/>
+          <pc:sldMk cId="0" sldId="256"/>
+        </pc:sldMkLst>
+        <pc:spChg chg="mod">
+          <ac:chgData name="Farruh" userId="de8bb862-12c7-472f-9cba-bb61f72c7c9e" providerId="ADAL" clId="{1E53E40C-9ACA-4259-B355-28C05824811C}" dt="2023-05-04T06:43:44.524" v="46" actId="20577"/>
+          <ac:spMkLst>
+            <pc:docMk/>
+            <pc:sldMk cId="0" sldId="256"/>
+            <ac:spMk id="90" creationId="{00000000-0000-0000-0000-000000000000}"/>
+          </ac:spMkLst>
+        </pc:spChg>
+        <pc:spChg chg="mod">
+          <ac:chgData name="Farruh" userId="de8bb862-12c7-472f-9cba-bb61f72c7c9e" providerId="ADAL" clId="{1E53E40C-9ACA-4259-B355-28C05824811C}" dt="2023-05-04T06:44:04.678" v="66" actId="20577"/>
+          <ac:spMkLst>
+            <pc:docMk/>
+            <pc:sldMk cId="0" sldId="256"/>
+            <ac:spMk id="91" creationId="{00000000-0000-0000-0000-000000000000}"/>
+          </ac:spMkLst>
+        </pc:spChg>
+      </pc:sldChg>
+      <pc:sldChg chg="del">
+        <pc:chgData name="Farruh" userId="de8bb862-12c7-472f-9cba-bb61f72c7c9e" providerId="ADAL" clId="{1E53E40C-9ACA-4259-B355-28C05824811C}" dt="2023-05-04T06:44:13.776" v="67" actId="47"/>
+        <pc:sldMkLst>
+          <pc:docMk/>
+          <pc:sldMk cId="0" sldId="257"/>
+        </pc:sldMkLst>
+      </pc:sldChg>
+      <pc:sldChg chg="del">
+        <pc:chgData name="Farruh" userId="de8bb862-12c7-472f-9cba-bb61f72c7c9e" providerId="ADAL" clId="{1E53E40C-9ACA-4259-B355-28C05824811C}" dt="2023-05-04T06:44:15.224" v="68" actId="47"/>
+        <pc:sldMkLst>
+          <pc:docMk/>
+          <pc:sldMk cId="0" sldId="258"/>
+        </pc:sldMkLst>
+      </pc:sldChg>
+      <pc:sldChg chg="del">
+        <pc:chgData name="Farruh" userId="de8bb862-12c7-472f-9cba-bb61f72c7c9e" providerId="ADAL" clId="{1E53E40C-9ACA-4259-B355-28C05824811C}" dt="2023-05-04T06:44:18.834" v="69" actId="47"/>
+        <pc:sldMkLst>
+          <pc:docMk/>
+          <pc:sldMk cId="0" sldId="259"/>
+        </pc:sldMkLst>
+      </pc:sldChg>
+      <pc:sldChg chg="del">
+        <pc:chgData name="Farruh" userId="de8bb862-12c7-472f-9cba-bb61f72c7c9e" providerId="ADAL" clId="{1E53E40C-9ACA-4259-B355-28C05824811C}" dt="2023-05-04T06:44:19.591" v="70" actId="47"/>
+        <pc:sldMkLst>
+          <pc:docMk/>
+          <pc:sldMk cId="0" sldId="260"/>
+        </pc:sldMkLst>
+      </pc:sldChg>
+      <pc:sldChg chg="modSp add del mod">
+        <pc:chgData name="Farruh" userId="de8bb862-12c7-472f-9cba-bb61f72c7c9e" providerId="ADAL" clId="{1E53E40C-9ACA-4259-B355-28C05824811C}" dt="2023-05-04T06:44:31.983" v="75" actId="47"/>
+        <pc:sldMkLst>
+          <pc:docMk/>
+          <pc:sldMk cId="0" sldId="261"/>
+        </pc:sldMkLst>
+        <pc:spChg chg="mod">
+          <ac:chgData name="Farruh" userId="de8bb862-12c7-472f-9cba-bb61f72c7c9e" providerId="ADAL" clId="{1E53E40C-9ACA-4259-B355-28C05824811C}" dt="2023-05-04T06:44:26.054" v="73" actId="27636"/>
+          <ac:spMkLst>
+            <pc:docMk/>
+            <pc:sldMk cId="0" sldId="261"/>
+            <ac:spMk id="128" creationId="{00000000-0000-0000-0000-000000000000}"/>
+          </ac:spMkLst>
+        </pc:spChg>
+      </pc:sldChg>
+      <pc:sldChg chg="addSp delSp modSp new mod">
+        <pc:chgData name="Farruh" userId="de8bb862-12c7-472f-9cba-bb61f72c7c9e" providerId="ADAL" clId="{1E53E40C-9ACA-4259-B355-28C05824811C}" dt="2023-05-04T06:46:59.230" v="231" actId="20577"/>
+        <pc:sldMkLst>
+          <pc:docMk/>
+          <pc:sldMk cId="1168973492" sldId="262"/>
+        </pc:sldMkLst>
+        <pc:spChg chg="mod">
+          <ac:chgData name="Farruh" userId="de8bb862-12c7-472f-9cba-bb61f72c7c9e" providerId="ADAL" clId="{1E53E40C-9ACA-4259-B355-28C05824811C}" dt="2023-05-04T06:44:41.607" v="105" actId="20577"/>
+          <ac:spMkLst>
+            <pc:docMk/>
+            <pc:sldMk cId="1168973492" sldId="262"/>
+            <ac:spMk id="2" creationId="{DD17FC45-2EBC-FD08-F968-44254B245470}"/>
+          </ac:spMkLst>
+        </pc:spChg>
+        <pc:spChg chg="del mod">
+          <ac:chgData name="Farruh" userId="de8bb862-12c7-472f-9cba-bb61f72c7c9e" providerId="ADAL" clId="{1E53E40C-9ACA-4259-B355-28C05824811C}" dt="2023-05-04T06:44:49.863" v="109" actId="478"/>
+          <ac:spMkLst>
+            <pc:docMk/>
+            <pc:sldMk cId="1168973492" sldId="262"/>
+            <ac:spMk id="3" creationId="{BB4685A3-D684-5044-E967-4160B1C49523}"/>
+          </ac:spMkLst>
+        </pc:spChg>
+        <pc:spChg chg="add mod">
+          <ac:chgData name="Farruh" userId="de8bb862-12c7-472f-9cba-bb61f72c7c9e" providerId="ADAL" clId="{1E53E40C-9ACA-4259-B355-28C05824811C}" dt="2023-05-04T06:46:59.230" v="231" actId="20577"/>
+          <ac:spMkLst>
+            <pc:docMk/>
+            <pc:sldMk cId="1168973492" sldId="262"/>
+            <ac:spMk id="6" creationId="{40C19153-A6B5-F668-3DEE-4F0091A6F1FB}"/>
+          </ac:spMkLst>
+        </pc:spChg>
+        <pc:picChg chg="add mod modCrop">
+          <ac:chgData name="Farruh" userId="de8bb862-12c7-472f-9cba-bb61f72c7c9e" providerId="ADAL" clId="{1E53E40C-9ACA-4259-B355-28C05824811C}" dt="2023-05-04T06:45:43.786" v="120" actId="1036"/>
+          <ac:picMkLst>
+            <pc:docMk/>
+            <pc:sldMk cId="1168973492" sldId="262"/>
+            <ac:picMk id="5" creationId="{04E34684-4B64-A34E-9AC5-43E88529D586}"/>
+          </ac:picMkLst>
+        </pc:picChg>
+      </pc:sldChg>
+      <pc:sldChg chg="addSp delSp modSp new mod">
+        <pc:chgData name="Farruh" userId="de8bb862-12c7-472f-9cba-bb61f72c7c9e" providerId="ADAL" clId="{1E53E40C-9ACA-4259-B355-28C05824811C}" dt="2023-05-04T06:48:21.014" v="279" actId="1076"/>
+        <pc:sldMkLst>
+          <pc:docMk/>
+          <pc:sldMk cId="1783288415" sldId="263"/>
+        </pc:sldMkLst>
+        <pc:spChg chg="mod">
+          <ac:chgData name="Farruh" userId="de8bb862-12c7-472f-9cba-bb61f72c7c9e" providerId="ADAL" clId="{1E53E40C-9ACA-4259-B355-28C05824811C}" dt="2023-05-04T06:48:07.601" v="272" actId="20577"/>
+          <ac:spMkLst>
+            <pc:docMk/>
+            <pc:sldMk cId="1783288415" sldId="263"/>
+            <ac:spMk id="2" creationId="{84B1DFA8-FE93-D693-2AA5-523DD8BE2884}"/>
+          </ac:spMkLst>
+        </pc:spChg>
+        <pc:spChg chg="del mod">
+          <ac:chgData name="Farruh" userId="de8bb862-12c7-472f-9cba-bb61f72c7c9e" providerId="ADAL" clId="{1E53E40C-9ACA-4259-B355-28C05824811C}" dt="2023-05-04T06:48:10.666" v="274" actId="478"/>
+          <ac:spMkLst>
+            <pc:docMk/>
+            <pc:sldMk cId="1783288415" sldId="263"/>
+            <ac:spMk id="3" creationId="{55F5E1F4-C751-9E92-801E-C3F3CFA65450}"/>
+          </ac:spMkLst>
+        </pc:spChg>
+        <pc:picChg chg="add del">
+          <ac:chgData name="Farruh" userId="de8bb862-12c7-472f-9cba-bb61f72c7c9e" providerId="ADAL" clId="{1E53E40C-9ACA-4259-B355-28C05824811C}" dt="2023-05-04T06:48:13.625" v="276" actId="478"/>
+          <ac:picMkLst>
+            <pc:docMk/>
+            <pc:sldMk cId="1783288415" sldId="263"/>
+            <ac:picMk id="5" creationId="{D36099CC-F2E1-7491-97FC-C6DEC18FDFB6}"/>
+          </ac:picMkLst>
+        </pc:picChg>
+        <pc:picChg chg="add mod">
+          <ac:chgData name="Farruh" userId="de8bb862-12c7-472f-9cba-bb61f72c7c9e" providerId="ADAL" clId="{1E53E40C-9ACA-4259-B355-28C05824811C}" dt="2023-05-04T06:48:21.014" v="279" actId="1076"/>
+          <ac:picMkLst>
+            <pc:docMk/>
+            <pc:sldMk cId="1783288415" sldId="263"/>
+            <ac:picMk id="7" creationId="{D8823599-FC27-1495-9501-2EB78962743E}"/>
+          </ac:picMkLst>
+        </pc:picChg>
+      </pc:sldChg>
+      <pc:sldChg chg="addSp delSp modSp new mod">
+        <pc:chgData name="Farruh" userId="de8bb862-12c7-472f-9cba-bb61f72c7c9e" providerId="ADAL" clId="{1E53E40C-9ACA-4259-B355-28C05824811C}" dt="2023-05-04T06:49:49.996" v="340" actId="20577"/>
+        <pc:sldMkLst>
+          <pc:docMk/>
+          <pc:sldMk cId="1780000538" sldId="264"/>
+        </pc:sldMkLst>
+        <pc:spChg chg="mod">
+          <ac:chgData name="Farruh" userId="de8bb862-12c7-472f-9cba-bb61f72c7c9e" providerId="ADAL" clId="{1E53E40C-9ACA-4259-B355-28C05824811C}" dt="2023-05-04T06:49:49.996" v="340" actId="20577"/>
+          <ac:spMkLst>
+            <pc:docMk/>
+            <pc:sldMk cId="1780000538" sldId="264"/>
+            <ac:spMk id="2" creationId="{C7DD264B-CE1C-F94F-EE9B-591644A406ED}"/>
+          </ac:spMkLst>
+        </pc:spChg>
+        <pc:spChg chg="del">
+          <ac:chgData name="Farruh" userId="de8bb862-12c7-472f-9cba-bb61f72c7c9e" providerId="ADAL" clId="{1E53E40C-9ACA-4259-B355-28C05824811C}" dt="2023-05-04T06:48:33.612" v="324" actId="478"/>
+          <ac:spMkLst>
+            <pc:docMk/>
+            <pc:sldMk cId="1780000538" sldId="264"/>
+            <ac:spMk id="3" creationId="{7BF2BA14-C3AA-4BDB-1D0A-3CC124B6CAB3}"/>
+          </ac:spMkLst>
+        </pc:spChg>
+        <pc:picChg chg="add mod">
+          <ac:chgData name="Farruh" userId="de8bb862-12c7-472f-9cba-bb61f72c7c9e" providerId="ADAL" clId="{1E53E40C-9ACA-4259-B355-28C05824811C}" dt="2023-05-04T06:49:42.880" v="328" actId="14100"/>
+          <ac:picMkLst>
+            <pc:docMk/>
+            <pc:sldMk cId="1780000538" sldId="264"/>
+            <ac:picMk id="5" creationId="{DC3E3E4A-D4C1-C418-CE71-F6E64DD2F16E}"/>
+          </ac:picMkLst>
+        </pc:picChg>
+      </pc:sldChg>
+      <pc:sldChg chg="addSp delSp modSp new mod">
+        <pc:chgData name="Farruh" userId="de8bb862-12c7-472f-9cba-bb61f72c7c9e" providerId="ADAL" clId="{1E53E40C-9ACA-4259-B355-28C05824811C}" dt="2023-05-04T06:50:48.442" v="372" actId="14826"/>
+        <pc:sldMkLst>
+          <pc:docMk/>
+          <pc:sldMk cId="1288116916" sldId="265"/>
+        </pc:sldMkLst>
+        <pc:spChg chg="mod">
+          <ac:chgData name="Farruh" userId="de8bb862-12c7-472f-9cba-bb61f72c7c9e" providerId="ADAL" clId="{1E53E40C-9ACA-4259-B355-28C05824811C}" dt="2023-05-04T06:50:00.442" v="367" actId="20577"/>
+          <ac:spMkLst>
+            <pc:docMk/>
+            <pc:sldMk cId="1288116916" sldId="265"/>
+            <ac:spMk id="2" creationId="{EA2B4730-AE37-6118-E75B-A3DEEB78E548}"/>
+          </ac:spMkLst>
+        </pc:spChg>
+        <pc:spChg chg="del">
+          <ac:chgData name="Farruh" userId="de8bb862-12c7-472f-9cba-bb61f72c7c9e" providerId="ADAL" clId="{1E53E40C-9ACA-4259-B355-28C05824811C}" dt="2023-05-04T06:50:04.438" v="368" actId="478"/>
+          <ac:spMkLst>
+            <pc:docMk/>
+            <pc:sldMk cId="1288116916" sldId="265"/>
+            <ac:spMk id="3" creationId="{6FE69C23-08C8-BF96-6887-DDE79B59F2C7}"/>
+          </ac:spMkLst>
+        </pc:spChg>
+        <pc:picChg chg="add del mod">
+          <ac:chgData name="Farruh" userId="de8bb862-12c7-472f-9cba-bb61f72c7c9e" providerId="ADAL" clId="{1E53E40C-9ACA-4259-B355-28C05824811C}" dt="2023-05-04T06:50:24.643" v="370" actId="478"/>
+          <ac:picMkLst>
+            <pc:docMk/>
+            <pc:sldMk cId="1288116916" sldId="265"/>
+            <ac:picMk id="5" creationId="{AF7F3AFA-EA51-0BCF-DE3E-E557845F3DCB}"/>
+          </ac:picMkLst>
+        </pc:picChg>
+        <pc:picChg chg="add mod">
+          <ac:chgData name="Farruh" userId="de8bb862-12c7-472f-9cba-bb61f72c7c9e" providerId="ADAL" clId="{1E53E40C-9ACA-4259-B355-28C05824811C}" dt="2023-05-04T06:50:48.442" v="372" actId="14826"/>
+          <ac:picMkLst>
+            <pc:docMk/>
+            <pc:sldMk cId="1288116916" sldId="265"/>
+            <ac:picMk id="7" creationId="{F40AF75A-B382-42E6-E842-E5AA12CBAF7E}"/>
+          </ac:picMkLst>
+        </pc:picChg>
+      </pc:sldChg>
+      <pc:sldChg chg="modSp new mod">
+        <pc:chgData name="Farruh" userId="de8bb862-12c7-472f-9cba-bb61f72c7c9e" providerId="ADAL" clId="{1E53E40C-9ACA-4259-B355-28C05824811C}" dt="2023-05-04T06:54:24.945" v="395" actId="20577"/>
+        <pc:sldMkLst>
+          <pc:docMk/>
+          <pc:sldMk cId="184825024" sldId="266"/>
+        </pc:sldMkLst>
+        <pc:spChg chg="mod">
+          <ac:chgData name="Farruh" userId="de8bb862-12c7-472f-9cba-bb61f72c7c9e" providerId="ADAL" clId="{1E53E40C-9ACA-4259-B355-28C05824811C}" dt="2023-05-04T06:54:24.945" v="395" actId="20577"/>
+          <ac:spMkLst>
+            <pc:docMk/>
+            <pc:sldMk cId="184825024" sldId="266"/>
+            <ac:spMk id="2" creationId="{F02CC09A-E061-99A0-AF33-049101430E2F}"/>
+          </ac:spMkLst>
+        </pc:spChg>
+      </pc:sldChg>
+      <pc:sldMasterChg chg="addSldLayout delSldLayout">
+        <pc:chgData name="Farruh" userId="de8bb862-12c7-472f-9cba-bb61f72c7c9e" providerId="ADAL" clId="{1E53E40C-9ACA-4259-B355-28C05824811C}" dt="2023-05-04T06:44:26.020" v="72" actId="47"/>
+        <pc:sldMasterMkLst>
+          <pc:docMk/>
+          <pc:sldMasterMk cId="0" sldId="2147483648"/>
+        </pc:sldMasterMkLst>
+        <pc:sldLayoutChg chg="add del">
+          <pc:chgData name="Farruh" userId="de8bb862-12c7-472f-9cba-bb61f72c7c9e" providerId="ADAL" clId="{1E53E40C-9ACA-4259-B355-28C05824811C}" dt="2023-05-04T06:44:26.020" v="72" actId="47"/>
+          <pc:sldLayoutMkLst>
+            <pc:docMk/>
+            <pc:sldMasterMk cId="0" sldId="2147483648"/>
+            <pc:sldLayoutMk cId="0" sldId="2147483650"/>
+          </pc:sldLayoutMkLst>
+        </pc:sldLayoutChg>
+      </pc:sldMasterChg>
+    </pc:docChg>
+  </pc:docChgLst>
+</pc:chgInfo>
+</file>
+
 <file path=ppt/notesMasters/notesMaster1.xml><?xml version="1.0" encoding="utf-8"?>
-<p:notesMaster xmlns:a="http://schemas.openxmlformats.org/drawingml/2006/main" xmlns:r="http://schemas.openxmlformats.org/officeDocument/2006/relationships" xmlns:mc="http://schemas.openxmlformats.org/markup-compatibility/2006" xmlns:mv="urn:schemas-microsoft-com:mac:vml" xmlns:p="http://schemas.openxmlformats.org/presentationml/2006/main" xmlns:c="http://schemas.openxmlformats.org/drawingml/2006/chart" xmlns:dgm="http://schemas.openxmlformats.org/drawingml/2006/diagram" xmlns:o="urn:schemas-microsoft-com:office:office" xmlns:v="urn:schemas-microsoft-com:vml" xmlns:pvml="urn:schemas-microsoft-com:office:powerpoint" xmlns:com="http://schemas.openxmlformats.org/drawingml/2006/compatibility" xmlns:p14="http://schemas.microsoft.com/office/powerpoint/2010/main" xmlns:p15="http://schemas.microsoft.com/office/powerpoint/2012/main" xmlns:ahyp="http://schemas.microsoft.com/office/drawing/2018/hyperlinkcolor">
+<p:notesMaster xmlns:a="http://schemas.openxmlformats.org/drawingml/2006/main" xmlns:r="http://schemas.openxmlformats.org/officeDocument/2006/relationships" xmlns:p="http://schemas.openxmlformats.org/presentationml/2006/main">
   <p:cSld>
     <p:bg>
       <p:bgPr>
         <a:solidFill>
           <a:schemeClr val="lt1"/>
         </a:solidFill>
+        <a:effectLst/>
       </p:bgPr>
     </p:bg>
     <p:spTree>
       <p:nvGrpSpPr>
-        <p:cNvPr id="2" name="Shape 2"/>
+        <p:cNvPr id="1" name="Shape 2"/>
         <p:cNvGrpSpPr/>
         <p:nvPr/>
       </p:nvGrpSpPr>
@@ -281,9 +548,11 @@
       <p:sp>
         <p:nvSpPr>
           <p:cNvPr id="3" name="Google Shape;3;n"/>
-          <p:cNvSpPr txBox="1"/>
+          <p:cNvSpPr txBox="1">
+            <a:spLocks noGrp="1"/>
+          </p:cNvSpPr>
           <p:nvPr>
-            <p:ph idx="2" type="hdr"/>
+            <p:ph type="hdr" idx="2"/>
           </p:nvPr>
         </p:nvSpPr>
         <p:spPr>
@@ -300,11 +569,11 @@
           </a:ln>
         </p:spPr>
         <p:txBody>
-          <a:bodyPr anchorCtr="0" anchor="t" bIns="45700" lIns="91425" spcFirstLastPara="1" rIns="91425" wrap="square" tIns="45700">
+          <a:bodyPr spcFirstLastPara="1" wrap="square" lIns="91425" tIns="45700" rIns="91425" bIns="45700" anchor="t" anchorCtr="0">
             <a:noAutofit/>
           </a:bodyPr>
           <a:lstStyle>
-            <a:lvl1pPr lvl="0" marR="0" rtl="0" algn="l">
+            <a:lvl1pPr marR="0" lvl="0" algn="l" rtl="0">
               <a:lnSpc>
                 <a:spcPct val="100000"/>
               </a:lnSpc>
@@ -320,7 +589,7 @@
               <a:buSzPts val="1400"/>
               <a:buFont typeface="Arial"/>
               <a:buNone/>
-              <a:defRPr b="0" i="0" sz="1200" u="none" cap="none" strike="noStrike">
+              <a:defRPr sz="1200" b="0" i="0" u="none" strike="noStrike" cap="none">
                 <a:solidFill>
                   <a:schemeClr val="dk1"/>
                 </a:solidFill>
@@ -330,7 +599,7 @@
                 <a:sym typeface="Calibri"/>
               </a:defRPr>
             </a:lvl1pPr>
-            <a:lvl2pPr lvl="1" marR="0" rtl="0" algn="l">
+            <a:lvl2pPr marR="0" lvl="1" algn="l" rtl="0">
               <a:lnSpc>
                 <a:spcPct val="100000"/>
               </a:lnSpc>
@@ -346,7 +615,7 @@
               <a:buSzPts val="1400"/>
               <a:buFont typeface="Arial"/>
               <a:buNone/>
-              <a:defRPr b="0" i="0" sz="1800" u="none" cap="none" strike="noStrike">
+              <a:defRPr sz="1800" b="0" i="0" u="none" strike="noStrike" cap="none">
                 <a:solidFill>
                   <a:schemeClr val="dk1"/>
                 </a:solidFill>
@@ -356,7 +625,7 @@
                 <a:sym typeface="Calibri"/>
               </a:defRPr>
             </a:lvl2pPr>
-            <a:lvl3pPr lvl="2" marR="0" rtl="0" algn="l">
+            <a:lvl3pPr marR="0" lvl="2" algn="l" rtl="0">
               <a:lnSpc>
                 <a:spcPct val="100000"/>
               </a:lnSpc>
@@ -372,7 +641,7 @@
               <a:buSzPts val="1400"/>
               <a:buFont typeface="Arial"/>
               <a:buNone/>
-              <a:defRPr b="0" i="0" sz="1800" u="none" cap="none" strike="noStrike">
+              <a:defRPr sz="1800" b="0" i="0" u="none" strike="noStrike" cap="none">
                 <a:solidFill>
                   <a:schemeClr val="dk1"/>
                 </a:solidFill>
@@ -382,7 +651,7 @@
                 <a:sym typeface="Calibri"/>
               </a:defRPr>
             </a:lvl3pPr>
-            <a:lvl4pPr lvl="3" marR="0" rtl="0" algn="l">
+            <a:lvl4pPr marR="0" lvl="3" algn="l" rtl="0">
               <a:lnSpc>
                 <a:spcPct val="100000"/>
               </a:lnSpc>
@@ -398,7 +667,7 @@
               <a:buSzPts val="1400"/>
               <a:buFont typeface="Arial"/>
               <a:buNone/>
-              <a:defRPr b="0" i="0" sz="1800" u="none" cap="none" strike="noStrike">
+              <a:defRPr sz="1800" b="0" i="0" u="none" strike="noStrike" cap="none">
                 <a:solidFill>
                   <a:schemeClr val="dk1"/>
                 </a:solidFill>
@@ -408,7 +677,7 @@
                 <a:sym typeface="Calibri"/>
               </a:defRPr>
             </a:lvl4pPr>
-            <a:lvl5pPr lvl="4" marR="0" rtl="0" algn="l">
+            <a:lvl5pPr marR="0" lvl="4" algn="l" rtl="0">
               <a:lnSpc>
                 <a:spcPct val="100000"/>
               </a:lnSpc>
@@ -424,7 +693,7 @@
               <a:buSzPts val="1400"/>
               <a:buFont typeface="Arial"/>
               <a:buNone/>
-              <a:defRPr b="0" i="0" sz="1800" u="none" cap="none" strike="noStrike">
+              <a:defRPr sz="1800" b="0" i="0" u="none" strike="noStrike" cap="none">
                 <a:solidFill>
                   <a:schemeClr val="dk1"/>
                 </a:solidFill>
@@ -434,7 +703,7 @@
                 <a:sym typeface="Calibri"/>
               </a:defRPr>
             </a:lvl5pPr>
-            <a:lvl6pPr lvl="5" marR="0" rtl="0" algn="l">
+            <a:lvl6pPr marR="0" lvl="5" algn="l" rtl="0">
               <a:lnSpc>
                 <a:spcPct val="100000"/>
               </a:lnSpc>
@@ -450,7 +719,7 @@
               <a:buSzPts val="1400"/>
               <a:buFont typeface="Arial"/>
               <a:buNone/>
-              <a:defRPr b="0" i="0" sz="1800" u="none" cap="none" strike="noStrike">
+              <a:defRPr sz="1800" b="0" i="0" u="none" strike="noStrike" cap="none">
                 <a:solidFill>
                   <a:schemeClr val="dk1"/>
                 </a:solidFill>
@@ -460,7 +729,7 @@
                 <a:sym typeface="Calibri"/>
               </a:defRPr>
             </a:lvl6pPr>
-            <a:lvl7pPr lvl="6" marR="0" rtl="0" algn="l">
+            <a:lvl7pPr marR="0" lvl="6" algn="l" rtl="0">
               <a:lnSpc>
                 <a:spcPct val="100000"/>
               </a:lnSpc>
@@ -476,7 +745,7 @@
               <a:buSzPts val="1400"/>
               <a:buFont typeface="Arial"/>
               <a:buNone/>
-              <a:defRPr b="0" i="0" sz="1800" u="none" cap="none" strike="noStrike">
+              <a:defRPr sz="1800" b="0" i="0" u="none" strike="noStrike" cap="none">
                 <a:solidFill>
                   <a:schemeClr val="dk1"/>
                 </a:solidFill>
@@ -486,7 +755,7 @@
                 <a:sym typeface="Calibri"/>
               </a:defRPr>
             </a:lvl7pPr>
-            <a:lvl8pPr lvl="7" marR="0" rtl="0" algn="l">
+            <a:lvl8pPr marR="0" lvl="7" algn="l" rtl="0">
               <a:lnSpc>
                 <a:spcPct val="100000"/>
               </a:lnSpc>
@@ -502,7 +771,7 @@
               <a:buSzPts val="1400"/>
               <a:buFont typeface="Arial"/>
               <a:buNone/>
-              <a:defRPr b="0" i="0" sz="1800" u="none" cap="none" strike="noStrike">
+              <a:defRPr sz="1800" b="0" i="0" u="none" strike="noStrike" cap="none">
                 <a:solidFill>
                   <a:schemeClr val="dk1"/>
                 </a:solidFill>
@@ -512,7 +781,7 @@
                 <a:sym typeface="Calibri"/>
               </a:defRPr>
             </a:lvl8pPr>
-            <a:lvl9pPr lvl="8" marR="0" rtl="0" algn="l">
+            <a:lvl9pPr marR="0" lvl="8" algn="l" rtl="0">
               <a:lnSpc>
                 <a:spcPct val="100000"/>
               </a:lnSpc>
@@ -528,7 +797,7 @@
               <a:buSzPts val="1400"/>
               <a:buFont typeface="Arial"/>
               <a:buNone/>
-              <a:defRPr b="0" i="0" sz="1800" u="none" cap="none" strike="noStrike">
+              <a:defRPr sz="1800" b="0" i="0" u="none" strike="noStrike" cap="none">
                 <a:solidFill>
                   <a:schemeClr val="dk1"/>
                 </a:solidFill>
@@ -539,15 +808,19 @@
               </a:defRPr>
             </a:lvl9pPr>
           </a:lstStyle>
-          <a:p/>
+          <a:p>
+            <a:endParaRPr/>
+          </a:p>
         </p:txBody>
       </p:sp>
       <p:sp>
         <p:nvSpPr>
           <p:cNvPr id="4" name="Google Shape;4;n"/>
-          <p:cNvSpPr txBox="1"/>
+          <p:cNvSpPr txBox="1">
+            <a:spLocks noGrp="1"/>
+          </p:cNvSpPr>
           <p:nvPr>
-            <p:ph idx="10" type="dt"/>
+            <p:ph type="dt" idx="10"/>
           </p:nvPr>
         </p:nvSpPr>
         <p:spPr>
@@ -564,11 +837,11 @@
           </a:ln>
         </p:spPr>
         <p:txBody>
-          <a:bodyPr anchorCtr="0" anchor="t" bIns="45700" lIns="91425" spcFirstLastPara="1" rIns="91425" wrap="square" tIns="45700">
+          <a:bodyPr spcFirstLastPara="1" wrap="square" lIns="91425" tIns="45700" rIns="91425" bIns="45700" anchor="t" anchorCtr="0">
             <a:noAutofit/>
           </a:bodyPr>
           <a:lstStyle>
-            <a:lvl1pPr lvl="0" marR="0" rtl="0" algn="r">
+            <a:lvl1pPr marR="0" lvl="0" algn="r" rtl="0">
               <a:lnSpc>
                 <a:spcPct val="100000"/>
               </a:lnSpc>
@@ -584,7 +857,7 @@
               <a:buSzPts val="1400"/>
               <a:buFont typeface="Arial"/>
               <a:buNone/>
-              <a:defRPr b="0" i="0" sz="1200" u="none" cap="none" strike="noStrike">
+              <a:defRPr sz="1200" b="0" i="0" u="none" strike="noStrike" cap="none">
                 <a:solidFill>
                   <a:schemeClr val="dk1"/>
                 </a:solidFill>
@@ -594,7 +867,7 @@
                 <a:sym typeface="Calibri"/>
               </a:defRPr>
             </a:lvl1pPr>
-            <a:lvl2pPr lvl="1" marR="0" rtl="0" algn="l">
+            <a:lvl2pPr marR="0" lvl="1" algn="l" rtl="0">
               <a:lnSpc>
                 <a:spcPct val="100000"/>
               </a:lnSpc>
@@ -610,7 +883,7 @@
               <a:buSzPts val="1400"/>
               <a:buFont typeface="Arial"/>
               <a:buNone/>
-              <a:defRPr b="0" i="0" sz="1800" u="none" cap="none" strike="noStrike">
+              <a:defRPr sz="1800" b="0" i="0" u="none" strike="noStrike" cap="none">
                 <a:solidFill>
                   <a:schemeClr val="dk1"/>
                 </a:solidFill>
@@ -620,7 +893,7 @@
                 <a:sym typeface="Calibri"/>
               </a:defRPr>
             </a:lvl2pPr>
-            <a:lvl3pPr lvl="2" marR="0" rtl="0" algn="l">
+            <a:lvl3pPr marR="0" lvl="2" algn="l" rtl="0">
               <a:lnSpc>
                 <a:spcPct val="100000"/>
               </a:lnSpc>
@@ -636,7 +909,7 @@
               <a:buSzPts val="1400"/>
               <a:buFont typeface="Arial"/>
               <a:buNone/>
-              <a:defRPr b="0" i="0" sz="1800" u="none" cap="none" strike="noStrike">
+              <a:defRPr sz="1800" b="0" i="0" u="none" strike="noStrike" cap="none">
                 <a:solidFill>
                   <a:schemeClr val="dk1"/>
                 </a:solidFill>
@@ -646,7 +919,7 @@
                 <a:sym typeface="Calibri"/>
               </a:defRPr>
             </a:lvl3pPr>
-            <a:lvl4pPr lvl="3" marR="0" rtl="0" algn="l">
+            <a:lvl4pPr marR="0" lvl="3" algn="l" rtl="0">
               <a:lnSpc>
                 <a:spcPct val="100000"/>
               </a:lnSpc>
@@ -662,7 +935,7 @@
               <a:buSzPts val="1400"/>
               <a:buFont typeface="Arial"/>
               <a:buNone/>
-              <a:defRPr b="0" i="0" sz="1800" u="none" cap="none" strike="noStrike">
+              <a:defRPr sz="1800" b="0" i="0" u="none" strike="noStrike" cap="none">
                 <a:solidFill>
                   <a:schemeClr val="dk1"/>
                 </a:solidFill>
@@ -672,7 +945,7 @@
                 <a:sym typeface="Calibri"/>
               </a:defRPr>
             </a:lvl4pPr>
-            <a:lvl5pPr lvl="4" marR="0" rtl="0" algn="l">
+            <a:lvl5pPr marR="0" lvl="4" algn="l" rtl="0">
               <a:lnSpc>
                 <a:spcPct val="100000"/>
               </a:lnSpc>
@@ -688,7 +961,7 @@
               <a:buSzPts val="1400"/>
               <a:buFont typeface="Arial"/>
               <a:buNone/>
-              <a:defRPr b="0" i="0" sz="1800" u="none" cap="none" strike="noStrike">
+              <a:defRPr sz="1800" b="0" i="0" u="none" strike="noStrike" cap="none">
                 <a:solidFill>
                   <a:schemeClr val="dk1"/>
                 </a:solidFill>
@@ -698,7 +971,7 @@
                 <a:sym typeface="Calibri"/>
               </a:defRPr>
             </a:lvl5pPr>
-            <a:lvl6pPr lvl="5" marR="0" rtl="0" algn="l">
+            <a:lvl6pPr marR="0" lvl="5" algn="l" rtl="0">
               <a:lnSpc>
                 <a:spcPct val="100000"/>
               </a:lnSpc>
@@ -714,7 +987,7 @@
               <a:buSzPts val="1400"/>
               <a:buFont typeface="Arial"/>
               <a:buNone/>
-              <a:defRPr b="0" i="0" sz="1800" u="none" cap="none" strike="noStrike">
+              <a:defRPr sz="1800" b="0" i="0" u="none" strike="noStrike" cap="none">
                 <a:solidFill>
                   <a:schemeClr val="dk1"/>
                 </a:solidFill>
@@ -724,7 +997,7 @@
                 <a:sym typeface="Calibri"/>
               </a:defRPr>
             </a:lvl6pPr>
-            <a:lvl7pPr lvl="6" marR="0" rtl="0" algn="l">
+            <a:lvl7pPr marR="0" lvl="6" algn="l" rtl="0">
               <a:lnSpc>
                 <a:spcPct val="100000"/>
               </a:lnSpc>
@@ -740,7 +1013,7 @@
               <a:buSzPts val="1400"/>
               <a:buFont typeface="Arial"/>
               <a:buNone/>
-              <a:defRPr b="0" i="0" sz="1800" u="none" cap="none" strike="noStrike">
+              <a:defRPr sz="1800" b="0" i="0" u="none" strike="noStrike" cap="none">
                 <a:solidFill>
                   <a:schemeClr val="dk1"/>
                 </a:solidFill>
@@ -750,7 +1023,7 @@
                 <a:sym typeface="Calibri"/>
               </a:defRPr>
             </a:lvl7pPr>
-            <a:lvl8pPr lvl="7" marR="0" rtl="0" algn="l">
+            <a:lvl8pPr marR="0" lvl="7" algn="l" rtl="0">
               <a:lnSpc>
                 <a:spcPct val="100000"/>
               </a:lnSpc>
@@ -766,7 +1039,7 @@
               <a:buSzPts val="1400"/>
               <a:buFont typeface="Arial"/>
               <a:buNone/>
-              <a:defRPr b="0" i="0" sz="1800" u="none" cap="none" strike="noStrike">
+              <a:defRPr sz="1800" b="0" i="0" u="none" strike="noStrike" cap="none">
                 <a:solidFill>
                   <a:schemeClr val="dk1"/>
                 </a:solidFill>
@@ -776,7 +1049,7 @@
                 <a:sym typeface="Calibri"/>
               </a:defRPr>
             </a:lvl8pPr>
-            <a:lvl9pPr lvl="8" marR="0" rtl="0" algn="l">
+            <a:lvl9pPr marR="0" lvl="8" algn="l" rtl="0">
               <a:lnSpc>
                 <a:spcPct val="100000"/>
               </a:lnSpc>
@@ -792,7 +1065,7 @@
               <a:buSzPts val="1400"/>
               <a:buFont typeface="Arial"/>
               <a:buNone/>
-              <a:defRPr b="0" i="0" sz="1800" u="none" cap="none" strike="noStrike">
+              <a:defRPr sz="1800" b="0" i="0" u="none" strike="noStrike" cap="none">
                 <a:solidFill>
                   <a:schemeClr val="dk1"/>
                 </a:solidFill>
@@ -803,15 +1076,19 @@
               </a:defRPr>
             </a:lvl9pPr>
           </a:lstStyle>
-          <a:p/>
+          <a:p>
+            <a:endParaRPr/>
+          </a:p>
         </p:txBody>
       </p:sp>
       <p:sp>
         <p:nvSpPr>
           <p:cNvPr id="5" name="Google Shape;5;n"/>
-          <p:cNvSpPr/>
+          <p:cNvSpPr>
+            <a:spLocks noGrp="1" noRot="1" noChangeAspect="1"/>
+          </p:cNvSpPr>
           <p:nvPr>
-            <p:ph idx="3" type="sldImg"/>
+            <p:ph type="sldImg" idx="3"/>
           </p:nvPr>
         </p:nvSpPr>
         <p:spPr>
@@ -820,9 +1097,13 @@
             <a:ext cx="5486400" cy="3086100"/>
           </a:xfrm>
           <a:custGeom>
-            <a:rect b="b" l="l" r="r" t="t"/>
+            <a:avLst/>
+            <a:gdLst/>
+            <a:ahLst/>
+            <a:cxnLst/>
+            <a:rect l="l" t="t" r="r" b="b"/>
             <a:pathLst>
-              <a:path extrusionOk="0" h="120000" w="120000">
+              <a:path w="120000" h="120000" extrusionOk="0">
                 <a:moveTo>
                   <a:pt x="0" y="0"/>
                 </a:moveTo>
@@ -840,23 +1121,25 @@
             </a:pathLst>
           </a:custGeom>
           <a:noFill/>
-          <a:ln cap="flat" cmpd="sng" w="12700">
+          <a:ln w="12700" cap="flat" cmpd="sng">
             <a:solidFill>
               <a:srgbClr val="000000"/>
             </a:solidFill>
             <a:prstDash val="solid"/>
             <a:round/>
-            <a:headEnd len="sm" w="sm" type="none"/>
-            <a:tailEnd len="sm" w="sm" type="none"/>
+            <a:headEnd type="none" w="sm" len="sm"/>
+            <a:tailEnd type="none" w="sm" len="sm"/>
           </a:ln>
         </p:spPr>
       </p:sp>
       <p:sp>
         <p:nvSpPr>
           <p:cNvPr id="6" name="Google Shape;6;n"/>
-          <p:cNvSpPr txBox="1"/>
+          <p:cNvSpPr txBox="1">
+            <a:spLocks noGrp="1"/>
+          </p:cNvSpPr>
           <p:nvPr>
-            <p:ph idx="1" type="body"/>
+            <p:ph type="body" idx="1"/>
           </p:nvPr>
         </p:nvSpPr>
         <p:spPr>
@@ -873,11 +1156,11 @@
           </a:ln>
         </p:spPr>
         <p:txBody>
-          <a:bodyPr anchorCtr="0" anchor="t" bIns="45700" lIns="91425" spcFirstLastPara="1" rIns="91425" wrap="square" tIns="45700">
+          <a:bodyPr spcFirstLastPara="1" wrap="square" lIns="91425" tIns="45700" rIns="91425" bIns="45700" anchor="t" anchorCtr="0">
             <a:noAutofit/>
           </a:bodyPr>
           <a:lstStyle>
-            <a:lvl1pPr indent="-228600" lvl="0" marL="457200" marR="0" rtl="0" algn="l">
+            <a:lvl1pPr marL="457200" marR="0" lvl="0" indent="-228600" algn="l" rtl="0">
               <a:lnSpc>
                 <a:spcPct val="100000"/>
               </a:lnSpc>
@@ -893,7 +1176,7 @@
               <a:buSzPts val="1400"/>
               <a:buFont typeface="Arial"/>
               <a:buNone/>
-              <a:defRPr b="0" i="0" sz="1200" u="none" cap="none" strike="noStrike">
+              <a:defRPr sz="1200" b="0" i="0" u="none" strike="noStrike" cap="none">
                 <a:solidFill>
                   <a:schemeClr val="dk1"/>
                 </a:solidFill>
@@ -903,7 +1186,7 @@
                 <a:sym typeface="Calibri"/>
               </a:defRPr>
             </a:lvl1pPr>
-            <a:lvl2pPr indent="-228600" lvl="1" marL="914400" marR="0" rtl="0" algn="l">
+            <a:lvl2pPr marL="914400" marR="0" lvl="1" indent="-228600" algn="l" rtl="0">
               <a:lnSpc>
                 <a:spcPct val="100000"/>
               </a:lnSpc>
@@ -919,7 +1202,7 @@
               <a:buSzPts val="1400"/>
               <a:buFont typeface="Arial"/>
               <a:buNone/>
-              <a:defRPr b="0" i="0" sz="1200" u="none" cap="none" strike="noStrike">
+              <a:defRPr sz="1200" b="0" i="0" u="none" strike="noStrike" cap="none">
                 <a:solidFill>
                   <a:schemeClr val="dk1"/>
                 </a:solidFill>
@@ -929,7 +1212,7 @@
                 <a:sym typeface="Calibri"/>
               </a:defRPr>
             </a:lvl2pPr>
-            <a:lvl3pPr indent="-228600" lvl="2" marL="1371600" marR="0" rtl="0" algn="l">
+            <a:lvl3pPr marL="1371600" marR="0" lvl="2" indent="-228600" algn="l" rtl="0">
               <a:lnSpc>
                 <a:spcPct val="100000"/>
               </a:lnSpc>
@@ -945,7 +1228,7 @@
               <a:buSzPts val="1400"/>
               <a:buFont typeface="Arial"/>
               <a:buNone/>
-              <a:defRPr b="0" i="0" sz="1200" u="none" cap="none" strike="noStrike">
+              <a:defRPr sz="1200" b="0" i="0" u="none" strike="noStrike" cap="none">
                 <a:solidFill>
                   <a:schemeClr val="dk1"/>
                 </a:solidFill>
@@ -955,7 +1238,7 @@
                 <a:sym typeface="Calibri"/>
               </a:defRPr>
             </a:lvl3pPr>
-            <a:lvl4pPr indent="-228600" lvl="3" marL="1828800" marR="0" rtl="0" algn="l">
+            <a:lvl4pPr marL="1828800" marR="0" lvl="3" indent="-228600" algn="l" rtl="0">
               <a:lnSpc>
                 <a:spcPct val="100000"/>
               </a:lnSpc>
@@ -971,7 +1254,7 @@
               <a:buSzPts val="1400"/>
               <a:buFont typeface="Arial"/>
               <a:buNone/>
-              <a:defRPr b="0" i="0" sz="1200" u="none" cap="none" strike="noStrike">
+              <a:defRPr sz="1200" b="0" i="0" u="none" strike="noStrike" cap="none">
                 <a:solidFill>
                   <a:schemeClr val="dk1"/>
                 </a:solidFill>
@@ -981,7 +1264,7 @@
                 <a:sym typeface="Calibri"/>
               </a:defRPr>
             </a:lvl4pPr>
-            <a:lvl5pPr indent="-228600" lvl="4" marL="2286000" marR="0" rtl="0" algn="l">
+            <a:lvl5pPr marL="2286000" marR="0" lvl="4" indent="-228600" algn="l" rtl="0">
               <a:lnSpc>
                 <a:spcPct val="100000"/>
               </a:lnSpc>
@@ -997,7 +1280,7 @@
               <a:buSzPts val="1400"/>
               <a:buFont typeface="Arial"/>
               <a:buNone/>
-              <a:defRPr b="0" i="0" sz="1200" u="none" cap="none" strike="noStrike">
+              <a:defRPr sz="1200" b="0" i="0" u="none" strike="noStrike" cap="none">
                 <a:solidFill>
                   <a:schemeClr val="dk1"/>
                 </a:solidFill>
@@ -1007,7 +1290,7 @@
                 <a:sym typeface="Calibri"/>
               </a:defRPr>
             </a:lvl5pPr>
-            <a:lvl6pPr indent="-228600" lvl="5" marL="2743200" marR="0" rtl="0" algn="l">
+            <a:lvl6pPr marL="2743200" marR="0" lvl="5" indent="-228600" algn="l" rtl="0">
               <a:lnSpc>
                 <a:spcPct val="100000"/>
               </a:lnSpc>
@@ -1023,7 +1306,7 @@
               <a:buSzPts val="1400"/>
               <a:buFont typeface="Arial"/>
               <a:buNone/>
-              <a:defRPr b="0" i="0" sz="1200" u="none" cap="none" strike="noStrike">
+              <a:defRPr sz="1200" b="0" i="0" u="none" strike="noStrike" cap="none">
                 <a:solidFill>
                   <a:schemeClr val="dk1"/>
                 </a:solidFill>
@@ -1033,7 +1316,7 @@
                 <a:sym typeface="Calibri"/>
               </a:defRPr>
             </a:lvl6pPr>
-            <a:lvl7pPr indent="-228600" lvl="6" marL="3200400" marR="0" rtl="0" algn="l">
+            <a:lvl7pPr marL="3200400" marR="0" lvl="6" indent="-228600" algn="l" rtl="0">
               <a:lnSpc>
                 <a:spcPct val="100000"/>
               </a:lnSpc>
@@ -1049,7 +1332,7 @@
               <a:buSzPts val="1400"/>
               <a:buFont typeface="Arial"/>
               <a:buNone/>
-              <a:defRPr b="0" i="0" sz="1200" u="none" cap="none" strike="noStrike">
+              <a:defRPr sz="1200" b="0" i="0" u="none" strike="noStrike" cap="none">
                 <a:solidFill>
                   <a:schemeClr val="dk1"/>
                 </a:solidFill>
@@ -1059,7 +1342,7 @@
                 <a:sym typeface="Calibri"/>
               </a:defRPr>
             </a:lvl7pPr>
-            <a:lvl8pPr indent="-228600" lvl="7" marL="3657600" marR="0" rtl="0" algn="l">
+            <a:lvl8pPr marL="3657600" marR="0" lvl="7" indent="-228600" algn="l" rtl="0">
               <a:lnSpc>
                 <a:spcPct val="100000"/>
               </a:lnSpc>
@@ -1075,7 +1358,7 @@
               <a:buSzPts val="1400"/>
               <a:buFont typeface="Arial"/>
               <a:buNone/>
-              <a:defRPr b="0" i="0" sz="1200" u="none" cap="none" strike="noStrike">
+              <a:defRPr sz="1200" b="0" i="0" u="none" strike="noStrike" cap="none">
                 <a:solidFill>
                   <a:schemeClr val="dk1"/>
                 </a:solidFill>
@@ -1085,7 +1368,7 @@
                 <a:sym typeface="Calibri"/>
               </a:defRPr>
             </a:lvl8pPr>
-            <a:lvl9pPr indent="-228600" lvl="8" marL="4114800" marR="0" rtl="0" algn="l">
+            <a:lvl9pPr marL="4114800" marR="0" lvl="8" indent="-228600" algn="l" rtl="0">
               <a:lnSpc>
                 <a:spcPct val="100000"/>
               </a:lnSpc>
@@ -1101,7 +1384,7 @@
               <a:buSzPts val="1400"/>
               <a:buFont typeface="Arial"/>
               <a:buNone/>
-              <a:defRPr b="0" i="0" sz="1200" u="none" cap="none" strike="noStrike">
+              <a:defRPr sz="1200" b="0" i="0" u="none" strike="noStrike" cap="none">
                 <a:solidFill>
                   <a:schemeClr val="dk1"/>
                 </a:solidFill>
@@ -1112,15 +1395,19 @@
               </a:defRPr>
             </a:lvl9pPr>
           </a:lstStyle>
-          <a:p/>
+          <a:p>
+            <a:endParaRPr/>
+          </a:p>
         </p:txBody>
       </p:sp>
       <p:sp>
         <p:nvSpPr>
           <p:cNvPr id="7" name="Google Shape;7;n"/>
-          <p:cNvSpPr txBox="1"/>
+          <p:cNvSpPr txBox="1">
+            <a:spLocks noGrp="1"/>
+          </p:cNvSpPr>
           <p:nvPr>
-            <p:ph idx="11" type="ftr"/>
+            <p:ph type="ftr" idx="11"/>
           </p:nvPr>
         </p:nvSpPr>
         <p:spPr>
@@ -1137,11 +1424,11 @@
           </a:ln>
         </p:spPr>
         <p:txBody>
-          <a:bodyPr anchorCtr="0" anchor="b" bIns="45700" lIns="91425" spcFirstLastPara="1" rIns="91425" wrap="square" tIns="45700">
+          <a:bodyPr spcFirstLastPara="1" wrap="square" lIns="91425" tIns="45700" rIns="91425" bIns="45700" anchor="b" anchorCtr="0">
             <a:noAutofit/>
           </a:bodyPr>
           <a:lstStyle>
-            <a:lvl1pPr lvl="0" marR="0" rtl="0" algn="l">
+            <a:lvl1pPr marR="0" lvl="0" algn="l" rtl="0">
               <a:lnSpc>
                 <a:spcPct val="100000"/>
               </a:lnSpc>
@@ -1157,7 +1444,7 @@
               <a:buSzPts val="1400"/>
               <a:buFont typeface="Arial"/>
               <a:buNone/>
-              <a:defRPr b="0" i="0" sz="1200" u="none" cap="none" strike="noStrike">
+              <a:defRPr sz="1200" b="0" i="0" u="none" strike="noStrike" cap="none">
                 <a:solidFill>
                   <a:schemeClr val="dk1"/>
                 </a:solidFill>
@@ -1167,7 +1454,7 @@
                 <a:sym typeface="Calibri"/>
               </a:defRPr>
             </a:lvl1pPr>
-            <a:lvl2pPr lvl="1" marR="0" rtl="0" algn="l">
+            <a:lvl2pPr marR="0" lvl="1" algn="l" rtl="0">
               <a:lnSpc>
                 <a:spcPct val="100000"/>
               </a:lnSpc>
@@ -1183,7 +1470,7 @@
               <a:buSzPts val="1400"/>
               <a:buFont typeface="Arial"/>
               <a:buNone/>
-              <a:defRPr b="0" i="0" sz="1800" u="none" cap="none" strike="noStrike">
+              <a:defRPr sz="1800" b="0" i="0" u="none" strike="noStrike" cap="none">
                 <a:solidFill>
                   <a:schemeClr val="dk1"/>
                 </a:solidFill>
@@ -1193,7 +1480,7 @@
                 <a:sym typeface="Calibri"/>
               </a:defRPr>
             </a:lvl2pPr>
-            <a:lvl3pPr lvl="2" marR="0" rtl="0" algn="l">
+            <a:lvl3pPr marR="0" lvl="2" algn="l" rtl="0">
               <a:lnSpc>
                 <a:spcPct val="100000"/>
               </a:lnSpc>
@@ -1209,7 +1496,7 @@
               <a:buSzPts val="1400"/>
               <a:buFont typeface="Arial"/>
               <a:buNone/>
-              <a:defRPr b="0" i="0" sz="1800" u="none" cap="none" strike="noStrike">
+              <a:defRPr sz="1800" b="0" i="0" u="none" strike="noStrike" cap="none">
                 <a:solidFill>
                   <a:schemeClr val="dk1"/>
                 </a:solidFill>
@@ -1219,7 +1506,7 @@
                 <a:sym typeface="Calibri"/>
               </a:defRPr>
             </a:lvl3pPr>
-            <a:lvl4pPr lvl="3" marR="0" rtl="0" algn="l">
+            <a:lvl4pPr marR="0" lvl="3" algn="l" rtl="0">
               <a:lnSpc>
                 <a:spcPct val="100000"/>
               </a:lnSpc>
@@ -1235,7 +1522,7 @@
               <a:buSzPts val="1400"/>
               <a:buFont typeface="Arial"/>
               <a:buNone/>
-              <a:defRPr b="0" i="0" sz="1800" u="none" cap="none" strike="noStrike">
+              <a:defRPr sz="1800" b="0" i="0" u="none" strike="noStrike" cap="none">
                 <a:solidFill>
                   <a:schemeClr val="dk1"/>
                 </a:solidFill>
@@ -1245,7 +1532,7 @@
                 <a:sym typeface="Calibri"/>
               </a:defRPr>
             </a:lvl4pPr>
-            <a:lvl5pPr lvl="4" marR="0" rtl="0" algn="l">
+            <a:lvl5pPr marR="0" lvl="4" algn="l" rtl="0">
               <a:lnSpc>
                 <a:spcPct val="100000"/>
               </a:lnSpc>
@@ -1261,7 +1548,7 @@
               <a:buSzPts val="1400"/>
               <a:buFont typeface="Arial"/>
               <a:buNone/>
-              <a:defRPr b="0" i="0" sz="1800" u="none" cap="none" strike="noStrike">
+              <a:defRPr sz="1800" b="0" i="0" u="none" strike="noStrike" cap="none">
                 <a:solidFill>
                   <a:schemeClr val="dk1"/>
                 </a:solidFill>
@@ -1271,7 +1558,7 @@
                 <a:sym typeface="Calibri"/>
               </a:defRPr>
             </a:lvl5pPr>
-            <a:lvl6pPr lvl="5" marR="0" rtl="0" algn="l">
+            <a:lvl6pPr marR="0" lvl="5" algn="l" rtl="0">
               <a:lnSpc>
                 <a:spcPct val="100000"/>
               </a:lnSpc>
@@ -1287,7 +1574,7 @@
               <a:buSzPts val="1400"/>
               <a:buFont typeface="Arial"/>
               <a:buNone/>
-              <a:defRPr b="0" i="0" sz="1800" u="none" cap="none" strike="noStrike">
+              <a:defRPr sz="1800" b="0" i="0" u="none" strike="noStrike" cap="none">
                 <a:solidFill>
                   <a:schemeClr val="dk1"/>
                 </a:solidFill>
@@ -1297,7 +1584,7 @@
                 <a:sym typeface="Calibri"/>
               </a:defRPr>
             </a:lvl6pPr>
-            <a:lvl7pPr lvl="6" marR="0" rtl="0" algn="l">
+            <a:lvl7pPr marR="0" lvl="6" algn="l" rtl="0">
               <a:lnSpc>
                 <a:spcPct val="100000"/>
               </a:lnSpc>
@@ -1313,7 +1600,7 @@
               <a:buSzPts val="1400"/>
               <a:buFont typeface="Arial"/>
               <a:buNone/>
-              <a:defRPr b="0" i="0" sz="1800" u="none" cap="none" strike="noStrike">
+              <a:defRPr sz="1800" b="0" i="0" u="none" strike="noStrike" cap="none">
                 <a:solidFill>
                   <a:schemeClr val="dk1"/>
                 </a:solidFill>
@@ -1323,7 +1610,7 @@
                 <a:sym typeface="Calibri"/>
               </a:defRPr>
             </a:lvl7pPr>
-            <a:lvl8pPr lvl="7" marR="0" rtl="0" algn="l">
+            <a:lvl8pPr marR="0" lvl="7" algn="l" rtl="0">
               <a:lnSpc>
                 <a:spcPct val="100000"/>
               </a:lnSpc>
@@ -1339,7 +1626,7 @@
               <a:buSzPts val="1400"/>
               <a:buFont typeface="Arial"/>
               <a:buNone/>
-              <a:defRPr b="0" i="0" sz="1800" u="none" cap="none" strike="noStrike">
+              <a:defRPr sz="1800" b="0" i="0" u="none" strike="noStrike" cap="none">
                 <a:solidFill>
                   <a:schemeClr val="dk1"/>
                 </a:solidFill>
@@ -1349,7 +1636,7 @@
                 <a:sym typeface="Calibri"/>
               </a:defRPr>
             </a:lvl8pPr>
-            <a:lvl9pPr lvl="8" marR="0" rtl="0" algn="l">
+            <a:lvl9pPr marR="0" lvl="8" algn="l" rtl="0">
               <a:lnSpc>
                 <a:spcPct val="100000"/>
               </a:lnSpc>
@@ -1365,7 +1652,7 @@
               <a:buSzPts val="1400"/>
               <a:buFont typeface="Arial"/>
               <a:buNone/>
-              <a:defRPr b="0" i="0" sz="1800" u="none" cap="none" strike="noStrike">
+              <a:defRPr sz="1800" b="0" i="0" u="none" strike="noStrike" cap="none">
                 <a:solidFill>
                   <a:schemeClr val="dk1"/>
                 </a:solidFill>
@@ -1376,15 +1663,19 @@
               </a:defRPr>
             </a:lvl9pPr>
           </a:lstStyle>
-          <a:p/>
+          <a:p>
+            <a:endParaRPr/>
+          </a:p>
         </p:txBody>
       </p:sp>
       <p:sp>
         <p:nvSpPr>
           <p:cNvPr id="8" name="Google Shape;8;n"/>
-          <p:cNvSpPr txBox="1"/>
+          <p:cNvSpPr txBox="1">
+            <a:spLocks noGrp="1"/>
+          </p:cNvSpPr>
           <p:nvPr>
-            <p:ph idx="12" type="sldNum"/>
+            <p:ph type="sldNum" idx="12"/>
           </p:nvPr>
         </p:nvSpPr>
         <p:spPr>
@@ -1401,12 +1692,12 @@
           </a:ln>
         </p:spPr>
         <p:txBody>
-          <a:bodyPr anchorCtr="0" anchor="b" bIns="45700" lIns="91425" spcFirstLastPara="1" rIns="91425" wrap="square" tIns="45700">
+          <a:bodyPr spcFirstLastPara="1" wrap="square" lIns="91425" tIns="45700" rIns="91425" bIns="45700" anchor="b" anchorCtr="0">
             <a:noAutofit/>
           </a:bodyPr>
           <a:lstStyle/>
           <a:p>
-            <a:pPr indent="0" lvl="0" marL="0" marR="0" rtl="0" algn="r">
+            <a:pPr marL="0" marR="0" lvl="0" indent="0" algn="r" rtl="0">
               <a:lnSpc>
                 <a:spcPct val="100000"/>
               </a:lnSpc>
@@ -1424,7 +1715,7 @@
               <a:buNone/>
             </a:pPr>
             <a:fld id="{00000000-1234-1234-1234-123412341234}" type="slidenum">
-              <a:rPr b="0" i="0" lang="en-AU" sz="1200" u="none" cap="none" strike="noStrike">
+              <a:rPr lang="en-AU" sz="1200" b="0" i="0" u="none" strike="noStrike" cap="none">
                 <a:solidFill>
                   <a:schemeClr val="dk1"/>
                 </a:solidFill>
@@ -1435,7 +1726,7 @@
               </a:rPr>
               <a:t>‹#›</a:t>
             </a:fld>
-            <a:endParaRPr b="0" i="0" sz="1200" u="none" cap="none" strike="noStrike">
+            <a:endParaRPr sz="1200" b="0" i="0" u="none" strike="noStrike" cap="none">
               <a:solidFill>
                 <a:schemeClr val="dk1"/>
               </a:solidFill>
@@ -1449,9 +1740,9 @@
       </p:sp>
     </p:spTree>
   </p:cSld>
-  <p:clrMap accent1="accent1" accent2="accent2" accent3="accent3" accent4="accent4" accent5="accent5" accent6="accent6" bg1="lt1" bg2="dk2" tx1="dk1" tx2="lt2" folHlink="folHlink" hlink="hlink"/>
+  <p:clrMap bg1="lt1" tx1="dk1" bg2="dk2" tx2="lt2" accent1="accent1" accent2="accent2" accent3="accent3" accent4="accent4" accent5="accent5" accent6="accent6" hlink="hlink" folHlink="folHlink"/>
   <p:notesStyle>
-    <a:defPPr lvl="0" marR="0" rtl="0" algn="l">
+    <a:defPPr marR="0" lvl="0" algn="l" rtl="0">
       <a:lnSpc>
         <a:spcPct val="100000"/>
       </a:lnSpc>
@@ -1462,7 +1753,7 @@
         <a:spcPts val="0"/>
       </a:spcAft>
     </a:defPPr>
-    <a:lvl1pPr lvl="0" marR="0" rtl="0" algn="l">
+    <a:lvl1pPr marR="0" lvl="0" algn="l" rtl="0">
       <a:lnSpc>
         <a:spcPct val="100000"/>
       </a:lnSpc>
@@ -1476,7 +1767,7 @@
         <a:srgbClr val="000000"/>
       </a:buClr>
       <a:buFont typeface="Arial"/>
-      <a:defRPr b="0" i="0" sz="1400" u="none" cap="none" strike="noStrike">
+      <a:defRPr sz="1400" b="0" i="0" u="none" strike="noStrike" cap="none">
         <a:solidFill>
           <a:srgbClr val="000000"/>
         </a:solidFill>
@@ -1486,7 +1777,7 @@
         <a:sym typeface="Arial"/>
       </a:defRPr>
     </a:lvl1pPr>
-    <a:lvl2pPr lvl="1" marR="0" rtl="0" algn="l">
+    <a:lvl2pPr marR="0" lvl="1" algn="l" rtl="0">
       <a:lnSpc>
         <a:spcPct val="100000"/>
       </a:lnSpc>
@@ -1500,7 +1791,7 @@
         <a:srgbClr val="000000"/>
       </a:buClr>
       <a:buFont typeface="Arial"/>
-      <a:defRPr b="0" i="0" sz="1400" u="none" cap="none" strike="noStrike">
+      <a:defRPr sz="1400" b="0" i="0" u="none" strike="noStrike" cap="none">
         <a:solidFill>
           <a:srgbClr val="000000"/>
         </a:solidFill>
@@ -1510,7 +1801,7 @@
         <a:sym typeface="Arial"/>
       </a:defRPr>
     </a:lvl2pPr>
-    <a:lvl3pPr lvl="2" marR="0" rtl="0" algn="l">
+    <a:lvl3pPr marR="0" lvl="2" algn="l" rtl="0">
       <a:lnSpc>
         <a:spcPct val="100000"/>
       </a:lnSpc>
@@ -1524,7 +1815,7 @@
         <a:srgbClr val="000000"/>
       </a:buClr>
       <a:buFont typeface="Arial"/>
-      <a:defRPr b="0" i="0" sz="1400" u="none" cap="none" strike="noStrike">
+      <a:defRPr sz="1400" b="0" i="0" u="none" strike="noStrike" cap="none">
         <a:solidFill>
           <a:srgbClr val="000000"/>
         </a:solidFill>
@@ -1534,7 +1825,7 @@
         <a:sym typeface="Arial"/>
       </a:defRPr>
     </a:lvl3pPr>
-    <a:lvl4pPr lvl="3" marR="0" rtl="0" algn="l">
+    <a:lvl4pPr marR="0" lvl="3" algn="l" rtl="0">
       <a:lnSpc>
         <a:spcPct val="100000"/>
       </a:lnSpc>
@@ -1548,7 +1839,7 @@
         <a:srgbClr val="000000"/>
       </a:buClr>
       <a:buFont typeface="Arial"/>
-      <a:defRPr b="0" i="0" sz="1400" u="none" cap="none" strike="noStrike">
+      <a:defRPr sz="1400" b="0" i="0" u="none" strike="noStrike" cap="none">
         <a:solidFill>
           <a:srgbClr val="000000"/>
         </a:solidFill>
@@ -1558,7 +1849,7 @@
         <a:sym typeface="Arial"/>
       </a:defRPr>
     </a:lvl4pPr>
-    <a:lvl5pPr lvl="4" marR="0" rtl="0" algn="l">
+    <a:lvl5pPr marR="0" lvl="4" algn="l" rtl="0">
       <a:lnSpc>
         <a:spcPct val="100000"/>
       </a:lnSpc>
@@ -1572,7 +1863,7 @@
         <a:srgbClr val="000000"/>
       </a:buClr>
       <a:buFont typeface="Arial"/>
-      <a:defRPr b="0" i="0" sz="1400" u="none" cap="none" strike="noStrike">
+      <a:defRPr sz="1400" b="0" i="0" u="none" strike="noStrike" cap="none">
         <a:solidFill>
           <a:srgbClr val="000000"/>
         </a:solidFill>
@@ -1582,7 +1873,7 @@
         <a:sym typeface="Arial"/>
       </a:defRPr>
     </a:lvl5pPr>
-    <a:lvl6pPr lvl="5" marR="0" rtl="0" algn="l">
+    <a:lvl6pPr marR="0" lvl="5" algn="l" rtl="0">
       <a:lnSpc>
         <a:spcPct val="100000"/>
       </a:lnSpc>
@@ -1596,7 +1887,7 @@
         <a:srgbClr val="000000"/>
       </a:buClr>
       <a:buFont typeface="Arial"/>
-      <a:defRPr b="0" i="0" sz="1400" u="none" cap="none" strike="noStrike">
+      <a:defRPr sz="1400" b="0" i="0" u="none" strike="noStrike" cap="none">
         <a:solidFill>
           <a:srgbClr val="000000"/>
         </a:solidFill>
@@ -1606,7 +1897,7 @@
         <a:sym typeface="Arial"/>
       </a:defRPr>
     </a:lvl6pPr>
-    <a:lvl7pPr lvl="6" marR="0" rtl="0" algn="l">
+    <a:lvl7pPr marR="0" lvl="6" algn="l" rtl="0">
       <a:lnSpc>
         <a:spcPct val="100000"/>
       </a:lnSpc>
@@ -1620,7 +1911,7 @@
         <a:srgbClr val="000000"/>
       </a:buClr>
       <a:buFont typeface="Arial"/>
-      <a:defRPr b="0" i="0" sz="1400" u="none" cap="none" strike="noStrike">
+      <a:defRPr sz="1400" b="0" i="0" u="none" strike="noStrike" cap="none">
         <a:solidFill>
           <a:srgbClr val="000000"/>
         </a:solidFill>
@@ -1630,7 +1921,7 @@
         <a:sym typeface="Arial"/>
       </a:defRPr>
     </a:lvl7pPr>
-    <a:lvl8pPr lvl="7" marR="0" rtl="0" algn="l">
+    <a:lvl8pPr marR="0" lvl="7" algn="l" rtl="0">
       <a:lnSpc>
         <a:spcPct val="100000"/>
       </a:lnSpc>
@@ -1644,7 +1935,7 @@
         <a:srgbClr val="000000"/>
       </a:buClr>
       <a:buFont typeface="Arial"/>
-      <a:defRPr b="0" i="0" sz="1400" u="none" cap="none" strike="noStrike">
+      <a:defRPr sz="1400" b="0" i="0" u="none" strike="noStrike" cap="none">
         <a:solidFill>
           <a:srgbClr val="000000"/>
         </a:solidFill>
@@ -1654,7 +1945,7 @@
         <a:sym typeface="Arial"/>
       </a:defRPr>
     </a:lvl8pPr>
-    <a:lvl9pPr lvl="8" marR="0" rtl="0" algn="l">
+    <a:lvl9pPr marR="0" lvl="8" algn="l" rtl="0">
       <a:lnSpc>
         <a:spcPct val="100000"/>
       </a:lnSpc>
@@ -1668,7 +1959,7 @@
         <a:srgbClr val="000000"/>
       </a:buClr>
       <a:buFont typeface="Arial"/>
-      <a:defRPr b="0" i="0" sz="1400" u="none" cap="none" strike="noStrike">
+      <a:defRPr sz="1400" b="0" i="0" u="none" strike="noStrike" cap="none">
         <a:solidFill>
           <a:srgbClr val="000000"/>
         </a:solidFill>
@@ -1683,11 +1974,11 @@
 </file>
 
 <file path=ppt/notesSlides/notesSlide1.xml><?xml version="1.0" encoding="utf-8"?>
-<p:notes xmlns:a="http://schemas.openxmlformats.org/drawingml/2006/main" xmlns:r="http://schemas.openxmlformats.org/officeDocument/2006/relationships" xmlns:mc="http://schemas.openxmlformats.org/markup-compatibility/2006" xmlns:mv="urn:schemas-microsoft-com:mac:vml" xmlns:p="http://schemas.openxmlformats.org/presentationml/2006/main" xmlns:c="http://schemas.openxmlformats.org/drawingml/2006/chart" xmlns:dgm="http://schemas.openxmlformats.org/drawingml/2006/diagram" xmlns:o="urn:schemas-microsoft-com:office:office" xmlns:v="urn:schemas-microsoft-com:vml" xmlns:pvml="urn:schemas-microsoft-com:office:powerpoint" xmlns:com="http://schemas.openxmlformats.org/drawingml/2006/compatibility" xmlns:p14="http://schemas.microsoft.com/office/powerpoint/2010/main" xmlns:p15="http://schemas.microsoft.com/office/powerpoint/2012/main" xmlns:ahyp="http://schemas.microsoft.com/office/drawing/2018/hyperlinkcolor" showMasterPhAnim="0" showMasterSp="0">
+<p:notes xmlns:a="http://schemas.openxmlformats.org/drawingml/2006/main" xmlns:r="http://schemas.openxmlformats.org/officeDocument/2006/relationships" xmlns:p="http://schemas.openxmlformats.org/presentationml/2006/main" showMasterSp="0" showMasterPhAnim="0">
   <p:cSld>
     <p:spTree>
       <p:nvGrpSpPr>
-        <p:cNvPr id="85" name="Shape 85"/>
+        <p:cNvPr id="1" name="Shape 85"/>
         <p:cNvGrpSpPr/>
         <p:nvPr/>
       </p:nvGrpSpPr>
@@ -1702,9 +1993,11 @@
       <p:sp>
         <p:nvSpPr>
           <p:cNvPr id="86" name="Google Shape;86;p1:notes"/>
-          <p:cNvSpPr txBox="1"/>
+          <p:cNvSpPr txBox="1">
+            <a:spLocks noGrp="1"/>
+          </p:cNvSpPr>
           <p:nvPr>
-            <p:ph idx="1" type="body"/>
+            <p:ph type="body" idx="1"/>
           </p:nvPr>
         </p:nvSpPr>
         <p:spPr>
@@ -1721,12 +2014,12 @@
           </a:ln>
         </p:spPr>
         <p:txBody>
-          <a:bodyPr anchorCtr="0" anchor="t" bIns="45700" lIns="91425" spcFirstLastPara="1" rIns="91425" wrap="square" tIns="45700">
+          <a:bodyPr spcFirstLastPara="1" wrap="square" lIns="91425" tIns="45700" rIns="91425" bIns="45700" anchor="t" anchorCtr="0">
             <a:noAutofit/>
           </a:bodyPr>
           <a:lstStyle/>
           <a:p>
-            <a:pPr indent="0" lvl="0" marL="0" rtl="0" algn="l">
+            <a:pPr marL="0" lvl="0" indent="0" algn="l" rtl="0">
               <a:lnSpc>
                 <a:spcPct val="100000"/>
               </a:lnSpc>
@@ -1739,9 +2032,6 @@
               <a:buSzPts val="1400"/>
               <a:buNone/>
             </a:pPr>
-            <a:r>
-              <a:t/>
-            </a:r>
             <a:endParaRPr/>
           </a:p>
         </p:txBody>
@@ -1749,9 +2039,11 @@
       <p:sp>
         <p:nvSpPr>
           <p:cNvPr id="87" name="Google Shape;87;p1:notes"/>
-          <p:cNvSpPr/>
+          <p:cNvSpPr>
+            <a:spLocks noGrp="1" noRot="1" noChangeAspect="1"/>
+          </p:cNvSpPr>
           <p:nvPr>
-            <p:ph idx="2" type="sldImg"/>
+            <p:ph type="sldImg" idx="2"/>
           </p:nvPr>
         </p:nvSpPr>
         <p:spPr>
@@ -1760,9 +2052,13 @@
             <a:ext cx="5486400" cy="3086100"/>
           </a:xfrm>
           <a:custGeom>
-            <a:rect b="b" l="l" r="r" t="t"/>
+            <a:avLst/>
+            <a:gdLst/>
+            <a:ahLst/>
+            <a:cxnLst/>
+            <a:rect l="l" t="t" r="r" b="b"/>
             <a:pathLst>
-              <a:path extrusionOk="0" h="120000" w="120000">
+              <a:path w="120000" h="120000" extrusionOk="0">
                 <a:moveTo>
                   <a:pt x="0" y="0"/>
                 </a:moveTo>
@@ -1780,14 +2076,14 @@
             </a:pathLst>
           </a:custGeom>
           <a:noFill/>
-          <a:ln cap="flat" cmpd="sng" w="12700">
+          <a:ln w="12700" cap="flat" cmpd="sng">
             <a:solidFill>
               <a:srgbClr val="000000"/>
             </a:solidFill>
             <a:prstDash val="solid"/>
             <a:round/>
-            <a:headEnd len="sm" w="sm" type="none"/>
-            <a:tailEnd len="sm" w="sm" type="none"/>
+            <a:headEnd type="none" w="sm" len="sm"/>
+            <a:tailEnd type="none" w="sm" len="sm"/>
           </a:ln>
         </p:spPr>
       </p:sp>
@@ -1799,755 +2095,12 @@
 </p:notes>
 </file>
 
-<file path=ppt/notesSlides/notesSlide2.xml><?xml version="1.0" encoding="utf-8"?>
-<p:notes xmlns:a="http://schemas.openxmlformats.org/drawingml/2006/main" xmlns:r="http://schemas.openxmlformats.org/officeDocument/2006/relationships" xmlns:mc="http://schemas.openxmlformats.org/markup-compatibility/2006" xmlns:mv="urn:schemas-microsoft-com:mac:vml" xmlns:p="http://schemas.openxmlformats.org/presentationml/2006/main" xmlns:c="http://schemas.openxmlformats.org/drawingml/2006/chart" xmlns:dgm="http://schemas.openxmlformats.org/drawingml/2006/diagram" xmlns:o="urn:schemas-microsoft-com:office:office" xmlns:v="urn:schemas-microsoft-com:vml" xmlns:pvml="urn:schemas-microsoft-com:office:powerpoint" xmlns:com="http://schemas.openxmlformats.org/drawingml/2006/compatibility" xmlns:p14="http://schemas.microsoft.com/office/powerpoint/2010/main" xmlns:p15="http://schemas.microsoft.com/office/powerpoint/2012/main" xmlns:ahyp="http://schemas.microsoft.com/office/drawing/2018/hyperlinkcolor" showMasterPhAnim="0" showMasterSp="0">
-  <p:cSld>
-    <p:spTree>
-      <p:nvGrpSpPr>
-        <p:cNvPr id="92" name="Shape 92"/>
-        <p:cNvGrpSpPr/>
-        <p:nvPr/>
-      </p:nvGrpSpPr>
-      <p:grpSpPr>
-        <a:xfrm>
-          <a:off x="0" y="0"/>
-          <a:ext cx="0" cy="0"/>
-          <a:chOff x="0" y="0"/>
-          <a:chExt cx="0" cy="0"/>
-        </a:xfrm>
-      </p:grpSpPr>
-      <p:sp>
-        <p:nvSpPr>
-          <p:cNvPr id="93" name="Google Shape;93;p2:notes"/>
-          <p:cNvSpPr txBox="1"/>
-          <p:nvPr>
-            <p:ph idx="1" type="body"/>
-          </p:nvPr>
-        </p:nvSpPr>
-        <p:spPr>
-          <a:xfrm>
-            <a:off x="685800" y="4400550"/>
-            <a:ext cx="5486400" cy="3600450"/>
-          </a:xfrm>
-          <a:prstGeom prst="rect">
-            <a:avLst/>
-          </a:prstGeom>
-          <a:noFill/>
-          <a:ln>
-            <a:noFill/>
-          </a:ln>
-        </p:spPr>
-        <p:txBody>
-          <a:bodyPr anchorCtr="0" anchor="t" bIns="45700" lIns="91425" spcFirstLastPara="1" rIns="91425" wrap="square" tIns="45700">
-            <a:noAutofit/>
-          </a:bodyPr>
-          <a:lstStyle/>
-          <a:p>
-            <a:pPr indent="0" lvl="0" marL="0" rtl="0" algn="l">
-              <a:lnSpc>
-                <a:spcPct val="100000"/>
-              </a:lnSpc>
-              <a:spcBef>
-                <a:spcPts val="0"/>
-              </a:spcBef>
-              <a:spcAft>
-                <a:spcPts val="0"/>
-              </a:spcAft>
-              <a:buSzPts val="1400"/>
-              <a:buNone/>
-            </a:pPr>
-            <a:r>
-              <a:t/>
-            </a:r>
-            <a:endParaRPr/>
-          </a:p>
-        </p:txBody>
-      </p:sp>
-      <p:sp>
-        <p:nvSpPr>
-          <p:cNvPr id="94" name="Google Shape;94;p2:notes"/>
-          <p:cNvSpPr/>
-          <p:nvPr>
-            <p:ph idx="2" type="sldImg"/>
-          </p:nvPr>
-        </p:nvSpPr>
-        <p:spPr>
-          <a:xfrm>
-            <a:off x="685800" y="1143000"/>
-            <a:ext cx="5486400" cy="3086100"/>
-          </a:xfrm>
-          <a:custGeom>
-            <a:rect b="b" l="l" r="r" t="t"/>
-            <a:pathLst>
-              <a:path extrusionOk="0" h="120000" w="120000">
-                <a:moveTo>
-                  <a:pt x="0" y="0"/>
-                </a:moveTo>
-                <a:lnTo>
-                  <a:pt x="120000" y="0"/>
-                </a:lnTo>
-                <a:lnTo>
-                  <a:pt x="120000" y="120000"/>
-                </a:lnTo>
-                <a:lnTo>
-                  <a:pt x="0" y="120000"/>
-                </a:lnTo>
-                <a:close/>
-              </a:path>
-            </a:pathLst>
-          </a:custGeom>
-          <a:noFill/>
-          <a:ln cap="flat" cmpd="sng" w="12700">
-            <a:solidFill>
-              <a:srgbClr val="000000"/>
-            </a:solidFill>
-            <a:prstDash val="solid"/>
-            <a:round/>
-            <a:headEnd len="sm" w="sm" type="none"/>
-            <a:tailEnd len="sm" w="sm" type="none"/>
-          </a:ln>
-        </p:spPr>
-      </p:sp>
-    </p:spTree>
-  </p:cSld>
-  <p:clrMapOvr>
-    <a:masterClrMapping/>
-  </p:clrMapOvr>
-</p:notes>
-</file>
-
-<file path=ppt/notesSlides/notesSlide3.xml><?xml version="1.0" encoding="utf-8"?>
-<p:notes xmlns:a="http://schemas.openxmlformats.org/drawingml/2006/main" xmlns:r="http://schemas.openxmlformats.org/officeDocument/2006/relationships" xmlns:mc="http://schemas.openxmlformats.org/markup-compatibility/2006" xmlns:mv="urn:schemas-microsoft-com:mac:vml" xmlns:p="http://schemas.openxmlformats.org/presentationml/2006/main" xmlns:c="http://schemas.openxmlformats.org/drawingml/2006/chart" xmlns:dgm="http://schemas.openxmlformats.org/drawingml/2006/diagram" xmlns:o="urn:schemas-microsoft-com:office:office" xmlns:v="urn:schemas-microsoft-com:vml" xmlns:pvml="urn:schemas-microsoft-com:office:powerpoint" xmlns:com="http://schemas.openxmlformats.org/drawingml/2006/compatibility" xmlns:p14="http://schemas.microsoft.com/office/powerpoint/2010/main" xmlns:p15="http://schemas.microsoft.com/office/powerpoint/2012/main" xmlns:ahyp="http://schemas.microsoft.com/office/drawing/2018/hyperlinkcolor" showMasterPhAnim="0" showMasterSp="0">
-  <p:cSld>
-    <p:spTree>
-      <p:nvGrpSpPr>
-        <p:cNvPr id="98" name="Shape 98"/>
-        <p:cNvGrpSpPr/>
-        <p:nvPr/>
-      </p:nvGrpSpPr>
-      <p:grpSpPr>
-        <a:xfrm>
-          <a:off x="0" y="0"/>
-          <a:ext cx="0" cy="0"/>
-          <a:chOff x="0" y="0"/>
-          <a:chExt cx="0" cy="0"/>
-        </a:xfrm>
-      </p:grpSpPr>
-      <p:sp>
-        <p:nvSpPr>
-          <p:cNvPr id="99" name="Google Shape;99;g21dc117e85d_0_15:notes"/>
-          <p:cNvSpPr/>
-          <p:nvPr>
-            <p:ph idx="2" type="sldImg"/>
-          </p:nvPr>
-        </p:nvSpPr>
-        <p:spPr>
-          <a:xfrm>
-            <a:off x="685800" y="1143000"/>
-            <a:ext cx="5486400" cy="3086100"/>
-          </a:xfrm>
-          <a:custGeom>
-            <a:rect b="b" l="l" r="r" t="t"/>
-            <a:pathLst>
-              <a:path extrusionOk="0" h="120000" w="120000">
-                <a:moveTo>
-                  <a:pt x="0" y="0"/>
-                </a:moveTo>
-                <a:lnTo>
-                  <a:pt x="120000" y="0"/>
-                </a:lnTo>
-                <a:lnTo>
-                  <a:pt x="120000" y="120000"/>
-                </a:lnTo>
-                <a:lnTo>
-                  <a:pt x="0" y="120000"/>
-                </a:lnTo>
-                <a:close/>
-              </a:path>
-            </a:pathLst>
-          </a:custGeom>
-          <a:noFill/>
-          <a:ln cap="flat" cmpd="sng" w="12700">
-            <a:solidFill>
-              <a:srgbClr val="000000"/>
-            </a:solidFill>
-            <a:prstDash val="solid"/>
-            <a:round/>
-            <a:headEnd len="sm" w="sm" type="none"/>
-            <a:tailEnd len="sm" w="sm" type="none"/>
-          </a:ln>
-        </p:spPr>
-      </p:sp>
-      <p:sp>
-        <p:nvSpPr>
-          <p:cNvPr id="100" name="Google Shape;100;g21dc117e85d_0_15:notes"/>
-          <p:cNvSpPr txBox="1"/>
-          <p:nvPr>
-            <p:ph idx="1" type="body"/>
-          </p:nvPr>
-        </p:nvSpPr>
-        <p:spPr>
-          <a:xfrm>
-            <a:off x="685800" y="4400550"/>
-            <a:ext cx="5486400" cy="3600600"/>
-          </a:xfrm>
-          <a:prstGeom prst="rect">
-            <a:avLst/>
-          </a:prstGeom>
-          <a:noFill/>
-          <a:ln>
-            <a:noFill/>
-          </a:ln>
-        </p:spPr>
-        <p:txBody>
-          <a:bodyPr anchorCtr="0" anchor="t" bIns="45700" lIns="91425" spcFirstLastPara="1" rIns="91425" wrap="square" tIns="45700">
-            <a:noAutofit/>
-          </a:bodyPr>
-          <a:lstStyle/>
-          <a:p>
-            <a:pPr indent="0" lvl="0" marL="0" rtl="0" algn="l">
-              <a:lnSpc>
-                <a:spcPct val="100000"/>
-              </a:lnSpc>
-              <a:spcBef>
-                <a:spcPts val="0"/>
-              </a:spcBef>
-              <a:spcAft>
-                <a:spcPts val="0"/>
-              </a:spcAft>
-              <a:buSzPts val="1400"/>
-              <a:buNone/>
-            </a:pPr>
-            <a:r>
-              <a:t/>
-            </a:r>
-            <a:endParaRPr/>
-          </a:p>
-        </p:txBody>
-      </p:sp>
-      <p:sp>
-        <p:nvSpPr>
-          <p:cNvPr id="101" name="Google Shape;101;g21dc117e85d_0_15:notes"/>
-          <p:cNvSpPr txBox="1"/>
-          <p:nvPr>
-            <p:ph idx="12" type="sldNum"/>
-          </p:nvPr>
-        </p:nvSpPr>
-        <p:spPr>
-          <a:xfrm>
-            <a:off x="3884613" y="8685213"/>
-            <a:ext cx="2971800" cy="458700"/>
-          </a:xfrm>
-          <a:prstGeom prst="rect">
-            <a:avLst/>
-          </a:prstGeom>
-          <a:noFill/>
-          <a:ln>
-            <a:noFill/>
-          </a:ln>
-        </p:spPr>
-        <p:txBody>
-          <a:bodyPr anchorCtr="0" anchor="b" bIns="45700" lIns="91425" spcFirstLastPara="1" rIns="91425" wrap="square" tIns="45700">
-            <a:noAutofit/>
-          </a:bodyPr>
-          <a:lstStyle/>
-          <a:p>
-            <a:pPr indent="0" lvl="0" marL="0" rtl="0" algn="r">
-              <a:lnSpc>
-                <a:spcPct val="100000"/>
-              </a:lnSpc>
-              <a:spcBef>
-                <a:spcPts val="0"/>
-              </a:spcBef>
-              <a:spcAft>
-                <a:spcPts val="0"/>
-              </a:spcAft>
-              <a:buClr>
-                <a:srgbClr val="000000"/>
-              </a:buClr>
-              <a:buSzPts val="1200"/>
-              <a:buFont typeface="Arial"/>
-              <a:buNone/>
-            </a:pPr>
-            <a:fld id="{00000000-1234-1234-1234-123412341234}" type="slidenum">
-              <a:rPr lang="en-AU"/>
-              <a:t>‹#›</a:t>
-            </a:fld>
-            <a:endParaRPr/>
-          </a:p>
-        </p:txBody>
-      </p:sp>
-    </p:spTree>
-  </p:cSld>
-  <p:clrMapOvr>
-    <a:masterClrMapping/>
-  </p:clrMapOvr>
-</p:notes>
-</file>
-
-<file path=ppt/notesSlides/notesSlide4.xml><?xml version="1.0" encoding="utf-8"?>
-<p:notes xmlns:a="http://schemas.openxmlformats.org/drawingml/2006/main" xmlns:r="http://schemas.openxmlformats.org/officeDocument/2006/relationships" xmlns:mc="http://schemas.openxmlformats.org/markup-compatibility/2006" xmlns:mv="urn:schemas-microsoft-com:mac:vml" xmlns:p="http://schemas.openxmlformats.org/presentationml/2006/main" xmlns:c="http://schemas.openxmlformats.org/drawingml/2006/chart" xmlns:dgm="http://schemas.openxmlformats.org/drawingml/2006/diagram" xmlns:o="urn:schemas-microsoft-com:office:office" xmlns:v="urn:schemas-microsoft-com:vml" xmlns:pvml="urn:schemas-microsoft-com:office:powerpoint" xmlns:com="http://schemas.openxmlformats.org/drawingml/2006/compatibility" xmlns:p14="http://schemas.microsoft.com/office/powerpoint/2010/main" xmlns:p15="http://schemas.microsoft.com/office/powerpoint/2012/main" xmlns:ahyp="http://schemas.microsoft.com/office/drawing/2018/hyperlinkcolor" showMasterPhAnim="0" showMasterSp="0">
-  <p:cSld>
-    <p:spTree>
-      <p:nvGrpSpPr>
-        <p:cNvPr id="106" name="Shape 106"/>
-        <p:cNvGrpSpPr/>
-        <p:nvPr/>
-      </p:nvGrpSpPr>
-      <p:grpSpPr>
-        <a:xfrm>
-          <a:off x="0" y="0"/>
-          <a:ext cx="0" cy="0"/>
-          <a:chOff x="0" y="0"/>
-          <a:chExt cx="0" cy="0"/>
-        </a:xfrm>
-      </p:grpSpPr>
-      <p:sp>
-        <p:nvSpPr>
-          <p:cNvPr id="107" name="Google Shape;107;g1f9c2f4f056_0_1:notes"/>
-          <p:cNvSpPr/>
-          <p:nvPr>
-            <p:ph idx="2" type="sldImg"/>
-          </p:nvPr>
-        </p:nvSpPr>
-        <p:spPr>
-          <a:xfrm>
-            <a:off x="685800" y="1143000"/>
-            <a:ext cx="5486400" cy="3086100"/>
-          </a:xfrm>
-          <a:custGeom>
-            <a:rect b="b" l="l" r="r" t="t"/>
-            <a:pathLst>
-              <a:path extrusionOk="0" h="120000" w="120000">
-                <a:moveTo>
-                  <a:pt x="0" y="0"/>
-                </a:moveTo>
-                <a:lnTo>
-                  <a:pt x="120000" y="0"/>
-                </a:lnTo>
-                <a:lnTo>
-                  <a:pt x="120000" y="120000"/>
-                </a:lnTo>
-                <a:lnTo>
-                  <a:pt x="0" y="120000"/>
-                </a:lnTo>
-                <a:close/>
-              </a:path>
-            </a:pathLst>
-          </a:custGeom>
-        </p:spPr>
-      </p:sp>
-      <p:sp>
-        <p:nvSpPr>
-          <p:cNvPr id="108" name="Google Shape;108;g1f9c2f4f056_0_1:notes"/>
-          <p:cNvSpPr txBox="1"/>
-          <p:nvPr>
-            <p:ph idx="1" type="body"/>
-          </p:nvPr>
-        </p:nvSpPr>
-        <p:spPr>
-          <a:xfrm>
-            <a:off x="685800" y="4400550"/>
-            <a:ext cx="5486400" cy="3600600"/>
-          </a:xfrm>
-          <a:prstGeom prst="rect">
-            <a:avLst/>
-          </a:prstGeom>
-        </p:spPr>
-        <p:txBody>
-          <a:bodyPr anchorCtr="0" anchor="t" bIns="45700" lIns="91425" spcFirstLastPara="1" rIns="91425" wrap="square" tIns="45700">
-            <a:noAutofit/>
-          </a:bodyPr>
-          <a:lstStyle/>
-          <a:p>
-            <a:pPr indent="0" lvl="0" marL="0" rtl="0" algn="l">
-              <a:spcBef>
-                <a:spcPts val="0"/>
-              </a:spcBef>
-              <a:spcAft>
-                <a:spcPts val="0"/>
-              </a:spcAft>
-              <a:buNone/>
-            </a:pPr>
-            <a:r>
-              <a:t/>
-            </a:r>
-            <a:endParaRPr/>
-          </a:p>
-        </p:txBody>
-      </p:sp>
-      <p:sp>
-        <p:nvSpPr>
-          <p:cNvPr id="109" name="Google Shape;109;g1f9c2f4f056_0_1:notes"/>
-          <p:cNvSpPr txBox="1"/>
-          <p:nvPr>
-            <p:ph idx="12" type="sldNum"/>
-          </p:nvPr>
-        </p:nvSpPr>
-        <p:spPr>
-          <a:xfrm>
-            <a:off x="3884613" y="8685213"/>
-            <a:ext cx="2971800" cy="458700"/>
-          </a:xfrm>
-          <a:prstGeom prst="rect">
-            <a:avLst/>
-          </a:prstGeom>
-        </p:spPr>
-        <p:txBody>
-          <a:bodyPr anchorCtr="0" anchor="b" bIns="45700" lIns="91425" spcFirstLastPara="1" rIns="91425" wrap="square" tIns="45700">
-            <a:noAutofit/>
-          </a:bodyPr>
-          <a:lstStyle/>
-          <a:p>
-            <a:pPr indent="0" lvl="0" marL="0" rtl="0" algn="r">
-              <a:spcBef>
-                <a:spcPts val="0"/>
-              </a:spcBef>
-              <a:spcAft>
-                <a:spcPts val="0"/>
-              </a:spcAft>
-              <a:buClr>
-                <a:srgbClr val="000000"/>
-              </a:buClr>
-              <a:buSzPts val="1200"/>
-              <a:buFont typeface="Arial"/>
-              <a:buNone/>
-            </a:pPr>
-            <a:fld id="{00000000-1234-1234-1234-123412341234}" type="slidenum">
-              <a:rPr lang="en-AU"/>
-              <a:t>‹#›</a:t>
-            </a:fld>
-            <a:endParaRPr/>
-          </a:p>
-        </p:txBody>
-      </p:sp>
-    </p:spTree>
-  </p:cSld>
-  <p:clrMapOvr>
-    <a:masterClrMapping/>
-  </p:clrMapOvr>
-</p:notes>
-</file>
-
-<file path=ppt/notesSlides/notesSlide5.xml><?xml version="1.0" encoding="utf-8"?>
-<p:notes xmlns:a="http://schemas.openxmlformats.org/drawingml/2006/main" xmlns:r="http://schemas.openxmlformats.org/officeDocument/2006/relationships" xmlns:mc="http://schemas.openxmlformats.org/markup-compatibility/2006" xmlns:mv="urn:schemas-microsoft-com:mac:vml" xmlns:p="http://schemas.openxmlformats.org/presentationml/2006/main" xmlns:c="http://schemas.openxmlformats.org/drawingml/2006/chart" xmlns:dgm="http://schemas.openxmlformats.org/drawingml/2006/diagram" xmlns:o="urn:schemas-microsoft-com:office:office" xmlns:v="urn:schemas-microsoft-com:vml" xmlns:pvml="urn:schemas-microsoft-com:office:powerpoint" xmlns:com="http://schemas.openxmlformats.org/drawingml/2006/compatibility" xmlns:p14="http://schemas.microsoft.com/office/powerpoint/2010/main" xmlns:p15="http://schemas.microsoft.com/office/powerpoint/2012/main" xmlns:ahyp="http://schemas.microsoft.com/office/drawing/2018/hyperlinkcolor" showMasterPhAnim="0" showMasterSp="0">
-  <p:cSld>
-    <p:spTree>
-      <p:nvGrpSpPr>
-        <p:cNvPr id="114" name="Shape 114"/>
-        <p:cNvGrpSpPr/>
-        <p:nvPr/>
-      </p:nvGrpSpPr>
-      <p:grpSpPr>
-        <a:xfrm>
-          <a:off x="0" y="0"/>
-          <a:ext cx="0" cy="0"/>
-          <a:chOff x="0" y="0"/>
-          <a:chExt cx="0" cy="0"/>
-        </a:xfrm>
-      </p:grpSpPr>
-      <p:sp>
-        <p:nvSpPr>
-          <p:cNvPr id="115" name="Google Shape;115;g1f9c2f4f056_0_8:notes"/>
-          <p:cNvSpPr/>
-          <p:nvPr>
-            <p:ph idx="2" type="sldImg"/>
-          </p:nvPr>
-        </p:nvSpPr>
-        <p:spPr>
-          <a:xfrm>
-            <a:off x="685800" y="1143000"/>
-            <a:ext cx="5486400" cy="3086100"/>
-          </a:xfrm>
-          <a:custGeom>
-            <a:rect b="b" l="l" r="r" t="t"/>
-            <a:pathLst>
-              <a:path extrusionOk="0" h="120000" w="120000">
-                <a:moveTo>
-                  <a:pt x="0" y="0"/>
-                </a:moveTo>
-                <a:lnTo>
-                  <a:pt x="120000" y="0"/>
-                </a:lnTo>
-                <a:lnTo>
-                  <a:pt x="120000" y="120000"/>
-                </a:lnTo>
-                <a:lnTo>
-                  <a:pt x="0" y="120000"/>
-                </a:lnTo>
-                <a:close/>
-              </a:path>
-            </a:pathLst>
-          </a:custGeom>
-        </p:spPr>
-      </p:sp>
-      <p:sp>
-        <p:nvSpPr>
-          <p:cNvPr id="116" name="Google Shape;116;g1f9c2f4f056_0_8:notes"/>
-          <p:cNvSpPr txBox="1"/>
-          <p:nvPr>
-            <p:ph idx="1" type="body"/>
-          </p:nvPr>
-        </p:nvSpPr>
-        <p:spPr>
-          <a:xfrm>
-            <a:off x="685800" y="4400550"/>
-            <a:ext cx="5486400" cy="3600600"/>
-          </a:xfrm>
-          <a:prstGeom prst="rect">
-            <a:avLst/>
-          </a:prstGeom>
-        </p:spPr>
-        <p:txBody>
-          <a:bodyPr anchorCtr="0" anchor="t" bIns="45700" lIns="91425" spcFirstLastPara="1" rIns="91425" wrap="square" tIns="45700">
-            <a:noAutofit/>
-          </a:bodyPr>
-          <a:lstStyle/>
-          <a:p>
-            <a:pPr indent="0" lvl="0" marL="0" rtl="0" algn="l">
-              <a:spcBef>
-                <a:spcPts val="0"/>
-              </a:spcBef>
-              <a:spcAft>
-                <a:spcPts val="0"/>
-              </a:spcAft>
-              <a:buNone/>
-            </a:pPr>
-            <a:r>
-              <a:t/>
-            </a:r>
-            <a:endParaRPr/>
-          </a:p>
-        </p:txBody>
-      </p:sp>
-      <p:sp>
-        <p:nvSpPr>
-          <p:cNvPr id="117" name="Google Shape;117;g1f9c2f4f056_0_8:notes"/>
-          <p:cNvSpPr txBox="1"/>
-          <p:nvPr>
-            <p:ph idx="12" type="sldNum"/>
-          </p:nvPr>
-        </p:nvSpPr>
-        <p:spPr>
-          <a:xfrm>
-            <a:off x="3884613" y="8685213"/>
-            <a:ext cx="2971800" cy="458700"/>
-          </a:xfrm>
-          <a:prstGeom prst="rect">
-            <a:avLst/>
-          </a:prstGeom>
-        </p:spPr>
-        <p:txBody>
-          <a:bodyPr anchorCtr="0" anchor="b" bIns="45700" lIns="91425" spcFirstLastPara="1" rIns="91425" wrap="square" tIns="45700">
-            <a:noAutofit/>
-          </a:bodyPr>
-          <a:lstStyle/>
-          <a:p>
-            <a:pPr indent="0" lvl="0" marL="0" rtl="0" algn="r">
-              <a:spcBef>
-                <a:spcPts val="0"/>
-              </a:spcBef>
-              <a:spcAft>
-                <a:spcPts val="0"/>
-              </a:spcAft>
-              <a:buClr>
-                <a:srgbClr val="000000"/>
-              </a:buClr>
-              <a:buSzPts val="1200"/>
-              <a:buFont typeface="Arial"/>
-              <a:buNone/>
-            </a:pPr>
-            <a:fld id="{00000000-1234-1234-1234-123412341234}" type="slidenum">
-              <a:rPr lang="en-AU"/>
-              <a:t>‹#›</a:t>
-            </a:fld>
-            <a:endParaRPr/>
-          </a:p>
-        </p:txBody>
-      </p:sp>
-    </p:spTree>
-  </p:cSld>
-  <p:clrMapOvr>
-    <a:masterClrMapping/>
-  </p:clrMapOvr>
-</p:notes>
-</file>
-
-<file path=ppt/notesSlides/notesSlide6.xml><?xml version="1.0" encoding="utf-8"?>
-<p:notes xmlns:a="http://schemas.openxmlformats.org/drawingml/2006/main" xmlns:r="http://schemas.openxmlformats.org/officeDocument/2006/relationships" xmlns:mc="http://schemas.openxmlformats.org/markup-compatibility/2006" xmlns:mv="urn:schemas-microsoft-com:mac:vml" xmlns:p="http://schemas.openxmlformats.org/presentationml/2006/main" xmlns:c="http://schemas.openxmlformats.org/drawingml/2006/chart" xmlns:dgm="http://schemas.openxmlformats.org/drawingml/2006/diagram" xmlns:o="urn:schemas-microsoft-com:office:office" xmlns:v="urn:schemas-microsoft-com:vml" xmlns:pvml="urn:schemas-microsoft-com:office:powerpoint" xmlns:com="http://schemas.openxmlformats.org/drawingml/2006/compatibility" xmlns:p14="http://schemas.microsoft.com/office/powerpoint/2010/main" xmlns:p15="http://schemas.microsoft.com/office/powerpoint/2012/main" xmlns:ahyp="http://schemas.microsoft.com/office/drawing/2018/hyperlinkcolor" showMasterPhAnim="0" showMasterSp="0">
-  <p:cSld>
-    <p:spTree>
-      <p:nvGrpSpPr>
-        <p:cNvPr id="122" name="Shape 122"/>
-        <p:cNvGrpSpPr/>
-        <p:nvPr/>
-      </p:nvGrpSpPr>
-      <p:grpSpPr>
-        <a:xfrm>
-          <a:off x="0" y="0"/>
-          <a:ext cx="0" cy="0"/>
-          <a:chOff x="0" y="0"/>
-          <a:chExt cx="0" cy="0"/>
-        </a:xfrm>
-      </p:grpSpPr>
-      <p:sp>
-        <p:nvSpPr>
-          <p:cNvPr id="123" name="Google Shape;123;g21dc117e85d_0_0:notes"/>
-          <p:cNvSpPr/>
-          <p:nvPr>
-            <p:ph idx="2" type="sldImg"/>
-          </p:nvPr>
-        </p:nvSpPr>
-        <p:spPr>
-          <a:xfrm>
-            <a:off x="685800" y="1143000"/>
-            <a:ext cx="5486400" cy="3086100"/>
-          </a:xfrm>
-          <a:custGeom>
-            <a:rect b="b" l="l" r="r" t="t"/>
-            <a:pathLst>
-              <a:path extrusionOk="0" h="120000" w="120000">
-                <a:moveTo>
-                  <a:pt x="0" y="0"/>
-                </a:moveTo>
-                <a:lnTo>
-                  <a:pt x="120000" y="0"/>
-                </a:lnTo>
-                <a:lnTo>
-                  <a:pt x="120000" y="120000"/>
-                </a:lnTo>
-                <a:lnTo>
-                  <a:pt x="0" y="120000"/>
-                </a:lnTo>
-                <a:close/>
-              </a:path>
-            </a:pathLst>
-          </a:custGeom>
-          <a:noFill/>
-          <a:ln cap="flat" cmpd="sng" w="12700">
-            <a:solidFill>
-              <a:srgbClr val="000000"/>
-            </a:solidFill>
-            <a:prstDash val="solid"/>
-            <a:round/>
-            <a:headEnd len="sm" w="sm" type="none"/>
-            <a:tailEnd len="sm" w="sm" type="none"/>
-          </a:ln>
-        </p:spPr>
-      </p:sp>
-      <p:sp>
-        <p:nvSpPr>
-          <p:cNvPr id="124" name="Google Shape;124;g21dc117e85d_0_0:notes"/>
-          <p:cNvSpPr txBox="1"/>
-          <p:nvPr>
-            <p:ph idx="1" type="body"/>
-          </p:nvPr>
-        </p:nvSpPr>
-        <p:spPr>
-          <a:xfrm>
-            <a:off x="685800" y="4400550"/>
-            <a:ext cx="5486400" cy="3600600"/>
-          </a:xfrm>
-          <a:prstGeom prst="rect">
-            <a:avLst/>
-          </a:prstGeom>
-          <a:noFill/>
-          <a:ln>
-            <a:noFill/>
-          </a:ln>
-        </p:spPr>
-        <p:txBody>
-          <a:bodyPr anchorCtr="0" anchor="t" bIns="45700" lIns="91425" spcFirstLastPara="1" rIns="91425" wrap="square" tIns="45700">
-            <a:noAutofit/>
-          </a:bodyPr>
-          <a:lstStyle/>
-          <a:p>
-            <a:pPr indent="0" lvl="0" marL="0" rtl="0" algn="l">
-              <a:lnSpc>
-                <a:spcPct val="100000"/>
-              </a:lnSpc>
-              <a:spcBef>
-                <a:spcPts val="0"/>
-              </a:spcBef>
-              <a:spcAft>
-                <a:spcPts val="0"/>
-              </a:spcAft>
-              <a:buSzPts val="1400"/>
-              <a:buNone/>
-            </a:pPr>
-            <a:r>
-              <a:t/>
-            </a:r>
-            <a:endParaRPr/>
-          </a:p>
-        </p:txBody>
-      </p:sp>
-      <p:sp>
-        <p:nvSpPr>
-          <p:cNvPr id="125" name="Google Shape;125;g21dc117e85d_0_0:notes"/>
-          <p:cNvSpPr txBox="1"/>
-          <p:nvPr>
-            <p:ph idx="12" type="sldNum"/>
-          </p:nvPr>
-        </p:nvSpPr>
-        <p:spPr>
-          <a:xfrm>
-            <a:off x="3884613" y="8685213"/>
-            <a:ext cx="2971800" cy="458700"/>
-          </a:xfrm>
-          <a:prstGeom prst="rect">
-            <a:avLst/>
-          </a:prstGeom>
-          <a:noFill/>
-          <a:ln>
-            <a:noFill/>
-          </a:ln>
-        </p:spPr>
-        <p:txBody>
-          <a:bodyPr anchorCtr="0" anchor="b" bIns="45700" lIns="91425" spcFirstLastPara="1" rIns="91425" wrap="square" tIns="45700">
-            <a:noAutofit/>
-          </a:bodyPr>
-          <a:lstStyle/>
-          <a:p>
-            <a:pPr indent="0" lvl="0" marL="0" rtl="0" algn="r">
-              <a:lnSpc>
-                <a:spcPct val="100000"/>
-              </a:lnSpc>
-              <a:spcBef>
-                <a:spcPts val="0"/>
-              </a:spcBef>
-              <a:spcAft>
-                <a:spcPts val="0"/>
-              </a:spcAft>
-              <a:buClr>
-                <a:srgbClr val="000000"/>
-              </a:buClr>
-              <a:buSzPts val="1200"/>
-              <a:buFont typeface="Arial"/>
-              <a:buNone/>
-            </a:pPr>
-            <a:fld id="{00000000-1234-1234-1234-123412341234}" type="slidenum">
-              <a:rPr lang="en-AU"/>
-              <a:t>‹#›</a:t>
-            </a:fld>
-            <a:endParaRPr/>
-          </a:p>
-        </p:txBody>
-      </p:sp>
-    </p:spTree>
-  </p:cSld>
-  <p:clrMapOvr>
-    <a:masterClrMapping/>
-  </p:clrMapOvr>
-</p:notes>
-</file>
-
 <file path=ppt/slideLayouts/slideLayout1.xml><?xml version="1.0" encoding="utf-8"?>
-<p:sldLayout xmlns:a="http://schemas.openxmlformats.org/drawingml/2006/main" xmlns:r="http://schemas.openxmlformats.org/officeDocument/2006/relationships" xmlns:mc="http://schemas.openxmlformats.org/markup-compatibility/2006" xmlns:mv="urn:schemas-microsoft-com:mac:vml" xmlns:p="http://schemas.openxmlformats.org/presentationml/2006/main" xmlns:c="http://schemas.openxmlformats.org/drawingml/2006/chart" xmlns:dgm="http://schemas.openxmlformats.org/drawingml/2006/diagram" xmlns:o="urn:schemas-microsoft-com:office:office" xmlns:v="urn:schemas-microsoft-com:vml" xmlns:pvml="urn:schemas-microsoft-com:office:powerpoint" xmlns:com="http://schemas.openxmlformats.org/drawingml/2006/compatibility" xmlns:p14="http://schemas.microsoft.com/office/powerpoint/2010/main" xmlns:p15="http://schemas.microsoft.com/office/powerpoint/2012/main" xmlns:ahyp="http://schemas.microsoft.com/office/drawing/2018/hyperlinkcolor" matchingName="Title Slide">
+<p:sldLayout xmlns:a="http://schemas.openxmlformats.org/drawingml/2006/main" xmlns:r="http://schemas.openxmlformats.org/officeDocument/2006/relationships" xmlns:p="http://schemas.openxmlformats.org/presentationml/2006/main" matchingName="Title Slide">
   <p:cSld name="Title Slide">
     <p:spTree>
       <p:nvGrpSpPr>
-        <p:cNvPr id="15" name="Shape 15"/>
+        <p:cNvPr id="1" name="Shape 15"/>
         <p:cNvGrpSpPr/>
         <p:nvPr/>
       </p:nvGrpSpPr>
@@ -2581,12 +2134,12 @@
           </a:ln>
         </p:spPr>
         <p:txBody>
-          <a:bodyPr anchorCtr="0" anchor="ctr" bIns="45700" lIns="91425" spcFirstLastPara="1" rIns="91425" wrap="square" tIns="45700">
+          <a:bodyPr spcFirstLastPara="1" wrap="square" lIns="91425" tIns="45700" rIns="91425" bIns="45700" anchor="ctr" anchorCtr="0">
             <a:noAutofit/>
           </a:bodyPr>
           <a:lstStyle/>
           <a:p>
-            <a:pPr indent="0" lvl="0" marL="0" marR="0" rtl="0" algn="ctr">
+            <a:pPr marL="0" marR="0" lvl="0" indent="0" algn="ctr" rtl="0">
               <a:lnSpc>
                 <a:spcPct val="100000"/>
               </a:lnSpc>
@@ -2603,10 +2156,7 @@
               <a:buFont typeface="Arial"/>
               <a:buNone/>
             </a:pPr>
-            <a:r>
-              <a:t/>
-            </a:r>
-            <a:endParaRPr b="0" i="0" sz="1800" u="none" cap="none" strike="noStrike">
+            <a:endParaRPr sz="1800" b="0" i="0" u="none" strike="noStrike" cap="none">
               <a:solidFill>
                 <a:schemeClr val="lt1"/>
               </a:solidFill>
@@ -2620,7 +2170,7 @@
       </p:sp>
       <p:pic>
         <p:nvPicPr>
-          <p:cNvPr descr="Graphical user interface&#10;&#10;Description automatically generated with medium confidence" id="17" name="Google Shape;17;p6"/>
+          <p:cNvPr id="17" name="Google Shape;17;p6" descr="Graphical user interface&#10;&#10;Description automatically generated with medium confidence"/>
           <p:cNvPicPr preferRelativeResize="0"/>
           <p:nvPr/>
         </p:nvPicPr>
@@ -2628,7 +2178,7 @@
           <a:blip r:embed="rId2">
             <a:alphaModFix/>
           </a:blip>
-          <a:srcRect b="0" l="0" r="0" t="0"/>
+          <a:srcRect/>
           <a:stretch/>
         </p:blipFill>
         <p:spPr>
@@ -2648,7 +2198,9 @@
       <p:sp>
         <p:nvSpPr>
           <p:cNvPr id="18" name="Google Shape;18;p6"/>
-          <p:cNvSpPr txBox="1"/>
+          <p:cNvSpPr txBox="1">
+            <a:spLocks noGrp="1"/>
+          </p:cNvSpPr>
           <p:nvPr>
             <p:ph type="ctrTitle"/>
           </p:nvPr>
@@ -2667,7 +2219,7 @@
           </a:ln>
         </p:spPr>
         <p:txBody>
-          <a:bodyPr anchorCtr="0" anchor="ctr" bIns="45700" lIns="91425" spcFirstLastPara="1" rIns="91425" wrap="square" tIns="45700">
+          <a:bodyPr spcFirstLastPara="1" wrap="square" lIns="91425" tIns="45700" rIns="91425" bIns="45700" anchor="ctr" anchorCtr="0">
             <a:normAutofit/>
           </a:bodyPr>
           <a:lstStyle>
@@ -2806,15 +2358,19 @@
               <a:defRPr/>
             </a:lvl9pPr>
           </a:lstStyle>
-          <a:p/>
+          <a:p>
+            <a:endParaRPr/>
+          </a:p>
         </p:txBody>
       </p:sp>
       <p:sp>
         <p:nvSpPr>
           <p:cNvPr id="19" name="Google Shape;19;p6"/>
-          <p:cNvSpPr txBox="1"/>
+          <p:cNvSpPr txBox="1">
+            <a:spLocks noGrp="1"/>
+          </p:cNvSpPr>
           <p:nvPr>
-            <p:ph idx="1" type="subTitle"/>
+            <p:ph type="subTitle" idx="1"/>
           </p:nvPr>
         </p:nvSpPr>
         <p:spPr>
@@ -2831,7 +2387,7 @@
           </a:ln>
         </p:spPr>
         <p:txBody>
-          <a:bodyPr anchorCtr="0" anchor="t" bIns="45700" lIns="91425" spcFirstLastPara="1" rIns="91425" wrap="square" tIns="45700">
+          <a:bodyPr spcFirstLastPara="1" wrap="square" lIns="91425" tIns="45700" rIns="91425" bIns="45700" anchor="t" anchorCtr="0">
             <a:normAutofit/>
           </a:bodyPr>
           <a:lstStyle>
@@ -2993,7 +2549,9 @@
               <a:defRPr/>
             </a:lvl9pPr>
           </a:lstStyle>
-          <a:p/>
+          <a:p>
+            <a:endParaRPr/>
+          </a:p>
         </p:txBody>
       </p:sp>
     </p:spTree>
@@ -3005,11 +2563,11 @@
 </file>
 
 <file path=ppt/slideLayouts/slideLayout10.xml><?xml version="1.0" encoding="utf-8"?>
-<p:sldLayout xmlns:a="http://schemas.openxmlformats.org/drawingml/2006/main" xmlns:r="http://schemas.openxmlformats.org/officeDocument/2006/relationships" xmlns:mc="http://schemas.openxmlformats.org/markup-compatibility/2006" xmlns:mv="urn:schemas-microsoft-com:mac:vml" xmlns:p="http://schemas.openxmlformats.org/presentationml/2006/main" xmlns:c="http://schemas.openxmlformats.org/drawingml/2006/chart" xmlns:dgm="http://schemas.openxmlformats.org/drawingml/2006/diagram" xmlns:o="urn:schemas-microsoft-com:office:office" xmlns:v="urn:schemas-microsoft-com:vml" xmlns:pvml="urn:schemas-microsoft-com:office:powerpoint" xmlns:com="http://schemas.openxmlformats.org/drawingml/2006/compatibility" xmlns:p14="http://schemas.microsoft.com/office/powerpoint/2010/main" xmlns:p15="http://schemas.microsoft.com/office/powerpoint/2012/main" xmlns:ahyp="http://schemas.microsoft.com/office/drawing/2018/hyperlinkcolor" matchingName="Title and Vertical Text" type="vertTx">
+<p:sldLayout xmlns:a="http://schemas.openxmlformats.org/drawingml/2006/main" xmlns:r="http://schemas.openxmlformats.org/officeDocument/2006/relationships" xmlns:p="http://schemas.openxmlformats.org/presentationml/2006/main" matchingName="Title and Vertical Text" type="vertTx">
   <p:cSld name="VERTICAL_TEXT">
     <p:spTree>
       <p:nvGrpSpPr>
-        <p:cNvPr id="73" name="Shape 73"/>
+        <p:cNvPr id="1" name="Shape 73"/>
         <p:cNvGrpSpPr/>
         <p:nvPr/>
       </p:nvGrpSpPr>
@@ -3024,7 +2582,9 @@
       <p:sp>
         <p:nvSpPr>
           <p:cNvPr id="74" name="Google Shape;74;p15"/>
-          <p:cNvSpPr txBox="1"/>
+          <p:cNvSpPr txBox="1">
+            <a:spLocks noGrp="1"/>
+          </p:cNvSpPr>
           <p:nvPr>
             <p:ph type="title"/>
           </p:nvPr>
@@ -3043,7 +2603,7 @@
           </a:ln>
         </p:spPr>
         <p:txBody>
-          <a:bodyPr anchorCtr="0" anchor="ctr" bIns="45700" lIns="91425" spcFirstLastPara="1" rIns="91425" wrap="square" tIns="45700">
+          <a:bodyPr spcFirstLastPara="1" wrap="square" lIns="91425" tIns="45700" rIns="91425" bIns="45700" anchor="ctr" anchorCtr="0">
             <a:normAutofit/>
           </a:bodyPr>
           <a:lstStyle>
@@ -3177,15 +2737,19 @@
               <a:defRPr/>
             </a:lvl9pPr>
           </a:lstStyle>
-          <a:p/>
+          <a:p>
+            <a:endParaRPr/>
+          </a:p>
         </p:txBody>
       </p:sp>
       <p:sp>
         <p:nvSpPr>
           <p:cNvPr id="75" name="Google Shape;75;p15"/>
-          <p:cNvSpPr txBox="1"/>
+          <p:cNvSpPr txBox="1">
+            <a:spLocks noGrp="1"/>
+          </p:cNvSpPr>
           <p:nvPr>
-            <p:ph idx="1" type="body"/>
+            <p:ph type="body" idx="1"/>
           </p:nvPr>
         </p:nvSpPr>
         <p:spPr>
@@ -3202,11 +2766,11 @@
           </a:ln>
         </p:spPr>
         <p:txBody>
-          <a:bodyPr anchorCtr="0" anchor="t" bIns="45700" lIns="91425" spcFirstLastPara="1" rIns="91425" wrap="square" tIns="45700">
+          <a:bodyPr spcFirstLastPara="1" wrap="square" lIns="91425" tIns="45700" rIns="91425" bIns="45700" anchor="t" anchorCtr="0">
             <a:normAutofit/>
           </a:bodyPr>
           <a:lstStyle>
-            <a:lvl1pPr indent="-342900" lvl="0" marL="457200" algn="l">
+            <a:lvl1pPr marL="457200" lvl="0" indent="-342900" algn="l">
               <a:lnSpc>
                 <a:spcPct val="90000"/>
               </a:lnSpc>
@@ -3223,7 +2787,7 @@
               <a:buChar char="•"/>
               <a:defRPr/>
             </a:lvl1pPr>
-            <a:lvl2pPr indent="-342900" lvl="1" marL="914400" algn="l">
+            <a:lvl2pPr marL="914400" lvl="1" indent="-342900" algn="l">
               <a:lnSpc>
                 <a:spcPct val="90000"/>
               </a:lnSpc>
@@ -3240,7 +2804,7 @@
               <a:buChar char="•"/>
               <a:defRPr/>
             </a:lvl2pPr>
-            <a:lvl3pPr indent="-342900" lvl="2" marL="1371600" algn="l">
+            <a:lvl3pPr marL="1371600" lvl="2" indent="-342900" algn="l">
               <a:lnSpc>
                 <a:spcPct val="90000"/>
               </a:lnSpc>
@@ -3257,7 +2821,7 @@
               <a:buChar char="•"/>
               <a:defRPr/>
             </a:lvl3pPr>
-            <a:lvl4pPr indent="-342900" lvl="3" marL="1828800" algn="l">
+            <a:lvl4pPr marL="1828800" lvl="3" indent="-342900" algn="l">
               <a:lnSpc>
                 <a:spcPct val="90000"/>
               </a:lnSpc>
@@ -3274,7 +2838,7 @@
               <a:buChar char="•"/>
               <a:defRPr/>
             </a:lvl4pPr>
-            <a:lvl5pPr indent="-342900" lvl="4" marL="2286000" algn="l">
+            <a:lvl5pPr marL="2286000" lvl="4" indent="-342900" algn="l">
               <a:lnSpc>
                 <a:spcPct val="90000"/>
               </a:lnSpc>
@@ -3291,7 +2855,7 @@
               <a:buChar char="•"/>
               <a:defRPr/>
             </a:lvl5pPr>
-            <a:lvl6pPr indent="-342900" lvl="5" marL="2743200" algn="l">
+            <a:lvl6pPr marL="2743200" lvl="5" indent="-342900" algn="l">
               <a:lnSpc>
                 <a:spcPct val="90000"/>
               </a:lnSpc>
@@ -3308,7 +2872,7 @@
               <a:buChar char="•"/>
               <a:defRPr/>
             </a:lvl6pPr>
-            <a:lvl7pPr indent="-342900" lvl="6" marL="3200400" algn="l">
+            <a:lvl7pPr marL="3200400" lvl="6" indent="-342900" algn="l">
               <a:lnSpc>
                 <a:spcPct val="90000"/>
               </a:lnSpc>
@@ -3325,7 +2889,7 @@
               <a:buChar char="•"/>
               <a:defRPr/>
             </a:lvl7pPr>
-            <a:lvl8pPr indent="-342900" lvl="7" marL="3657600" algn="l">
+            <a:lvl8pPr marL="3657600" lvl="7" indent="-342900" algn="l">
               <a:lnSpc>
                 <a:spcPct val="90000"/>
               </a:lnSpc>
@@ -3342,7 +2906,7 @@
               <a:buChar char="•"/>
               <a:defRPr/>
             </a:lvl8pPr>
-            <a:lvl9pPr indent="-342900" lvl="8" marL="4114800" algn="l">
+            <a:lvl9pPr marL="4114800" lvl="8" indent="-342900" algn="l">
               <a:lnSpc>
                 <a:spcPct val="90000"/>
               </a:lnSpc>
@@ -3360,15 +2924,19 @@
               <a:defRPr/>
             </a:lvl9pPr>
           </a:lstStyle>
-          <a:p/>
+          <a:p>
+            <a:endParaRPr/>
+          </a:p>
         </p:txBody>
       </p:sp>
       <p:sp>
         <p:nvSpPr>
           <p:cNvPr id="76" name="Google Shape;76;p15"/>
-          <p:cNvSpPr txBox="1"/>
+          <p:cNvSpPr txBox="1">
+            <a:spLocks noGrp="1"/>
+          </p:cNvSpPr>
           <p:nvPr>
-            <p:ph idx="10" type="dt"/>
+            <p:ph type="dt" idx="10"/>
           </p:nvPr>
         </p:nvSpPr>
         <p:spPr>
@@ -3385,7 +2953,7 @@
           </a:ln>
         </p:spPr>
         <p:txBody>
-          <a:bodyPr anchorCtr="0" anchor="ctr" bIns="45700" lIns="91425" spcFirstLastPara="1" rIns="91425" wrap="square" tIns="45700">
+          <a:bodyPr spcFirstLastPara="1" wrap="square" lIns="91425" tIns="45700" rIns="91425" bIns="45700" anchor="ctr" anchorCtr="0">
             <a:noAutofit/>
           </a:bodyPr>
           <a:lstStyle>
@@ -3516,15 +3084,19 @@
               <a:defRPr/>
             </a:lvl9pPr>
           </a:lstStyle>
-          <a:p/>
+          <a:p>
+            <a:endParaRPr/>
+          </a:p>
         </p:txBody>
       </p:sp>
       <p:sp>
         <p:nvSpPr>
           <p:cNvPr id="77" name="Google Shape;77;p15"/>
-          <p:cNvSpPr txBox="1"/>
+          <p:cNvSpPr txBox="1">
+            <a:spLocks noGrp="1"/>
+          </p:cNvSpPr>
           <p:nvPr>
-            <p:ph idx="11" type="ftr"/>
+            <p:ph type="ftr" idx="11"/>
           </p:nvPr>
         </p:nvSpPr>
         <p:spPr>
@@ -3541,7 +3113,7 @@
           </a:ln>
         </p:spPr>
         <p:txBody>
-          <a:bodyPr anchorCtr="0" anchor="ctr" bIns="45700" lIns="91425" spcFirstLastPara="1" rIns="91425" wrap="square" tIns="45700">
+          <a:bodyPr spcFirstLastPara="1" wrap="square" lIns="91425" tIns="45700" rIns="91425" bIns="45700" anchor="ctr" anchorCtr="0">
             <a:noAutofit/>
           </a:bodyPr>
           <a:lstStyle>
@@ -3672,15 +3244,19 @@
               <a:defRPr/>
             </a:lvl9pPr>
           </a:lstStyle>
-          <a:p/>
+          <a:p>
+            <a:endParaRPr/>
+          </a:p>
         </p:txBody>
       </p:sp>
       <p:sp>
         <p:nvSpPr>
           <p:cNvPr id="78" name="Google Shape;78;p15"/>
-          <p:cNvSpPr txBox="1"/>
+          <p:cNvSpPr txBox="1">
+            <a:spLocks noGrp="1"/>
+          </p:cNvSpPr>
           <p:nvPr>
-            <p:ph idx="12" type="sldNum"/>
+            <p:ph type="sldNum" idx="12"/>
           </p:nvPr>
         </p:nvSpPr>
         <p:spPr>
@@ -3697,11 +3273,11 @@
           </a:ln>
         </p:spPr>
         <p:txBody>
-          <a:bodyPr anchorCtr="0" anchor="ctr" bIns="45700" lIns="91425" spcFirstLastPara="1" rIns="91425" wrap="square" tIns="45700">
+          <a:bodyPr spcFirstLastPara="1" wrap="square" lIns="91425" tIns="45700" rIns="91425" bIns="45700" anchor="ctr" anchorCtr="0">
             <a:noAutofit/>
           </a:bodyPr>
           <a:lstStyle>
-            <a:lvl1pPr indent="0" lvl="0" marL="0" marR="0" algn="r">
+            <a:lvl1pPr marL="0" marR="0" lvl="0" indent="0" algn="r">
               <a:lnSpc>
                 <a:spcPct val="100000"/>
               </a:lnSpc>
@@ -3717,7 +3293,7 @@
               <a:buSzPts val="1200"/>
               <a:buFont typeface="Arial"/>
               <a:buNone/>
-              <a:defRPr b="0" i="0" sz="1200" u="none" cap="none" strike="noStrike">
+              <a:defRPr sz="1200" b="0" i="0" u="none" strike="noStrike" cap="none">
                 <a:solidFill>
                   <a:srgbClr val="888888"/>
                 </a:solidFill>
@@ -3727,7 +3303,7 @@
                 <a:sym typeface="Calibri"/>
               </a:defRPr>
             </a:lvl1pPr>
-            <a:lvl2pPr indent="0" lvl="1" marL="0" marR="0" algn="r">
+            <a:lvl2pPr marL="0" marR="0" lvl="1" indent="0" algn="r">
               <a:lnSpc>
                 <a:spcPct val="100000"/>
               </a:lnSpc>
@@ -3743,7 +3319,7 @@
               <a:buSzPts val="1200"/>
               <a:buFont typeface="Arial"/>
               <a:buNone/>
-              <a:defRPr b="0" i="0" sz="1200" u="none" cap="none" strike="noStrike">
+              <a:defRPr sz="1200" b="0" i="0" u="none" strike="noStrike" cap="none">
                 <a:solidFill>
                   <a:srgbClr val="888888"/>
                 </a:solidFill>
@@ -3753,7 +3329,7 @@
                 <a:sym typeface="Calibri"/>
               </a:defRPr>
             </a:lvl2pPr>
-            <a:lvl3pPr indent="0" lvl="2" marL="0" marR="0" algn="r">
+            <a:lvl3pPr marL="0" marR="0" lvl="2" indent="0" algn="r">
               <a:lnSpc>
                 <a:spcPct val="100000"/>
               </a:lnSpc>
@@ -3769,7 +3345,7 @@
               <a:buSzPts val="1200"/>
               <a:buFont typeface="Arial"/>
               <a:buNone/>
-              <a:defRPr b="0" i="0" sz="1200" u="none" cap="none" strike="noStrike">
+              <a:defRPr sz="1200" b="0" i="0" u="none" strike="noStrike" cap="none">
                 <a:solidFill>
                   <a:srgbClr val="888888"/>
                 </a:solidFill>
@@ -3779,7 +3355,7 @@
                 <a:sym typeface="Calibri"/>
               </a:defRPr>
             </a:lvl3pPr>
-            <a:lvl4pPr indent="0" lvl="3" marL="0" marR="0" algn="r">
+            <a:lvl4pPr marL="0" marR="0" lvl="3" indent="0" algn="r">
               <a:lnSpc>
                 <a:spcPct val="100000"/>
               </a:lnSpc>
@@ -3795,7 +3371,7 @@
               <a:buSzPts val="1200"/>
               <a:buFont typeface="Arial"/>
               <a:buNone/>
-              <a:defRPr b="0" i="0" sz="1200" u="none" cap="none" strike="noStrike">
+              <a:defRPr sz="1200" b="0" i="0" u="none" strike="noStrike" cap="none">
                 <a:solidFill>
                   <a:srgbClr val="888888"/>
                 </a:solidFill>
@@ -3805,7 +3381,7 @@
                 <a:sym typeface="Calibri"/>
               </a:defRPr>
             </a:lvl4pPr>
-            <a:lvl5pPr indent="0" lvl="4" marL="0" marR="0" algn="r">
+            <a:lvl5pPr marL="0" marR="0" lvl="4" indent="0" algn="r">
               <a:lnSpc>
                 <a:spcPct val="100000"/>
               </a:lnSpc>
@@ -3821,7 +3397,7 @@
               <a:buSzPts val="1200"/>
               <a:buFont typeface="Arial"/>
               <a:buNone/>
-              <a:defRPr b="0" i="0" sz="1200" u="none" cap="none" strike="noStrike">
+              <a:defRPr sz="1200" b="0" i="0" u="none" strike="noStrike" cap="none">
                 <a:solidFill>
                   <a:srgbClr val="888888"/>
                 </a:solidFill>
@@ -3831,7 +3407,7 @@
                 <a:sym typeface="Calibri"/>
               </a:defRPr>
             </a:lvl5pPr>
-            <a:lvl6pPr indent="0" lvl="5" marL="0" marR="0" algn="r">
+            <a:lvl6pPr marL="0" marR="0" lvl="5" indent="0" algn="r">
               <a:lnSpc>
                 <a:spcPct val="100000"/>
               </a:lnSpc>
@@ -3847,7 +3423,7 @@
               <a:buSzPts val="1200"/>
               <a:buFont typeface="Arial"/>
               <a:buNone/>
-              <a:defRPr b="0" i="0" sz="1200" u="none" cap="none" strike="noStrike">
+              <a:defRPr sz="1200" b="0" i="0" u="none" strike="noStrike" cap="none">
                 <a:solidFill>
                   <a:srgbClr val="888888"/>
                 </a:solidFill>
@@ -3857,7 +3433,7 @@
                 <a:sym typeface="Calibri"/>
               </a:defRPr>
             </a:lvl6pPr>
-            <a:lvl7pPr indent="0" lvl="6" marL="0" marR="0" algn="r">
+            <a:lvl7pPr marL="0" marR="0" lvl="6" indent="0" algn="r">
               <a:lnSpc>
                 <a:spcPct val="100000"/>
               </a:lnSpc>
@@ -3873,7 +3449,7 @@
               <a:buSzPts val="1200"/>
               <a:buFont typeface="Arial"/>
               <a:buNone/>
-              <a:defRPr b="0" i="0" sz="1200" u="none" cap="none" strike="noStrike">
+              <a:defRPr sz="1200" b="0" i="0" u="none" strike="noStrike" cap="none">
                 <a:solidFill>
                   <a:srgbClr val="888888"/>
                 </a:solidFill>
@@ -3883,7 +3459,7 @@
                 <a:sym typeface="Calibri"/>
               </a:defRPr>
             </a:lvl7pPr>
-            <a:lvl8pPr indent="0" lvl="7" marL="0" marR="0" algn="r">
+            <a:lvl8pPr marL="0" marR="0" lvl="7" indent="0" algn="r">
               <a:lnSpc>
                 <a:spcPct val="100000"/>
               </a:lnSpc>
@@ -3899,7 +3475,7 @@
               <a:buSzPts val="1200"/>
               <a:buFont typeface="Arial"/>
               <a:buNone/>
-              <a:defRPr b="0" i="0" sz="1200" u="none" cap="none" strike="noStrike">
+              <a:defRPr sz="1200" b="0" i="0" u="none" strike="noStrike" cap="none">
                 <a:solidFill>
                   <a:srgbClr val="888888"/>
                 </a:solidFill>
@@ -3909,7 +3485,7 @@
                 <a:sym typeface="Calibri"/>
               </a:defRPr>
             </a:lvl8pPr>
-            <a:lvl9pPr indent="0" lvl="8" marL="0" marR="0" algn="r">
+            <a:lvl9pPr marL="0" marR="0" lvl="8" indent="0" algn="r">
               <a:lnSpc>
                 <a:spcPct val="100000"/>
               </a:lnSpc>
@@ -3925,7 +3501,7 @@
               <a:buSzPts val="1200"/>
               <a:buFont typeface="Arial"/>
               <a:buNone/>
-              <a:defRPr b="0" i="0" sz="1200" u="none" cap="none" strike="noStrike">
+              <a:defRPr sz="1200" b="0" i="0" u="none" strike="noStrike" cap="none">
                 <a:solidFill>
                   <a:srgbClr val="888888"/>
                 </a:solidFill>
@@ -3937,7 +3513,7 @@
             </a:lvl9pPr>
           </a:lstStyle>
           <a:p>
-            <a:pPr indent="0" lvl="0" marL="0" rtl="0" algn="r">
+            <a:pPr marL="0" lvl="0" indent="0" algn="r" rtl="0">
               <a:spcBef>
                 <a:spcPts val="0"/>
               </a:spcBef>
@@ -3963,11 +3539,11 @@
 </file>
 
 <file path=ppt/slideLayouts/slideLayout11.xml><?xml version="1.0" encoding="utf-8"?>
-<p:sldLayout xmlns:a="http://schemas.openxmlformats.org/drawingml/2006/main" xmlns:r="http://schemas.openxmlformats.org/officeDocument/2006/relationships" xmlns:mc="http://schemas.openxmlformats.org/markup-compatibility/2006" xmlns:mv="urn:schemas-microsoft-com:mac:vml" xmlns:p="http://schemas.openxmlformats.org/presentationml/2006/main" xmlns:c="http://schemas.openxmlformats.org/drawingml/2006/chart" xmlns:dgm="http://schemas.openxmlformats.org/drawingml/2006/diagram" xmlns:o="urn:schemas-microsoft-com:office:office" xmlns:v="urn:schemas-microsoft-com:vml" xmlns:pvml="urn:schemas-microsoft-com:office:powerpoint" xmlns:com="http://schemas.openxmlformats.org/drawingml/2006/compatibility" xmlns:p14="http://schemas.microsoft.com/office/powerpoint/2010/main" xmlns:p15="http://schemas.microsoft.com/office/powerpoint/2012/main" xmlns:ahyp="http://schemas.microsoft.com/office/drawing/2018/hyperlinkcolor" matchingName="Vertical Title and Text" type="vertTitleAndTx">
+<p:sldLayout xmlns:a="http://schemas.openxmlformats.org/drawingml/2006/main" xmlns:r="http://schemas.openxmlformats.org/officeDocument/2006/relationships" xmlns:p="http://schemas.openxmlformats.org/presentationml/2006/main" matchingName="Vertical Title and Text" type="vertTitleAndTx">
   <p:cSld name="VERTICAL_TITLE_AND_VERTICAL_TEXT">
     <p:spTree>
       <p:nvGrpSpPr>
-        <p:cNvPr id="79" name="Shape 79"/>
+        <p:cNvPr id="1" name="Shape 79"/>
         <p:cNvGrpSpPr/>
         <p:nvPr/>
       </p:nvGrpSpPr>
@@ -3982,7 +3558,9 @@
       <p:sp>
         <p:nvSpPr>
           <p:cNvPr id="80" name="Google Shape;80;p16"/>
-          <p:cNvSpPr txBox="1"/>
+          <p:cNvSpPr txBox="1">
+            <a:spLocks noGrp="1"/>
+          </p:cNvSpPr>
           <p:nvPr>
             <p:ph type="title"/>
           </p:nvPr>
@@ -4001,7 +3579,7 @@
           </a:ln>
         </p:spPr>
         <p:txBody>
-          <a:bodyPr anchorCtr="0" anchor="ctr" bIns="45700" lIns="91425" spcFirstLastPara="1" rIns="91425" wrap="square" tIns="45700">
+          <a:bodyPr spcFirstLastPara="1" wrap="square" lIns="91425" tIns="45700" rIns="91425" bIns="45700" anchor="ctr" anchorCtr="0">
             <a:normAutofit/>
           </a:bodyPr>
           <a:lstStyle>
@@ -4135,15 +3713,19 @@
               <a:defRPr/>
             </a:lvl9pPr>
           </a:lstStyle>
-          <a:p/>
+          <a:p>
+            <a:endParaRPr/>
+          </a:p>
         </p:txBody>
       </p:sp>
       <p:sp>
         <p:nvSpPr>
           <p:cNvPr id="81" name="Google Shape;81;p16"/>
-          <p:cNvSpPr txBox="1"/>
+          <p:cNvSpPr txBox="1">
+            <a:spLocks noGrp="1"/>
+          </p:cNvSpPr>
           <p:nvPr>
-            <p:ph idx="1" type="body"/>
+            <p:ph type="body" idx="1"/>
           </p:nvPr>
         </p:nvSpPr>
         <p:spPr>
@@ -4160,11 +3742,11 @@
           </a:ln>
         </p:spPr>
         <p:txBody>
-          <a:bodyPr anchorCtr="0" anchor="t" bIns="45700" lIns="91425" spcFirstLastPara="1" rIns="91425" wrap="square" tIns="45700">
+          <a:bodyPr spcFirstLastPara="1" wrap="square" lIns="91425" tIns="45700" rIns="91425" bIns="45700" anchor="t" anchorCtr="0">
             <a:normAutofit/>
           </a:bodyPr>
           <a:lstStyle>
-            <a:lvl1pPr indent="-342900" lvl="0" marL="457200" algn="l">
+            <a:lvl1pPr marL="457200" lvl="0" indent="-342900" algn="l">
               <a:lnSpc>
                 <a:spcPct val="90000"/>
               </a:lnSpc>
@@ -4181,7 +3763,7 @@
               <a:buChar char="•"/>
               <a:defRPr/>
             </a:lvl1pPr>
-            <a:lvl2pPr indent="-342900" lvl="1" marL="914400" algn="l">
+            <a:lvl2pPr marL="914400" lvl="1" indent="-342900" algn="l">
               <a:lnSpc>
                 <a:spcPct val="90000"/>
               </a:lnSpc>
@@ -4198,7 +3780,7 @@
               <a:buChar char="•"/>
               <a:defRPr/>
             </a:lvl2pPr>
-            <a:lvl3pPr indent="-342900" lvl="2" marL="1371600" algn="l">
+            <a:lvl3pPr marL="1371600" lvl="2" indent="-342900" algn="l">
               <a:lnSpc>
                 <a:spcPct val="90000"/>
               </a:lnSpc>
@@ -4215,7 +3797,7 @@
               <a:buChar char="•"/>
               <a:defRPr/>
             </a:lvl3pPr>
-            <a:lvl4pPr indent="-342900" lvl="3" marL="1828800" algn="l">
+            <a:lvl4pPr marL="1828800" lvl="3" indent="-342900" algn="l">
               <a:lnSpc>
                 <a:spcPct val="90000"/>
               </a:lnSpc>
@@ -4232,7 +3814,7 @@
               <a:buChar char="•"/>
               <a:defRPr/>
             </a:lvl4pPr>
-            <a:lvl5pPr indent="-342900" lvl="4" marL="2286000" algn="l">
+            <a:lvl5pPr marL="2286000" lvl="4" indent="-342900" algn="l">
               <a:lnSpc>
                 <a:spcPct val="90000"/>
               </a:lnSpc>
@@ -4249,7 +3831,7 @@
               <a:buChar char="•"/>
               <a:defRPr/>
             </a:lvl5pPr>
-            <a:lvl6pPr indent="-342900" lvl="5" marL="2743200" algn="l">
+            <a:lvl6pPr marL="2743200" lvl="5" indent="-342900" algn="l">
               <a:lnSpc>
                 <a:spcPct val="90000"/>
               </a:lnSpc>
@@ -4266,7 +3848,7 @@
               <a:buChar char="•"/>
               <a:defRPr/>
             </a:lvl6pPr>
-            <a:lvl7pPr indent="-342900" lvl="6" marL="3200400" algn="l">
+            <a:lvl7pPr marL="3200400" lvl="6" indent="-342900" algn="l">
               <a:lnSpc>
                 <a:spcPct val="90000"/>
               </a:lnSpc>
@@ -4283,7 +3865,7 @@
               <a:buChar char="•"/>
               <a:defRPr/>
             </a:lvl7pPr>
-            <a:lvl8pPr indent="-342900" lvl="7" marL="3657600" algn="l">
+            <a:lvl8pPr marL="3657600" lvl="7" indent="-342900" algn="l">
               <a:lnSpc>
                 <a:spcPct val="90000"/>
               </a:lnSpc>
@@ -4300,7 +3882,7 @@
               <a:buChar char="•"/>
               <a:defRPr/>
             </a:lvl8pPr>
-            <a:lvl9pPr indent="-342900" lvl="8" marL="4114800" algn="l">
+            <a:lvl9pPr marL="4114800" lvl="8" indent="-342900" algn="l">
               <a:lnSpc>
                 <a:spcPct val="90000"/>
               </a:lnSpc>
@@ -4318,15 +3900,19 @@
               <a:defRPr/>
             </a:lvl9pPr>
           </a:lstStyle>
-          <a:p/>
+          <a:p>
+            <a:endParaRPr/>
+          </a:p>
         </p:txBody>
       </p:sp>
       <p:sp>
         <p:nvSpPr>
           <p:cNvPr id="82" name="Google Shape;82;p16"/>
-          <p:cNvSpPr txBox="1"/>
+          <p:cNvSpPr txBox="1">
+            <a:spLocks noGrp="1"/>
+          </p:cNvSpPr>
           <p:nvPr>
-            <p:ph idx="10" type="dt"/>
+            <p:ph type="dt" idx="10"/>
           </p:nvPr>
         </p:nvSpPr>
         <p:spPr>
@@ -4343,7 +3929,7 @@
           </a:ln>
         </p:spPr>
         <p:txBody>
-          <a:bodyPr anchorCtr="0" anchor="ctr" bIns="45700" lIns="91425" spcFirstLastPara="1" rIns="91425" wrap="square" tIns="45700">
+          <a:bodyPr spcFirstLastPara="1" wrap="square" lIns="91425" tIns="45700" rIns="91425" bIns="45700" anchor="ctr" anchorCtr="0">
             <a:noAutofit/>
           </a:bodyPr>
           <a:lstStyle>
@@ -4474,15 +4060,19 @@
               <a:defRPr/>
             </a:lvl9pPr>
           </a:lstStyle>
-          <a:p/>
+          <a:p>
+            <a:endParaRPr/>
+          </a:p>
         </p:txBody>
       </p:sp>
       <p:sp>
         <p:nvSpPr>
           <p:cNvPr id="83" name="Google Shape;83;p16"/>
-          <p:cNvSpPr txBox="1"/>
+          <p:cNvSpPr txBox="1">
+            <a:spLocks noGrp="1"/>
+          </p:cNvSpPr>
           <p:nvPr>
-            <p:ph idx="11" type="ftr"/>
+            <p:ph type="ftr" idx="11"/>
           </p:nvPr>
         </p:nvSpPr>
         <p:spPr>
@@ -4499,7 +4089,7 @@
           </a:ln>
         </p:spPr>
         <p:txBody>
-          <a:bodyPr anchorCtr="0" anchor="ctr" bIns="45700" lIns="91425" spcFirstLastPara="1" rIns="91425" wrap="square" tIns="45700">
+          <a:bodyPr spcFirstLastPara="1" wrap="square" lIns="91425" tIns="45700" rIns="91425" bIns="45700" anchor="ctr" anchorCtr="0">
             <a:noAutofit/>
           </a:bodyPr>
           <a:lstStyle>
@@ -4630,15 +4220,19 @@
               <a:defRPr/>
             </a:lvl9pPr>
           </a:lstStyle>
-          <a:p/>
+          <a:p>
+            <a:endParaRPr/>
+          </a:p>
         </p:txBody>
       </p:sp>
       <p:sp>
         <p:nvSpPr>
           <p:cNvPr id="84" name="Google Shape;84;p16"/>
-          <p:cNvSpPr txBox="1"/>
+          <p:cNvSpPr txBox="1">
+            <a:spLocks noGrp="1"/>
+          </p:cNvSpPr>
           <p:nvPr>
-            <p:ph idx="12" type="sldNum"/>
+            <p:ph type="sldNum" idx="12"/>
           </p:nvPr>
         </p:nvSpPr>
         <p:spPr>
@@ -4655,11 +4249,11 @@
           </a:ln>
         </p:spPr>
         <p:txBody>
-          <a:bodyPr anchorCtr="0" anchor="ctr" bIns="45700" lIns="91425" spcFirstLastPara="1" rIns="91425" wrap="square" tIns="45700">
+          <a:bodyPr spcFirstLastPara="1" wrap="square" lIns="91425" tIns="45700" rIns="91425" bIns="45700" anchor="ctr" anchorCtr="0">
             <a:noAutofit/>
           </a:bodyPr>
           <a:lstStyle>
-            <a:lvl1pPr indent="0" lvl="0" marL="0" marR="0" algn="r">
+            <a:lvl1pPr marL="0" marR="0" lvl="0" indent="0" algn="r">
               <a:lnSpc>
                 <a:spcPct val="100000"/>
               </a:lnSpc>
@@ -4675,7 +4269,7 @@
               <a:buSzPts val="1200"/>
               <a:buFont typeface="Arial"/>
               <a:buNone/>
-              <a:defRPr b="0" i="0" sz="1200" u="none" cap="none" strike="noStrike">
+              <a:defRPr sz="1200" b="0" i="0" u="none" strike="noStrike" cap="none">
                 <a:solidFill>
                   <a:srgbClr val="888888"/>
                 </a:solidFill>
@@ -4685,7 +4279,7 @@
                 <a:sym typeface="Calibri"/>
               </a:defRPr>
             </a:lvl1pPr>
-            <a:lvl2pPr indent="0" lvl="1" marL="0" marR="0" algn="r">
+            <a:lvl2pPr marL="0" marR="0" lvl="1" indent="0" algn="r">
               <a:lnSpc>
                 <a:spcPct val="100000"/>
               </a:lnSpc>
@@ -4701,7 +4295,7 @@
               <a:buSzPts val="1200"/>
               <a:buFont typeface="Arial"/>
               <a:buNone/>
-              <a:defRPr b="0" i="0" sz="1200" u="none" cap="none" strike="noStrike">
+              <a:defRPr sz="1200" b="0" i="0" u="none" strike="noStrike" cap="none">
                 <a:solidFill>
                   <a:srgbClr val="888888"/>
                 </a:solidFill>
@@ -4711,7 +4305,7 @@
                 <a:sym typeface="Calibri"/>
               </a:defRPr>
             </a:lvl2pPr>
-            <a:lvl3pPr indent="0" lvl="2" marL="0" marR="0" algn="r">
+            <a:lvl3pPr marL="0" marR="0" lvl="2" indent="0" algn="r">
               <a:lnSpc>
                 <a:spcPct val="100000"/>
               </a:lnSpc>
@@ -4727,7 +4321,7 @@
               <a:buSzPts val="1200"/>
               <a:buFont typeface="Arial"/>
               <a:buNone/>
-              <a:defRPr b="0" i="0" sz="1200" u="none" cap="none" strike="noStrike">
+              <a:defRPr sz="1200" b="0" i="0" u="none" strike="noStrike" cap="none">
                 <a:solidFill>
                   <a:srgbClr val="888888"/>
                 </a:solidFill>
@@ -4737,7 +4331,7 @@
                 <a:sym typeface="Calibri"/>
               </a:defRPr>
             </a:lvl3pPr>
-            <a:lvl4pPr indent="0" lvl="3" marL="0" marR="0" algn="r">
+            <a:lvl4pPr marL="0" marR="0" lvl="3" indent="0" algn="r">
               <a:lnSpc>
                 <a:spcPct val="100000"/>
               </a:lnSpc>
@@ -4753,7 +4347,7 @@
               <a:buSzPts val="1200"/>
               <a:buFont typeface="Arial"/>
               <a:buNone/>
-              <a:defRPr b="0" i="0" sz="1200" u="none" cap="none" strike="noStrike">
+              <a:defRPr sz="1200" b="0" i="0" u="none" strike="noStrike" cap="none">
                 <a:solidFill>
                   <a:srgbClr val="888888"/>
                 </a:solidFill>
@@ -4763,7 +4357,7 @@
                 <a:sym typeface="Calibri"/>
               </a:defRPr>
             </a:lvl4pPr>
-            <a:lvl5pPr indent="0" lvl="4" marL="0" marR="0" algn="r">
+            <a:lvl5pPr marL="0" marR="0" lvl="4" indent="0" algn="r">
               <a:lnSpc>
                 <a:spcPct val="100000"/>
               </a:lnSpc>
@@ -4779,7 +4373,7 @@
               <a:buSzPts val="1200"/>
               <a:buFont typeface="Arial"/>
               <a:buNone/>
-              <a:defRPr b="0" i="0" sz="1200" u="none" cap="none" strike="noStrike">
+              <a:defRPr sz="1200" b="0" i="0" u="none" strike="noStrike" cap="none">
                 <a:solidFill>
                   <a:srgbClr val="888888"/>
                 </a:solidFill>
@@ -4789,7 +4383,7 @@
                 <a:sym typeface="Calibri"/>
               </a:defRPr>
             </a:lvl5pPr>
-            <a:lvl6pPr indent="0" lvl="5" marL="0" marR="0" algn="r">
+            <a:lvl6pPr marL="0" marR="0" lvl="5" indent="0" algn="r">
               <a:lnSpc>
                 <a:spcPct val="100000"/>
               </a:lnSpc>
@@ -4805,7 +4399,7 @@
               <a:buSzPts val="1200"/>
               <a:buFont typeface="Arial"/>
               <a:buNone/>
-              <a:defRPr b="0" i="0" sz="1200" u="none" cap="none" strike="noStrike">
+              <a:defRPr sz="1200" b="0" i="0" u="none" strike="noStrike" cap="none">
                 <a:solidFill>
                   <a:srgbClr val="888888"/>
                 </a:solidFill>
@@ -4815,7 +4409,7 @@
                 <a:sym typeface="Calibri"/>
               </a:defRPr>
             </a:lvl6pPr>
-            <a:lvl7pPr indent="0" lvl="6" marL="0" marR="0" algn="r">
+            <a:lvl7pPr marL="0" marR="0" lvl="6" indent="0" algn="r">
               <a:lnSpc>
                 <a:spcPct val="100000"/>
               </a:lnSpc>
@@ -4831,7 +4425,7 @@
               <a:buSzPts val="1200"/>
               <a:buFont typeface="Arial"/>
               <a:buNone/>
-              <a:defRPr b="0" i="0" sz="1200" u="none" cap="none" strike="noStrike">
+              <a:defRPr sz="1200" b="0" i="0" u="none" strike="noStrike" cap="none">
                 <a:solidFill>
                   <a:srgbClr val="888888"/>
                 </a:solidFill>
@@ -4841,7 +4435,7 @@
                 <a:sym typeface="Calibri"/>
               </a:defRPr>
             </a:lvl7pPr>
-            <a:lvl8pPr indent="0" lvl="7" marL="0" marR="0" algn="r">
+            <a:lvl8pPr marL="0" marR="0" lvl="7" indent="0" algn="r">
               <a:lnSpc>
                 <a:spcPct val="100000"/>
               </a:lnSpc>
@@ -4857,7 +4451,7 @@
               <a:buSzPts val="1200"/>
               <a:buFont typeface="Arial"/>
               <a:buNone/>
-              <a:defRPr b="0" i="0" sz="1200" u="none" cap="none" strike="noStrike">
+              <a:defRPr sz="1200" b="0" i="0" u="none" strike="noStrike" cap="none">
                 <a:solidFill>
                   <a:srgbClr val="888888"/>
                 </a:solidFill>
@@ -4867,7 +4461,7 @@
                 <a:sym typeface="Calibri"/>
               </a:defRPr>
             </a:lvl8pPr>
-            <a:lvl9pPr indent="0" lvl="8" marL="0" marR="0" algn="r">
+            <a:lvl9pPr marL="0" marR="0" lvl="8" indent="0" algn="r">
               <a:lnSpc>
                 <a:spcPct val="100000"/>
               </a:lnSpc>
@@ -4883,7 +4477,7 @@
               <a:buSzPts val="1200"/>
               <a:buFont typeface="Arial"/>
               <a:buNone/>
-              <a:defRPr b="0" i="0" sz="1200" u="none" cap="none" strike="noStrike">
+              <a:defRPr sz="1200" b="0" i="0" u="none" strike="noStrike" cap="none">
                 <a:solidFill>
                   <a:srgbClr val="888888"/>
                 </a:solidFill>
@@ -4895,7 +4489,7 @@
             </a:lvl9pPr>
           </a:lstStyle>
           <a:p>
-            <a:pPr indent="0" lvl="0" marL="0" rtl="0" algn="r">
+            <a:pPr marL="0" lvl="0" indent="0" algn="r" rtl="0">
               <a:spcBef>
                 <a:spcPts val="0"/>
               </a:spcBef>
@@ -4921,11 +4515,11 @@
 </file>
 
 <file path=ppt/slideLayouts/slideLayout2.xml><?xml version="1.0" encoding="utf-8"?>
-<p:sldLayout xmlns:a="http://schemas.openxmlformats.org/drawingml/2006/main" xmlns:r="http://schemas.openxmlformats.org/officeDocument/2006/relationships" xmlns:mc="http://schemas.openxmlformats.org/markup-compatibility/2006" xmlns:mv="urn:schemas-microsoft-com:mac:vml" xmlns:p="http://schemas.openxmlformats.org/presentationml/2006/main" xmlns:c="http://schemas.openxmlformats.org/drawingml/2006/chart" xmlns:dgm="http://schemas.openxmlformats.org/drawingml/2006/diagram" xmlns:o="urn:schemas-microsoft-com:office:office" xmlns:v="urn:schemas-microsoft-com:vml" xmlns:pvml="urn:schemas-microsoft-com:office:powerpoint" xmlns:com="http://schemas.openxmlformats.org/drawingml/2006/compatibility" xmlns:p14="http://schemas.microsoft.com/office/powerpoint/2010/main" xmlns:p15="http://schemas.microsoft.com/office/powerpoint/2012/main" xmlns:ahyp="http://schemas.microsoft.com/office/drawing/2018/hyperlinkcolor" matchingName="Title and Content">
+<p:sldLayout xmlns:a="http://schemas.openxmlformats.org/drawingml/2006/main" xmlns:r="http://schemas.openxmlformats.org/officeDocument/2006/relationships" xmlns:p="http://schemas.openxmlformats.org/presentationml/2006/main" matchingName="Title and Content">
   <p:cSld name="Title and Content">
     <p:spTree>
       <p:nvGrpSpPr>
-        <p:cNvPr id="20" name="Shape 20"/>
+        <p:cNvPr id="1" name="Shape 20"/>
         <p:cNvGrpSpPr/>
         <p:nvPr/>
       </p:nvGrpSpPr>
@@ -4950,8 +4544,8 @@
           </a:xfrm>
           <a:prstGeom prst="corner">
             <a:avLst>
-              <a:gd fmla="val 9451" name="adj1"/>
-              <a:gd fmla="val 9879" name="adj2"/>
+              <a:gd name="adj1" fmla="val 9451"/>
+              <a:gd name="adj2" fmla="val 9879"/>
             </a:avLst>
           </a:prstGeom>
           <a:solidFill>
@@ -4962,12 +4556,12 @@
           </a:ln>
         </p:spPr>
         <p:txBody>
-          <a:bodyPr anchorCtr="0" anchor="ctr" bIns="45700" lIns="91425" spcFirstLastPara="1" rIns="91425" wrap="square" tIns="45700">
+          <a:bodyPr spcFirstLastPara="1" wrap="square" lIns="91425" tIns="45700" rIns="91425" bIns="45700" anchor="ctr" anchorCtr="0">
             <a:noAutofit/>
           </a:bodyPr>
           <a:lstStyle/>
           <a:p>
-            <a:pPr indent="0" lvl="0" marL="0" marR="0" rtl="0" algn="ctr">
+            <a:pPr marL="0" marR="0" lvl="0" indent="0" algn="ctr" rtl="0">
               <a:lnSpc>
                 <a:spcPct val="100000"/>
               </a:lnSpc>
@@ -4984,10 +4578,7 @@
               <a:buFont typeface="Arial"/>
               <a:buNone/>
             </a:pPr>
-            <a:r>
-              <a:t/>
-            </a:r>
-            <a:endParaRPr b="0" i="0" sz="1800" u="none" cap="none" strike="noStrike">
+            <a:endParaRPr sz="1800" b="0" i="0" u="none" strike="noStrike" cap="none">
               <a:solidFill>
                 <a:schemeClr val="lt1"/>
               </a:solidFill>
@@ -5006,14 +4597,14 @@
           <p:nvPr/>
         </p:nvSpPr>
         <p:spPr>
-          <a:xfrm flipH="1" rot="10800000">
+          <a:xfrm rot="10800000" flipH="1">
             <a:off x="0" y="0"/>
             <a:ext cx="12192000" cy="1343818"/>
           </a:xfrm>
           <a:prstGeom prst="round2SameRect">
             <a:avLst>
-              <a:gd fmla="val 16667" name="adj1"/>
-              <a:gd fmla="val 0" name="adj2"/>
+              <a:gd name="adj1" fmla="val 16667"/>
+              <a:gd name="adj2" fmla="val 0"/>
             </a:avLst>
           </a:prstGeom>
           <a:solidFill>
@@ -5024,12 +4615,12 @@
           </a:ln>
         </p:spPr>
         <p:txBody>
-          <a:bodyPr anchorCtr="0" anchor="ctr" bIns="45700" lIns="91425" spcFirstLastPara="1" rIns="91425" wrap="square" tIns="45700">
+          <a:bodyPr spcFirstLastPara="1" wrap="square" lIns="91425" tIns="45700" rIns="91425" bIns="45700" anchor="ctr" anchorCtr="0">
             <a:noAutofit/>
           </a:bodyPr>
           <a:lstStyle/>
           <a:p>
-            <a:pPr indent="0" lvl="0" marL="0" marR="0" rtl="0" algn="ctr">
+            <a:pPr marL="0" marR="0" lvl="0" indent="0" algn="ctr" rtl="0">
               <a:lnSpc>
                 <a:spcPct val="100000"/>
               </a:lnSpc>
@@ -5046,10 +4637,7 @@
               <a:buFont typeface="Arial"/>
               <a:buNone/>
             </a:pPr>
-            <a:r>
-              <a:t/>
-            </a:r>
-            <a:endParaRPr b="0" i="0" sz="1800" u="none" cap="none" strike="noStrike">
+            <a:endParaRPr sz="1800" b="0" i="0" u="none" strike="noStrike" cap="none">
               <a:solidFill>
                 <a:schemeClr val="lt1"/>
               </a:solidFill>
@@ -5064,7 +4652,9 @@
       <p:sp>
         <p:nvSpPr>
           <p:cNvPr id="23" name="Google Shape;23;p7"/>
-          <p:cNvSpPr txBox="1"/>
+          <p:cNvSpPr txBox="1">
+            <a:spLocks noGrp="1"/>
+          </p:cNvSpPr>
           <p:nvPr>
             <p:ph type="title"/>
           </p:nvPr>
@@ -5083,7 +4673,7 @@
           </a:ln>
         </p:spPr>
         <p:txBody>
-          <a:bodyPr anchorCtr="0" anchor="ctr" bIns="45700" lIns="91425" spcFirstLastPara="1" rIns="91425" wrap="square" tIns="45700">
+          <a:bodyPr spcFirstLastPara="1" wrap="square" lIns="91425" tIns="45700" rIns="91425" bIns="45700" anchor="ctr" anchorCtr="0">
             <a:normAutofit/>
           </a:bodyPr>
           <a:lstStyle>
@@ -5222,15 +4812,19 @@
               <a:defRPr/>
             </a:lvl9pPr>
           </a:lstStyle>
-          <a:p/>
+          <a:p>
+            <a:endParaRPr/>
+          </a:p>
         </p:txBody>
       </p:sp>
       <p:sp>
         <p:nvSpPr>
           <p:cNvPr id="24" name="Google Shape;24;p7"/>
-          <p:cNvSpPr txBox="1"/>
+          <p:cNvSpPr txBox="1">
+            <a:spLocks noGrp="1"/>
+          </p:cNvSpPr>
           <p:nvPr>
-            <p:ph idx="1" type="body"/>
+            <p:ph type="body" idx="1"/>
           </p:nvPr>
         </p:nvSpPr>
         <p:spPr>
@@ -5247,11 +4841,11 @@
           </a:ln>
         </p:spPr>
         <p:txBody>
-          <a:bodyPr anchorCtr="0" anchor="t" bIns="45700" lIns="91425" spcFirstLastPara="1" rIns="91425" wrap="square" tIns="45700">
+          <a:bodyPr spcFirstLastPara="1" wrap="square" lIns="91425" tIns="45700" rIns="91425" bIns="45700" anchor="t" anchorCtr="0">
             <a:normAutofit/>
           </a:bodyPr>
           <a:lstStyle>
-            <a:lvl1pPr indent="-406400" lvl="0" marL="457200" algn="l">
+            <a:lvl1pPr marL="457200" lvl="0" indent="-406400" algn="l">
               <a:lnSpc>
                 <a:spcPct val="90000"/>
               </a:lnSpc>
@@ -5272,7 +4866,7 @@
                 </a:solidFill>
               </a:defRPr>
             </a:lvl1pPr>
-            <a:lvl2pPr indent="-381000" lvl="1" marL="914400" algn="l">
+            <a:lvl2pPr marL="914400" lvl="1" indent="-381000" algn="l">
               <a:lnSpc>
                 <a:spcPct val="90000"/>
               </a:lnSpc>
@@ -5293,7 +4887,7 @@
                 </a:solidFill>
               </a:defRPr>
             </a:lvl2pPr>
-            <a:lvl3pPr indent="-355600" lvl="2" marL="1371600" algn="l">
+            <a:lvl3pPr marL="1371600" lvl="2" indent="-355600" algn="l">
               <a:lnSpc>
                 <a:spcPct val="90000"/>
               </a:lnSpc>
@@ -5314,7 +4908,7 @@
                 </a:solidFill>
               </a:defRPr>
             </a:lvl3pPr>
-            <a:lvl4pPr indent="-342900" lvl="3" marL="1828800" algn="l">
+            <a:lvl4pPr marL="1828800" lvl="3" indent="-342900" algn="l">
               <a:lnSpc>
                 <a:spcPct val="90000"/>
               </a:lnSpc>
@@ -5335,7 +4929,7 @@
                 </a:solidFill>
               </a:defRPr>
             </a:lvl4pPr>
-            <a:lvl5pPr indent="-342900" lvl="4" marL="2286000" algn="l">
+            <a:lvl5pPr marL="2286000" lvl="4" indent="-342900" algn="l">
               <a:lnSpc>
                 <a:spcPct val="90000"/>
               </a:lnSpc>
@@ -5356,7 +4950,7 @@
                 </a:solidFill>
               </a:defRPr>
             </a:lvl5pPr>
-            <a:lvl6pPr indent="-342900" lvl="5" marL="2743200" algn="l">
+            <a:lvl6pPr marL="2743200" lvl="5" indent="-342900" algn="l">
               <a:lnSpc>
                 <a:spcPct val="90000"/>
               </a:lnSpc>
@@ -5373,7 +4967,7 @@
               <a:buChar char="•"/>
               <a:defRPr/>
             </a:lvl6pPr>
-            <a:lvl7pPr indent="-342900" lvl="6" marL="3200400" algn="l">
+            <a:lvl7pPr marL="3200400" lvl="6" indent="-342900" algn="l">
               <a:lnSpc>
                 <a:spcPct val="90000"/>
               </a:lnSpc>
@@ -5390,7 +4984,7 @@
               <a:buChar char="•"/>
               <a:defRPr/>
             </a:lvl7pPr>
-            <a:lvl8pPr indent="-342900" lvl="7" marL="3657600" algn="l">
+            <a:lvl8pPr marL="3657600" lvl="7" indent="-342900" algn="l">
               <a:lnSpc>
                 <a:spcPct val="90000"/>
               </a:lnSpc>
@@ -5407,7 +5001,7 @@
               <a:buChar char="•"/>
               <a:defRPr/>
             </a:lvl8pPr>
-            <a:lvl9pPr indent="-342900" lvl="8" marL="4114800" algn="l">
+            <a:lvl9pPr marL="4114800" lvl="8" indent="-342900" algn="l">
               <a:lnSpc>
                 <a:spcPct val="90000"/>
               </a:lnSpc>
@@ -5425,15 +5019,19 @@
               <a:defRPr/>
             </a:lvl9pPr>
           </a:lstStyle>
-          <a:p/>
+          <a:p>
+            <a:endParaRPr/>
+          </a:p>
         </p:txBody>
       </p:sp>
       <p:sp>
         <p:nvSpPr>
           <p:cNvPr id="25" name="Google Shape;25;p7"/>
-          <p:cNvSpPr txBox="1"/>
+          <p:cNvSpPr txBox="1">
+            <a:spLocks noGrp="1"/>
+          </p:cNvSpPr>
           <p:nvPr>
-            <p:ph idx="10" type="dt"/>
+            <p:ph type="dt" idx="10"/>
           </p:nvPr>
         </p:nvSpPr>
         <p:spPr>
@@ -5450,7 +5048,7 @@
           </a:ln>
         </p:spPr>
         <p:txBody>
-          <a:bodyPr anchorCtr="0" anchor="ctr" bIns="45700" lIns="91425" spcFirstLastPara="1" rIns="91425" wrap="square" tIns="45700">
+          <a:bodyPr spcFirstLastPara="1" wrap="square" lIns="91425" tIns="45700" rIns="91425" bIns="45700" anchor="ctr" anchorCtr="0">
             <a:noAutofit/>
           </a:bodyPr>
           <a:lstStyle>
@@ -5585,7 +5183,9 @@
               <a:defRPr/>
             </a:lvl9pPr>
           </a:lstStyle>
-          <a:p/>
+          <a:p>
+            <a:endParaRPr/>
+          </a:p>
         </p:txBody>
       </p:sp>
       <p:sp>
@@ -5608,12 +5208,12 @@
           </a:ln>
         </p:spPr>
         <p:txBody>
-          <a:bodyPr anchorCtr="0" anchor="ctr" bIns="45700" lIns="91425" spcFirstLastPara="1" rIns="91425" wrap="square" tIns="45700">
+          <a:bodyPr spcFirstLastPara="1" wrap="square" lIns="91425" tIns="45700" rIns="91425" bIns="45700" anchor="ctr" anchorCtr="0">
             <a:noAutofit/>
           </a:bodyPr>
           <a:lstStyle/>
           <a:p>
-            <a:pPr indent="0" lvl="0" marL="0" marR="0" rtl="0" algn="ctr">
+            <a:pPr marL="0" marR="0" lvl="0" indent="0" algn="ctr" rtl="0">
               <a:lnSpc>
                 <a:spcPct val="100000"/>
               </a:lnSpc>
@@ -5631,7 +5231,7 @@
               <a:buNone/>
             </a:pPr>
             <a:r>
-              <a:rPr b="0" i="0" lang="en-AU" sz="1200" u="none" cap="none" strike="noStrike">
+              <a:rPr lang="en-AU" sz="1200" b="0" i="0" u="none" strike="noStrike" cap="none">
                 <a:solidFill>
                   <a:schemeClr val="lt1"/>
                 </a:solidFill>
@@ -5642,7 +5242,7 @@
               </a:rPr>
               <a:t>QFin UWA</a:t>
             </a:r>
-            <a:endParaRPr b="0" i="0" sz="1400" u="none" cap="none" strike="noStrike">
+            <a:endParaRPr sz="1400" b="0" i="0" u="none" strike="noStrike" cap="none">
               <a:solidFill>
                 <a:srgbClr val="000000"/>
               </a:solidFill>
@@ -5674,12 +5274,12 @@
           </a:ln>
         </p:spPr>
         <p:txBody>
-          <a:bodyPr anchorCtr="0" anchor="ctr" bIns="45700" lIns="91425" spcFirstLastPara="1" rIns="91425" wrap="square" tIns="45700">
+          <a:bodyPr spcFirstLastPara="1" wrap="square" lIns="91425" tIns="45700" rIns="91425" bIns="45700" anchor="ctr" anchorCtr="0">
             <a:noAutofit/>
           </a:bodyPr>
           <a:lstStyle/>
           <a:p>
-            <a:pPr indent="0" lvl="0" marL="0" marR="0" rtl="0" algn="r">
+            <a:pPr marL="0" marR="0" lvl="0" indent="0" algn="r" rtl="0">
               <a:lnSpc>
                 <a:spcPct val="100000"/>
               </a:lnSpc>
@@ -5697,7 +5297,7 @@
               <a:buNone/>
             </a:pPr>
             <a:fld id="{00000000-1234-1234-1234-123412341234}" type="slidenum">
-              <a:rPr b="0" i="0" lang="en-AU" sz="1200" u="none" cap="none" strike="noStrike">
+              <a:rPr lang="en-AU" sz="1200" b="0" i="0" u="none" strike="noStrike" cap="none">
                 <a:solidFill>
                   <a:srgbClr val="F2F2F2"/>
                 </a:solidFill>
@@ -5708,7 +5308,7 @@
               </a:rPr>
               <a:t>‹#›</a:t>
             </a:fld>
-            <a:endParaRPr b="0" i="0" sz="1200" u="none" cap="none" strike="noStrike">
+            <a:endParaRPr sz="1200" b="0" i="0" u="none" strike="noStrike" cap="none">
               <a:solidFill>
                 <a:srgbClr val="F2F2F2"/>
               </a:solidFill>
@@ -5729,11 +5329,11 @@
 </file>
 
 <file path=ppt/slideLayouts/slideLayout3.xml><?xml version="1.0" encoding="utf-8"?>
-<p:sldLayout xmlns:a="http://schemas.openxmlformats.org/drawingml/2006/main" xmlns:r="http://schemas.openxmlformats.org/officeDocument/2006/relationships" xmlns:mc="http://schemas.openxmlformats.org/markup-compatibility/2006" xmlns:mv="urn:schemas-microsoft-com:mac:vml" xmlns:p="http://schemas.openxmlformats.org/presentationml/2006/main" xmlns:c="http://schemas.openxmlformats.org/drawingml/2006/chart" xmlns:dgm="http://schemas.openxmlformats.org/drawingml/2006/diagram" xmlns:o="urn:schemas-microsoft-com:office:office" xmlns:v="urn:schemas-microsoft-com:vml" xmlns:pvml="urn:schemas-microsoft-com:office:powerpoint" xmlns:com="http://schemas.openxmlformats.org/drawingml/2006/compatibility" xmlns:p14="http://schemas.microsoft.com/office/powerpoint/2010/main" xmlns:p15="http://schemas.microsoft.com/office/powerpoint/2012/main" xmlns:ahyp="http://schemas.microsoft.com/office/drawing/2018/hyperlinkcolor" matchingName="Section Header" type="secHead">
+<p:sldLayout xmlns:a="http://schemas.openxmlformats.org/drawingml/2006/main" xmlns:r="http://schemas.openxmlformats.org/officeDocument/2006/relationships" xmlns:p="http://schemas.openxmlformats.org/presentationml/2006/main" matchingName="Section Header" type="secHead">
   <p:cSld name="SECTION_HEADER">
     <p:spTree>
       <p:nvGrpSpPr>
-        <p:cNvPr id="28" name="Shape 28"/>
+        <p:cNvPr id="1" name="Shape 28"/>
         <p:cNvGrpSpPr/>
         <p:nvPr/>
       </p:nvGrpSpPr>
@@ -5748,7 +5348,9 @@
       <p:sp>
         <p:nvSpPr>
           <p:cNvPr id="29" name="Google Shape;29;p8"/>
-          <p:cNvSpPr txBox="1"/>
+          <p:cNvSpPr txBox="1">
+            <a:spLocks noGrp="1"/>
+          </p:cNvSpPr>
           <p:nvPr>
             <p:ph type="title"/>
           </p:nvPr>
@@ -5767,7 +5369,7 @@
           </a:ln>
         </p:spPr>
         <p:txBody>
-          <a:bodyPr anchorCtr="0" anchor="b" bIns="45700" lIns="91425" spcFirstLastPara="1" rIns="91425" wrap="square" tIns="45700">
+          <a:bodyPr spcFirstLastPara="1" wrap="square" lIns="91425" tIns="45700" rIns="91425" bIns="45700" anchor="b" anchorCtr="0">
             <a:normAutofit/>
           </a:bodyPr>
           <a:lstStyle>
@@ -5902,15 +5504,19 @@
               <a:defRPr/>
             </a:lvl9pPr>
           </a:lstStyle>
-          <a:p/>
+          <a:p>
+            <a:endParaRPr/>
+          </a:p>
         </p:txBody>
       </p:sp>
       <p:sp>
         <p:nvSpPr>
           <p:cNvPr id="30" name="Google Shape;30;p8"/>
-          <p:cNvSpPr txBox="1"/>
+          <p:cNvSpPr txBox="1">
+            <a:spLocks noGrp="1"/>
+          </p:cNvSpPr>
           <p:nvPr>
-            <p:ph idx="1" type="body"/>
+            <p:ph type="body" idx="1"/>
           </p:nvPr>
         </p:nvSpPr>
         <p:spPr>
@@ -5927,11 +5533,11 @@
           </a:ln>
         </p:spPr>
         <p:txBody>
-          <a:bodyPr anchorCtr="0" anchor="t" bIns="45700" lIns="91425" spcFirstLastPara="1" rIns="91425" wrap="square" tIns="45700">
+          <a:bodyPr spcFirstLastPara="1" wrap="square" lIns="91425" tIns="45700" rIns="91425" bIns="45700" anchor="t" anchorCtr="0">
             <a:normAutofit/>
           </a:bodyPr>
           <a:lstStyle>
-            <a:lvl1pPr indent="-228600" lvl="0" marL="457200" algn="l">
+            <a:lvl1pPr marL="457200" lvl="0" indent="-228600" algn="l">
               <a:lnSpc>
                 <a:spcPct val="90000"/>
               </a:lnSpc>
@@ -5952,7 +5558,7 @@
                 </a:solidFill>
               </a:defRPr>
             </a:lvl1pPr>
-            <a:lvl2pPr indent="-228600" lvl="1" marL="914400" algn="l">
+            <a:lvl2pPr marL="914400" lvl="1" indent="-228600" algn="l">
               <a:lnSpc>
                 <a:spcPct val="90000"/>
               </a:lnSpc>
@@ -5973,7 +5579,7 @@
                 </a:solidFill>
               </a:defRPr>
             </a:lvl2pPr>
-            <a:lvl3pPr indent="-228600" lvl="2" marL="1371600" algn="l">
+            <a:lvl3pPr marL="1371600" lvl="2" indent="-228600" algn="l">
               <a:lnSpc>
                 <a:spcPct val="90000"/>
               </a:lnSpc>
@@ -5994,7 +5600,7 @@
                 </a:solidFill>
               </a:defRPr>
             </a:lvl3pPr>
-            <a:lvl4pPr indent="-228600" lvl="3" marL="1828800" algn="l">
+            <a:lvl4pPr marL="1828800" lvl="3" indent="-228600" algn="l">
               <a:lnSpc>
                 <a:spcPct val="90000"/>
               </a:lnSpc>
@@ -6015,7 +5621,7 @@
                 </a:solidFill>
               </a:defRPr>
             </a:lvl4pPr>
-            <a:lvl5pPr indent="-228600" lvl="4" marL="2286000" algn="l">
+            <a:lvl5pPr marL="2286000" lvl="4" indent="-228600" algn="l">
               <a:lnSpc>
                 <a:spcPct val="90000"/>
               </a:lnSpc>
@@ -6036,7 +5642,7 @@
                 </a:solidFill>
               </a:defRPr>
             </a:lvl5pPr>
-            <a:lvl6pPr indent="-228600" lvl="5" marL="2743200" algn="l">
+            <a:lvl6pPr marL="2743200" lvl="5" indent="-228600" algn="l">
               <a:lnSpc>
                 <a:spcPct val="90000"/>
               </a:lnSpc>
@@ -6057,7 +5663,7 @@
                 </a:solidFill>
               </a:defRPr>
             </a:lvl6pPr>
-            <a:lvl7pPr indent="-228600" lvl="6" marL="3200400" algn="l">
+            <a:lvl7pPr marL="3200400" lvl="6" indent="-228600" algn="l">
               <a:lnSpc>
                 <a:spcPct val="90000"/>
               </a:lnSpc>
@@ -6078,7 +5684,7 @@
                 </a:solidFill>
               </a:defRPr>
             </a:lvl7pPr>
-            <a:lvl8pPr indent="-228600" lvl="7" marL="3657600" algn="l">
+            <a:lvl8pPr marL="3657600" lvl="7" indent="-228600" algn="l">
               <a:lnSpc>
                 <a:spcPct val="90000"/>
               </a:lnSpc>
@@ -6099,7 +5705,7 @@
                 </a:solidFill>
               </a:defRPr>
             </a:lvl8pPr>
-            <a:lvl9pPr indent="-228600" lvl="8" marL="4114800" algn="l">
+            <a:lvl9pPr marL="4114800" lvl="8" indent="-228600" algn="l">
               <a:lnSpc>
                 <a:spcPct val="90000"/>
               </a:lnSpc>
@@ -6121,15 +5727,19 @@
               </a:defRPr>
             </a:lvl9pPr>
           </a:lstStyle>
-          <a:p/>
+          <a:p>
+            <a:endParaRPr/>
+          </a:p>
         </p:txBody>
       </p:sp>
       <p:sp>
         <p:nvSpPr>
           <p:cNvPr id="31" name="Google Shape;31;p8"/>
-          <p:cNvSpPr txBox="1"/>
+          <p:cNvSpPr txBox="1">
+            <a:spLocks noGrp="1"/>
+          </p:cNvSpPr>
           <p:nvPr>
-            <p:ph idx="10" type="dt"/>
+            <p:ph type="dt" idx="10"/>
           </p:nvPr>
         </p:nvSpPr>
         <p:spPr>
@@ -6146,7 +5756,7 @@
           </a:ln>
         </p:spPr>
         <p:txBody>
-          <a:bodyPr anchorCtr="0" anchor="ctr" bIns="45700" lIns="91425" spcFirstLastPara="1" rIns="91425" wrap="square" tIns="45700">
+          <a:bodyPr spcFirstLastPara="1" wrap="square" lIns="91425" tIns="45700" rIns="91425" bIns="45700" anchor="ctr" anchorCtr="0">
             <a:noAutofit/>
           </a:bodyPr>
           <a:lstStyle>
@@ -6277,15 +5887,19 @@
               <a:defRPr/>
             </a:lvl9pPr>
           </a:lstStyle>
-          <a:p/>
+          <a:p>
+            <a:endParaRPr/>
+          </a:p>
         </p:txBody>
       </p:sp>
       <p:sp>
         <p:nvSpPr>
           <p:cNvPr id="32" name="Google Shape;32;p8"/>
-          <p:cNvSpPr txBox="1"/>
+          <p:cNvSpPr txBox="1">
+            <a:spLocks noGrp="1"/>
+          </p:cNvSpPr>
           <p:nvPr>
-            <p:ph idx="11" type="ftr"/>
+            <p:ph type="ftr" idx="11"/>
           </p:nvPr>
         </p:nvSpPr>
         <p:spPr>
@@ -6302,7 +5916,7 @@
           </a:ln>
         </p:spPr>
         <p:txBody>
-          <a:bodyPr anchorCtr="0" anchor="ctr" bIns="45700" lIns="91425" spcFirstLastPara="1" rIns="91425" wrap="square" tIns="45700">
+          <a:bodyPr spcFirstLastPara="1" wrap="square" lIns="91425" tIns="45700" rIns="91425" bIns="45700" anchor="ctr" anchorCtr="0">
             <a:noAutofit/>
           </a:bodyPr>
           <a:lstStyle>
@@ -6433,15 +6047,19 @@
               <a:defRPr/>
             </a:lvl9pPr>
           </a:lstStyle>
-          <a:p/>
+          <a:p>
+            <a:endParaRPr/>
+          </a:p>
         </p:txBody>
       </p:sp>
       <p:sp>
         <p:nvSpPr>
           <p:cNvPr id="33" name="Google Shape;33;p8"/>
-          <p:cNvSpPr txBox="1"/>
+          <p:cNvSpPr txBox="1">
+            <a:spLocks noGrp="1"/>
+          </p:cNvSpPr>
           <p:nvPr>
-            <p:ph idx="12" type="sldNum"/>
+            <p:ph type="sldNum" idx="12"/>
           </p:nvPr>
         </p:nvSpPr>
         <p:spPr>
@@ -6458,11 +6076,11 @@
           </a:ln>
         </p:spPr>
         <p:txBody>
-          <a:bodyPr anchorCtr="0" anchor="ctr" bIns="45700" lIns="91425" spcFirstLastPara="1" rIns="91425" wrap="square" tIns="45700">
+          <a:bodyPr spcFirstLastPara="1" wrap="square" lIns="91425" tIns="45700" rIns="91425" bIns="45700" anchor="ctr" anchorCtr="0">
             <a:noAutofit/>
           </a:bodyPr>
           <a:lstStyle>
-            <a:lvl1pPr indent="0" lvl="0" marL="0" marR="0" algn="r">
+            <a:lvl1pPr marL="0" marR="0" lvl="0" indent="0" algn="r">
               <a:lnSpc>
                 <a:spcPct val="100000"/>
               </a:lnSpc>
@@ -6478,7 +6096,7 @@
               <a:buSzPts val="1200"/>
               <a:buFont typeface="Arial"/>
               <a:buNone/>
-              <a:defRPr b="0" i="0" sz="1200" u="none" cap="none" strike="noStrike">
+              <a:defRPr sz="1200" b="0" i="0" u="none" strike="noStrike" cap="none">
                 <a:solidFill>
                   <a:srgbClr val="888888"/>
                 </a:solidFill>
@@ -6488,7 +6106,7 @@
                 <a:sym typeface="Calibri"/>
               </a:defRPr>
             </a:lvl1pPr>
-            <a:lvl2pPr indent="0" lvl="1" marL="0" marR="0" algn="r">
+            <a:lvl2pPr marL="0" marR="0" lvl="1" indent="0" algn="r">
               <a:lnSpc>
                 <a:spcPct val="100000"/>
               </a:lnSpc>
@@ -6504,7 +6122,7 @@
               <a:buSzPts val="1200"/>
               <a:buFont typeface="Arial"/>
               <a:buNone/>
-              <a:defRPr b="0" i="0" sz="1200" u="none" cap="none" strike="noStrike">
+              <a:defRPr sz="1200" b="0" i="0" u="none" strike="noStrike" cap="none">
                 <a:solidFill>
                   <a:srgbClr val="888888"/>
                 </a:solidFill>
@@ -6514,7 +6132,7 @@
                 <a:sym typeface="Calibri"/>
               </a:defRPr>
             </a:lvl2pPr>
-            <a:lvl3pPr indent="0" lvl="2" marL="0" marR="0" algn="r">
+            <a:lvl3pPr marL="0" marR="0" lvl="2" indent="0" algn="r">
               <a:lnSpc>
                 <a:spcPct val="100000"/>
               </a:lnSpc>
@@ -6530,7 +6148,7 @@
               <a:buSzPts val="1200"/>
               <a:buFont typeface="Arial"/>
               <a:buNone/>
-              <a:defRPr b="0" i="0" sz="1200" u="none" cap="none" strike="noStrike">
+              <a:defRPr sz="1200" b="0" i="0" u="none" strike="noStrike" cap="none">
                 <a:solidFill>
                   <a:srgbClr val="888888"/>
                 </a:solidFill>
@@ -6540,7 +6158,7 @@
                 <a:sym typeface="Calibri"/>
               </a:defRPr>
             </a:lvl3pPr>
-            <a:lvl4pPr indent="0" lvl="3" marL="0" marR="0" algn="r">
+            <a:lvl4pPr marL="0" marR="0" lvl="3" indent="0" algn="r">
               <a:lnSpc>
                 <a:spcPct val="100000"/>
               </a:lnSpc>
@@ -6556,7 +6174,7 @@
               <a:buSzPts val="1200"/>
               <a:buFont typeface="Arial"/>
               <a:buNone/>
-              <a:defRPr b="0" i="0" sz="1200" u="none" cap="none" strike="noStrike">
+              <a:defRPr sz="1200" b="0" i="0" u="none" strike="noStrike" cap="none">
                 <a:solidFill>
                   <a:srgbClr val="888888"/>
                 </a:solidFill>
@@ -6566,7 +6184,7 @@
                 <a:sym typeface="Calibri"/>
               </a:defRPr>
             </a:lvl4pPr>
-            <a:lvl5pPr indent="0" lvl="4" marL="0" marR="0" algn="r">
+            <a:lvl5pPr marL="0" marR="0" lvl="4" indent="0" algn="r">
               <a:lnSpc>
                 <a:spcPct val="100000"/>
               </a:lnSpc>
@@ -6582,7 +6200,7 @@
               <a:buSzPts val="1200"/>
               <a:buFont typeface="Arial"/>
               <a:buNone/>
-              <a:defRPr b="0" i="0" sz="1200" u="none" cap="none" strike="noStrike">
+              <a:defRPr sz="1200" b="0" i="0" u="none" strike="noStrike" cap="none">
                 <a:solidFill>
                   <a:srgbClr val="888888"/>
                 </a:solidFill>
@@ -6592,7 +6210,7 @@
                 <a:sym typeface="Calibri"/>
               </a:defRPr>
             </a:lvl5pPr>
-            <a:lvl6pPr indent="0" lvl="5" marL="0" marR="0" algn="r">
+            <a:lvl6pPr marL="0" marR="0" lvl="5" indent="0" algn="r">
               <a:lnSpc>
                 <a:spcPct val="100000"/>
               </a:lnSpc>
@@ -6608,7 +6226,7 @@
               <a:buSzPts val="1200"/>
               <a:buFont typeface="Arial"/>
               <a:buNone/>
-              <a:defRPr b="0" i="0" sz="1200" u="none" cap="none" strike="noStrike">
+              <a:defRPr sz="1200" b="0" i="0" u="none" strike="noStrike" cap="none">
                 <a:solidFill>
                   <a:srgbClr val="888888"/>
                 </a:solidFill>
@@ -6618,7 +6236,7 @@
                 <a:sym typeface="Calibri"/>
               </a:defRPr>
             </a:lvl6pPr>
-            <a:lvl7pPr indent="0" lvl="6" marL="0" marR="0" algn="r">
+            <a:lvl7pPr marL="0" marR="0" lvl="6" indent="0" algn="r">
               <a:lnSpc>
                 <a:spcPct val="100000"/>
               </a:lnSpc>
@@ -6634,7 +6252,7 @@
               <a:buSzPts val="1200"/>
               <a:buFont typeface="Arial"/>
               <a:buNone/>
-              <a:defRPr b="0" i="0" sz="1200" u="none" cap="none" strike="noStrike">
+              <a:defRPr sz="1200" b="0" i="0" u="none" strike="noStrike" cap="none">
                 <a:solidFill>
                   <a:srgbClr val="888888"/>
                 </a:solidFill>
@@ -6644,7 +6262,7 @@
                 <a:sym typeface="Calibri"/>
               </a:defRPr>
             </a:lvl7pPr>
-            <a:lvl8pPr indent="0" lvl="7" marL="0" marR="0" algn="r">
+            <a:lvl8pPr marL="0" marR="0" lvl="7" indent="0" algn="r">
               <a:lnSpc>
                 <a:spcPct val="100000"/>
               </a:lnSpc>
@@ -6660,7 +6278,7 @@
               <a:buSzPts val="1200"/>
               <a:buFont typeface="Arial"/>
               <a:buNone/>
-              <a:defRPr b="0" i="0" sz="1200" u="none" cap="none" strike="noStrike">
+              <a:defRPr sz="1200" b="0" i="0" u="none" strike="noStrike" cap="none">
                 <a:solidFill>
                   <a:srgbClr val="888888"/>
                 </a:solidFill>
@@ -6670,7 +6288,7 @@
                 <a:sym typeface="Calibri"/>
               </a:defRPr>
             </a:lvl8pPr>
-            <a:lvl9pPr indent="0" lvl="8" marL="0" marR="0" algn="r">
+            <a:lvl9pPr marL="0" marR="0" lvl="8" indent="0" algn="r">
               <a:lnSpc>
                 <a:spcPct val="100000"/>
               </a:lnSpc>
@@ -6686,7 +6304,7 @@
               <a:buSzPts val="1200"/>
               <a:buFont typeface="Arial"/>
               <a:buNone/>
-              <a:defRPr b="0" i="0" sz="1200" u="none" cap="none" strike="noStrike">
+              <a:defRPr sz="1200" b="0" i="0" u="none" strike="noStrike" cap="none">
                 <a:solidFill>
                   <a:srgbClr val="888888"/>
                 </a:solidFill>
@@ -6698,7 +6316,7 @@
             </a:lvl9pPr>
           </a:lstStyle>
           <a:p>
-            <a:pPr indent="0" lvl="0" marL="0" rtl="0" algn="r">
+            <a:pPr marL="0" lvl="0" indent="0" algn="r" rtl="0">
               <a:spcBef>
                 <a:spcPts val="0"/>
               </a:spcBef>
@@ -6724,11 +6342,11 @@
 </file>
 
 <file path=ppt/slideLayouts/slideLayout4.xml><?xml version="1.0" encoding="utf-8"?>
-<p:sldLayout xmlns:a="http://schemas.openxmlformats.org/drawingml/2006/main" xmlns:r="http://schemas.openxmlformats.org/officeDocument/2006/relationships" xmlns:mc="http://schemas.openxmlformats.org/markup-compatibility/2006" xmlns:mv="urn:schemas-microsoft-com:mac:vml" xmlns:p="http://schemas.openxmlformats.org/presentationml/2006/main" xmlns:c="http://schemas.openxmlformats.org/drawingml/2006/chart" xmlns:dgm="http://schemas.openxmlformats.org/drawingml/2006/diagram" xmlns:o="urn:schemas-microsoft-com:office:office" xmlns:v="urn:schemas-microsoft-com:vml" xmlns:pvml="urn:schemas-microsoft-com:office:powerpoint" xmlns:com="http://schemas.openxmlformats.org/drawingml/2006/compatibility" xmlns:p14="http://schemas.microsoft.com/office/powerpoint/2010/main" xmlns:p15="http://schemas.microsoft.com/office/powerpoint/2012/main" xmlns:ahyp="http://schemas.microsoft.com/office/drawing/2018/hyperlinkcolor" matchingName="Two Content" type="twoObj">
+<p:sldLayout xmlns:a="http://schemas.openxmlformats.org/drawingml/2006/main" xmlns:r="http://schemas.openxmlformats.org/officeDocument/2006/relationships" xmlns:p="http://schemas.openxmlformats.org/presentationml/2006/main" matchingName="Two Content" type="twoObj">
   <p:cSld name="TWO_OBJECTS">
     <p:spTree>
       <p:nvGrpSpPr>
-        <p:cNvPr id="34" name="Shape 34"/>
+        <p:cNvPr id="1" name="Shape 34"/>
         <p:cNvGrpSpPr/>
         <p:nvPr/>
       </p:nvGrpSpPr>
@@ -6743,7 +6361,9 @@
       <p:sp>
         <p:nvSpPr>
           <p:cNvPr id="35" name="Google Shape;35;p9"/>
-          <p:cNvSpPr txBox="1"/>
+          <p:cNvSpPr txBox="1">
+            <a:spLocks noGrp="1"/>
+          </p:cNvSpPr>
           <p:nvPr>
             <p:ph type="title"/>
           </p:nvPr>
@@ -6762,7 +6382,7 @@
           </a:ln>
         </p:spPr>
         <p:txBody>
-          <a:bodyPr anchorCtr="0" anchor="ctr" bIns="45700" lIns="91425" spcFirstLastPara="1" rIns="91425" wrap="square" tIns="45700">
+          <a:bodyPr spcFirstLastPara="1" wrap="square" lIns="91425" tIns="45700" rIns="91425" bIns="45700" anchor="ctr" anchorCtr="0">
             <a:normAutofit/>
           </a:bodyPr>
           <a:lstStyle>
@@ -6896,15 +6516,19 @@
               <a:defRPr/>
             </a:lvl9pPr>
           </a:lstStyle>
-          <a:p/>
+          <a:p>
+            <a:endParaRPr/>
+          </a:p>
         </p:txBody>
       </p:sp>
       <p:sp>
         <p:nvSpPr>
           <p:cNvPr id="36" name="Google Shape;36;p9"/>
-          <p:cNvSpPr txBox="1"/>
+          <p:cNvSpPr txBox="1">
+            <a:spLocks noGrp="1"/>
+          </p:cNvSpPr>
           <p:nvPr>
-            <p:ph idx="1" type="body"/>
+            <p:ph type="body" idx="1"/>
           </p:nvPr>
         </p:nvSpPr>
         <p:spPr>
@@ -6921,11 +6545,11 @@
           </a:ln>
         </p:spPr>
         <p:txBody>
-          <a:bodyPr anchorCtr="0" anchor="t" bIns="45700" lIns="91425" spcFirstLastPara="1" rIns="91425" wrap="square" tIns="45700">
+          <a:bodyPr spcFirstLastPara="1" wrap="square" lIns="91425" tIns="45700" rIns="91425" bIns="45700" anchor="t" anchorCtr="0">
             <a:normAutofit/>
           </a:bodyPr>
           <a:lstStyle>
-            <a:lvl1pPr indent="-342900" lvl="0" marL="457200" algn="l">
+            <a:lvl1pPr marL="457200" lvl="0" indent="-342900" algn="l">
               <a:lnSpc>
                 <a:spcPct val="90000"/>
               </a:lnSpc>
@@ -6942,7 +6566,7 @@
               <a:buChar char="•"/>
               <a:defRPr/>
             </a:lvl1pPr>
-            <a:lvl2pPr indent="-342900" lvl="1" marL="914400" algn="l">
+            <a:lvl2pPr marL="914400" lvl="1" indent="-342900" algn="l">
               <a:lnSpc>
                 <a:spcPct val="90000"/>
               </a:lnSpc>
@@ -6959,7 +6583,7 @@
               <a:buChar char="•"/>
               <a:defRPr/>
             </a:lvl2pPr>
-            <a:lvl3pPr indent="-342900" lvl="2" marL="1371600" algn="l">
+            <a:lvl3pPr marL="1371600" lvl="2" indent="-342900" algn="l">
               <a:lnSpc>
                 <a:spcPct val="90000"/>
               </a:lnSpc>
@@ -6976,7 +6600,7 @@
               <a:buChar char="•"/>
               <a:defRPr/>
             </a:lvl3pPr>
-            <a:lvl4pPr indent="-342900" lvl="3" marL="1828800" algn="l">
+            <a:lvl4pPr marL="1828800" lvl="3" indent="-342900" algn="l">
               <a:lnSpc>
                 <a:spcPct val="90000"/>
               </a:lnSpc>
@@ -6993,7 +6617,7 @@
               <a:buChar char="•"/>
               <a:defRPr/>
             </a:lvl4pPr>
-            <a:lvl5pPr indent="-342900" lvl="4" marL="2286000" algn="l">
+            <a:lvl5pPr marL="2286000" lvl="4" indent="-342900" algn="l">
               <a:lnSpc>
                 <a:spcPct val="90000"/>
               </a:lnSpc>
@@ -7010,7 +6634,7 @@
               <a:buChar char="•"/>
               <a:defRPr/>
             </a:lvl5pPr>
-            <a:lvl6pPr indent="-342900" lvl="5" marL="2743200" algn="l">
+            <a:lvl6pPr marL="2743200" lvl="5" indent="-342900" algn="l">
               <a:lnSpc>
                 <a:spcPct val="90000"/>
               </a:lnSpc>
@@ -7027,7 +6651,7 @@
               <a:buChar char="•"/>
               <a:defRPr/>
             </a:lvl6pPr>
-            <a:lvl7pPr indent="-342900" lvl="6" marL="3200400" algn="l">
+            <a:lvl7pPr marL="3200400" lvl="6" indent="-342900" algn="l">
               <a:lnSpc>
                 <a:spcPct val="90000"/>
               </a:lnSpc>
@@ -7044,7 +6668,7 @@
               <a:buChar char="•"/>
               <a:defRPr/>
             </a:lvl7pPr>
-            <a:lvl8pPr indent="-342900" lvl="7" marL="3657600" algn="l">
+            <a:lvl8pPr marL="3657600" lvl="7" indent="-342900" algn="l">
               <a:lnSpc>
                 <a:spcPct val="90000"/>
               </a:lnSpc>
@@ -7061,7 +6685,7 @@
               <a:buChar char="•"/>
               <a:defRPr/>
             </a:lvl8pPr>
-            <a:lvl9pPr indent="-342900" lvl="8" marL="4114800" algn="l">
+            <a:lvl9pPr marL="4114800" lvl="8" indent="-342900" algn="l">
               <a:lnSpc>
                 <a:spcPct val="90000"/>
               </a:lnSpc>
@@ -7079,15 +6703,19 @@
               <a:defRPr/>
             </a:lvl9pPr>
           </a:lstStyle>
-          <a:p/>
+          <a:p>
+            <a:endParaRPr/>
+          </a:p>
         </p:txBody>
       </p:sp>
       <p:sp>
         <p:nvSpPr>
           <p:cNvPr id="37" name="Google Shape;37;p9"/>
-          <p:cNvSpPr txBox="1"/>
+          <p:cNvSpPr txBox="1">
+            <a:spLocks noGrp="1"/>
+          </p:cNvSpPr>
           <p:nvPr>
-            <p:ph idx="2" type="body"/>
+            <p:ph type="body" idx="2"/>
           </p:nvPr>
         </p:nvSpPr>
         <p:spPr>
@@ -7104,11 +6732,11 @@
           </a:ln>
         </p:spPr>
         <p:txBody>
-          <a:bodyPr anchorCtr="0" anchor="t" bIns="45700" lIns="91425" spcFirstLastPara="1" rIns="91425" wrap="square" tIns="45700">
+          <a:bodyPr spcFirstLastPara="1" wrap="square" lIns="91425" tIns="45700" rIns="91425" bIns="45700" anchor="t" anchorCtr="0">
             <a:normAutofit/>
           </a:bodyPr>
           <a:lstStyle>
-            <a:lvl1pPr indent="-342900" lvl="0" marL="457200" algn="l">
+            <a:lvl1pPr marL="457200" lvl="0" indent="-342900" algn="l">
               <a:lnSpc>
                 <a:spcPct val="90000"/>
               </a:lnSpc>
@@ -7125,7 +6753,7 @@
               <a:buChar char="•"/>
               <a:defRPr/>
             </a:lvl1pPr>
-            <a:lvl2pPr indent="-342900" lvl="1" marL="914400" algn="l">
+            <a:lvl2pPr marL="914400" lvl="1" indent="-342900" algn="l">
               <a:lnSpc>
                 <a:spcPct val="90000"/>
               </a:lnSpc>
@@ -7142,7 +6770,7 @@
               <a:buChar char="•"/>
               <a:defRPr/>
             </a:lvl2pPr>
-            <a:lvl3pPr indent="-342900" lvl="2" marL="1371600" algn="l">
+            <a:lvl3pPr marL="1371600" lvl="2" indent="-342900" algn="l">
               <a:lnSpc>
                 <a:spcPct val="90000"/>
               </a:lnSpc>
@@ -7159,7 +6787,7 @@
               <a:buChar char="•"/>
               <a:defRPr/>
             </a:lvl3pPr>
-            <a:lvl4pPr indent="-342900" lvl="3" marL="1828800" algn="l">
+            <a:lvl4pPr marL="1828800" lvl="3" indent="-342900" algn="l">
               <a:lnSpc>
                 <a:spcPct val="90000"/>
               </a:lnSpc>
@@ -7176,7 +6804,7 @@
               <a:buChar char="•"/>
               <a:defRPr/>
             </a:lvl4pPr>
-            <a:lvl5pPr indent="-342900" lvl="4" marL="2286000" algn="l">
+            <a:lvl5pPr marL="2286000" lvl="4" indent="-342900" algn="l">
               <a:lnSpc>
                 <a:spcPct val="90000"/>
               </a:lnSpc>
@@ -7193,7 +6821,7 @@
               <a:buChar char="•"/>
               <a:defRPr/>
             </a:lvl5pPr>
-            <a:lvl6pPr indent="-342900" lvl="5" marL="2743200" algn="l">
+            <a:lvl6pPr marL="2743200" lvl="5" indent="-342900" algn="l">
               <a:lnSpc>
                 <a:spcPct val="90000"/>
               </a:lnSpc>
@@ -7210,7 +6838,7 @@
               <a:buChar char="•"/>
               <a:defRPr/>
             </a:lvl6pPr>
-            <a:lvl7pPr indent="-342900" lvl="6" marL="3200400" algn="l">
+            <a:lvl7pPr marL="3200400" lvl="6" indent="-342900" algn="l">
               <a:lnSpc>
                 <a:spcPct val="90000"/>
               </a:lnSpc>
@@ -7227,7 +6855,7 @@
               <a:buChar char="•"/>
               <a:defRPr/>
             </a:lvl7pPr>
-            <a:lvl8pPr indent="-342900" lvl="7" marL="3657600" algn="l">
+            <a:lvl8pPr marL="3657600" lvl="7" indent="-342900" algn="l">
               <a:lnSpc>
                 <a:spcPct val="90000"/>
               </a:lnSpc>
@@ -7244,7 +6872,7 @@
               <a:buChar char="•"/>
               <a:defRPr/>
             </a:lvl8pPr>
-            <a:lvl9pPr indent="-342900" lvl="8" marL="4114800" algn="l">
+            <a:lvl9pPr marL="4114800" lvl="8" indent="-342900" algn="l">
               <a:lnSpc>
                 <a:spcPct val="90000"/>
               </a:lnSpc>
@@ -7262,15 +6890,19 @@
               <a:defRPr/>
             </a:lvl9pPr>
           </a:lstStyle>
-          <a:p/>
+          <a:p>
+            <a:endParaRPr/>
+          </a:p>
         </p:txBody>
       </p:sp>
       <p:sp>
         <p:nvSpPr>
           <p:cNvPr id="38" name="Google Shape;38;p9"/>
-          <p:cNvSpPr txBox="1"/>
+          <p:cNvSpPr txBox="1">
+            <a:spLocks noGrp="1"/>
+          </p:cNvSpPr>
           <p:nvPr>
-            <p:ph idx="10" type="dt"/>
+            <p:ph type="dt" idx="10"/>
           </p:nvPr>
         </p:nvSpPr>
         <p:spPr>
@@ -7287,7 +6919,7 @@
           </a:ln>
         </p:spPr>
         <p:txBody>
-          <a:bodyPr anchorCtr="0" anchor="ctr" bIns="45700" lIns="91425" spcFirstLastPara="1" rIns="91425" wrap="square" tIns="45700">
+          <a:bodyPr spcFirstLastPara="1" wrap="square" lIns="91425" tIns="45700" rIns="91425" bIns="45700" anchor="ctr" anchorCtr="0">
             <a:noAutofit/>
           </a:bodyPr>
           <a:lstStyle>
@@ -7418,15 +7050,19 @@
               <a:defRPr/>
             </a:lvl9pPr>
           </a:lstStyle>
-          <a:p/>
+          <a:p>
+            <a:endParaRPr/>
+          </a:p>
         </p:txBody>
       </p:sp>
       <p:sp>
         <p:nvSpPr>
           <p:cNvPr id="39" name="Google Shape;39;p9"/>
-          <p:cNvSpPr txBox="1"/>
+          <p:cNvSpPr txBox="1">
+            <a:spLocks noGrp="1"/>
+          </p:cNvSpPr>
           <p:nvPr>
-            <p:ph idx="11" type="ftr"/>
+            <p:ph type="ftr" idx="11"/>
           </p:nvPr>
         </p:nvSpPr>
         <p:spPr>
@@ -7443,7 +7079,7 @@
           </a:ln>
         </p:spPr>
         <p:txBody>
-          <a:bodyPr anchorCtr="0" anchor="ctr" bIns="45700" lIns="91425" spcFirstLastPara="1" rIns="91425" wrap="square" tIns="45700">
+          <a:bodyPr spcFirstLastPara="1" wrap="square" lIns="91425" tIns="45700" rIns="91425" bIns="45700" anchor="ctr" anchorCtr="0">
             <a:noAutofit/>
           </a:bodyPr>
           <a:lstStyle>
@@ -7574,15 +7210,19 @@
               <a:defRPr/>
             </a:lvl9pPr>
           </a:lstStyle>
-          <a:p/>
+          <a:p>
+            <a:endParaRPr/>
+          </a:p>
         </p:txBody>
       </p:sp>
       <p:sp>
         <p:nvSpPr>
           <p:cNvPr id="40" name="Google Shape;40;p9"/>
-          <p:cNvSpPr txBox="1"/>
+          <p:cNvSpPr txBox="1">
+            <a:spLocks noGrp="1"/>
+          </p:cNvSpPr>
           <p:nvPr>
-            <p:ph idx="12" type="sldNum"/>
+            <p:ph type="sldNum" idx="12"/>
           </p:nvPr>
         </p:nvSpPr>
         <p:spPr>
@@ -7599,11 +7239,11 @@
           </a:ln>
         </p:spPr>
         <p:txBody>
-          <a:bodyPr anchorCtr="0" anchor="ctr" bIns="45700" lIns="91425" spcFirstLastPara="1" rIns="91425" wrap="square" tIns="45700">
+          <a:bodyPr spcFirstLastPara="1" wrap="square" lIns="91425" tIns="45700" rIns="91425" bIns="45700" anchor="ctr" anchorCtr="0">
             <a:noAutofit/>
           </a:bodyPr>
           <a:lstStyle>
-            <a:lvl1pPr indent="0" lvl="0" marL="0" marR="0" algn="r">
+            <a:lvl1pPr marL="0" marR="0" lvl="0" indent="0" algn="r">
               <a:lnSpc>
                 <a:spcPct val="100000"/>
               </a:lnSpc>
@@ -7619,7 +7259,7 @@
               <a:buSzPts val="1200"/>
               <a:buFont typeface="Arial"/>
               <a:buNone/>
-              <a:defRPr b="0" i="0" sz="1200" u="none" cap="none" strike="noStrike">
+              <a:defRPr sz="1200" b="0" i="0" u="none" strike="noStrike" cap="none">
                 <a:solidFill>
                   <a:srgbClr val="888888"/>
                 </a:solidFill>
@@ -7629,7 +7269,7 @@
                 <a:sym typeface="Calibri"/>
               </a:defRPr>
             </a:lvl1pPr>
-            <a:lvl2pPr indent="0" lvl="1" marL="0" marR="0" algn="r">
+            <a:lvl2pPr marL="0" marR="0" lvl="1" indent="0" algn="r">
               <a:lnSpc>
                 <a:spcPct val="100000"/>
               </a:lnSpc>
@@ -7645,7 +7285,7 @@
               <a:buSzPts val="1200"/>
               <a:buFont typeface="Arial"/>
               <a:buNone/>
-              <a:defRPr b="0" i="0" sz="1200" u="none" cap="none" strike="noStrike">
+              <a:defRPr sz="1200" b="0" i="0" u="none" strike="noStrike" cap="none">
                 <a:solidFill>
                   <a:srgbClr val="888888"/>
                 </a:solidFill>
@@ -7655,7 +7295,7 @@
                 <a:sym typeface="Calibri"/>
               </a:defRPr>
             </a:lvl2pPr>
-            <a:lvl3pPr indent="0" lvl="2" marL="0" marR="0" algn="r">
+            <a:lvl3pPr marL="0" marR="0" lvl="2" indent="0" algn="r">
               <a:lnSpc>
                 <a:spcPct val="100000"/>
               </a:lnSpc>
@@ -7671,7 +7311,7 @@
               <a:buSzPts val="1200"/>
               <a:buFont typeface="Arial"/>
               <a:buNone/>
-              <a:defRPr b="0" i="0" sz="1200" u="none" cap="none" strike="noStrike">
+              <a:defRPr sz="1200" b="0" i="0" u="none" strike="noStrike" cap="none">
                 <a:solidFill>
                   <a:srgbClr val="888888"/>
                 </a:solidFill>
@@ -7681,7 +7321,7 @@
                 <a:sym typeface="Calibri"/>
               </a:defRPr>
             </a:lvl3pPr>
-            <a:lvl4pPr indent="0" lvl="3" marL="0" marR="0" algn="r">
+            <a:lvl4pPr marL="0" marR="0" lvl="3" indent="0" algn="r">
               <a:lnSpc>
                 <a:spcPct val="100000"/>
               </a:lnSpc>
@@ -7697,7 +7337,7 @@
               <a:buSzPts val="1200"/>
               <a:buFont typeface="Arial"/>
               <a:buNone/>
-              <a:defRPr b="0" i="0" sz="1200" u="none" cap="none" strike="noStrike">
+              <a:defRPr sz="1200" b="0" i="0" u="none" strike="noStrike" cap="none">
                 <a:solidFill>
                   <a:srgbClr val="888888"/>
                 </a:solidFill>
@@ -7707,7 +7347,7 @@
                 <a:sym typeface="Calibri"/>
               </a:defRPr>
             </a:lvl4pPr>
-            <a:lvl5pPr indent="0" lvl="4" marL="0" marR="0" algn="r">
+            <a:lvl5pPr marL="0" marR="0" lvl="4" indent="0" algn="r">
               <a:lnSpc>
                 <a:spcPct val="100000"/>
               </a:lnSpc>
@@ -7723,7 +7363,7 @@
               <a:buSzPts val="1200"/>
               <a:buFont typeface="Arial"/>
               <a:buNone/>
-              <a:defRPr b="0" i="0" sz="1200" u="none" cap="none" strike="noStrike">
+              <a:defRPr sz="1200" b="0" i="0" u="none" strike="noStrike" cap="none">
                 <a:solidFill>
                   <a:srgbClr val="888888"/>
                 </a:solidFill>
@@ -7733,7 +7373,7 @@
                 <a:sym typeface="Calibri"/>
               </a:defRPr>
             </a:lvl5pPr>
-            <a:lvl6pPr indent="0" lvl="5" marL="0" marR="0" algn="r">
+            <a:lvl6pPr marL="0" marR="0" lvl="5" indent="0" algn="r">
               <a:lnSpc>
                 <a:spcPct val="100000"/>
               </a:lnSpc>
@@ -7749,7 +7389,7 @@
               <a:buSzPts val="1200"/>
               <a:buFont typeface="Arial"/>
               <a:buNone/>
-              <a:defRPr b="0" i="0" sz="1200" u="none" cap="none" strike="noStrike">
+              <a:defRPr sz="1200" b="0" i="0" u="none" strike="noStrike" cap="none">
                 <a:solidFill>
                   <a:srgbClr val="888888"/>
                 </a:solidFill>
@@ -7759,7 +7399,7 @@
                 <a:sym typeface="Calibri"/>
               </a:defRPr>
             </a:lvl6pPr>
-            <a:lvl7pPr indent="0" lvl="6" marL="0" marR="0" algn="r">
+            <a:lvl7pPr marL="0" marR="0" lvl="6" indent="0" algn="r">
               <a:lnSpc>
                 <a:spcPct val="100000"/>
               </a:lnSpc>
@@ -7775,7 +7415,7 @@
               <a:buSzPts val="1200"/>
               <a:buFont typeface="Arial"/>
               <a:buNone/>
-              <a:defRPr b="0" i="0" sz="1200" u="none" cap="none" strike="noStrike">
+              <a:defRPr sz="1200" b="0" i="0" u="none" strike="noStrike" cap="none">
                 <a:solidFill>
                   <a:srgbClr val="888888"/>
                 </a:solidFill>
@@ -7785,7 +7425,7 @@
                 <a:sym typeface="Calibri"/>
               </a:defRPr>
             </a:lvl7pPr>
-            <a:lvl8pPr indent="0" lvl="7" marL="0" marR="0" algn="r">
+            <a:lvl8pPr marL="0" marR="0" lvl="7" indent="0" algn="r">
               <a:lnSpc>
                 <a:spcPct val="100000"/>
               </a:lnSpc>
@@ -7801,7 +7441,7 @@
               <a:buSzPts val="1200"/>
               <a:buFont typeface="Arial"/>
               <a:buNone/>
-              <a:defRPr b="0" i="0" sz="1200" u="none" cap="none" strike="noStrike">
+              <a:defRPr sz="1200" b="0" i="0" u="none" strike="noStrike" cap="none">
                 <a:solidFill>
                   <a:srgbClr val="888888"/>
                 </a:solidFill>
@@ -7811,7 +7451,7 @@
                 <a:sym typeface="Calibri"/>
               </a:defRPr>
             </a:lvl8pPr>
-            <a:lvl9pPr indent="0" lvl="8" marL="0" marR="0" algn="r">
+            <a:lvl9pPr marL="0" marR="0" lvl="8" indent="0" algn="r">
               <a:lnSpc>
                 <a:spcPct val="100000"/>
               </a:lnSpc>
@@ -7827,7 +7467,7 @@
               <a:buSzPts val="1200"/>
               <a:buFont typeface="Arial"/>
               <a:buNone/>
-              <a:defRPr b="0" i="0" sz="1200" u="none" cap="none" strike="noStrike">
+              <a:defRPr sz="1200" b="0" i="0" u="none" strike="noStrike" cap="none">
                 <a:solidFill>
                   <a:srgbClr val="888888"/>
                 </a:solidFill>
@@ -7839,7 +7479,7 @@
             </a:lvl9pPr>
           </a:lstStyle>
           <a:p>
-            <a:pPr indent="0" lvl="0" marL="0" rtl="0" algn="r">
+            <a:pPr marL="0" lvl="0" indent="0" algn="r" rtl="0">
               <a:spcBef>
                 <a:spcPts val="0"/>
               </a:spcBef>
@@ -7865,11 +7505,11 @@
 </file>
 
 <file path=ppt/slideLayouts/slideLayout5.xml><?xml version="1.0" encoding="utf-8"?>
-<p:sldLayout xmlns:a="http://schemas.openxmlformats.org/drawingml/2006/main" xmlns:r="http://schemas.openxmlformats.org/officeDocument/2006/relationships" xmlns:mc="http://schemas.openxmlformats.org/markup-compatibility/2006" xmlns:mv="urn:schemas-microsoft-com:mac:vml" xmlns:p="http://schemas.openxmlformats.org/presentationml/2006/main" xmlns:c="http://schemas.openxmlformats.org/drawingml/2006/chart" xmlns:dgm="http://schemas.openxmlformats.org/drawingml/2006/diagram" xmlns:o="urn:schemas-microsoft-com:office:office" xmlns:v="urn:schemas-microsoft-com:vml" xmlns:pvml="urn:schemas-microsoft-com:office:powerpoint" xmlns:com="http://schemas.openxmlformats.org/drawingml/2006/compatibility" xmlns:p14="http://schemas.microsoft.com/office/powerpoint/2010/main" xmlns:p15="http://schemas.microsoft.com/office/powerpoint/2012/main" xmlns:ahyp="http://schemas.microsoft.com/office/drawing/2018/hyperlinkcolor" matchingName="Comparison" type="twoTxTwoObj">
+<p:sldLayout xmlns:a="http://schemas.openxmlformats.org/drawingml/2006/main" xmlns:r="http://schemas.openxmlformats.org/officeDocument/2006/relationships" xmlns:p="http://schemas.openxmlformats.org/presentationml/2006/main" matchingName="Comparison" type="twoTxTwoObj">
   <p:cSld name="TWO_OBJECTS_WITH_TEXT">
     <p:spTree>
       <p:nvGrpSpPr>
-        <p:cNvPr id="41" name="Shape 41"/>
+        <p:cNvPr id="1" name="Shape 41"/>
         <p:cNvGrpSpPr/>
         <p:nvPr/>
       </p:nvGrpSpPr>
@@ -7884,7 +7524,9 @@
       <p:sp>
         <p:nvSpPr>
           <p:cNvPr id="42" name="Google Shape;42;p10"/>
-          <p:cNvSpPr txBox="1"/>
+          <p:cNvSpPr txBox="1">
+            <a:spLocks noGrp="1"/>
+          </p:cNvSpPr>
           <p:nvPr>
             <p:ph type="title"/>
           </p:nvPr>
@@ -7903,7 +7545,7 @@
           </a:ln>
         </p:spPr>
         <p:txBody>
-          <a:bodyPr anchorCtr="0" anchor="ctr" bIns="45700" lIns="91425" spcFirstLastPara="1" rIns="91425" wrap="square" tIns="45700">
+          <a:bodyPr spcFirstLastPara="1" wrap="square" lIns="91425" tIns="45700" rIns="91425" bIns="45700" anchor="ctr" anchorCtr="0">
             <a:normAutofit/>
           </a:bodyPr>
           <a:lstStyle>
@@ -8037,15 +7679,19 @@
               <a:defRPr/>
             </a:lvl9pPr>
           </a:lstStyle>
-          <a:p/>
+          <a:p>
+            <a:endParaRPr/>
+          </a:p>
         </p:txBody>
       </p:sp>
       <p:sp>
         <p:nvSpPr>
           <p:cNvPr id="43" name="Google Shape;43;p10"/>
-          <p:cNvSpPr txBox="1"/>
+          <p:cNvSpPr txBox="1">
+            <a:spLocks noGrp="1"/>
+          </p:cNvSpPr>
           <p:nvPr>
-            <p:ph idx="1" type="body"/>
+            <p:ph type="body" idx="1"/>
           </p:nvPr>
         </p:nvSpPr>
         <p:spPr>
@@ -8062,11 +7708,11 @@
           </a:ln>
         </p:spPr>
         <p:txBody>
-          <a:bodyPr anchorCtr="0" anchor="b" bIns="45700" lIns="91425" spcFirstLastPara="1" rIns="91425" wrap="square" tIns="45700">
+          <a:bodyPr spcFirstLastPara="1" wrap="square" lIns="91425" tIns="45700" rIns="91425" bIns="45700" anchor="b" anchorCtr="0">
             <a:normAutofit/>
           </a:bodyPr>
           <a:lstStyle>
-            <a:lvl1pPr indent="-228600" lvl="0" marL="457200" algn="l">
+            <a:lvl1pPr marL="457200" lvl="0" indent="-228600" algn="l">
               <a:lnSpc>
                 <a:spcPct val="90000"/>
               </a:lnSpc>
@@ -8081,9 +7727,9 @@
               </a:buClr>
               <a:buSzPts val="2400"/>
               <a:buNone/>
-              <a:defRPr b="1" sz="2400"/>
+              <a:defRPr sz="2400" b="1"/>
             </a:lvl1pPr>
-            <a:lvl2pPr indent="-228600" lvl="1" marL="914400" algn="l">
+            <a:lvl2pPr marL="914400" lvl="1" indent="-228600" algn="l">
               <a:lnSpc>
                 <a:spcPct val="90000"/>
               </a:lnSpc>
@@ -8098,9 +7744,9 @@
               </a:buClr>
               <a:buSzPts val="2000"/>
               <a:buNone/>
-              <a:defRPr b="1" sz="2000"/>
+              <a:defRPr sz="2000" b="1"/>
             </a:lvl2pPr>
-            <a:lvl3pPr indent="-228600" lvl="2" marL="1371600" algn="l">
+            <a:lvl3pPr marL="1371600" lvl="2" indent="-228600" algn="l">
               <a:lnSpc>
                 <a:spcPct val="90000"/>
               </a:lnSpc>
@@ -8115,9 +7761,9 @@
               </a:buClr>
               <a:buSzPts val="1800"/>
               <a:buNone/>
-              <a:defRPr b="1" sz="1800"/>
+              <a:defRPr sz="1800" b="1"/>
             </a:lvl3pPr>
-            <a:lvl4pPr indent="-228600" lvl="3" marL="1828800" algn="l">
+            <a:lvl4pPr marL="1828800" lvl="3" indent="-228600" algn="l">
               <a:lnSpc>
                 <a:spcPct val="90000"/>
               </a:lnSpc>
@@ -8132,9 +7778,9 @@
               </a:buClr>
               <a:buSzPts val="1600"/>
               <a:buNone/>
-              <a:defRPr b="1" sz="1600"/>
+              <a:defRPr sz="1600" b="1"/>
             </a:lvl4pPr>
-            <a:lvl5pPr indent="-228600" lvl="4" marL="2286000" algn="l">
+            <a:lvl5pPr marL="2286000" lvl="4" indent="-228600" algn="l">
               <a:lnSpc>
                 <a:spcPct val="90000"/>
               </a:lnSpc>
@@ -8149,9 +7795,9 @@
               </a:buClr>
               <a:buSzPts val="1600"/>
               <a:buNone/>
-              <a:defRPr b="1" sz="1600"/>
+              <a:defRPr sz="1600" b="1"/>
             </a:lvl5pPr>
-            <a:lvl6pPr indent="-228600" lvl="5" marL="2743200" algn="l">
+            <a:lvl6pPr marL="2743200" lvl="5" indent="-228600" algn="l">
               <a:lnSpc>
                 <a:spcPct val="90000"/>
               </a:lnSpc>
@@ -8166,9 +7812,9 @@
               </a:buClr>
               <a:buSzPts val="1600"/>
               <a:buNone/>
-              <a:defRPr b="1" sz="1600"/>
+              <a:defRPr sz="1600" b="1"/>
             </a:lvl6pPr>
-            <a:lvl7pPr indent="-228600" lvl="6" marL="3200400" algn="l">
+            <a:lvl7pPr marL="3200400" lvl="6" indent="-228600" algn="l">
               <a:lnSpc>
                 <a:spcPct val="90000"/>
               </a:lnSpc>
@@ -8183,9 +7829,9 @@
               </a:buClr>
               <a:buSzPts val="1600"/>
               <a:buNone/>
-              <a:defRPr b="1" sz="1600"/>
+              <a:defRPr sz="1600" b="1"/>
             </a:lvl7pPr>
-            <a:lvl8pPr indent="-228600" lvl="7" marL="3657600" algn="l">
+            <a:lvl8pPr marL="3657600" lvl="7" indent="-228600" algn="l">
               <a:lnSpc>
                 <a:spcPct val="90000"/>
               </a:lnSpc>
@@ -8200,9 +7846,9 @@
               </a:buClr>
               <a:buSzPts val="1600"/>
               <a:buNone/>
-              <a:defRPr b="1" sz="1600"/>
+              <a:defRPr sz="1600" b="1"/>
             </a:lvl8pPr>
-            <a:lvl9pPr indent="-228600" lvl="8" marL="4114800" algn="l">
+            <a:lvl9pPr marL="4114800" lvl="8" indent="-228600" algn="l">
               <a:lnSpc>
                 <a:spcPct val="90000"/>
               </a:lnSpc>
@@ -8217,18 +7863,22 @@
               </a:buClr>
               <a:buSzPts val="1600"/>
               <a:buNone/>
-              <a:defRPr b="1" sz="1600"/>
+              <a:defRPr sz="1600" b="1"/>
             </a:lvl9pPr>
           </a:lstStyle>
-          <a:p/>
+          <a:p>
+            <a:endParaRPr/>
+          </a:p>
         </p:txBody>
       </p:sp>
       <p:sp>
         <p:nvSpPr>
           <p:cNvPr id="44" name="Google Shape;44;p10"/>
-          <p:cNvSpPr txBox="1"/>
+          <p:cNvSpPr txBox="1">
+            <a:spLocks noGrp="1"/>
+          </p:cNvSpPr>
           <p:nvPr>
-            <p:ph idx="2" type="body"/>
+            <p:ph type="body" idx="2"/>
           </p:nvPr>
         </p:nvSpPr>
         <p:spPr>
@@ -8245,11 +7895,11 @@
           </a:ln>
         </p:spPr>
         <p:txBody>
-          <a:bodyPr anchorCtr="0" anchor="t" bIns="45700" lIns="91425" spcFirstLastPara="1" rIns="91425" wrap="square" tIns="45700">
+          <a:bodyPr spcFirstLastPara="1" wrap="square" lIns="91425" tIns="45700" rIns="91425" bIns="45700" anchor="t" anchorCtr="0">
             <a:normAutofit/>
           </a:bodyPr>
           <a:lstStyle>
-            <a:lvl1pPr indent="-342900" lvl="0" marL="457200" algn="l">
+            <a:lvl1pPr marL="457200" lvl="0" indent="-342900" algn="l">
               <a:lnSpc>
                 <a:spcPct val="90000"/>
               </a:lnSpc>
@@ -8266,7 +7916,7 @@
               <a:buChar char="•"/>
               <a:defRPr/>
             </a:lvl1pPr>
-            <a:lvl2pPr indent="-342900" lvl="1" marL="914400" algn="l">
+            <a:lvl2pPr marL="914400" lvl="1" indent="-342900" algn="l">
               <a:lnSpc>
                 <a:spcPct val="90000"/>
               </a:lnSpc>
@@ -8283,7 +7933,7 @@
               <a:buChar char="•"/>
               <a:defRPr/>
             </a:lvl2pPr>
-            <a:lvl3pPr indent="-342900" lvl="2" marL="1371600" algn="l">
+            <a:lvl3pPr marL="1371600" lvl="2" indent="-342900" algn="l">
               <a:lnSpc>
                 <a:spcPct val="90000"/>
               </a:lnSpc>
@@ -8300,7 +7950,7 @@
               <a:buChar char="•"/>
               <a:defRPr/>
             </a:lvl3pPr>
-            <a:lvl4pPr indent="-342900" lvl="3" marL="1828800" algn="l">
+            <a:lvl4pPr marL="1828800" lvl="3" indent="-342900" algn="l">
               <a:lnSpc>
                 <a:spcPct val="90000"/>
               </a:lnSpc>
@@ -8317,7 +7967,7 @@
               <a:buChar char="•"/>
               <a:defRPr/>
             </a:lvl4pPr>
-            <a:lvl5pPr indent="-342900" lvl="4" marL="2286000" algn="l">
+            <a:lvl5pPr marL="2286000" lvl="4" indent="-342900" algn="l">
               <a:lnSpc>
                 <a:spcPct val="90000"/>
               </a:lnSpc>
@@ -8334,7 +7984,7 @@
               <a:buChar char="•"/>
               <a:defRPr/>
             </a:lvl5pPr>
-            <a:lvl6pPr indent="-342900" lvl="5" marL="2743200" algn="l">
+            <a:lvl6pPr marL="2743200" lvl="5" indent="-342900" algn="l">
               <a:lnSpc>
                 <a:spcPct val="90000"/>
               </a:lnSpc>
@@ -8351,7 +8001,7 @@
               <a:buChar char="•"/>
               <a:defRPr/>
             </a:lvl6pPr>
-            <a:lvl7pPr indent="-342900" lvl="6" marL="3200400" algn="l">
+            <a:lvl7pPr marL="3200400" lvl="6" indent="-342900" algn="l">
               <a:lnSpc>
                 <a:spcPct val="90000"/>
               </a:lnSpc>
@@ -8368,7 +8018,7 @@
               <a:buChar char="•"/>
               <a:defRPr/>
             </a:lvl7pPr>
-            <a:lvl8pPr indent="-342900" lvl="7" marL="3657600" algn="l">
+            <a:lvl8pPr marL="3657600" lvl="7" indent="-342900" algn="l">
               <a:lnSpc>
                 <a:spcPct val="90000"/>
               </a:lnSpc>
@@ -8385,7 +8035,7 @@
               <a:buChar char="•"/>
               <a:defRPr/>
             </a:lvl8pPr>
-            <a:lvl9pPr indent="-342900" lvl="8" marL="4114800" algn="l">
+            <a:lvl9pPr marL="4114800" lvl="8" indent="-342900" algn="l">
               <a:lnSpc>
                 <a:spcPct val="90000"/>
               </a:lnSpc>
@@ -8403,15 +8053,19 @@
               <a:defRPr/>
             </a:lvl9pPr>
           </a:lstStyle>
-          <a:p/>
+          <a:p>
+            <a:endParaRPr/>
+          </a:p>
         </p:txBody>
       </p:sp>
       <p:sp>
         <p:nvSpPr>
           <p:cNvPr id="45" name="Google Shape;45;p10"/>
-          <p:cNvSpPr txBox="1"/>
+          <p:cNvSpPr txBox="1">
+            <a:spLocks noGrp="1"/>
+          </p:cNvSpPr>
           <p:nvPr>
-            <p:ph idx="3" type="body"/>
+            <p:ph type="body" idx="3"/>
           </p:nvPr>
         </p:nvSpPr>
         <p:spPr>
@@ -8428,11 +8082,11 @@
           </a:ln>
         </p:spPr>
         <p:txBody>
-          <a:bodyPr anchorCtr="0" anchor="b" bIns="45700" lIns="91425" spcFirstLastPara="1" rIns="91425" wrap="square" tIns="45700">
+          <a:bodyPr spcFirstLastPara="1" wrap="square" lIns="91425" tIns="45700" rIns="91425" bIns="45700" anchor="b" anchorCtr="0">
             <a:normAutofit/>
           </a:bodyPr>
           <a:lstStyle>
-            <a:lvl1pPr indent="-228600" lvl="0" marL="457200" algn="l">
+            <a:lvl1pPr marL="457200" lvl="0" indent="-228600" algn="l">
               <a:lnSpc>
                 <a:spcPct val="90000"/>
               </a:lnSpc>
@@ -8447,9 +8101,9 @@
               </a:buClr>
               <a:buSzPts val="2400"/>
               <a:buNone/>
-              <a:defRPr b="1" sz="2400"/>
+              <a:defRPr sz="2400" b="1"/>
             </a:lvl1pPr>
-            <a:lvl2pPr indent="-228600" lvl="1" marL="914400" algn="l">
+            <a:lvl2pPr marL="914400" lvl="1" indent="-228600" algn="l">
               <a:lnSpc>
                 <a:spcPct val="90000"/>
               </a:lnSpc>
@@ -8464,9 +8118,9 @@
               </a:buClr>
               <a:buSzPts val="2000"/>
               <a:buNone/>
-              <a:defRPr b="1" sz="2000"/>
+              <a:defRPr sz="2000" b="1"/>
             </a:lvl2pPr>
-            <a:lvl3pPr indent="-228600" lvl="2" marL="1371600" algn="l">
+            <a:lvl3pPr marL="1371600" lvl="2" indent="-228600" algn="l">
               <a:lnSpc>
                 <a:spcPct val="90000"/>
               </a:lnSpc>
@@ -8481,9 +8135,9 @@
               </a:buClr>
               <a:buSzPts val="1800"/>
               <a:buNone/>
-              <a:defRPr b="1" sz="1800"/>
+              <a:defRPr sz="1800" b="1"/>
             </a:lvl3pPr>
-            <a:lvl4pPr indent="-228600" lvl="3" marL="1828800" algn="l">
+            <a:lvl4pPr marL="1828800" lvl="3" indent="-228600" algn="l">
               <a:lnSpc>
                 <a:spcPct val="90000"/>
               </a:lnSpc>
@@ -8498,9 +8152,9 @@
               </a:buClr>
               <a:buSzPts val="1600"/>
               <a:buNone/>
-              <a:defRPr b="1" sz="1600"/>
+              <a:defRPr sz="1600" b="1"/>
             </a:lvl4pPr>
-            <a:lvl5pPr indent="-228600" lvl="4" marL="2286000" algn="l">
+            <a:lvl5pPr marL="2286000" lvl="4" indent="-228600" algn="l">
               <a:lnSpc>
                 <a:spcPct val="90000"/>
               </a:lnSpc>
@@ -8515,9 +8169,9 @@
               </a:buClr>
               <a:buSzPts val="1600"/>
               <a:buNone/>
-              <a:defRPr b="1" sz="1600"/>
+              <a:defRPr sz="1600" b="1"/>
             </a:lvl5pPr>
-            <a:lvl6pPr indent="-228600" lvl="5" marL="2743200" algn="l">
+            <a:lvl6pPr marL="2743200" lvl="5" indent="-228600" algn="l">
               <a:lnSpc>
                 <a:spcPct val="90000"/>
               </a:lnSpc>
@@ -8532,9 +8186,9 @@
               </a:buClr>
               <a:buSzPts val="1600"/>
               <a:buNone/>
-              <a:defRPr b="1" sz="1600"/>
+              <a:defRPr sz="1600" b="1"/>
             </a:lvl6pPr>
-            <a:lvl7pPr indent="-228600" lvl="6" marL="3200400" algn="l">
+            <a:lvl7pPr marL="3200400" lvl="6" indent="-228600" algn="l">
               <a:lnSpc>
                 <a:spcPct val="90000"/>
               </a:lnSpc>
@@ -8549,9 +8203,9 @@
               </a:buClr>
               <a:buSzPts val="1600"/>
               <a:buNone/>
-              <a:defRPr b="1" sz="1600"/>
+              <a:defRPr sz="1600" b="1"/>
             </a:lvl7pPr>
-            <a:lvl8pPr indent="-228600" lvl="7" marL="3657600" algn="l">
+            <a:lvl8pPr marL="3657600" lvl="7" indent="-228600" algn="l">
               <a:lnSpc>
                 <a:spcPct val="90000"/>
               </a:lnSpc>
@@ -8566,9 +8220,9 @@
               </a:buClr>
               <a:buSzPts val="1600"/>
               <a:buNone/>
-              <a:defRPr b="1" sz="1600"/>
+              <a:defRPr sz="1600" b="1"/>
             </a:lvl8pPr>
-            <a:lvl9pPr indent="-228600" lvl="8" marL="4114800" algn="l">
+            <a:lvl9pPr marL="4114800" lvl="8" indent="-228600" algn="l">
               <a:lnSpc>
                 <a:spcPct val="90000"/>
               </a:lnSpc>
@@ -8583,18 +8237,22 @@
               </a:buClr>
               <a:buSzPts val="1600"/>
               <a:buNone/>
-              <a:defRPr b="1" sz="1600"/>
+              <a:defRPr sz="1600" b="1"/>
             </a:lvl9pPr>
           </a:lstStyle>
-          <a:p/>
+          <a:p>
+            <a:endParaRPr/>
+          </a:p>
         </p:txBody>
       </p:sp>
       <p:sp>
         <p:nvSpPr>
           <p:cNvPr id="46" name="Google Shape;46;p10"/>
-          <p:cNvSpPr txBox="1"/>
+          <p:cNvSpPr txBox="1">
+            <a:spLocks noGrp="1"/>
+          </p:cNvSpPr>
           <p:nvPr>
-            <p:ph idx="4" type="body"/>
+            <p:ph type="body" idx="4"/>
           </p:nvPr>
         </p:nvSpPr>
         <p:spPr>
@@ -8611,11 +8269,11 @@
           </a:ln>
         </p:spPr>
         <p:txBody>
-          <a:bodyPr anchorCtr="0" anchor="t" bIns="45700" lIns="91425" spcFirstLastPara="1" rIns="91425" wrap="square" tIns="45700">
+          <a:bodyPr spcFirstLastPara="1" wrap="square" lIns="91425" tIns="45700" rIns="91425" bIns="45700" anchor="t" anchorCtr="0">
             <a:normAutofit/>
           </a:bodyPr>
           <a:lstStyle>
-            <a:lvl1pPr indent="-342900" lvl="0" marL="457200" algn="l">
+            <a:lvl1pPr marL="457200" lvl="0" indent="-342900" algn="l">
               <a:lnSpc>
                 <a:spcPct val="90000"/>
               </a:lnSpc>
@@ -8632,7 +8290,7 @@
               <a:buChar char="•"/>
               <a:defRPr/>
             </a:lvl1pPr>
-            <a:lvl2pPr indent="-342900" lvl="1" marL="914400" algn="l">
+            <a:lvl2pPr marL="914400" lvl="1" indent="-342900" algn="l">
               <a:lnSpc>
                 <a:spcPct val="90000"/>
               </a:lnSpc>
@@ -8649,7 +8307,7 @@
               <a:buChar char="•"/>
               <a:defRPr/>
             </a:lvl2pPr>
-            <a:lvl3pPr indent="-342900" lvl="2" marL="1371600" algn="l">
+            <a:lvl3pPr marL="1371600" lvl="2" indent="-342900" algn="l">
               <a:lnSpc>
                 <a:spcPct val="90000"/>
               </a:lnSpc>
@@ -8666,7 +8324,7 @@
               <a:buChar char="•"/>
               <a:defRPr/>
             </a:lvl3pPr>
-            <a:lvl4pPr indent="-342900" lvl="3" marL="1828800" algn="l">
+            <a:lvl4pPr marL="1828800" lvl="3" indent="-342900" algn="l">
               <a:lnSpc>
                 <a:spcPct val="90000"/>
               </a:lnSpc>
@@ -8683,7 +8341,7 @@
               <a:buChar char="•"/>
               <a:defRPr/>
             </a:lvl4pPr>
-            <a:lvl5pPr indent="-342900" lvl="4" marL="2286000" algn="l">
+            <a:lvl5pPr marL="2286000" lvl="4" indent="-342900" algn="l">
               <a:lnSpc>
                 <a:spcPct val="90000"/>
               </a:lnSpc>
@@ -8700,7 +8358,7 @@
               <a:buChar char="•"/>
               <a:defRPr/>
             </a:lvl5pPr>
-            <a:lvl6pPr indent="-342900" lvl="5" marL="2743200" algn="l">
+            <a:lvl6pPr marL="2743200" lvl="5" indent="-342900" algn="l">
               <a:lnSpc>
                 <a:spcPct val="90000"/>
               </a:lnSpc>
@@ -8717,7 +8375,7 @@
               <a:buChar char="•"/>
               <a:defRPr/>
             </a:lvl6pPr>
-            <a:lvl7pPr indent="-342900" lvl="6" marL="3200400" algn="l">
+            <a:lvl7pPr marL="3200400" lvl="6" indent="-342900" algn="l">
               <a:lnSpc>
                 <a:spcPct val="90000"/>
               </a:lnSpc>
@@ -8734,7 +8392,7 @@
               <a:buChar char="•"/>
               <a:defRPr/>
             </a:lvl7pPr>
-            <a:lvl8pPr indent="-342900" lvl="7" marL="3657600" algn="l">
+            <a:lvl8pPr marL="3657600" lvl="7" indent="-342900" algn="l">
               <a:lnSpc>
                 <a:spcPct val="90000"/>
               </a:lnSpc>
@@ -8751,7 +8409,7 @@
               <a:buChar char="•"/>
               <a:defRPr/>
             </a:lvl8pPr>
-            <a:lvl9pPr indent="-342900" lvl="8" marL="4114800" algn="l">
+            <a:lvl9pPr marL="4114800" lvl="8" indent="-342900" algn="l">
               <a:lnSpc>
                 <a:spcPct val="90000"/>
               </a:lnSpc>
@@ -8769,15 +8427,19 @@
               <a:defRPr/>
             </a:lvl9pPr>
           </a:lstStyle>
-          <a:p/>
+          <a:p>
+            <a:endParaRPr/>
+          </a:p>
         </p:txBody>
       </p:sp>
       <p:sp>
         <p:nvSpPr>
           <p:cNvPr id="47" name="Google Shape;47;p10"/>
-          <p:cNvSpPr txBox="1"/>
+          <p:cNvSpPr txBox="1">
+            <a:spLocks noGrp="1"/>
+          </p:cNvSpPr>
           <p:nvPr>
-            <p:ph idx="10" type="dt"/>
+            <p:ph type="dt" idx="10"/>
           </p:nvPr>
         </p:nvSpPr>
         <p:spPr>
@@ -8794,7 +8456,7 @@
           </a:ln>
         </p:spPr>
         <p:txBody>
-          <a:bodyPr anchorCtr="0" anchor="ctr" bIns="45700" lIns="91425" spcFirstLastPara="1" rIns="91425" wrap="square" tIns="45700">
+          <a:bodyPr spcFirstLastPara="1" wrap="square" lIns="91425" tIns="45700" rIns="91425" bIns="45700" anchor="ctr" anchorCtr="0">
             <a:noAutofit/>
           </a:bodyPr>
           <a:lstStyle>
@@ -8925,15 +8587,19 @@
               <a:defRPr/>
             </a:lvl9pPr>
           </a:lstStyle>
-          <a:p/>
+          <a:p>
+            <a:endParaRPr/>
+          </a:p>
         </p:txBody>
       </p:sp>
       <p:sp>
         <p:nvSpPr>
           <p:cNvPr id="48" name="Google Shape;48;p10"/>
-          <p:cNvSpPr txBox="1"/>
+          <p:cNvSpPr txBox="1">
+            <a:spLocks noGrp="1"/>
+          </p:cNvSpPr>
           <p:nvPr>
-            <p:ph idx="11" type="ftr"/>
+            <p:ph type="ftr" idx="11"/>
           </p:nvPr>
         </p:nvSpPr>
         <p:spPr>
@@ -8950,7 +8616,7 @@
           </a:ln>
         </p:spPr>
         <p:txBody>
-          <a:bodyPr anchorCtr="0" anchor="ctr" bIns="45700" lIns="91425" spcFirstLastPara="1" rIns="91425" wrap="square" tIns="45700">
+          <a:bodyPr spcFirstLastPara="1" wrap="square" lIns="91425" tIns="45700" rIns="91425" bIns="45700" anchor="ctr" anchorCtr="0">
             <a:noAutofit/>
           </a:bodyPr>
           <a:lstStyle>
@@ -9081,15 +8747,19 @@
               <a:defRPr/>
             </a:lvl9pPr>
           </a:lstStyle>
-          <a:p/>
+          <a:p>
+            <a:endParaRPr/>
+          </a:p>
         </p:txBody>
       </p:sp>
       <p:sp>
         <p:nvSpPr>
           <p:cNvPr id="49" name="Google Shape;49;p10"/>
-          <p:cNvSpPr txBox="1"/>
+          <p:cNvSpPr txBox="1">
+            <a:spLocks noGrp="1"/>
+          </p:cNvSpPr>
           <p:nvPr>
-            <p:ph idx="12" type="sldNum"/>
+            <p:ph type="sldNum" idx="12"/>
           </p:nvPr>
         </p:nvSpPr>
         <p:spPr>
@@ -9106,11 +8776,11 @@
           </a:ln>
         </p:spPr>
         <p:txBody>
-          <a:bodyPr anchorCtr="0" anchor="ctr" bIns="45700" lIns="91425" spcFirstLastPara="1" rIns="91425" wrap="square" tIns="45700">
+          <a:bodyPr spcFirstLastPara="1" wrap="square" lIns="91425" tIns="45700" rIns="91425" bIns="45700" anchor="ctr" anchorCtr="0">
             <a:noAutofit/>
           </a:bodyPr>
           <a:lstStyle>
-            <a:lvl1pPr indent="0" lvl="0" marL="0" marR="0" algn="r">
+            <a:lvl1pPr marL="0" marR="0" lvl="0" indent="0" algn="r">
               <a:lnSpc>
                 <a:spcPct val="100000"/>
               </a:lnSpc>
@@ -9126,7 +8796,7 @@
               <a:buSzPts val="1200"/>
               <a:buFont typeface="Arial"/>
               <a:buNone/>
-              <a:defRPr b="0" i="0" sz="1200" u="none" cap="none" strike="noStrike">
+              <a:defRPr sz="1200" b="0" i="0" u="none" strike="noStrike" cap="none">
                 <a:solidFill>
                   <a:srgbClr val="888888"/>
                 </a:solidFill>
@@ -9136,7 +8806,7 @@
                 <a:sym typeface="Calibri"/>
               </a:defRPr>
             </a:lvl1pPr>
-            <a:lvl2pPr indent="0" lvl="1" marL="0" marR="0" algn="r">
+            <a:lvl2pPr marL="0" marR="0" lvl="1" indent="0" algn="r">
               <a:lnSpc>
                 <a:spcPct val="100000"/>
               </a:lnSpc>
@@ -9152,7 +8822,7 @@
               <a:buSzPts val="1200"/>
               <a:buFont typeface="Arial"/>
               <a:buNone/>
-              <a:defRPr b="0" i="0" sz="1200" u="none" cap="none" strike="noStrike">
+              <a:defRPr sz="1200" b="0" i="0" u="none" strike="noStrike" cap="none">
                 <a:solidFill>
                   <a:srgbClr val="888888"/>
                 </a:solidFill>
@@ -9162,7 +8832,7 @@
                 <a:sym typeface="Calibri"/>
               </a:defRPr>
             </a:lvl2pPr>
-            <a:lvl3pPr indent="0" lvl="2" marL="0" marR="0" algn="r">
+            <a:lvl3pPr marL="0" marR="0" lvl="2" indent="0" algn="r">
               <a:lnSpc>
                 <a:spcPct val="100000"/>
               </a:lnSpc>
@@ -9178,7 +8848,7 @@
               <a:buSzPts val="1200"/>
               <a:buFont typeface="Arial"/>
               <a:buNone/>
-              <a:defRPr b="0" i="0" sz="1200" u="none" cap="none" strike="noStrike">
+              <a:defRPr sz="1200" b="0" i="0" u="none" strike="noStrike" cap="none">
                 <a:solidFill>
                   <a:srgbClr val="888888"/>
                 </a:solidFill>
@@ -9188,7 +8858,7 @@
                 <a:sym typeface="Calibri"/>
               </a:defRPr>
             </a:lvl3pPr>
-            <a:lvl4pPr indent="0" lvl="3" marL="0" marR="0" algn="r">
+            <a:lvl4pPr marL="0" marR="0" lvl="3" indent="0" algn="r">
               <a:lnSpc>
                 <a:spcPct val="100000"/>
               </a:lnSpc>
@@ -9204,7 +8874,7 @@
               <a:buSzPts val="1200"/>
               <a:buFont typeface="Arial"/>
               <a:buNone/>
-              <a:defRPr b="0" i="0" sz="1200" u="none" cap="none" strike="noStrike">
+              <a:defRPr sz="1200" b="0" i="0" u="none" strike="noStrike" cap="none">
                 <a:solidFill>
                   <a:srgbClr val="888888"/>
                 </a:solidFill>
@@ -9214,7 +8884,7 @@
                 <a:sym typeface="Calibri"/>
               </a:defRPr>
             </a:lvl4pPr>
-            <a:lvl5pPr indent="0" lvl="4" marL="0" marR="0" algn="r">
+            <a:lvl5pPr marL="0" marR="0" lvl="4" indent="0" algn="r">
               <a:lnSpc>
                 <a:spcPct val="100000"/>
               </a:lnSpc>
@@ -9230,7 +8900,7 @@
               <a:buSzPts val="1200"/>
               <a:buFont typeface="Arial"/>
               <a:buNone/>
-              <a:defRPr b="0" i="0" sz="1200" u="none" cap="none" strike="noStrike">
+              <a:defRPr sz="1200" b="0" i="0" u="none" strike="noStrike" cap="none">
                 <a:solidFill>
                   <a:srgbClr val="888888"/>
                 </a:solidFill>
@@ -9240,7 +8910,7 @@
                 <a:sym typeface="Calibri"/>
               </a:defRPr>
             </a:lvl5pPr>
-            <a:lvl6pPr indent="0" lvl="5" marL="0" marR="0" algn="r">
+            <a:lvl6pPr marL="0" marR="0" lvl="5" indent="0" algn="r">
               <a:lnSpc>
                 <a:spcPct val="100000"/>
               </a:lnSpc>
@@ -9256,7 +8926,7 @@
               <a:buSzPts val="1200"/>
               <a:buFont typeface="Arial"/>
               <a:buNone/>
-              <a:defRPr b="0" i="0" sz="1200" u="none" cap="none" strike="noStrike">
+              <a:defRPr sz="1200" b="0" i="0" u="none" strike="noStrike" cap="none">
                 <a:solidFill>
                   <a:srgbClr val="888888"/>
                 </a:solidFill>
@@ -9266,7 +8936,7 @@
                 <a:sym typeface="Calibri"/>
               </a:defRPr>
             </a:lvl6pPr>
-            <a:lvl7pPr indent="0" lvl="6" marL="0" marR="0" algn="r">
+            <a:lvl7pPr marL="0" marR="0" lvl="6" indent="0" algn="r">
               <a:lnSpc>
                 <a:spcPct val="100000"/>
               </a:lnSpc>
@@ -9282,7 +8952,7 @@
               <a:buSzPts val="1200"/>
               <a:buFont typeface="Arial"/>
               <a:buNone/>
-              <a:defRPr b="0" i="0" sz="1200" u="none" cap="none" strike="noStrike">
+              <a:defRPr sz="1200" b="0" i="0" u="none" strike="noStrike" cap="none">
                 <a:solidFill>
                   <a:srgbClr val="888888"/>
                 </a:solidFill>
@@ -9292,7 +8962,7 @@
                 <a:sym typeface="Calibri"/>
               </a:defRPr>
             </a:lvl7pPr>
-            <a:lvl8pPr indent="0" lvl="7" marL="0" marR="0" algn="r">
+            <a:lvl8pPr marL="0" marR="0" lvl="7" indent="0" algn="r">
               <a:lnSpc>
                 <a:spcPct val="100000"/>
               </a:lnSpc>
@@ -9308,7 +8978,7 @@
               <a:buSzPts val="1200"/>
               <a:buFont typeface="Arial"/>
               <a:buNone/>
-              <a:defRPr b="0" i="0" sz="1200" u="none" cap="none" strike="noStrike">
+              <a:defRPr sz="1200" b="0" i="0" u="none" strike="noStrike" cap="none">
                 <a:solidFill>
                   <a:srgbClr val="888888"/>
                 </a:solidFill>
@@ -9318,7 +8988,7 @@
                 <a:sym typeface="Calibri"/>
               </a:defRPr>
             </a:lvl8pPr>
-            <a:lvl9pPr indent="0" lvl="8" marL="0" marR="0" algn="r">
+            <a:lvl9pPr marL="0" marR="0" lvl="8" indent="0" algn="r">
               <a:lnSpc>
                 <a:spcPct val="100000"/>
               </a:lnSpc>
@@ -9334,7 +9004,7 @@
               <a:buSzPts val="1200"/>
               <a:buFont typeface="Arial"/>
               <a:buNone/>
-              <a:defRPr b="0" i="0" sz="1200" u="none" cap="none" strike="noStrike">
+              <a:defRPr sz="1200" b="0" i="0" u="none" strike="noStrike" cap="none">
                 <a:solidFill>
                   <a:srgbClr val="888888"/>
                 </a:solidFill>
@@ -9346,7 +9016,7 @@
             </a:lvl9pPr>
           </a:lstStyle>
           <a:p>
-            <a:pPr indent="0" lvl="0" marL="0" rtl="0" algn="r">
+            <a:pPr marL="0" lvl="0" indent="0" algn="r" rtl="0">
               <a:spcBef>
                 <a:spcPts val="0"/>
               </a:spcBef>
@@ -9372,11 +9042,11 @@
 </file>
 
 <file path=ppt/slideLayouts/slideLayout6.xml><?xml version="1.0" encoding="utf-8"?>
-<p:sldLayout xmlns:a="http://schemas.openxmlformats.org/drawingml/2006/main" xmlns:r="http://schemas.openxmlformats.org/officeDocument/2006/relationships" xmlns:mc="http://schemas.openxmlformats.org/markup-compatibility/2006" xmlns:mv="urn:schemas-microsoft-com:mac:vml" xmlns:p="http://schemas.openxmlformats.org/presentationml/2006/main" xmlns:c="http://schemas.openxmlformats.org/drawingml/2006/chart" xmlns:dgm="http://schemas.openxmlformats.org/drawingml/2006/diagram" xmlns:o="urn:schemas-microsoft-com:office:office" xmlns:v="urn:schemas-microsoft-com:vml" xmlns:pvml="urn:schemas-microsoft-com:office:powerpoint" xmlns:com="http://schemas.openxmlformats.org/drawingml/2006/compatibility" xmlns:p14="http://schemas.microsoft.com/office/powerpoint/2010/main" xmlns:p15="http://schemas.microsoft.com/office/powerpoint/2012/main" xmlns:ahyp="http://schemas.microsoft.com/office/drawing/2018/hyperlinkcolor" matchingName="Title Only" type="titleOnly">
+<p:sldLayout xmlns:a="http://schemas.openxmlformats.org/drawingml/2006/main" xmlns:r="http://schemas.openxmlformats.org/officeDocument/2006/relationships" xmlns:p="http://schemas.openxmlformats.org/presentationml/2006/main" matchingName="Title Only" type="titleOnly">
   <p:cSld name="TITLE_ONLY">
     <p:spTree>
       <p:nvGrpSpPr>
-        <p:cNvPr id="50" name="Shape 50"/>
+        <p:cNvPr id="1" name="Shape 50"/>
         <p:cNvGrpSpPr/>
         <p:nvPr/>
       </p:nvGrpSpPr>
@@ -9391,7 +9061,9 @@
       <p:sp>
         <p:nvSpPr>
           <p:cNvPr id="51" name="Google Shape;51;p11"/>
-          <p:cNvSpPr txBox="1"/>
+          <p:cNvSpPr txBox="1">
+            <a:spLocks noGrp="1"/>
+          </p:cNvSpPr>
           <p:nvPr>
             <p:ph type="title"/>
           </p:nvPr>
@@ -9410,7 +9082,7 @@
           </a:ln>
         </p:spPr>
         <p:txBody>
-          <a:bodyPr anchorCtr="0" anchor="ctr" bIns="45700" lIns="91425" spcFirstLastPara="1" rIns="91425" wrap="square" tIns="45700">
+          <a:bodyPr spcFirstLastPara="1" wrap="square" lIns="91425" tIns="45700" rIns="91425" bIns="45700" anchor="ctr" anchorCtr="0">
             <a:normAutofit/>
           </a:bodyPr>
           <a:lstStyle>
@@ -9544,15 +9216,19 @@
               <a:defRPr/>
             </a:lvl9pPr>
           </a:lstStyle>
-          <a:p/>
+          <a:p>
+            <a:endParaRPr/>
+          </a:p>
         </p:txBody>
       </p:sp>
       <p:sp>
         <p:nvSpPr>
           <p:cNvPr id="52" name="Google Shape;52;p11"/>
-          <p:cNvSpPr txBox="1"/>
+          <p:cNvSpPr txBox="1">
+            <a:spLocks noGrp="1"/>
+          </p:cNvSpPr>
           <p:nvPr>
-            <p:ph idx="10" type="dt"/>
+            <p:ph type="dt" idx="10"/>
           </p:nvPr>
         </p:nvSpPr>
         <p:spPr>
@@ -9569,7 +9245,7 @@
           </a:ln>
         </p:spPr>
         <p:txBody>
-          <a:bodyPr anchorCtr="0" anchor="ctr" bIns="45700" lIns="91425" spcFirstLastPara="1" rIns="91425" wrap="square" tIns="45700">
+          <a:bodyPr spcFirstLastPara="1" wrap="square" lIns="91425" tIns="45700" rIns="91425" bIns="45700" anchor="ctr" anchorCtr="0">
             <a:noAutofit/>
           </a:bodyPr>
           <a:lstStyle>
@@ -9700,15 +9376,19 @@
               <a:defRPr/>
             </a:lvl9pPr>
           </a:lstStyle>
-          <a:p/>
+          <a:p>
+            <a:endParaRPr/>
+          </a:p>
         </p:txBody>
       </p:sp>
       <p:sp>
         <p:nvSpPr>
           <p:cNvPr id="53" name="Google Shape;53;p11"/>
-          <p:cNvSpPr txBox="1"/>
+          <p:cNvSpPr txBox="1">
+            <a:spLocks noGrp="1"/>
+          </p:cNvSpPr>
           <p:nvPr>
-            <p:ph idx="11" type="ftr"/>
+            <p:ph type="ftr" idx="11"/>
           </p:nvPr>
         </p:nvSpPr>
         <p:spPr>
@@ -9725,7 +9405,7 @@
           </a:ln>
         </p:spPr>
         <p:txBody>
-          <a:bodyPr anchorCtr="0" anchor="ctr" bIns="45700" lIns="91425" spcFirstLastPara="1" rIns="91425" wrap="square" tIns="45700">
+          <a:bodyPr spcFirstLastPara="1" wrap="square" lIns="91425" tIns="45700" rIns="91425" bIns="45700" anchor="ctr" anchorCtr="0">
             <a:noAutofit/>
           </a:bodyPr>
           <a:lstStyle>
@@ -9856,15 +9536,19 @@
               <a:defRPr/>
             </a:lvl9pPr>
           </a:lstStyle>
-          <a:p/>
+          <a:p>
+            <a:endParaRPr/>
+          </a:p>
         </p:txBody>
       </p:sp>
       <p:sp>
         <p:nvSpPr>
           <p:cNvPr id="54" name="Google Shape;54;p11"/>
-          <p:cNvSpPr txBox="1"/>
+          <p:cNvSpPr txBox="1">
+            <a:spLocks noGrp="1"/>
+          </p:cNvSpPr>
           <p:nvPr>
-            <p:ph idx="12" type="sldNum"/>
+            <p:ph type="sldNum" idx="12"/>
           </p:nvPr>
         </p:nvSpPr>
         <p:spPr>
@@ -9881,11 +9565,11 @@
           </a:ln>
         </p:spPr>
         <p:txBody>
-          <a:bodyPr anchorCtr="0" anchor="ctr" bIns="45700" lIns="91425" spcFirstLastPara="1" rIns="91425" wrap="square" tIns="45700">
+          <a:bodyPr spcFirstLastPara="1" wrap="square" lIns="91425" tIns="45700" rIns="91425" bIns="45700" anchor="ctr" anchorCtr="0">
             <a:noAutofit/>
           </a:bodyPr>
           <a:lstStyle>
-            <a:lvl1pPr indent="0" lvl="0" marL="0" marR="0" algn="r">
+            <a:lvl1pPr marL="0" marR="0" lvl="0" indent="0" algn="r">
               <a:lnSpc>
                 <a:spcPct val="100000"/>
               </a:lnSpc>
@@ -9901,7 +9585,7 @@
               <a:buSzPts val="1200"/>
               <a:buFont typeface="Arial"/>
               <a:buNone/>
-              <a:defRPr b="0" i="0" sz="1200" u="none" cap="none" strike="noStrike">
+              <a:defRPr sz="1200" b="0" i="0" u="none" strike="noStrike" cap="none">
                 <a:solidFill>
                   <a:srgbClr val="888888"/>
                 </a:solidFill>
@@ -9911,7 +9595,7 @@
                 <a:sym typeface="Calibri"/>
               </a:defRPr>
             </a:lvl1pPr>
-            <a:lvl2pPr indent="0" lvl="1" marL="0" marR="0" algn="r">
+            <a:lvl2pPr marL="0" marR="0" lvl="1" indent="0" algn="r">
               <a:lnSpc>
                 <a:spcPct val="100000"/>
               </a:lnSpc>
@@ -9927,7 +9611,7 @@
               <a:buSzPts val="1200"/>
               <a:buFont typeface="Arial"/>
               <a:buNone/>
-              <a:defRPr b="0" i="0" sz="1200" u="none" cap="none" strike="noStrike">
+              <a:defRPr sz="1200" b="0" i="0" u="none" strike="noStrike" cap="none">
                 <a:solidFill>
                   <a:srgbClr val="888888"/>
                 </a:solidFill>
@@ -9937,7 +9621,7 @@
                 <a:sym typeface="Calibri"/>
               </a:defRPr>
             </a:lvl2pPr>
-            <a:lvl3pPr indent="0" lvl="2" marL="0" marR="0" algn="r">
+            <a:lvl3pPr marL="0" marR="0" lvl="2" indent="0" algn="r">
               <a:lnSpc>
                 <a:spcPct val="100000"/>
               </a:lnSpc>
@@ -9953,7 +9637,7 @@
               <a:buSzPts val="1200"/>
               <a:buFont typeface="Arial"/>
               <a:buNone/>
-              <a:defRPr b="0" i="0" sz="1200" u="none" cap="none" strike="noStrike">
+              <a:defRPr sz="1200" b="0" i="0" u="none" strike="noStrike" cap="none">
                 <a:solidFill>
                   <a:srgbClr val="888888"/>
                 </a:solidFill>
@@ -9963,7 +9647,7 @@
                 <a:sym typeface="Calibri"/>
               </a:defRPr>
             </a:lvl3pPr>
-            <a:lvl4pPr indent="0" lvl="3" marL="0" marR="0" algn="r">
+            <a:lvl4pPr marL="0" marR="0" lvl="3" indent="0" algn="r">
               <a:lnSpc>
                 <a:spcPct val="100000"/>
               </a:lnSpc>
@@ -9979,7 +9663,7 @@
               <a:buSzPts val="1200"/>
               <a:buFont typeface="Arial"/>
               <a:buNone/>
-              <a:defRPr b="0" i="0" sz="1200" u="none" cap="none" strike="noStrike">
+              <a:defRPr sz="1200" b="0" i="0" u="none" strike="noStrike" cap="none">
                 <a:solidFill>
                   <a:srgbClr val="888888"/>
                 </a:solidFill>
@@ -9989,7 +9673,7 @@
                 <a:sym typeface="Calibri"/>
               </a:defRPr>
             </a:lvl4pPr>
-            <a:lvl5pPr indent="0" lvl="4" marL="0" marR="0" algn="r">
+            <a:lvl5pPr marL="0" marR="0" lvl="4" indent="0" algn="r">
               <a:lnSpc>
                 <a:spcPct val="100000"/>
               </a:lnSpc>
@@ -10005,7 +9689,7 @@
               <a:buSzPts val="1200"/>
               <a:buFont typeface="Arial"/>
               <a:buNone/>
-              <a:defRPr b="0" i="0" sz="1200" u="none" cap="none" strike="noStrike">
+              <a:defRPr sz="1200" b="0" i="0" u="none" strike="noStrike" cap="none">
                 <a:solidFill>
                   <a:srgbClr val="888888"/>
                 </a:solidFill>
@@ -10015,7 +9699,7 @@
                 <a:sym typeface="Calibri"/>
               </a:defRPr>
             </a:lvl5pPr>
-            <a:lvl6pPr indent="0" lvl="5" marL="0" marR="0" algn="r">
+            <a:lvl6pPr marL="0" marR="0" lvl="5" indent="0" algn="r">
               <a:lnSpc>
                 <a:spcPct val="100000"/>
               </a:lnSpc>
@@ -10031,7 +9715,7 @@
               <a:buSzPts val="1200"/>
               <a:buFont typeface="Arial"/>
               <a:buNone/>
-              <a:defRPr b="0" i="0" sz="1200" u="none" cap="none" strike="noStrike">
+              <a:defRPr sz="1200" b="0" i="0" u="none" strike="noStrike" cap="none">
                 <a:solidFill>
                   <a:srgbClr val="888888"/>
                 </a:solidFill>
@@ -10041,7 +9725,7 @@
                 <a:sym typeface="Calibri"/>
               </a:defRPr>
             </a:lvl6pPr>
-            <a:lvl7pPr indent="0" lvl="6" marL="0" marR="0" algn="r">
+            <a:lvl7pPr marL="0" marR="0" lvl="6" indent="0" algn="r">
               <a:lnSpc>
                 <a:spcPct val="100000"/>
               </a:lnSpc>
@@ -10057,7 +9741,7 @@
               <a:buSzPts val="1200"/>
               <a:buFont typeface="Arial"/>
               <a:buNone/>
-              <a:defRPr b="0" i="0" sz="1200" u="none" cap="none" strike="noStrike">
+              <a:defRPr sz="1200" b="0" i="0" u="none" strike="noStrike" cap="none">
                 <a:solidFill>
                   <a:srgbClr val="888888"/>
                 </a:solidFill>
@@ -10067,7 +9751,7 @@
                 <a:sym typeface="Calibri"/>
               </a:defRPr>
             </a:lvl7pPr>
-            <a:lvl8pPr indent="0" lvl="7" marL="0" marR="0" algn="r">
+            <a:lvl8pPr marL="0" marR="0" lvl="7" indent="0" algn="r">
               <a:lnSpc>
                 <a:spcPct val="100000"/>
               </a:lnSpc>
@@ -10083,7 +9767,7 @@
               <a:buSzPts val="1200"/>
               <a:buFont typeface="Arial"/>
               <a:buNone/>
-              <a:defRPr b="0" i="0" sz="1200" u="none" cap="none" strike="noStrike">
+              <a:defRPr sz="1200" b="0" i="0" u="none" strike="noStrike" cap="none">
                 <a:solidFill>
                   <a:srgbClr val="888888"/>
                 </a:solidFill>
@@ -10093,7 +9777,7 @@
                 <a:sym typeface="Calibri"/>
               </a:defRPr>
             </a:lvl8pPr>
-            <a:lvl9pPr indent="0" lvl="8" marL="0" marR="0" algn="r">
+            <a:lvl9pPr marL="0" marR="0" lvl="8" indent="0" algn="r">
               <a:lnSpc>
                 <a:spcPct val="100000"/>
               </a:lnSpc>
@@ -10109,7 +9793,7 @@
               <a:buSzPts val="1200"/>
               <a:buFont typeface="Arial"/>
               <a:buNone/>
-              <a:defRPr b="0" i="0" sz="1200" u="none" cap="none" strike="noStrike">
+              <a:defRPr sz="1200" b="0" i="0" u="none" strike="noStrike" cap="none">
                 <a:solidFill>
                   <a:srgbClr val="888888"/>
                 </a:solidFill>
@@ -10121,7 +9805,7 @@
             </a:lvl9pPr>
           </a:lstStyle>
           <a:p>
-            <a:pPr indent="0" lvl="0" marL="0" rtl="0" algn="r">
+            <a:pPr marL="0" lvl="0" indent="0" algn="r" rtl="0">
               <a:spcBef>
                 <a:spcPts val="0"/>
               </a:spcBef>
@@ -10147,11 +9831,11 @@
 </file>
 
 <file path=ppt/slideLayouts/slideLayout7.xml><?xml version="1.0" encoding="utf-8"?>
-<p:sldLayout xmlns:a="http://schemas.openxmlformats.org/drawingml/2006/main" xmlns:r="http://schemas.openxmlformats.org/officeDocument/2006/relationships" xmlns:mc="http://schemas.openxmlformats.org/markup-compatibility/2006" xmlns:mv="urn:schemas-microsoft-com:mac:vml" xmlns:p="http://schemas.openxmlformats.org/presentationml/2006/main" xmlns:c="http://schemas.openxmlformats.org/drawingml/2006/chart" xmlns:dgm="http://schemas.openxmlformats.org/drawingml/2006/diagram" xmlns:o="urn:schemas-microsoft-com:office:office" xmlns:v="urn:schemas-microsoft-com:vml" xmlns:pvml="urn:schemas-microsoft-com:office:powerpoint" xmlns:com="http://schemas.openxmlformats.org/drawingml/2006/compatibility" xmlns:p14="http://schemas.microsoft.com/office/powerpoint/2010/main" xmlns:p15="http://schemas.microsoft.com/office/powerpoint/2012/main" xmlns:ahyp="http://schemas.microsoft.com/office/drawing/2018/hyperlinkcolor" matchingName="Blank" type="blank">
+<p:sldLayout xmlns:a="http://schemas.openxmlformats.org/drawingml/2006/main" xmlns:r="http://schemas.openxmlformats.org/officeDocument/2006/relationships" xmlns:p="http://schemas.openxmlformats.org/presentationml/2006/main" matchingName="Blank" type="blank">
   <p:cSld name="BLANK">
     <p:spTree>
       <p:nvGrpSpPr>
-        <p:cNvPr id="55" name="Shape 55"/>
+        <p:cNvPr id="1" name="Shape 55"/>
         <p:cNvGrpSpPr/>
         <p:nvPr/>
       </p:nvGrpSpPr>
@@ -10166,9 +9850,11 @@
       <p:sp>
         <p:nvSpPr>
           <p:cNvPr id="56" name="Google Shape;56;p12"/>
-          <p:cNvSpPr txBox="1"/>
+          <p:cNvSpPr txBox="1">
+            <a:spLocks noGrp="1"/>
+          </p:cNvSpPr>
           <p:nvPr>
-            <p:ph idx="10" type="dt"/>
+            <p:ph type="dt" idx="10"/>
           </p:nvPr>
         </p:nvSpPr>
         <p:spPr>
@@ -10185,7 +9871,7 @@
           </a:ln>
         </p:spPr>
         <p:txBody>
-          <a:bodyPr anchorCtr="0" anchor="ctr" bIns="45700" lIns="91425" spcFirstLastPara="1" rIns="91425" wrap="square" tIns="45700">
+          <a:bodyPr spcFirstLastPara="1" wrap="square" lIns="91425" tIns="45700" rIns="91425" bIns="45700" anchor="ctr" anchorCtr="0">
             <a:noAutofit/>
           </a:bodyPr>
           <a:lstStyle>
@@ -10316,15 +10002,19 @@
               <a:defRPr/>
             </a:lvl9pPr>
           </a:lstStyle>
-          <a:p/>
+          <a:p>
+            <a:endParaRPr/>
+          </a:p>
         </p:txBody>
       </p:sp>
       <p:sp>
         <p:nvSpPr>
           <p:cNvPr id="57" name="Google Shape;57;p12"/>
-          <p:cNvSpPr txBox="1"/>
+          <p:cNvSpPr txBox="1">
+            <a:spLocks noGrp="1"/>
+          </p:cNvSpPr>
           <p:nvPr>
-            <p:ph idx="11" type="ftr"/>
+            <p:ph type="ftr" idx="11"/>
           </p:nvPr>
         </p:nvSpPr>
         <p:spPr>
@@ -10341,7 +10031,7 @@
           </a:ln>
         </p:spPr>
         <p:txBody>
-          <a:bodyPr anchorCtr="0" anchor="ctr" bIns="45700" lIns="91425" spcFirstLastPara="1" rIns="91425" wrap="square" tIns="45700">
+          <a:bodyPr spcFirstLastPara="1" wrap="square" lIns="91425" tIns="45700" rIns="91425" bIns="45700" anchor="ctr" anchorCtr="0">
             <a:noAutofit/>
           </a:bodyPr>
           <a:lstStyle>
@@ -10472,15 +10162,19 @@
               <a:defRPr/>
             </a:lvl9pPr>
           </a:lstStyle>
-          <a:p/>
+          <a:p>
+            <a:endParaRPr/>
+          </a:p>
         </p:txBody>
       </p:sp>
       <p:sp>
         <p:nvSpPr>
           <p:cNvPr id="58" name="Google Shape;58;p12"/>
-          <p:cNvSpPr txBox="1"/>
+          <p:cNvSpPr txBox="1">
+            <a:spLocks noGrp="1"/>
+          </p:cNvSpPr>
           <p:nvPr>
-            <p:ph idx="12" type="sldNum"/>
+            <p:ph type="sldNum" idx="12"/>
           </p:nvPr>
         </p:nvSpPr>
         <p:spPr>
@@ -10497,11 +10191,11 @@
           </a:ln>
         </p:spPr>
         <p:txBody>
-          <a:bodyPr anchorCtr="0" anchor="ctr" bIns="45700" lIns="91425" spcFirstLastPara="1" rIns="91425" wrap="square" tIns="45700">
+          <a:bodyPr spcFirstLastPara="1" wrap="square" lIns="91425" tIns="45700" rIns="91425" bIns="45700" anchor="ctr" anchorCtr="0">
             <a:noAutofit/>
           </a:bodyPr>
           <a:lstStyle>
-            <a:lvl1pPr indent="0" lvl="0" marL="0" marR="0" algn="r">
+            <a:lvl1pPr marL="0" marR="0" lvl="0" indent="0" algn="r">
               <a:lnSpc>
                 <a:spcPct val="100000"/>
               </a:lnSpc>
@@ -10517,7 +10211,7 @@
               <a:buSzPts val="1200"/>
               <a:buFont typeface="Arial"/>
               <a:buNone/>
-              <a:defRPr b="0" i="0" sz="1200" u="none" cap="none" strike="noStrike">
+              <a:defRPr sz="1200" b="0" i="0" u="none" strike="noStrike" cap="none">
                 <a:solidFill>
                   <a:srgbClr val="888888"/>
                 </a:solidFill>
@@ -10527,7 +10221,7 @@
                 <a:sym typeface="Calibri"/>
               </a:defRPr>
             </a:lvl1pPr>
-            <a:lvl2pPr indent="0" lvl="1" marL="0" marR="0" algn="r">
+            <a:lvl2pPr marL="0" marR="0" lvl="1" indent="0" algn="r">
               <a:lnSpc>
                 <a:spcPct val="100000"/>
               </a:lnSpc>
@@ -10543,7 +10237,7 @@
               <a:buSzPts val="1200"/>
               <a:buFont typeface="Arial"/>
               <a:buNone/>
-              <a:defRPr b="0" i="0" sz="1200" u="none" cap="none" strike="noStrike">
+              <a:defRPr sz="1200" b="0" i="0" u="none" strike="noStrike" cap="none">
                 <a:solidFill>
                   <a:srgbClr val="888888"/>
                 </a:solidFill>
@@ -10553,7 +10247,7 @@
                 <a:sym typeface="Calibri"/>
               </a:defRPr>
             </a:lvl2pPr>
-            <a:lvl3pPr indent="0" lvl="2" marL="0" marR="0" algn="r">
+            <a:lvl3pPr marL="0" marR="0" lvl="2" indent="0" algn="r">
               <a:lnSpc>
                 <a:spcPct val="100000"/>
               </a:lnSpc>
@@ -10569,7 +10263,7 @@
               <a:buSzPts val="1200"/>
               <a:buFont typeface="Arial"/>
               <a:buNone/>
-              <a:defRPr b="0" i="0" sz="1200" u="none" cap="none" strike="noStrike">
+              <a:defRPr sz="1200" b="0" i="0" u="none" strike="noStrike" cap="none">
                 <a:solidFill>
                   <a:srgbClr val="888888"/>
                 </a:solidFill>
@@ -10579,7 +10273,7 @@
                 <a:sym typeface="Calibri"/>
               </a:defRPr>
             </a:lvl3pPr>
-            <a:lvl4pPr indent="0" lvl="3" marL="0" marR="0" algn="r">
+            <a:lvl4pPr marL="0" marR="0" lvl="3" indent="0" algn="r">
               <a:lnSpc>
                 <a:spcPct val="100000"/>
               </a:lnSpc>
@@ -10595,7 +10289,7 @@
               <a:buSzPts val="1200"/>
               <a:buFont typeface="Arial"/>
               <a:buNone/>
-              <a:defRPr b="0" i="0" sz="1200" u="none" cap="none" strike="noStrike">
+              <a:defRPr sz="1200" b="0" i="0" u="none" strike="noStrike" cap="none">
                 <a:solidFill>
                   <a:srgbClr val="888888"/>
                 </a:solidFill>
@@ -10605,7 +10299,7 @@
                 <a:sym typeface="Calibri"/>
               </a:defRPr>
             </a:lvl4pPr>
-            <a:lvl5pPr indent="0" lvl="4" marL="0" marR="0" algn="r">
+            <a:lvl5pPr marL="0" marR="0" lvl="4" indent="0" algn="r">
               <a:lnSpc>
                 <a:spcPct val="100000"/>
               </a:lnSpc>
@@ -10621,7 +10315,7 @@
               <a:buSzPts val="1200"/>
               <a:buFont typeface="Arial"/>
               <a:buNone/>
-              <a:defRPr b="0" i="0" sz="1200" u="none" cap="none" strike="noStrike">
+              <a:defRPr sz="1200" b="0" i="0" u="none" strike="noStrike" cap="none">
                 <a:solidFill>
                   <a:srgbClr val="888888"/>
                 </a:solidFill>
@@ -10631,7 +10325,7 @@
                 <a:sym typeface="Calibri"/>
               </a:defRPr>
             </a:lvl5pPr>
-            <a:lvl6pPr indent="0" lvl="5" marL="0" marR="0" algn="r">
+            <a:lvl6pPr marL="0" marR="0" lvl="5" indent="0" algn="r">
               <a:lnSpc>
                 <a:spcPct val="100000"/>
               </a:lnSpc>
@@ -10647,7 +10341,7 @@
               <a:buSzPts val="1200"/>
               <a:buFont typeface="Arial"/>
               <a:buNone/>
-              <a:defRPr b="0" i="0" sz="1200" u="none" cap="none" strike="noStrike">
+              <a:defRPr sz="1200" b="0" i="0" u="none" strike="noStrike" cap="none">
                 <a:solidFill>
                   <a:srgbClr val="888888"/>
                 </a:solidFill>
@@ -10657,7 +10351,7 @@
                 <a:sym typeface="Calibri"/>
               </a:defRPr>
             </a:lvl6pPr>
-            <a:lvl7pPr indent="0" lvl="6" marL="0" marR="0" algn="r">
+            <a:lvl7pPr marL="0" marR="0" lvl="6" indent="0" algn="r">
               <a:lnSpc>
                 <a:spcPct val="100000"/>
               </a:lnSpc>
@@ -10673,7 +10367,7 @@
               <a:buSzPts val="1200"/>
               <a:buFont typeface="Arial"/>
               <a:buNone/>
-              <a:defRPr b="0" i="0" sz="1200" u="none" cap="none" strike="noStrike">
+              <a:defRPr sz="1200" b="0" i="0" u="none" strike="noStrike" cap="none">
                 <a:solidFill>
                   <a:srgbClr val="888888"/>
                 </a:solidFill>
@@ -10683,7 +10377,7 @@
                 <a:sym typeface="Calibri"/>
               </a:defRPr>
             </a:lvl7pPr>
-            <a:lvl8pPr indent="0" lvl="7" marL="0" marR="0" algn="r">
+            <a:lvl8pPr marL="0" marR="0" lvl="7" indent="0" algn="r">
               <a:lnSpc>
                 <a:spcPct val="100000"/>
               </a:lnSpc>
@@ -10699,7 +10393,7 @@
               <a:buSzPts val="1200"/>
               <a:buFont typeface="Arial"/>
               <a:buNone/>
-              <a:defRPr b="0" i="0" sz="1200" u="none" cap="none" strike="noStrike">
+              <a:defRPr sz="1200" b="0" i="0" u="none" strike="noStrike" cap="none">
                 <a:solidFill>
                   <a:srgbClr val="888888"/>
                 </a:solidFill>
@@ -10709,7 +10403,7 @@
                 <a:sym typeface="Calibri"/>
               </a:defRPr>
             </a:lvl8pPr>
-            <a:lvl9pPr indent="0" lvl="8" marL="0" marR="0" algn="r">
+            <a:lvl9pPr marL="0" marR="0" lvl="8" indent="0" algn="r">
               <a:lnSpc>
                 <a:spcPct val="100000"/>
               </a:lnSpc>
@@ -10725,7 +10419,7 @@
               <a:buSzPts val="1200"/>
               <a:buFont typeface="Arial"/>
               <a:buNone/>
-              <a:defRPr b="0" i="0" sz="1200" u="none" cap="none" strike="noStrike">
+              <a:defRPr sz="1200" b="0" i="0" u="none" strike="noStrike" cap="none">
                 <a:solidFill>
                   <a:srgbClr val="888888"/>
                 </a:solidFill>
@@ -10737,7 +10431,7 @@
             </a:lvl9pPr>
           </a:lstStyle>
           <a:p>
-            <a:pPr indent="0" lvl="0" marL="0" rtl="0" algn="r">
+            <a:pPr marL="0" lvl="0" indent="0" algn="r" rtl="0">
               <a:spcBef>
                 <a:spcPts val="0"/>
               </a:spcBef>
@@ -10763,11 +10457,11 @@
 </file>
 
 <file path=ppt/slideLayouts/slideLayout8.xml><?xml version="1.0" encoding="utf-8"?>
-<p:sldLayout xmlns:a="http://schemas.openxmlformats.org/drawingml/2006/main" xmlns:r="http://schemas.openxmlformats.org/officeDocument/2006/relationships" xmlns:mc="http://schemas.openxmlformats.org/markup-compatibility/2006" xmlns:mv="urn:schemas-microsoft-com:mac:vml" xmlns:p="http://schemas.openxmlformats.org/presentationml/2006/main" xmlns:c="http://schemas.openxmlformats.org/drawingml/2006/chart" xmlns:dgm="http://schemas.openxmlformats.org/drawingml/2006/diagram" xmlns:o="urn:schemas-microsoft-com:office:office" xmlns:v="urn:schemas-microsoft-com:vml" xmlns:pvml="urn:schemas-microsoft-com:office:powerpoint" xmlns:com="http://schemas.openxmlformats.org/drawingml/2006/compatibility" xmlns:p14="http://schemas.microsoft.com/office/powerpoint/2010/main" xmlns:p15="http://schemas.microsoft.com/office/powerpoint/2012/main" xmlns:ahyp="http://schemas.microsoft.com/office/drawing/2018/hyperlinkcolor" matchingName="Content with Caption" type="objTx">
+<p:sldLayout xmlns:a="http://schemas.openxmlformats.org/drawingml/2006/main" xmlns:r="http://schemas.openxmlformats.org/officeDocument/2006/relationships" xmlns:p="http://schemas.openxmlformats.org/presentationml/2006/main" matchingName="Content with Caption" type="objTx">
   <p:cSld name="OBJECT_WITH_CAPTION_TEXT">
     <p:spTree>
       <p:nvGrpSpPr>
-        <p:cNvPr id="59" name="Shape 59"/>
+        <p:cNvPr id="1" name="Shape 59"/>
         <p:cNvGrpSpPr/>
         <p:nvPr/>
       </p:nvGrpSpPr>
@@ -10782,7 +10476,9 @@
       <p:sp>
         <p:nvSpPr>
           <p:cNvPr id="60" name="Google Shape;60;p13"/>
-          <p:cNvSpPr txBox="1"/>
+          <p:cNvSpPr txBox="1">
+            <a:spLocks noGrp="1"/>
+          </p:cNvSpPr>
           <p:nvPr>
             <p:ph type="title"/>
           </p:nvPr>
@@ -10801,7 +10497,7 @@
           </a:ln>
         </p:spPr>
         <p:txBody>
-          <a:bodyPr anchorCtr="0" anchor="b" bIns="45700" lIns="91425" spcFirstLastPara="1" rIns="91425" wrap="square" tIns="45700">
+          <a:bodyPr spcFirstLastPara="1" wrap="square" lIns="91425" tIns="45700" rIns="91425" bIns="45700" anchor="b" anchorCtr="0">
             <a:normAutofit/>
           </a:bodyPr>
           <a:lstStyle>
@@ -10936,15 +10632,19 @@
               <a:defRPr/>
             </a:lvl9pPr>
           </a:lstStyle>
-          <a:p/>
+          <a:p>
+            <a:endParaRPr/>
+          </a:p>
         </p:txBody>
       </p:sp>
       <p:sp>
         <p:nvSpPr>
           <p:cNvPr id="61" name="Google Shape;61;p13"/>
-          <p:cNvSpPr txBox="1"/>
+          <p:cNvSpPr txBox="1">
+            <a:spLocks noGrp="1"/>
+          </p:cNvSpPr>
           <p:nvPr>
-            <p:ph idx="1" type="body"/>
+            <p:ph type="body" idx="1"/>
           </p:nvPr>
         </p:nvSpPr>
         <p:spPr>
@@ -10961,11 +10661,11 @@
           </a:ln>
         </p:spPr>
         <p:txBody>
-          <a:bodyPr anchorCtr="0" anchor="t" bIns="45700" lIns="91425" spcFirstLastPara="1" rIns="91425" wrap="square" tIns="45700">
+          <a:bodyPr spcFirstLastPara="1" wrap="square" lIns="91425" tIns="45700" rIns="91425" bIns="45700" anchor="t" anchorCtr="0">
             <a:normAutofit/>
           </a:bodyPr>
           <a:lstStyle>
-            <a:lvl1pPr indent="-431800" lvl="0" marL="457200" algn="l">
+            <a:lvl1pPr marL="457200" lvl="0" indent="-431800" algn="l">
               <a:lnSpc>
                 <a:spcPct val="90000"/>
               </a:lnSpc>
@@ -10982,7 +10682,7 @@
               <a:buChar char="•"/>
               <a:defRPr sz="3200"/>
             </a:lvl1pPr>
-            <a:lvl2pPr indent="-406400" lvl="1" marL="914400" algn="l">
+            <a:lvl2pPr marL="914400" lvl="1" indent="-406400" algn="l">
               <a:lnSpc>
                 <a:spcPct val="90000"/>
               </a:lnSpc>
@@ -10999,7 +10699,7 @@
               <a:buChar char="•"/>
               <a:defRPr sz="2800"/>
             </a:lvl2pPr>
-            <a:lvl3pPr indent="-381000" lvl="2" marL="1371600" algn="l">
+            <a:lvl3pPr marL="1371600" lvl="2" indent="-381000" algn="l">
               <a:lnSpc>
                 <a:spcPct val="90000"/>
               </a:lnSpc>
@@ -11016,7 +10716,7 @@
               <a:buChar char="•"/>
               <a:defRPr sz="2400"/>
             </a:lvl3pPr>
-            <a:lvl4pPr indent="-355600" lvl="3" marL="1828800" algn="l">
+            <a:lvl4pPr marL="1828800" lvl="3" indent="-355600" algn="l">
               <a:lnSpc>
                 <a:spcPct val="90000"/>
               </a:lnSpc>
@@ -11033,7 +10733,7 @@
               <a:buChar char="•"/>
               <a:defRPr sz="2000"/>
             </a:lvl4pPr>
-            <a:lvl5pPr indent="-355600" lvl="4" marL="2286000" algn="l">
+            <a:lvl5pPr marL="2286000" lvl="4" indent="-355600" algn="l">
               <a:lnSpc>
                 <a:spcPct val="90000"/>
               </a:lnSpc>
@@ -11050,7 +10750,7 @@
               <a:buChar char="•"/>
               <a:defRPr sz="2000"/>
             </a:lvl5pPr>
-            <a:lvl6pPr indent="-355600" lvl="5" marL="2743200" algn="l">
+            <a:lvl6pPr marL="2743200" lvl="5" indent="-355600" algn="l">
               <a:lnSpc>
                 <a:spcPct val="90000"/>
               </a:lnSpc>
@@ -11067,7 +10767,7 @@
               <a:buChar char="•"/>
               <a:defRPr sz="2000"/>
             </a:lvl6pPr>
-            <a:lvl7pPr indent="-355600" lvl="6" marL="3200400" algn="l">
+            <a:lvl7pPr marL="3200400" lvl="6" indent="-355600" algn="l">
               <a:lnSpc>
                 <a:spcPct val="90000"/>
               </a:lnSpc>
@@ -11084,7 +10784,7 @@
               <a:buChar char="•"/>
               <a:defRPr sz="2000"/>
             </a:lvl7pPr>
-            <a:lvl8pPr indent="-355600" lvl="7" marL="3657600" algn="l">
+            <a:lvl8pPr marL="3657600" lvl="7" indent="-355600" algn="l">
               <a:lnSpc>
                 <a:spcPct val="90000"/>
               </a:lnSpc>
@@ -11101,7 +10801,7 @@
               <a:buChar char="•"/>
               <a:defRPr sz="2000"/>
             </a:lvl8pPr>
-            <a:lvl9pPr indent="-355600" lvl="8" marL="4114800" algn="l">
+            <a:lvl9pPr marL="4114800" lvl="8" indent="-355600" algn="l">
               <a:lnSpc>
                 <a:spcPct val="90000"/>
               </a:lnSpc>
@@ -11119,15 +10819,19 @@
               <a:defRPr sz="2000"/>
             </a:lvl9pPr>
           </a:lstStyle>
-          <a:p/>
+          <a:p>
+            <a:endParaRPr/>
+          </a:p>
         </p:txBody>
       </p:sp>
       <p:sp>
         <p:nvSpPr>
           <p:cNvPr id="62" name="Google Shape;62;p13"/>
-          <p:cNvSpPr txBox="1"/>
+          <p:cNvSpPr txBox="1">
+            <a:spLocks noGrp="1"/>
+          </p:cNvSpPr>
           <p:nvPr>
-            <p:ph idx="2" type="body"/>
+            <p:ph type="body" idx="2"/>
           </p:nvPr>
         </p:nvSpPr>
         <p:spPr>
@@ -11144,11 +10848,11 @@
           </a:ln>
         </p:spPr>
         <p:txBody>
-          <a:bodyPr anchorCtr="0" anchor="t" bIns="45700" lIns="91425" spcFirstLastPara="1" rIns="91425" wrap="square" tIns="45700">
+          <a:bodyPr spcFirstLastPara="1" wrap="square" lIns="91425" tIns="45700" rIns="91425" bIns="45700" anchor="t" anchorCtr="0">
             <a:normAutofit/>
           </a:bodyPr>
           <a:lstStyle>
-            <a:lvl1pPr indent="-228600" lvl="0" marL="457200" algn="l">
+            <a:lvl1pPr marL="457200" lvl="0" indent="-228600" algn="l">
               <a:lnSpc>
                 <a:spcPct val="90000"/>
               </a:lnSpc>
@@ -11165,7 +10869,7 @@
               <a:buNone/>
               <a:defRPr sz="1600"/>
             </a:lvl1pPr>
-            <a:lvl2pPr indent="-228600" lvl="1" marL="914400" algn="l">
+            <a:lvl2pPr marL="914400" lvl="1" indent="-228600" algn="l">
               <a:lnSpc>
                 <a:spcPct val="90000"/>
               </a:lnSpc>
@@ -11182,7 +10886,7 @@
               <a:buNone/>
               <a:defRPr sz="1400"/>
             </a:lvl2pPr>
-            <a:lvl3pPr indent="-228600" lvl="2" marL="1371600" algn="l">
+            <a:lvl3pPr marL="1371600" lvl="2" indent="-228600" algn="l">
               <a:lnSpc>
                 <a:spcPct val="90000"/>
               </a:lnSpc>
@@ -11199,7 +10903,7 @@
               <a:buNone/>
               <a:defRPr sz="1200"/>
             </a:lvl3pPr>
-            <a:lvl4pPr indent="-228600" lvl="3" marL="1828800" algn="l">
+            <a:lvl4pPr marL="1828800" lvl="3" indent="-228600" algn="l">
               <a:lnSpc>
                 <a:spcPct val="90000"/>
               </a:lnSpc>
@@ -11216,7 +10920,7 @@
               <a:buNone/>
               <a:defRPr sz="1000"/>
             </a:lvl4pPr>
-            <a:lvl5pPr indent="-228600" lvl="4" marL="2286000" algn="l">
+            <a:lvl5pPr marL="2286000" lvl="4" indent="-228600" algn="l">
               <a:lnSpc>
                 <a:spcPct val="90000"/>
               </a:lnSpc>
@@ -11233,7 +10937,7 @@
               <a:buNone/>
               <a:defRPr sz="1000"/>
             </a:lvl5pPr>
-            <a:lvl6pPr indent="-228600" lvl="5" marL="2743200" algn="l">
+            <a:lvl6pPr marL="2743200" lvl="5" indent="-228600" algn="l">
               <a:lnSpc>
                 <a:spcPct val="90000"/>
               </a:lnSpc>
@@ -11250,7 +10954,7 @@
               <a:buNone/>
               <a:defRPr sz="1000"/>
             </a:lvl6pPr>
-            <a:lvl7pPr indent="-228600" lvl="6" marL="3200400" algn="l">
+            <a:lvl7pPr marL="3200400" lvl="6" indent="-228600" algn="l">
               <a:lnSpc>
                 <a:spcPct val="90000"/>
               </a:lnSpc>
@@ -11267,7 +10971,7 @@
               <a:buNone/>
               <a:defRPr sz="1000"/>
             </a:lvl7pPr>
-            <a:lvl8pPr indent="-228600" lvl="7" marL="3657600" algn="l">
+            <a:lvl8pPr marL="3657600" lvl="7" indent="-228600" algn="l">
               <a:lnSpc>
                 <a:spcPct val="90000"/>
               </a:lnSpc>
@@ -11284,7 +10988,7 @@
               <a:buNone/>
               <a:defRPr sz="1000"/>
             </a:lvl8pPr>
-            <a:lvl9pPr indent="-228600" lvl="8" marL="4114800" algn="l">
+            <a:lvl9pPr marL="4114800" lvl="8" indent="-228600" algn="l">
               <a:lnSpc>
                 <a:spcPct val="90000"/>
               </a:lnSpc>
@@ -11302,15 +11006,19 @@
               <a:defRPr sz="1000"/>
             </a:lvl9pPr>
           </a:lstStyle>
-          <a:p/>
+          <a:p>
+            <a:endParaRPr/>
+          </a:p>
         </p:txBody>
       </p:sp>
       <p:sp>
         <p:nvSpPr>
           <p:cNvPr id="63" name="Google Shape;63;p13"/>
-          <p:cNvSpPr txBox="1"/>
+          <p:cNvSpPr txBox="1">
+            <a:spLocks noGrp="1"/>
+          </p:cNvSpPr>
           <p:nvPr>
-            <p:ph idx="10" type="dt"/>
+            <p:ph type="dt" idx="10"/>
           </p:nvPr>
         </p:nvSpPr>
         <p:spPr>
@@ -11327,7 +11035,7 @@
           </a:ln>
         </p:spPr>
         <p:txBody>
-          <a:bodyPr anchorCtr="0" anchor="ctr" bIns="45700" lIns="91425" spcFirstLastPara="1" rIns="91425" wrap="square" tIns="45700">
+          <a:bodyPr spcFirstLastPara="1" wrap="square" lIns="91425" tIns="45700" rIns="91425" bIns="45700" anchor="ctr" anchorCtr="0">
             <a:noAutofit/>
           </a:bodyPr>
           <a:lstStyle>
@@ -11458,15 +11166,19 @@
               <a:defRPr/>
             </a:lvl9pPr>
           </a:lstStyle>
-          <a:p/>
+          <a:p>
+            <a:endParaRPr/>
+          </a:p>
         </p:txBody>
       </p:sp>
       <p:sp>
         <p:nvSpPr>
           <p:cNvPr id="64" name="Google Shape;64;p13"/>
-          <p:cNvSpPr txBox="1"/>
+          <p:cNvSpPr txBox="1">
+            <a:spLocks noGrp="1"/>
+          </p:cNvSpPr>
           <p:nvPr>
-            <p:ph idx="11" type="ftr"/>
+            <p:ph type="ftr" idx="11"/>
           </p:nvPr>
         </p:nvSpPr>
         <p:spPr>
@@ -11483,7 +11195,7 @@
           </a:ln>
         </p:spPr>
         <p:txBody>
-          <a:bodyPr anchorCtr="0" anchor="ctr" bIns="45700" lIns="91425" spcFirstLastPara="1" rIns="91425" wrap="square" tIns="45700">
+          <a:bodyPr spcFirstLastPara="1" wrap="square" lIns="91425" tIns="45700" rIns="91425" bIns="45700" anchor="ctr" anchorCtr="0">
             <a:noAutofit/>
           </a:bodyPr>
           <a:lstStyle>
@@ -11614,15 +11326,19 @@
               <a:defRPr/>
             </a:lvl9pPr>
           </a:lstStyle>
-          <a:p/>
+          <a:p>
+            <a:endParaRPr/>
+          </a:p>
         </p:txBody>
       </p:sp>
       <p:sp>
         <p:nvSpPr>
           <p:cNvPr id="65" name="Google Shape;65;p13"/>
-          <p:cNvSpPr txBox="1"/>
+          <p:cNvSpPr txBox="1">
+            <a:spLocks noGrp="1"/>
+          </p:cNvSpPr>
           <p:nvPr>
-            <p:ph idx="12" type="sldNum"/>
+            <p:ph type="sldNum" idx="12"/>
           </p:nvPr>
         </p:nvSpPr>
         <p:spPr>
@@ -11639,11 +11355,11 @@
           </a:ln>
         </p:spPr>
         <p:txBody>
-          <a:bodyPr anchorCtr="0" anchor="ctr" bIns="45700" lIns="91425" spcFirstLastPara="1" rIns="91425" wrap="square" tIns="45700">
+          <a:bodyPr spcFirstLastPara="1" wrap="square" lIns="91425" tIns="45700" rIns="91425" bIns="45700" anchor="ctr" anchorCtr="0">
             <a:noAutofit/>
           </a:bodyPr>
           <a:lstStyle>
-            <a:lvl1pPr indent="0" lvl="0" marL="0" marR="0" algn="r">
+            <a:lvl1pPr marL="0" marR="0" lvl="0" indent="0" algn="r">
               <a:lnSpc>
                 <a:spcPct val="100000"/>
               </a:lnSpc>
@@ -11659,7 +11375,7 @@
               <a:buSzPts val="1200"/>
               <a:buFont typeface="Arial"/>
               <a:buNone/>
-              <a:defRPr b="0" i="0" sz="1200" u="none" cap="none" strike="noStrike">
+              <a:defRPr sz="1200" b="0" i="0" u="none" strike="noStrike" cap="none">
                 <a:solidFill>
                   <a:srgbClr val="888888"/>
                 </a:solidFill>
@@ -11669,7 +11385,7 @@
                 <a:sym typeface="Calibri"/>
               </a:defRPr>
             </a:lvl1pPr>
-            <a:lvl2pPr indent="0" lvl="1" marL="0" marR="0" algn="r">
+            <a:lvl2pPr marL="0" marR="0" lvl="1" indent="0" algn="r">
               <a:lnSpc>
                 <a:spcPct val="100000"/>
               </a:lnSpc>
@@ -11685,7 +11401,7 @@
               <a:buSzPts val="1200"/>
               <a:buFont typeface="Arial"/>
               <a:buNone/>
-              <a:defRPr b="0" i="0" sz="1200" u="none" cap="none" strike="noStrike">
+              <a:defRPr sz="1200" b="0" i="0" u="none" strike="noStrike" cap="none">
                 <a:solidFill>
                   <a:srgbClr val="888888"/>
                 </a:solidFill>
@@ -11695,7 +11411,7 @@
                 <a:sym typeface="Calibri"/>
               </a:defRPr>
             </a:lvl2pPr>
-            <a:lvl3pPr indent="0" lvl="2" marL="0" marR="0" algn="r">
+            <a:lvl3pPr marL="0" marR="0" lvl="2" indent="0" algn="r">
               <a:lnSpc>
                 <a:spcPct val="100000"/>
               </a:lnSpc>
@@ -11711,7 +11427,7 @@
               <a:buSzPts val="1200"/>
               <a:buFont typeface="Arial"/>
               <a:buNone/>
-              <a:defRPr b="0" i="0" sz="1200" u="none" cap="none" strike="noStrike">
+              <a:defRPr sz="1200" b="0" i="0" u="none" strike="noStrike" cap="none">
                 <a:solidFill>
                   <a:srgbClr val="888888"/>
                 </a:solidFill>
@@ -11721,7 +11437,7 @@
                 <a:sym typeface="Calibri"/>
               </a:defRPr>
             </a:lvl3pPr>
-            <a:lvl4pPr indent="0" lvl="3" marL="0" marR="0" algn="r">
+            <a:lvl4pPr marL="0" marR="0" lvl="3" indent="0" algn="r">
               <a:lnSpc>
                 <a:spcPct val="100000"/>
               </a:lnSpc>
@@ -11737,7 +11453,7 @@
               <a:buSzPts val="1200"/>
               <a:buFont typeface="Arial"/>
               <a:buNone/>
-              <a:defRPr b="0" i="0" sz="1200" u="none" cap="none" strike="noStrike">
+              <a:defRPr sz="1200" b="0" i="0" u="none" strike="noStrike" cap="none">
                 <a:solidFill>
                   <a:srgbClr val="888888"/>
                 </a:solidFill>
@@ -11747,7 +11463,7 @@
                 <a:sym typeface="Calibri"/>
               </a:defRPr>
             </a:lvl4pPr>
-            <a:lvl5pPr indent="0" lvl="4" marL="0" marR="0" algn="r">
+            <a:lvl5pPr marL="0" marR="0" lvl="4" indent="0" algn="r">
               <a:lnSpc>
                 <a:spcPct val="100000"/>
               </a:lnSpc>
@@ -11763,7 +11479,7 @@
               <a:buSzPts val="1200"/>
               <a:buFont typeface="Arial"/>
               <a:buNone/>
-              <a:defRPr b="0" i="0" sz="1200" u="none" cap="none" strike="noStrike">
+              <a:defRPr sz="1200" b="0" i="0" u="none" strike="noStrike" cap="none">
                 <a:solidFill>
                   <a:srgbClr val="888888"/>
                 </a:solidFill>
@@ -11773,7 +11489,7 @@
                 <a:sym typeface="Calibri"/>
               </a:defRPr>
             </a:lvl5pPr>
-            <a:lvl6pPr indent="0" lvl="5" marL="0" marR="0" algn="r">
+            <a:lvl6pPr marL="0" marR="0" lvl="5" indent="0" algn="r">
               <a:lnSpc>
                 <a:spcPct val="100000"/>
               </a:lnSpc>
@@ -11789,7 +11505,7 @@
               <a:buSzPts val="1200"/>
               <a:buFont typeface="Arial"/>
               <a:buNone/>
-              <a:defRPr b="0" i="0" sz="1200" u="none" cap="none" strike="noStrike">
+              <a:defRPr sz="1200" b="0" i="0" u="none" strike="noStrike" cap="none">
                 <a:solidFill>
                   <a:srgbClr val="888888"/>
                 </a:solidFill>
@@ -11799,7 +11515,7 @@
                 <a:sym typeface="Calibri"/>
               </a:defRPr>
             </a:lvl6pPr>
-            <a:lvl7pPr indent="0" lvl="6" marL="0" marR="0" algn="r">
+            <a:lvl7pPr marL="0" marR="0" lvl="6" indent="0" algn="r">
               <a:lnSpc>
                 <a:spcPct val="100000"/>
               </a:lnSpc>
@@ -11815,7 +11531,7 @@
               <a:buSzPts val="1200"/>
               <a:buFont typeface="Arial"/>
               <a:buNone/>
-              <a:defRPr b="0" i="0" sz="1200" u="none" cap="none" strike="noStrike">
+              <a:defRPr sz="1200" b="0" i="0" u="none" strike="noStrike" cap="none">
                 <a:solidFill>
                   <a:srgbClr val="888888"/>
                 </a:solidFill>
@@ -11825,7 +11541,7 @@
                 <a:sym typeface="Calibri"/>
               </a:defRPr>
             </a:lvl7pPr>
-            <a:lvl8pPr indent="0" lvl="7" marL="0" marR="0" algn="r">
+            <a:lvl8pPr marL="0" marR="0" lvl="7" indent="0" algn="r">
               <a:lnSpc>
                 <a:spcPct val="100000"/>
               </a:lnSpc>
@@ -11841,7 +11557,7 @@
               <a:buSzPts val="1200"/>
               <a:buFont typeface="Arial"/>
               <a:buNone/>
-              <a:defRPr b="0" i="0" sz="1200" u="none" cap="none" strike="noStrike">
+              <a:defRPr sz="1200" b="0" i="0" u="none" strike="noStrike" cap="none">
                 <a:solidFill>
                   <a:srgbClr val="888888"/>
                 </a:solidFill>
@@ -11851,7 +11567,7 @@
                 <a:sym typeface="Calibri"/>
               </a:defRPr>
             </a:lvl8pPr>
-            <a:lvl9pPr indent="0" lvl="8" marL="0" marR="0" algn="r">
+            <a:lvl9pPr marL="0" marR="0" lvl="8" indent="0" algn="r">
               <a:lnSpc>
                 <a:spcPct val="100000"/>
               </a:lnSpc>
@@ -11867,7 +11583,7 @@
               <a:buSzPts val="1200"/>
               <a:buFont typeface="Arial"/>
               <a:buNone/>
-              <a:defRPr b="0" i="0" sz="1200" u="none" cap="none" strike="noStrike">
+              <a:defRPr sz="1200" b="0" i="0" u="none" strike="noStrike" cap="none">
                 <a:solidFill>
                   <a:srgbClr val="888888"/>
                 </a:solidFill>
@@ -11879,7 +11595,7 @@
             </a:lvl9pPr>
           </a:lstStyle>
           <a:p>
-            <a:pPr indent="0" lvl="0" marL="0" rtl="0" algn="r">
+            <a:pPr marL="0" lvl="0" indent="0" algn="r" rtl="0">
               <a:spcBef>
                 <a:spcPts val="0"/>
               </a:spcBef>
@@ -11905,11 +11621,11 @@
 </file>
 
 <file path=ppt/slideLayouts/slideLayout9.xml><?xml version="1.0" encoding="utf-8"?>
-<p:sldLayout xmlns:a="http://schemas.openxmlformats.org/drawingml/2006/main" xmlns:r="http://schemas.openxmlformats.org/officeDocument/2006/relationships" xmlns:mc="http://schemas.openxmlformats.org/markup-compatibility/2006" xmlns:mv="urn:schemas-microsoft-com:mac:vml" xmlns:p="http://schemas.openxmlformats.org/presentationml/2006/main" xmlns:c="http://schemas.openxmlformats.org/drawingml/2006/chart" xmlns:dgm="http://schemas.openxmlformats.org/drawingml/2006/diagram" xmlns:o="urn:schemas-microsoft-com:office:office" xmlns:v="urn:schemas-microsoft-com:vml" xmlns:pvml="urn:schemas-microsoft-com:office:powerpoint" xmlns:com="http://schemas.openxmlformats.org/drawingml/2006/compatibility" xmlns:p14="http://schemas.microsoft.com/office/powerpoint/2010/main" xmlns:p15="http://schemas.microsoft.com/office/powerpoint/2012/main" xmlns:ahyp="http://schemas.microsoft.com/office/drawing/2018/hyperlinkcolor" matchingName="Picture with Caption" type="picTx">
+<p:sldLayout xmlns:a="http://schemas.openxmlformats.org/drawingml/2006/main" xmlns:r="http://schemas.openxmlformats.org/officeDocument/2006/relationships" xmlns:p="http://schemas.openxmlformats.org/presentationml/2006/main" matchingName="Picture with Caption" type="picTx">
   <p:cSld name="PICTURE_WITH_CAPTION_TEXT">
     <p:spTree>
       <p:nvGrpSpPr>
-        <p:cNvPr id="66" name="Shape 66"/>
+        <p:cNvPr id="1" name="Shape 66"/>
         <p:cNvGrpSpPr/>
         <p:nvPr/>
       </p:nvGrpSpPr>
@@ -11924,7 +11640,9 @@
       <p:sp>
         <p:nvSpPr>
           <p:cNvPr id="67" name="Google Shape;67;p14"/>
-          <p:cNvSpPr txBox="1"/>
+          <p:cNvSpPr txBox="1">
+            <a:spLocks noGrp="1"/>
+          </p:cNvSpPr>
           <p:nvPr>
             <p:ph type="title"/>
           </p:nvPr>
@@ -11943,7 +11661,7 @@
           </a:ln>
         </p:spPr>
         <p:txBody>
-          <a:bodyPr anchorCtr="0" anchor="b" bIns="45700" lIns="91425" spcFirstLastPara="1" rIns="91425" wrap="square" tIns="45700">
+          <a:bodyPr spcFirstLastPara="1" wrap="square" lIns="91425" tIns="45700" rIns="91425" bIns="45700" anchor="b" anchorCtr="0">
             <a:normAutofit/>
           </a:bodyPr>
           <a:lstStyle>
@@ -12078,15 +11796,19 @@
               <a:defRPr/>
             </a:lvl9pPr>
           </a:lstStyle>
-          <a:p/>
+          <a:p>
+            <a:endParaRPr/>
+          </a:p>
         </p:txBody>
       </p:sp>
       <p:sp>
         <p:nvSpPr>
           <p:cNvPr id="68" name="Google Shape;68;p14"/>
-          <p:cNvSpPr/>
+          <p:cNvSpPr>
+            <a:spLocks noGrp="1"/>
+          </p:cNvSpPr>
           <p:nvPr>
-            <p:ph idx="2" type="pic"/>
+            <p:ph type="pic" idx="2"/>
           </p:nvPr>
         </p:nvSpPr>
         <p:spPr>
@@ -12106,9 +11828,11 @@
       <p:sp>
         <p:nvSpPr>
           <p:cNvPr id="69" name="Google Shape;69;p14"/>
-          <p:cNvSpPr txBox="1"/>
+          <p:cNvSpPr txBox="1">
+            <a:spLocks noGrp="1"/>
+          </p:cNvSpPr>
           <p:nvPr>
-            <p:ph idx="1" type="body"/>
+            <p:ph type="body" idx="1"/>
           </p:nvPr>
         </p:nvSpPr>
         <p:spPr>
@@ -12125,11 +11849,11 @@
           </a:ln>
         </p:spPr>
         <p:txBody>
-          <a:bodyPr anchorCtr="0" anchor="t" bIns="45700" lIns="91425" spcFirstLastPara="1" rIns="91425" wrap="square" tIns="45700">
+          <a:bodyPr spcFirstLastPara="1" wrap="square" lIns="91425" tIns="45700" rIns="91425" bIns="45700" anchor="t" anchorCtr="0">
             <a:normAutofit/>
           </a:bodyPr>
           <a:lstStyle>
-            <a:lvl1pPr indent="-228600" lvl="0" marL="457200" algn="l">
+            <a:lvl1pPr marL="457200" lvl="0" indent="-228600" algn="l">
               <a:lnSpc>
                 <a:spcPct val="90000"/>
               </a:lnSpc>
@@ -12146,7 +11870,7 @@
               <a:buNone/>
               <a:defRPr sz="1600"/>
             </a:lvl1pPr>
-            <a:lvl2pPr indent="-228600" lvl="1" marL="914400" algn="l">
+            <a:lvl2pPr marL="914400" lvl="1" indent="-228600" algn="l">
               <a:lnSpc>
                 <a:spcPct val="90000"/>
               </a:lnSpc>
@@ -12163,7 +11887,7 @@
               <a:buNone/>
               <a:defRPr sz="1400"/>
             </a:lvl2pPr>
-            <a:lvl3pPr indent="-228600" lvl="2" marL="1371600" algn="l">
+            <a:lvl3pPr marL="1371600" lvl="2" indent="-228600" algn="l">
               <a:lnSpc>
                 <a:spcPct val="90000"/>
               </a:lnSpc>
@@ -12180,7 +11904,7 @@
               <a:buNone/>
               <a:defRPr sz="1200"/>
             </a:lvl3pPr>
-            <a:lvl4pPr indent="-228600" lvl="3" marL="1828800" algn="l">
+            <a:lvl4pPr marL="1828800" lvl="3" indent="-228600" algn="l">
               <a:lnSpc>
                 <a:spcPct val="90000"/>
               </a:lnSpc>
@@ -12197,7 +11921,7 @@
               <a:buNone/>
               <a:defRPr sz="1000"/>
             </a:lvl4pPr>
-            <a:lvl5pPr indent="-228600" lvl="4" marL="2286000" algn="l">
+            <a:lvl5pPr marL="2286000" lvl="4" indent="-228600" algn="l">
               <a:lnSpc>
                 <a:spcPct val="90000"/>
               </a:lnSpc>
@@ -12214,7 +11938,7 @@
               <a:buNone/>
               <a:defRPr sz="1000"/>
             </a:lvl5pPr>
-            <a:lvl6pPr indent="-228600" lvl="5" marL="2743200" algn="l">
+            <a:lvl6pPr marL="2743200" lvl="5" indent="-228600" algn="l">
               <a:lnSpc>
                 <a:spcPct val="90000"/>
               </a:lnSpc>
@@ -12231,7 +11955,7 @@
               <a:buNone/>
               <a:defRPr sz="1000"/>
             </a:lvl6pPr>
-            <a:lvl7pPr indent="-228600" lvl="6" marL="3200400" algn="l">
+            <a:lvl7pPr marL="3200400" lvl="6" indent="-228600" algn="l">
               <a:lnSpc>
                 <a:spcPct val="90000"/>
               </a:lnSpc>
@@ -12248,7 +11972,7 @@
               <a:buNone/>
               <a:defRPr sz="1000"/>
             </a:lvl7pPr>
-            <a:lvl8pPr indent="-228600" lvl="7" marL="3657600" algn="l">
+            <a:lvl8pPr marL="3657600" lvl="7" indent="-228600" algn="l">
               <a:lnSpc>
                 <a:spcPct val="90000"/>
               </a:lnSpc>
@@ -12265,7 +11989,7 @@
               <a:buNone/>
               <a:defRPr sz="1000"/>
             </a:lvl8pPr>
-            <a:lvl9pPr indent="-228600" lvl="8" marL="4114800" algn="l">
+            <a:lvl9pPr marL="4114800" lvl="8" indent="-228600" algn="l">
               <a:lnSpc>
                 <a:spcPct val="90000"/>
               </a:lnSpc>
@@ -12283,15 +12007,19 @@
               <a:defRPr sz="1000"/>
             </a:lvl9pPr>
           </a:lstStyle>
-          <a:p/>
+          <a:p>
+            <a:endParaRPr/>
+          </a:p>
         </p:txBody>
       </p:sp>
       <p:sp>
         <p:nvSpPr>
           <p:cNvPr id="70" name="Google Shape;70;p14"/>
-          <p:cNvSpPr txBox="1"/>
+          <p:cNvSpPr txBox="1">
+            <a:spLocks noGrp="1"/>
+          </p:cNvSpPr>
           <p:nvPr>
-            <p:ph idx="10" type="dt"/>
+            <p:ph type="dt" idx="10"/>
           </p:nvPr>
         </p:nvSpPr>
         <p:spPr>
@@ -12308,7 +12036,7 @@
           </a:ln>
         </p:spPr>
         <p:txBody>
-          <a:bodyPr anchorCtr="0" anchor="ctr" bIns="45700" lIns="91425" spcFirstLastPara="1" rIns="91425" wrap="square" tIns="45700">
+          <a:bodyPr spcFirstLastPara="1" wrap="square" lIns="91425" tIns="45700" rIns="91425" bIns="45700" anchor="ctr" anchorCtr="0">
             <a:noAutofit/>
           </a:bodyPr>
           <a:lstStyle>
@@ -12439,15 +12167,19 @@
               <a:defRPr/>
             </a:lvl9pPr>
           </a:lstStyle>
-          <a:p/>
+          <a:p>
+            <a:endParaRPr/>
+          </a:p>
         </p:txBody>
       </p:sp>
       <p:sp>
         <p:nvSpPr>
           <p:cNvPr id="71" name="Google Shape;71;p14"/>
-          <p:cNvSpPr txBox="1"/>
+          <p:cNvSpPr txBox="1">
+            <a:spLocks noGrp="1"/>
+          </p:cNvSpPr>
           <p:nvPr>
-            <p:ph idx="11" type="ftr"/>
+            <p:ph type="ftr" idx="11"/>
           </p:nvPr>
         </p:nvSpPr>
         <p:spPr>
@@ -12464,7 +12196,7 @@
           </a:ln>
         </p:spPr>
         <p:txBody>
-          <a:bodyPr anchorCtr="0" anchor="ctr" bIns="45700" lIns="91425" spcFirstLastPara="1" rIns="91425" wrap="square" tIns="45700">
+          <a:bodyPr spcFirstLastPara="1" wrap="square" lIns="91425" tIns="45700" rIns="91425" bIns="45700" anchor="ctr" anchorCtr="0">
             <a:noAutofit/>
           </a:bodyPr>
           <a:lstStyle>
@@ -12595,15 +12327,19 @@
               <a:defRPr/>
             </a:lvl9pPr>
           </a:lstStyle>
-          <a:p/>
+          <a:p>
+            <a:endParaRPr/>
+          </a:p>
         </p:txBody>
       </p:sp>
       <p:sp>
         <p:nvSpPr>
           <p:cNvPr id="72" name="Google Shape;72;p14"/>
-          <p:cNvSpPr txBox="1"/>
+          <p:cNvSpPr txBox="1">
+            <a:spLocks noGrp="1"/>
+          </p:cNvSpPr>
           <p:nvPr>
-            <p:ph idx="12" type="sldNum"/>
+            <p:ph type="sldNum" idx="12"/>
           </p:nvPr>
         </p:nvSpPr>
         <p:spPr>
@@ -12620,11 +12356,11 @@
           </a:ln>
         </p:spPr>
         <p:txBody>
-          <a:bodyPr anchorCtr="0" anchor="ctr" bIns="45700" lIns="91425" spcFirstLastPara="1" rIns="91425" wrap="square" tIns="45700">
+          <a:bodyPr spcFirstLastPara="1" wrap="square" lIns="91425" tIns="45700" rIns="91425" bIns="45700" anchor="ctr" anchorCtr="0">
             <a:noAutofit/>
           </a:bodyPr>
           <a:lstStyle>
-            <a:lvl1pPr indent="0" lvl="0" marL="0" marR="0" algn="r">
+            <a:lvl1pPr marL="0" marR="0" lvl="0" indent="0" algn="r">
               <a:lnSpc>
                 <a:spcPct val="100000"/>
               </a:lnSpc>
@@ -12640,7 +12376,7 @@
               <a:buSzPts val="1200"/>
               <a:buFont typeface="Arial"/>
               <a:buNone/>
-              <a:defRPr b="0" i="0" sz="1200" u="none" cap="none" strike="noStrike">
+              <a:defRPr sz="1200" b="0" i="0" u="none" strike="noStrike" cap="none">
                 <a:solidFill>
                   <a:srgbClr val="888888"/>
                 </a:solidFill>
@@ -12650,7 +12386,7 @@
                 <a:sym typeface="Calibri"/>
               </a:defRPr>
             </a:lvl1pPr>
-            <a:lvl2pPr indent="0" lvl="1" marL="0" marR="0" algn="r">
+            <a:lvl2pPr marL="0" marR="0" lvl="1" indent="0" algn="r">
               <a:lnSpc>
                 <a:spcPct val="100000"/>
               </a:lnSpc>
@@ -12666,7 +12402,7 @@
               <a:buSzPts val="1200"/>
               <a:buFont typeface="Arial"/>
               <a:buNone/>
-              <a:defRPr b="0" i="0" sz="1200" u="none" cap="none" strike="noStrike">
+              <a:defRPr sz="1200" b="0" i="0" u="none" strike="noStrike" cap="none">
                 <a:solidFill>
                   <a:srgbClr val="888888"/>
                 </a:solidFill>
@@ -12676,7 +12412,7 @@
                 <a:sym typeface="Calibri"/>
               </a:defRPr>
             </a:lvl2pPr>
-            <a:lvl3pPr indent="0" lvl="2" marL="0" marR="0" algn="r">
+            <a:lvl3pPr marL="0" marR="0" lvl="2" indent="0" algn="r">
               <a:lnSpc>
                 <a:spcPct val="100000"/>
               </a:lnSpc>
@@ -12692,7 +12428,7 @@
               <a:buSzPts val="1200"/>
               <a:buFont typeface="Arial"/>
               <a:buNone/>
-              <a:defRPr b="0" i="0" sz="1200" u="none" cap="none" strike="noStrike">
+              <a:defRPr sz="1200" b="0" i="0" u="none" strike="noStrike" cap="none">
                 <a:solidFill>
                   <a:srgbClr val="888888"/>
                 </a:solidFill>
@@ -12702,7 +12438,7 @@
                 <a:sym typeface="Calibri"/>
               </a:defRPr>
             </a:lvl3pPr>
-            <a:lvl4pPr indent="0" lvl="3" marL="0" marR="0" algn="r">
+            <a:lvl4pPr marL="0" marR="0" lvl="3" indent="0" algn="r">
               <a:lnSpc>
                 <a:spcPct val="100000"/>
               </a:lnSpc>
@@ -12718,7 +12454,7 @@
               <a:buSzPts val="1200"/>
               <a:buFont typeface="Arial"/>
               <a:buNone/>
-              <a:defRPr b="0" i="0" sz="1200" u="none" cap="none" strike="noStrike">
+              <a:defRPr sz="1200" b="0" i="0" u="none" strike="noStrike" cap="none">
                 <a:solidFill>
                   <a:srgbClr val="888888"/>
                 </a:solidFill>
@@ -12728,7 +12464,7 @@
                 <a:sym typeface="Calibri"/>
               </a:defRPr>
             </a:lvl4pPr>
-            <a:lvl5pPr indent="0" lvl="4" marL="0" marR="0" algn="r">
+            <a:lvl5pPr marL="0" marR="0" lvl="4" indent="0" algn="r">
               <a:lnSpc>
                 <a:spcPct val="100000"/>
               </a:lnSpc>
@@ -12744,7 +12480,7 @@
               <a:buSzPts val="1200"/>
               <a:buFont typeface="Arial"/>
               <a:buNone/>
-              <a:defRPr b="0" i="0" sz="1200" u="none" cap="none" strike="noStrike">
+              <a:defRPr sz="1200" b="0" i="0" u="none" strike="noStrike" cap="none">
                 <a:solidFill>
                   <a:srgbClr val="888888"/>
                 </a:solidFill>
@@ -12754,7 +12490,7 @@
                 <a:sym typeface="Calibri"/>
               </a:defRPr>
             </a:lvl5pPr>
-            <a:lvl6pPr indent="0" lvl="5" marL="0" marR="0" algn="r">
+            <a:lvl6pPr marL="0" marR="0" lvl="5" indent="0" algn="r">
               <a:lnSpc>
                 <a:spcPct val="100000"/>
               </a:lnSpc>
@@ -12770,7 +12506,7 @@
               <a:buSzPts val="1200"/>
               <a:buFont typeface="Arial"/>
               <a:buNone/>
-              <a:defRPr b="0" i="0" sz="1200" u="none" cap="none" strike="noStrike">
+              <a:defRPr sz="1200" b="0" i="0" u="none" strike="noStrike" cap="none">
                 <a:solidFill>
                   <a:srgbClr val="888888"/>
                 </a:solidFill>
@@ -12780,7 +12516,7 @@
                 <a:sym typeface="Calibri"/>
               </a:defRPr>
             </a:lvl6pPr>
-            <a:lvl7pPr indent="0" lvl="6" marL="0" marR="0" algn="r">
+            <a:lvl7pPr marL="0" marR="0" lvl="6" indent="0" algn="r">
               <a:lnSpc>
                 <a:spcPct val="100000"/>
               </a:lnSpc>
@@ -12796,7 +12532,7 @@
               <a:buSzPts val="1200"/>
               <a:buFont typeface="Arial"/>
               <a:buNone/>
-              <a:defRPr b="0" i="0" sz="1200" u="none" cap="none" strike="noStrike">
+              <a:defRPr sz="1200" b="0" i="0" u="none" strike="noStrike" cap="none">
                 <a:solidFill>
                   <a:srgbClr val="888888"/>
                 </a:solidFill>
@@ -12806,7 +12542,7 @@
                 <a:sym typeface="Calibri"/>
               </a:defRPr>
             </a:lvl7pPr>
-            <a:lvl8pPr indent="0" lvl="7" marL="0" marR="0" algn="r">
+            <a:lvl8pPr marL="0" marR="0" lvl="7" indent="0" algn="r">
               <a:lnSpc>
                 <a:spcPct val="100000"/>
               </a:lnSpc>
@@ -12822,7 +12558,7 @@
               <a:buSzPts val="1200"/>
               <a:buFont typeface="Arial"/>
               <a:buNone/>
-              <a:defRPr b="0" i="0" sz="1200" u="none" cap="none" strike="noStrike">
+              <a:defRPr sz="1200" b="0" i="0" u="none" strike="noStrike" cap="none">
                 <a:solidFill>
                   <a:srgbClr val="888888"/>
                 </a:solidFill>
@@ -12832,7 +12568,7 @@
                 <a:sym typeface="Calibri"/>
               </a:defRPr>
             </a:lvl8pPr>
-            <a:lvl9pPr indent="0" lvl="8" marL="0" marR="0" algn="r">
+            <a:lvl9pPr marL="0" marR="0" lvl="8" indent="0" algn="r">
               <a:lnSpc>
                 <a:spcPct val="100000"/>
               </a:lnSpc>
@@ -12848,7 +12584,7 @@
               <a:buSzPts val="1200"/>
               <a:buFont typeface="Arial"/>
               <a:buNone/>
-              <a:defRPr b="0" i="0" sz="1200" u="none" cap="none" strike="noStrike">
+              <a:defRPr sz="1200" b="0" i="0" u="none" strike="noStrike" cap="none">
                 <a:solidFill>
                   <a:srgbClr val="888888"/>
                 </a:solidFill>
@@ -12860,7 +12596,7 @@
             </a:lvl9pPr>
           </a:lstStyle>
           <a:p>
-            <a:pPr indent="0" lvl="0" marL="0" rtl="0" algn="r">
+            <a:pPr marL="0" lvl="0" indent="0" algn="r" rtl="0">
               <a:spcBef>
                 <a:spcPts val="0"/>
               </a:spcBef>
@@ -12886,18 +12622,19 @@
 </file>
 
 <file path=ppt/slideMasters/slideMaster1.xml><?xml version="1.0" encoding="utf-8"?>
-<p:sldMaster xmlns:a="http://schemas.openxmlformats.org/drawingml/2006/main" xmlns:r="http://schemas.openxmlformats.org/officeDocument/2006/relationships" xmlns:mc="http://schemas.openxmlformats.org/markup-compatibility/2006" xmlns:mv="urn:schemas-microsoft-com:mac:vml" xmlns:p="http://schemas.openxmlformats.org/presentationml/2006/main" xmlns:c="http://schemas.openxmlformats.org/drawingml/2006/chart" xmlns:dgm="http://schemas.openxmlformats.org/drawingml/2006/diagram" xmlns:o="urn:schemas-microsoft-com:office:office" xmlns:v="urn:schemas-microsoft-com:vml" xmlns:pvml="urn:schemas-microsoft-com:office:powerpoint" xmlns:com="http://schemas.openxmlformats.org/drawingml/2006/compatibility" xmlns:p14="http://schemas.microsoft.com/office/powerpoint/2010/main" xmlns:p15="http://schemas.microsoft.com/office/powerpoint/2012/main" xmlns:ahyp="http://schemas.microsoft.com/office/drawing/2018/hyperlinkcolor">
+<p:sldMaster xmlns:a="http://schemas.openxmlformats.org/drawingml/2006/main" xmlns:r="http://schemas.openxmlformats.org/officeDocument/2006/relationships" xmlns:p="http://schemas.openxmlformats.org/presentationml/2006/main">
   <p:cSld>
     <p:bg>
       <p:bgPr>
         <a:solidFill>
           <a:srgbClr val="3F3F3F"/>
         </a:solidFill>
+        <a:effectLst/>
       </p:bgPr>
     </p:bg>
     <p:spTree>
       <p:nvGrpSpPr>
-        <p:cNvPr id="9" name="Shape 9"/>
+        <p:cNvPr id="1" name="Shape 9"/>
         <p:cNvGrpSpPr/>
         <p:nvPr/>
       </p:nvGrpSpPr>
@@ -12912,7 +12649,9 @@
       <p:sp>
         <p:nvSpPr>
           <p:cNvPr id="10" name="Google Shape;10;p5"/>
-          <p:cNvSpPr txBox="1"/>
+          <p:cNvSpPr txBox="1">
+            <a:spLocks noGrp="1"/>
+          </p:cNvSpPr>
           <p:nvPr>
             <p:ph type="title"/>
           </p:nvPr>
@@ -12931,11 +12670,11 @@
           </a:ln>
         </p:spPr>
         <p:txBody>
-          <a:bodyPr anchorCtr="0" anchor="ctr" bIns="45700" lIns="91425" spcFirstLastPara="1" rIns="91425" wrap="square" tIns="45700">
+          <a:bodyPr spcFirstLastPara="1" wrap="square" lIns="91425" tIns="45700" rIns="91425" bIns="45700" anchor="ctr" anchorCtr="0">
             <a:normAutofit/>
           </a:bodyPr>
           <a:lstStyle>
-            <a:lvl1pPr lvl="0" marR="0" rtl="0" algn="l">
+            <a:lvl1pPr marR="0" lvl="0" algn="l" rtl="0">
               <a:lnSpc>
                 <a:spcPct val="90000"/>
               </a:lnSpc>
@@ -12951,7 +12690,7 @@
               <a:buSzPts val="4400"/>
               <a:buFont typeface="Calibri"/>
               <a:buNone/>
-              <a:defRPr b="0" i="0" sz="4400" u="none" cap="none" strike="noStrike">
+              <a:defRPr sz="4400" b="0" i="0" u="none" strike="noStrike" cap="none">
                 <a:solidFill>
                   <a:schemeClr val="dk1"/>
                 </a:solidFill>
@@ -12961,7 +12700,7 @@
                 <a:sym typeface="Calibri"/>
               </a:defRPr>
             </a:lvl1pPr>
-            <a:lvl2pPr lvl="1" marR="0" rtl="0" algn="l">
+            <a:lvl2pPr marR="0" lvl="1" algn="l" rtl="0">
               <a:lnSpc>
                 <a:spcPct val="100000"/>
               </a:lnSpc>
@@ -12977,7 +12716,7 @@
               <a:buSzPts val="1400"/>
               <a:buFont typeface="Arial"/>
               <a:buNone/>
-              <a:defRPr b="0" i="0" sz="1800" u="none" cap="none" strike="noStrike">
+              <a:defRPr sz="1800" b="0" i="0" u="none" strike="noStrike" cap="none">
                 <a:solidFill>
                   <a:srgbClr val="000000"/>
                 </a:solidFill>
@@ -12987,7 +12726,7 @@
                 <a:sym typeface="Arial"/>
               </a:defRPr>
             </a:lvl2pPr>
-            <a:lvl3pPr lvl="2" marR="0" rtl="0" algn="l">
+            <a:lvl3pPr marR="0" lvl="2" algn="l" rtl="0">
               <a:lnSpc>
                 <a:spcPct val="100000"/>
               </a:lnSpc>
@@ -13003,7 +12742,7 @@
               <a:buSzPts val="1400"/>
               <a:buFont typeface="Arial"/>
               <a:buNone/>
-              <a:defRPr b="0" i="0" sz="1800" u="none" cap="none" strike="noStrike">
+              <a:defRPr sz="1800" b="0" i="0" u="none" strike="noStrike" cap="none">
                 <a:solidFill>
                   <a:srgbClr val="000000"/>
                 </a:solidFill>
@@ -13013,7 +12752,7 @@
                 <a:sym typeface="Arial"/>
               </a:defRPr>
             </a:lvl3pPr>
-            <a:lvl4pPr lvl="3" marR="0" rtl="0" algn="l">
+            <a:lvl4pPr marR="0" lvl="3" algn="l" rtl="0">
               <a:lnSpc>
                 <a:spcPct val="100000"/>
               </a:lnSpc>
@@ -13029,7 +12768,7 @@
               <a:buSzPts val="1400"/>
               <a:buFont typeface="Arial"/>
               <a:buNone/>
-              <a:defRPr b="0" i="0" sz="1800" u="none" cap="none" strike="noStrike">
+              <a:defRPr sz="1800" b="0" i="0" u="none" strike="noStrike" cap="none">
                 <a:solidFill>
                   <a:srgbClr val="000000"/>
                 </a:solidFill>
@@ -13039,7 +12778,7 @@
                 <a:sym typeface="Arial"/>
               </a:defRPr>
             </a:lvl4pPr>
-            <a:lvl5pPr lvl="4" marR="0" rtl="0" algn="l">
+            <a:lvl5pPr marR="0" lvl="4" algn="l" rtl="0">
               <a:lnSpc>
                 <a:spcPct val="100000"/>
               </a:lnSpc>
@@ -13055,7 +12794,7 @@
               <a:buSzPts val="1400"/>
               <a:buFont typeface="Arial"/>
               <a:buNone/>
-              <a:defRPr b="0" i="0" sz="1800" u="none" cap="none" strike="noStrike">
+              <a:defRPr sz="1800" b="0" i="0" u="none" strike="noStrike" cap="none">
                 <a:solidFill>
                   <a:srgbClr val="000000"/>
                 </a:solidFill>
@@ -13065,7 +12804,7 @@
                 <a:sym typeface="Arial"/>
               </a:defRPr>
             </a:lvl5pPr>
-            <a:lvl6pPr lvl="5" marR="0" rtl="0" algn="l">
+            <a:lvl6pPr marR="0" lvl="5" algn="l" rtl="0">
               <a:lnSpc>
                 <a:spcPct val="100000"/>
               </a:lnSpc>
@@ -13081,7 +12820,7 @@
               <a:buSzPts val="1400"/>
               <a:buFont typeface="Arial"/>
               <a:buNone/>
-              <a:defRPr b="0" i="0" sz="1800" u="none" cap="none" strike="noStrike">
+              <a:defRPr sz="1800" b="0" i="0" u="none" strike="noStrike" cap="none">
                 <a:solidFill>
                   <a:srgbClr val="000000"/>
                 </a:solidFill>
@@ -13091,7 +12830,7 @@
                 <a:sym typeface="Arial"/>
               </a:defRPr>
             </a:lvl6pPr>
-            <a:lvl7pPr lvl="6" marR="0" rtl="0" algn="l">
+            <a:lvl7pPr marR="0" lvl="6" algn="l" rtl="0">
               <a:lnSpc>
                 <a:spcPct val="100000"/>
               </a:lnSpc>
@@ -13107,7 +12846,7 @@
               <a:buSzPts val="1400"/>
               <a:buFont typeface="Arial"/>
               <a:buNone/>
-              <a:defRPr b="0" i="0" sz="1800" u="none" cap="none" strike="noStrike">
+              <a:defRPr sz="1800" b="0" i="0" u="none" strike="noStrike" cap="none">
                 <a:solidFill>
                   <a:srgbClr val="000000"/>
                 </a:solidFill>
@@ -13117,7 +12856,7 @@
                 <a:sym typeface="Arial"/>
               </a:defRPr>
             </a:lvl7pPr>
-            <a:lvl8pPr lvl="7" marR="0" rtl="0" algn="l">
+            <a:lvl8pPr marR="0" lvl="7" algn="l" rtl="0">
               <a:lnSpc>
                 <a:spcPct val="100000"/>
               </a:lnSpc>
@@ -13133,7 +12872,7 @@
               <a:buSzPts val="1400"/>
               <a:buFont typeface="Arial"/>
               <a:buNone/>
-              <a:defRPr b="0" i="0" sz="1800" u="none" cap="none" strike="noStrike">
+              <a:defRPr sz="1800" b="0" i="0" u="none" strike="noStrike" cap="none">
                 <a:solidFill>
                   <a:srgbClr val="000000"/>
                 </a:solidFill>
@@ -13143,7 +12882,7 @@
                 <a:sym typeface="Arial"/>
               </a:defRPr>
             </a:lvl8pPr>
-            <a:lvl9pPr lvl="8" marR="0" rtl="0" algn="l">
+            <a:lvl9pPr marR="0" lvl="8" algn="l" rtl="0">
               <a:lnSpc>
                 <a:spcPct val="100000"/>
               </a:lnSpc>
@@ -13159,7 +12898,7 @@
               <a:buSzPts val="1400"/>
               <a:buFont typeface="Arial"/>
               <a:buNone/>
-              <a:defRPr b="0" i="0" sz="1800" u="none" cap="none" strike="noStrike">
+              <a:defRPr sz="1800" b="0" i="0" u="none" strike="noStrike" cap="none">
                 <a:solidFill>
                   <a:srgbClr val="000000"/>
                 </a:solidFill>
@@ -13170,15 +12909,19 @@
               </a:defRPr>
             </a:lvl9pPr>
           </a:lstStyle>
-          <a:p/>
+          <a:p>
+            <a:endParaRPr/>
+          </a:p>
         </p:txBody>
       </p:sp>
       <p:sp>
         <p:nvSpPr>
           <p:cNvPr id="11" name="Google Shape;11;p5"/>
-          <p:cNvSpPr txBox="1"/>
+          <p:cNvSpPr txBox="1">
+            <a:spLocks noGrp="1"/>
+          </p:cNvSpPr>
           <p:nvPr>
-            <p:ph idx="1" type="body"/>
+            <p:ph type="body" idx="1"/>
           </p:nvPr>
         </p:nvSpPr>
         <p:spPr>
@@ -13195,11 +12938,11 @@
           </a:ln>
         </p:spPr>
         <p:txBody>
-          <a:bodyPr anchorCtr="0" anchor="t" bIns="45700" lIns="91425" spcFirstLastPara="1" rIns="91425" wrap="square" tIns="45700">
+          <a:bodyPr spcFirstLastPara="1" wrap="square" lIns="91425" tIns="45700" rIns="91425" bIns="45700" anchor="t" anchorCtr="0">
             <a:normAutofit/>
           </a:bodyPr>
           <a:lstStyle>
-            <a:lvl1pPr indent="-406400" lvl="0" marL="457200" marR="0" rtl="0" algn="l">
+            <a:lvl1pPr marL="457200" marR="0" lvl="0" indent="-406400" algn="l" rtl="0">
               <a:lnSpc>
                 <a:spcPct val="90000"/>
               </a:lnSpc>
@@ -13215,7 +12958,7 @@
               <a:buSzPts val="2800"/>
               <a:buFont typeface="Arial"/>
               <a:buChar char="•"/>
-              <a:defRPr b="0" i="0" sz="2800" u="none" cap="none" strike="noStrike">
+              <a:defRPr sz="2800" b="0" i="0" u="none" strike="noStrike" cap="none">
                 <a:solidFill>
                   <a:schemeClr val="dk1"/>
                 </a:solidFill>
@@ -13225,7 +12968,7 @@
                 <a:sym typeface="Calibri"/>
               </a:defRPr>
             </a:lvl1pPr>
-            <a:lvl2pPr indent="-381000" lvl="1" marL="914400" marR="0" rtl="0" algn="l">
+            <a:lvl2pPr marL="914400" marR="0" lvl="1" indent="-381000" algn="l" rtl="0">
               <a:lnSpc>
                 <a:spcPct val="90000"/>
               </a:lnSpc>
@@ -13241,7 +12984,7 @@
               <a:buSzPts val="2400"/>
               <a:buFont typeface="Arial"/>
               <a:buChar char="•"/>
-              <a:defRPr b="0" i="0" sz="2400" u="none" cap="none" strike="noStrike">
+              <a:defRPr sz="2400" b="0" i="0" u="none" strike="noStrike" cap="none">
                 <a:solidFill>
                   <a:schemeClr val="dk1"/>
                 </a:solidFill>
@@ -13251,7 +12994,7 @@
                 <a:sym typeface="Calibri"/>
               </a:defRPr>
             </a:lvl2pPr>
-            <a:lvl3pPr indent="-355600" lvl="2" marL="1371600" marR="0" rtl="0" algn="l">
+            <a:lvl3pPr marL="1371600" marR="0" lvl="2" indent="-355600" algn="l" rtl="0">
               <a:lnSpc>
                 <a:spcPct val="90000"/>
               </a:lnSpc>
@@ -13267,7 +13010,7 @@
               <a:buSzPts val="2000"/>
               <a:buFont typeface="Arial"/>
               <a:buChar char="•"/>
-              <a:defRPr b="0" i="0" sz="2000" u="none" cap="none" strike="noStrike">
+              <a:defRPr sz="2000" b="0" i="0" u="none" strike="noStrike" cap="none">
                 <a:solidFill>
                   <a:schemeClr val="dk1"/>
                 </a:solidFill>
@@ -13277,7 +13020,7 @@
                 <a:sym typeface="Calibri"/>
               </a:defRPr>
             </a:lvl3pPr>
-            <a:lvl4pPr indent="-342900" lvl="3" marL="1828800" marR="0" rtl="0" algn="l">
+            <a:lvl4pPr marL="1828800" marR="0" lvl="3" indent="-342900" algn="l" rtl="0">
               <a:lnSpc>
                 <a:spcPct val="90000"/>
               </a:lnSpc>
@@ -13293,7 +13036,7 @@
               <a:buSzPts val="1800"/>
               <a:buFont typeface="Arial"/>
               <a:buChar char="•"/>
-              <a:defRPr b="0" i="0" sz="1800" u="none" cap="none" strike="noStrike">
+              <a:defRPr sz="1800" b="0" i="0" u="none" strike="noStrike" cap="none">
                 <a:solidFill>
                   <a:schemeClr val="dk1"/>
                 </a:solidFill>
@@ -13303,7 +13046,7 @@
                 <a:sym typeface="Calibri"/>
               </a:defRPr>
             </a:lvl4pPr>
-            <a:lvl5pPr indent="-342900" lvl="4" marL="2286000" marR="0" rtl="0" algn="l">
+            <a:lvl5pPr marL="2286000" marR="0" lvl="4" indent="-342900" algn="l" rtl="0">
               <a:lnSpc>
                 <a:spcPct val="90000"/>
               </a:lnSpc>
@@ -13319,7 +13062,7 @@
               <a:buSzPts val="1800"/>
               <a:buFont typeface="Arial"/>
               <a:buChar char="•"/>
-              <a:defRPr b="0" i="0" sz="1800" u="none" cap="none" strike="noStrike">
+              <a:defRPr sz="1800" b="0" i="0" u="none" strike="noStrike" cap="none">
                 <a:solidFill>
                   <a:schemeClr val="dk1"/>
                 </a:solidFill>
@@ -13329,7 +13072,7 @@
                 <a:sym typeface="Calibri"/>
               </a:defRPr>
             </a:lvl5pPr>
-            <a:lvl6pPr indent="-342900" lvl="5" marL="2743200" marR="0" rtl="0" algn="l">
+            <a:lvl6pPr marL="2743200" marR="0" lvl="5" indent="-342900" algn="l" rtl="0">
               <a:lnSpc>
                 <a:spcPct val="90000"/>
               </a:lnSpc>
@@ -13345,7 +13088,7 @@
               <a:buSzPts val="1800"/>
               <a:buFont typeface="Arial"/>
               <a:buChar char="•"/>
-              <a:defRPr b="0" i="0" sz="1800" u="none" cap="none" strike="noStrike">
+              <a:defRPr sz="1800" b="0" i="0" u="none" strike="noStrike" cap="none">
                 <a:solidFill>
                   <a:schemeClr val="dk1"/>
                 </a:solidFill>
@@ -13355,7 +13098,7 @@
                 <a:sym typeface="Calibri"/>
               </a:defRPr>
             </a:lvl6pPr>
-            <a:lvl7pPr indent="-342900" lvl="6" marL="3200400" marR="0" rtl="0" algn="l">
+            <a:lvl7pPr marL="3200400" marR="0" lvl="6" indent="-342900" algn="l" rtl="0">
               <a:lnSpc>
                 <a:spcPct val="90000"/>
               </a:lnSpc>
@@ -13371,7 +13114,7 @@
               <a:buSzPts val="1800"/>
               <a:buFont typeface="Arial"/>
               <a:buChar char="•"/>
-              <a:defRPr b="0" i="0" sz="1800" u="none" cap="none" strike="noStrike">
+              <a:defRPr sz="1800" b="0" i="0" u="none" strike="noStrike" cap="none">
                 <a:solidFill>
                   <a:schemeClr val="dk1"/>
                 </a:solidFill>
@@ -13381,7 +13124,7 @@
                 <a:sym typeface="Calibri"/>
               </a:defRPr>
             </a:lvl7pPr>
-            <a:lvl8pPr indent="-342900" lvl="7" marL="3657600" marR="0" rtl="0" algn="l">
+            <a:lvl8pPr marL="3657600" marR="0" lvl="7" indent="-342900" algn="l" rtl="0">
               <a:lnSpc>
                 <a:spcPct val="90000"/>
               </a:lnSpc>
@@ -13397,7 +13140,7 @@
               <a:buSzPts val="1800"/>
               <a:buFont typeface="Arial"/>
               <a:buChar char="•"/>
-              <a:defRPr b="0" i="0" sz="1800" u="none" cap="none" strike="noStrike">
+              <a:defRPr sz="1800" b="0" i="0" u="none" strike="noStrike" cap="none">
                 <a:solidFill>
                   <a:schemeClr val="dk1"/>
                 </a:solidFill>
@@ -13407,7 +13150,7 @@
                 <a:sym typeface="Calibri"/>
               </a:defRPr>
             </a:lvl8pPr>
-            <a:lvl9pPr indent="-342900" lvl="8" marL="4114800" marR="0" rtl="0" algn="l">
+            <a:lvl9pPr marL="4114800" marR="0" lvl="8" indent="-342900" algn="l" rtl="0">
               <a:lnSpc>
                 <a:spcPct val="90000"/>
               </a:lnSpc>
@@ -13423,7 +13166,7 @@
               <a:buSzPts val="1800"/>
               <a:buFont typeface="Arial"/>
               <a:buChar char="•"/>
-              <a:defRPr b="0" i="0" sz="1800" u="none" cap="none" strike="noStrike">
+              <a:defRPr sz="1800" b="0" i="0" u="none" strike="noStrike" cap="none">
                 <a:solidFill>
                   <a:schemeClr val="dk1"/>
                 </a:solidFill>
@@ -13434,15 +13177,19 @@
               </a:defRPr>
             </a:lvl9pPr>
           </a:lstStyle>
-          <a:p/>
+          <a:p>
+            <a:endParaRPr/>
+          </a:p>
         </p:txBody>
       </p:sp>
       <p:sp>
         <p:nvSpPr>
           <p:cNvPr id="12" name="Google Shape;12;p5"/>
-          <p:cNvSpPr txBox="1"/>
+          <p:cNvSpPr txBox="1">
+            <a:spLocks noGrp="1"/>
+          </p:cNvSpPr>
           <p:nvPr>
-            <p:ph idx="10" type="dt"/>
+            <p:ph type="dt" idx="10"/>
           </p:nvPr>
         </p:nvSpPr>
         <p:spPr>
@@ -13459,11 +13206,11 @@
           </a:ln>
         </p:spPr>
         <p:txBody>
-          <a:bodyPr anchorCtr="0" anchor="ctr" bIns="45700" lIns="91425" spcFirstLastPara="1" rIns="91425" wrap="square" tIns="45700">
+          <a:bodyPr spcFirstLastPara="1" wrap="square" lIns="91425" tIns="45700" rIns="91425" bIns="45700" anchor="ctr" anchorCtr="0">
             <a:noAutofit/>
           </a:bodyPr>
           <a:lstStyle>
-            <a:lvl1pPr lvl="0" marR="0" rtl="0" algn="l">
+            <a:lvl1pPr marR="0" lvl="0" algn="l" rtl="0">
               <a:lnSpc>
                 <a:spcPct val="100000"/>
               </a:lnSpc>
@@ -13479,7 +13226,7 @@
               <a:buSzPts val="1400"/>
               <a:buFont typeface="Arial"/>
               <a:buNone/>
-              <a:defRPr b="0" i="0" sz="1200" u="none" cap="none" strike="noStrike">
+              <a:defRPr sz="1200" b="0" i="0" u="none" strike="noStrike" cap="none">
                 <a:solidFill>
                   <a:srgbClr val="888888"/>
                 </a:solidFill>
@@ -13489,7 +13236,7 @@
                 <a:sym typeface="Calibri"/>
               </a:defRPr>
             </a:lvl1pPr>
-            <a:lvl2pPr lvl="1" marR="0" rtl="0" algn="l">
+            <a:lvl2pPr marR="0" lvl="1" algn="l" rtl="0">
               <a:lnSpc>
                 <a:spcPct val="100000"/>
               </a:lnSpc>
@@ -13505,7 +13252,7 @@
               <a:buSzPts val="1400"/>
               <a:buFont typeface="Arial"/>
               <a:buNone/>
-              <a:defRPr b="0" i="0" sz="1800" u="none" cap="none" strike="noStrike">
+              <a:defRPr sz="1800" b="0" i="0" u="none" strike="noStrike" cap="none">
                 <a:solidFill>
                   <a:schemeClr val="dk1"/>
                 </a:solidFill>
@@ -13515,7 +13262,7 @@
                 <a:sym typeface="Calibri"/>
               </a:defRPr>
             </a:lvl2pPr>
-            <a:lvl3pPr lvl="2" marR="0" rtl="0" algn="l">
+            <a:lvl3pPr marR="0" lvl="2" algn="l" rtl="0">
               <a:lnSpc>
                 <a:spcPct val="100000"/>
               </a:lnSpc>
@@ -13531,7 +13278,7 @@
               <a:buSzPts val="1400"/>
               <a:buFont typeface="Arial"/>
               <a:buNone/>
-              <a:defRPr b="0" i="0" sz="1800" u="none" cap="none" strike="noStrike">
+              <a:defRPr sz="1800" b="0" i="0" u="none" strike="noStrike" cap="none">
                 <a:solidFill>
                   <a:schemeClr val="dk1"/>
                 </a:solidFill>
@@ -13541,7 +13288,7 @@
                 <a:sym typeface="Calibri"/>
               </a:defRPr>
             </a:lvl3pPr>
-            <a:lvl4pPr lvl="3" marR="0" rtl="0" algn="l">
+            <a:lvl4pPr marR="0" lvl="3" algn="l" rtl="0">
               <a:lnSpc>
                 <a:spcPct val="100000"/>
               </a:lnSpc>
@@ -13557,7 +13304,7 @@
               <a:buSzPts val="1400"/>
               <a:buFont typeface="Arial"/>
               <a:buNone/>
-              <a:defRPr b="0" i="0" sz="1800" u="none" cap="none" strike="noStrike">
+              <a:defRPr sz="1800" b="0" i="0" u="none" strike="noStrike" cap="none">
                 <a:solidFill>
                   <a:schemeClr val="dk1"/>
                 </a:solidFill>
@@ -13567,7 +13314,7 @@
                 <a:sym typeface="Calibri"/>
               </a:defRPr>
             </a:lvl4pPr>
-            <a:lvl5pPr lvl="4" marR="0" rtl="0" algn="l">
+            <a:lvl5pPr marR="0" lvl="4" algn="l" rtl="0">
               <a:lnSpc>
                 <a:spcPct val="100000"/>
               </a:lnSpc>
@@ -13583,7 +13330,7 @@
               <a:buSzPts val="1400"/>
               <a:buFont typeface="Arial"/>
               <a:buNone/>
-              <a:defRPr b="0" i="0" sz="1800" u="none" cap="none" strike="noStrike">
+              <a:defRPr sz="1800" b="0" i="0" u="none" strike="noStrike" cap="none">
                 <a:solidFill>
                   <a:schemeClr val="dk1"/>
                 </a:solidFill>
@@ -13593,7 +13340,7 @@
                 <a:sym typeface="Calibri"/>
               </a:defRPr>
             </a:lvl5pPr>
-            <a:lvl6pPr lvl="5" marR="0" rtl="0" algn="l">
+            <a:lvl6pPr marR="0" lvl="5" algn="l" rtl="0">
               <a:lnSpc>
                 <a:spcPct val="100000"/>
               </a:lnSpc>
@@ -13609,7 +13356,7 @@
               <a:buSzPts val="1400"/>
               <a:buFont typeface="Arial"/>
               <a:buNone/>
-              <a:defRPr b="0" i="0" sz="1800" u="none" cap="none" strike="noStrike">
+              <a:defRPr sz="1800" b="0" i="0" u="none" strike="noStrike" cap="none">
                 <a:solidFill>
                   <a:schemeClr val="dk1"/>
                 </a:solidFill>
@@ -13619,7 +13366,7 @@
                 <a:sym typeface="Calibri"/>
               </a:defRPr>
             </a:lvl6pPr>
-            <a:lvl7pPr lvl="6" marR="0" rtl="0" algn="l">
+            <a:lvl7pPr marR="0" lvl="6" algn="l" rtl="0">
               <a:lnSpc>
                 <a:spcPct val="100000"/>
               </a:lnSpc>
@@ -13635,7 +13382,7 @@
               <a:buSzPts val="1400"/>
               <a:buFont typeface="Arial"/>
               <a:buNone/>
-              <a:defRPr b="0" i="0" sz="1800" u="none" cap="none" strike="noStrike">
+              <a:defRPr sz="1800" b="0" i="0" u="none" strike="noStrike" cap="none">
                 <a:solidFill>
                   <a:schemeClr val="dk1"/>
                 </a:solidFill>
@@ -13645,7 +13392,7 @@
                 <a:sym typeface="Calibri"/>
               </a:defRPr>
             </a:lvl7pPr>
-            <a:lvl8pPr lvl="7" marR="0" rtl="0" algn="l">
+            <a:lvl8pPr marR="0" lvl="7" algn="l" rtl="0">
               <a:lnSpc>
                 <a:spcPct val="100000"/>
               </a:lnSpc>
@@ -13661,7 +13408,7 @@
               <a:buSzPts val="1400"/>
               <a:buFont typeface="Arial"/>
               <a:buNone/>
-              <a:defRPr b="0" i="0" sz="1800" u="none" cap="none" strike="noStrike">
+              <a:defRPr sz="1800" b="0" i="0" u="none" strike="noStrike" cap="none">
                 <a:solidFill>
                   <a:schemeClr val="dk1"/>
                 </a:solidFill>
@@ -13671,7 +13418,7 @@
                 <a:sym typeface="Calibri"/>
               </a:defRPr>
             </a:lvl8pPr>
-            <a:lvl9pPr lvl="8" marR="0" rtl="0" algn="l">
+            <a:lvl9pPr marR="0" lvl="8" algn="l" rtl="0">
               <a:lnSpc>
                 <a:spcPct val="100000"/>
               </a:lnSpc>
@@ -13687,7 +13434,7 @@
               <a:buSzPts val="1400"/>
               <a:buFont typeface="Arial"/>
               <a:buNone/>
-              <a:defRPr b="0" i="0" sz="1800" u="none" cap="none" strike="noStrike">
+              <a:defRPr sz="1800" b="0" i="0" u="none" strike="noStrike" cap="none">
                 <a:solidFill>
                   <a:schemeClr val="dk1"/>
                 </a:solidFill>
@@ -13698,15 +13445,19 @@
               </a:defRPr>
             </a:lvl9pPr>
           </a:lstStyle>
-          <a:p/>
+          <a:p>
+            <a:endParaRPr/>
+          </a:p>
         </p:txBody>
       </p:sp>
       <p:sp>
         <p:nvSpPr>
           <p:cNvPr id="13" name="Google Shape;13;p5"/>
-          <p:cNvSpPr txBox="1"/>
+          <p:cNvSpPr txBox="1">
+            <a:spLocks noGrp="1"/>
+          </p:cNvSpPr>
           <p:nvPr>
-            <p:ph idx="11" type="ftr"/>
+            <p:ph type="ftr" idx="11"/>
           </p:nvPr>
         </p:nvSpPr>
         <p:spPr>
@@ -13723,11 +13474,11 @@
           </a:ln>
         </p:spPr>
         <p:txBody>
-          <a:bodyPr anchorCtr="0" anchor="ctr" bIns="45700" lIns="91425" spcFirstLastPara="1" rIns="91425" wrap="square" tIns="45700">
+          <a:bodyPr spcFirstLastPara="1" wrap="square" lIns="91425" tIns="45700" rIns="91425" bIns="45700" anchor="ctr" anchorCtr="0">
             <a:noAutofit/>
           </a:bodyPr>
           <a:lstStyle>
-            <a:lvl1pPr lvl="0" marR="0" rtl="0" algn="ctr">
+            <a:lvl1pPr marR="0" lvl="0" algn="ctr" rtl="0">
               <a:lnSpc>
                 <a:spcPct val="100000"/>
               </a:lnSpc>
@@ -13743,7 +13494,7 @@
               <a:buSzPts val="1400"/>
               <a:buFont typeface="Arial"/>
               <a:buNone/>
-              <a:defRPr b="0" i="0" sz="1200" u="none" cap="none" strike="noStrike">
+              <a:defRPr sz="1200" b="0" i="0" u="none" strike="noStrike" cap="none">
                 <a:solidFill>
                   <a:srgbClr val="888888"/>
                 </a:solidFill>
@@ -13753,7 +13504,7 @@
                 <a:sym typeface="Calibri"/>
               </a:defRPr>
             </a:lvl1pPr>
-            <a:lvl2pPr lvl="1" marR="0" rtl="0" algn="l">
+            <a:lvl2pPr marR="0" lvl="1" algn="l" rtl="0">
               <a:lnSpc>
                 <a:spcPct val="100000"/>
               </a:lnSpc>
@@ -13769,7 +13520,7 @@
               <a:buSzPts val="1400"/>
               <a:buFont typeface="Arial"/>
               <a:buNone/>
-              <a:defRPr b="0" i="0" sz="1800" u="none" cap="none" strike="noStrike">
+              <a:defRPr sz="1800" b="0" i="0" u="none" strike="noStrike" cap="none">
                 <a:solidFill>
                   <a:schemeClr val="dk1"/>
                 </a:solidFill>
@@ -13779,7 +13530,7 @@
                 <a:sym typeface="Calibri"/>
               </a:defRPr>
             </a:lvl2pPr>
-            <a:lvl3pPr lvl="2" marR="0" rtl="0" algn="l">
+            <a:lvl3pPr marR="0" lvl="2" algn="l" rtl="0">
               <a:lnSpc>
                 <a:spcPct val="100000"/>
               </a:lnSpc>
@@ -13795,7 +13546,7 @@
               <a:buSzPts val="1400"/>
               <a:buFont typeface="Arial"/>
               <a:buNone/>
-              <a:defRPr b="0" i="0" sz="1800" u="none" cap="none" strike="noStrike">
+              <a:defRPr sz="1800" b="0" i="0" u="none" strike="noStrike" cap="none">
                 <a:solidFill>
                   <a:schemeClr val="dk1"/>
                 </a:solidFill>
@@ -13805,7 +13556,7 @@
                 <a:sym typeface="Calibri"/>
               </a:defRPr>
             </a:lvl3pPr>
-            <a:lvl4pPr lvl="3" marR="0" rtl="0" algn="l">
+            <a:lvl4pPr marR="0" lvl="3" algn="l" rtl="0">
               <a:lnSpc>
                 <a:spcPct val="100000"/>
               </a:lnSpc>
@@ -13821,7 +13572,7 @@
               <a:buSzPts val="1400"/>
               <a:buFont typeface="Arial"/>
               <a:buNone/>
-              <a:defRPr b="0" i="0" sz="1800" u="none" cap="none" strike="noStrike">
+              <a:defRPr sz="1800" b="0" i="0" u="none" strike="noStrike" cap="none">
                 <a:solidFill>
                   <a:schemeClr val="dk1"/>
                 </a:solidFill>
@@ -13831,7 +13582,7 @@
                 <a:sym typeface="Calibri"/>
               </a:defRPr>
             </a:lvl4pPr>
-            <a:lvl5pPr lvl="4" marR="0" rtl="0" algn="l">
+            <a:lvl5pPr marR="0" lvl="4" algn="l" rtl="0">
               <a:lnSpc>
                 <a:spcPct val="100000"/>
               </a:lnSpc>
@@ -13847,7 +13598,7 @@
               <a:buSzPts val="1400"/>
               <a:buFont typeface="Arial"/>
               <a:buNone/>
-              <a:defRPr b="0" i="0" sz="1800" u="none" cap="none" strike="noStrike">
+              <a:defRPr sz="1800" b="0" i="0" u="none" strike="noStrike" cap="none">
                 <a:solidFill>
                   <a:schemeClr val="dk1"/>
                 </a:solidFill>
@@ -13857,7 +13608,7 @@
                 <a:sym typeface="Calibri"/>
               </a:defRPr>
             </a:lvl5pPr>
-            <a:lvl6pPr lvl="5" marR="0" rtl="0" algn="l">
+            <a:lvl6pPr marR="0" lvl="5" algn="l" rtl="0">
               <a:lnSpc>
                 <a:spcPct val="100000"/>
               </a:lnSpc>
@@ -13873,7 +13624,7 @@
               <a:buSzPts val="1400"/>
               <a:buFont typeface="Arial"/>
               <a:buNone/>
-              <a:defRPr b="0" i="0" sz="1800" u="none" cap="none" strike="noStrike">
+              <a:defRPr sz="1800" b="0" i="0" u="none" strike="noStrike" cap="none">
                 <a:solidFill>
                   <a:schemeClr val="dk1"/>
                 </a:solidFill>
@@ -13883,7 +13634,7 @@
                 <a:sym typeface="Calibri"/>
               </a:defRPr>
             </a:lvl6pPr>
-            <a:lvl7pPr lvl="6" marR="0" rtl="0" algn="l">
+            <a:lvl7pPr marR="0" lvl="6" algn="l" rtl="0">
               <a:lnSpc>
                 <a:spcPct val="100000"/>
               </a:lnSpc>
@@ -13899,7 +13650,7 @@
               <a:buSzPts val="1400"/>
               <a:buFont typeface="Arial"/>
               <a:buNone/>
-              <a:defRPr b="0" i="0" sz="1800" u="none" cap="none" strike="noStrike">
+              <a:defRPr sz="1800" b="0" i="0" u="none" strike="noStrike" cap="none">
                 <a:solidFill>
                   <a:schemeClr val="dk1"/>
                 </a:solidFill>
@@ -13909,7 +13660,7 @@
                 <a:sym typeface="Calibri"/>
               </a:defRPr>
             </a:lvl7pPr>
-            <a:lvl8pPr lvl="7" marR="0" rtl="0" algn="l">
+            <a:lvl8pPr marR="0" lvl="7" algn="l" rtl="0">
               <a:lnSpc>
                 <a:spcPct val="100000"/>
               </a:lnSpc>
@@ -13925,7 +13676,7 @@
               <a:buSzPts val="1400"/>
               <a:buFont typeface="Arial"/>
               <a:buNone/>
-              <a:defRPr b="0" i="0" sz="1800" u="none" cap="none" strike="noStrike">
+              <a:defRPr sz="1800" b="0" i="0" u="none" strike="noStrike" cap="none">
                 <a:solidFill>
                   <a:schemeClr val="dk1"/>
                 </a:solidFill>
@@ -13935,7 +13686,7 @@
                 <a:sym typeface="Calibri"/>
               </a:defRPr>
             </a:lvl8pPr>
-            <a:lvl9pPr lvl="8" marR="0" rtl="0" algn="l">
+            <a:lvl9pPr marR="0" lvl="8" algn="l" rtl="0">
               <a:lnSpc>
                 <a:spcPct val="100000"/>
               </a:lnSpc>
@@ -13951,7 +13702,7 @@
               <a:buSzPts val="1400"/>
               <a:buFont typeface="Arial"/>
               <a:buNone/>
-              <a:defRPr b="0" i="0" sz="1800" u="none" cap="none" strike="noStrike">
+              <a:defRPr sz="1800" b="0" i="0" u="none" strike="noStrike" cap="none">
                 <a:solidFill>
                   <a:schemeClr val="dk1"/>
                 </a:solidFill>
@@ -13962,15 +13713,19 @@
               </a:defRPr>
             </a:lvl9pPr>
           </a:lstStyle>
-          <a:p/>
+          <a:p>
+            <a:endParaRPr/>
+          </a:p>
         </p:txBody>
       </p:sp>
       <p:sp>
         <p:nvSpPr>
           <p:cNvPr id="14" name="Google Shape;14;p5"/>
-          <p:cNvSpPr txBox="1"/>
+          <p:cNvSpPr txBox="1">
+            <a:spLocks noGrp="1"/>
+          </p:cNvSpPr>
           <p:nvPr>
-            <p:ph idx="12" type="sldNum"/>
+            <p:ph type="sldNum" idx="12"/>
           </p:nvPr>
         </p:nvSpPr>
         <p:spPr>
@@ -13987,11 +13742,11 @@
           </a:ln>
         </p:spPr>
         <p:txBody>
-          <a:bodyPr anchorCtr="0" anchor="ctr" bIns="45700" lIns="91425" spcFirstLastPara="1" rIns="91425" wrap="square" tIns="45700">
+          <a:bodyPr spcFirstLastPara="1" wrap="square" lIns="91425" tIns="45700" rIns="91425" bIns="45700" anchor="ctr" anchorCtr="0">
             <a:noAutofit/>
           </a:bodyPr>
           <a:lstStyle>
-            <a:lvl1pPr indent="0" lvl="0" marL="0" marR="0" rtl="0" algn="r">
+            <a:lvl1pPr marL="0" marR="0" lvl="0" indent="0" algn="r" rtl="0">
               <a:lnSpc>
                 <a:spcPct val="100000"/>
               </a:lnSpc>
@@ -14007,7 +13762,7 @@
               <a:buSzPts val="1200"/>
               <a:buFont typeface="Arial"/>
               <a:buNone/>
-              <a:defRPr b="0" i="0" sz="1200" u="none" cap="none" strike="noStrike">
+              <a:defRPr sz="1200" b="0" i="0" u="none" strike="noStrike" cap="none">
                 <a:solidFill>
                   <a:srgbClr val="888888"/>
                 </a:solidFill>
@@ -14017,7 +13772,7 @@
                 <a:sym typeface="Calibri"/>
               </a:defRPr>
             </a:lvl1pPr>
-            <a:lvl2pPr indent="0" lvl="1" marL="0" marR="0" rtl="0" algn="r">
+            <a:lvl2pPr marL="0" marR="0" lvl="1" indent="0" algn="r" rtl="0">
               <a:lnSpc>
                 <a:spcPct val="100000"/>
               </a:lnSpc>
@@ -14033,7 +13788,7 @@
               <a:buSzPts val="1200"/>
               <a:buFont typeface="Arial"/>
               <a:buNone/>
-              <a:defRPr b="0" i="0" sz="1200" u="none" cap="none" strike="noStrike">
+              <a:defRPr sz="1200" b="0" i="0" u="none" strike="noStrike" cap="none">
                 <a:solidFill>
                   <a:srgbClr val="888888"/>
                 </a:solidFill>
@@ -14043,7 +13798,7 @@
                 <a:sym typeface="Calibri"/>
               </a:defRPr>
             </a:lvl2pPr>
-            <a:lvl3pPr indent="0" lvl="2" marL="0" marR="0" rtl="0" algn="r">
+            <a:lvl3pPr marL="0" marR="0" lvl="2" indent="0" algn="r" rtl="0">
               <a:lnSpc>
                 <a:spcPct val="100000"/>
               </a:lnSpc>
@@ -14059,7 +13814,7 @@
               <a:buSzPts val="1200"/>
               <a:buFont typeface="Arial"/>
               <a:buNone/>
-              <a:defRPr b="0" i="0" sz="1200" u="none" cap="none" strike="noStrike">
+              <a:defRPr sz="1200" b="0" i="0" u="none" strike="noStrike" cap="none">
                 <a:solidFill>
                   <a:srgbClr val="888888"/>
                 </a:solidFill>
@@ -14069,7 +13824,7 @@
                 <a:sym typeface="Calibri"/>
               </a:defRPr>
             </a:lvl3pPr>
-            <a:lvl4pPr indent="0" lvl="3" marL="0" marR="0" rtl="0" algn="r">
+            <a:lvl4pPr marL="0" marR="0" lvl="3" indent="0" algn="r" rtl="0">
               <a:lnSpc>
                 <a:spcPct val="100000"/>
               </a:lnSpc>
@@ -14085,7 +13840,7 @@
               <a:buSzPts val="1200"/>
               <a:buFont typeface="Arial"/>
               <a:buNone/>
-              <a:defRPr b="0" i="0" sz="1200" u="none" cap="none" strike="noStrike">
+              <a:defRPr sz="1200" b="0" i="0" u="none" strike="noStrike" cap="none">
                 <a:solidFill>
                   <a:srgbClr val="888888"/>
                 </a:solidFill>
@@ -14095,7 +13850,7 @@
                 <a:sym typeface="Calibri"/>
               </a:defRPr>
             </a:lvl4pPr>
-            <a:lvl5pPr indent="0" lvl="4" marL="0" marR="0" rtl="0" algn="r">
+            <a:lvl5pPr marL="0" marR="0" lvl="4" indent="0" algn="r" rtl="0">
               <a:lnSpc>
                 <a:spcPct val="100000"/>
               </a:lnSpc>
@@ -14111,7 +13866,7 @@
               <a:buSzPts val="1200"/>
               <a:buFont typeface="Arial"/>
               <a:buNone/>
-              <a:defRPr b="0" i="0" sz="1200" u="none" cap="none" strike="noStrike">
+              <a:defRPr sz="1200" b="0" i="0" u="none" strike="noStrike" cap="none">
                 <a:solidFill>
                   <a:srgbClr val="888888"/>
                 </a:solidFill>
@@ -14121,7 +13876,7 @@
                 <a:sym typeface="Calibri"/>
               </a:defRPr>
             </a:lvl5pPr>
-            <a:lvl6pPr indent="0" lvl="5" marL="0" marR="0" rtl="0" algn="r">
+            <a:lvl6pPr marL="0" marR="0" lvl="5" indent="0" algn="r" rtl="0">
               <a:lnSpc>
                 <a:spcPct val="100000"/>
               </a:lnSpc>
@@ -14137,7 +13892,7 @@
               <a:buSzPts val="1200"/>
               <a:buFont typeface="Arial"/>
               <a:buNone/>
-              <a:defRPr b="0" i="0" sz="1200" u="none" cap="none" strike="noStrike">
+              <a:defRPr sz="1200" b="0" i="0" u="none" strike="noStrike" cap="none">
                 <a:solidFill>
                   <a:srgbClr val="888888"/>
                 </a:solidFill>
@@ -14147,7 +13902,7 @@
                 <a:sym typeface="Calibri"/>
               </a:defRPr>
             </a:lvl6pPr>
-            <a:lvl7pPr indent="0" lvl="6" marL="0" marR="0" rtl="0" algn="r">
+            <a:lvl7pPr marL="0" marR="0" lvl="6" indent="0" algn="r" rtl="0">
               <a:lnSpc>
                 <a:spcPct val="100000"/>
               </a:lnSpc>
@@ -14163,7 +13918,7 @@
               <a:buSzPts val="1200"/>
               <a:buFont typeface="Arial"/>
               <a:buNone/>
-              <a:defRPr b="0" i="0" sz="1200" u="none" cap="none" strike="noStrike">
+              <a:defRPr sz="1200" b="0" i="0" u="none" strike="noStrike" cap="none">
                 <a:solidFill>
                   <a:srgbClr val="888888"/>
                 </a:solidFill>
@@ -14173,7 +13928,7 @@
                 <a:sym typeface="Calibri"/>
               </a:defRPr>
             </a:lvl7pPr>
-            <a:lvl8pPr indent="0" lvl="7" marL="0" marR="0" rtl="0" algn="r">
+            <a:lvl8pPr marL="0" marR="0" lvl="7" indent="0" algn="r" rtl="0">
               <a:lnSpc>
                 <a:spcPct val="100000"/>
               </a:lnSpc>
@@ -14189,7 +13944,7 @@
               <a:buSzPts val="1200"/>
               <a:buFont typeface="Arial"/>
               <a:buNone/>
-              <a:defRPr b="0" i="0" sz="1200" u="none" cap="none" strike="noStrike">
+              <a:defRPr sz="1200" b="0" i="0" u="none" strike="noStrike" cap="none">
                 <a:solidFill>
                   <a:srgbClr val="888888"/>
                 </a:solidFill>
@@ -14199,7 +13954,7 @@
                 <a:sym typeface="Calibri"/>
               </a:defRPr>
             </a:lvl8pPr>
-            <a:lvl9pPr indent="0" lvl="8" marL="0" marR="0" rtl="0" algn="r">
+            <a:lvl9pPr marL="0" marR="0" lvl="8" indent="0" algn="r" rtl="0">
               <a:lnSpc>
                 <a:spcPct val="100000"/>
               </a:lnSpc>
@@ -14215,7 +13970,7 @@
               <a:buSzPts val="1200"/>
               <a:buFont typeface="Arial"/>
               <a:buNone/>
-              <a:defRPr b="0" i="0" sz="1200" u="none" cap="none" strike="noStrike">
+              <a:defRPr sz="1200" b="0" i="0" u="none" strike="noStrike" cap="none">
                 <a:solidFill>
                   <a:srgbClr val="888888"/>
                 </a:solidFill>
@@ -14227,7 +13982,7 @@
             </a:lvl9pPr>
           </a:lstStyle>
           <a:p>
-            <a:pPr indent="0" lvl="0" marL="0" rtl="0" algn="r">
+            <a:pPr marL="0" lvl="0" indent="0" algn="r" rtl="0">
               <a:spcBef>
                 <a:spcPts val="0"/>
               </a:spcBef>
@@ -14246,7 +14001,7 @@
       </p:sp>
     </p:spTree>
   </p:cSld>
-  <p:clrMap accent1="accent1" accent2="accent2" accent3="accent3" accent4="accent4" accent5="accent5" accent6="accent6" bg1="lt1" bg2="dk2" tx1="dk1" tx2="lt2" folHlink="folHlink" hlink="hlink"/>
+  <p:clrMap bg1="lt1" tx1="dk1" bg2="dk2" tx2="lt2" accent1="accent1" accent2="accent2" accent3="accent3" accent4="accent4" accent5="accent5" accent6="accent6" hlink="hlink" folHlink="folHlink"/>
   <p:sldLayoutIdLst>
     <p:sldLayoutId id="2147483649" r:id="rId1"/>
     <p:sldLayoutId id="2147483650" r:id="rId2"/>
@@ -14260,10 +14015,10 @@
     <p:sldLayoutId id="2147483658" r:id="rId10"/>
     <p:sldLayoutId id="2147483659" r:id="rId11"/>
   </p:sldLayoutIdLst>
-  <p:hf dt="0" ftr="0" hdr="0" sldNum="0"/>
+  <p:hf sldNum="0" hdr="0" ftr="0" dt="0"/>
   <p:txStyles>
     <p:titleStyle>
-      <a:defPPr lvl="0" marR="0" rtl="0" algn="l">
+      <a:defPPr marR="0" lvl="0" algn="l" rtl="0">
         <a:lnSpc>
           <a:spcPct val="100000"/>
         </a:lnSpc>
@@ -14274,7 +14029,7 @@
           <a:spcPts val="0"/>
         </a:spcAft>
       </a:defPPr>
-      <a:lvl1pPr lvl="0" marR="0" rtl="0" algn="l">
+      <a:lvl1pPr marR="0" lvl="0" algn="l" rtl="0">
         <a:lnSpc>
           <a:spcPct val="100000"/>
         </a:lnSpc>
@@ -14288,7 +14043,7 @@
           <a:srgbClr val="000000"/>
         </a:buClr>
         <a:buFont typeface="Arial"/>
-        <a:defRPr b="0" i="0" sz="1400" u="none" cap="none" strike="noStrike">
+        <a:defRPr sz="1400" b="0" i="0" u="none" strike="noStrike" cap="none">
           <a:solidFill>
             <a:srgbClr val="000000"/>
           </a:solidFill>
@@ -14298,7 +14053,7 @@
           <a:sym typeface="Arial"/>
         </a:defRPr>
       </a:lvl1pPr>
-      <a:lvl2pPr lvl="1" marR="0" rtl="0" algn="l">
+      <a:lvl2pPr marR="0" lvl="1" algn="l" rtl="0">
         <a:lnSpc>
           <a:spcPct val="100000"/>
         </a:lnSpc>
@@ -14312,7 +14067,7 @@
           <a:srgbClr val="000000"/>
         </a:buClr>
         <a:buFont typeface="Arial"/>
-        <a:defRPr b="0" i="0" sz="1400" u="none" cap="none" strike="noStrike">
+        <a:defRPr sz="1400" b="0" i="0" u="none" strike="noStrike" cap="none">
           <a:solidFill>
             <a:srgbClr val="000000"/>
           </a:solidFill>
@@ -14322,7 +14077,7 @@
           <a:sym typeface="Arial"/>
         </a:defRPr>
       </a:lvl2pPr>
-      <a:lvl3pPr lvl="2" marR="0" rtl="0" algn="l">
+      <a:lvl3pPr marR="0" lvl="2" algn="l" rtl="0">
         <a:lnSpc>
           <a:spcPct val="100000"/>
         </a:lnSpc>
@@ -14336,7 +14091,7 @@
           <a:srgbClr val="000000"/>
         </a:buClr>
         <a:buFont typeface="Arial"/>
-        <a:defRPr b="0" i="0" sz="1400" u="none" cap="none" strike="noStrike">
+        <a:defRPr sz="1400" b="0" i="0" u="none" strike="noStrike" cap="none">
           <a:solidFill>
             <a:srgbClr val="000000"/>
           </a:solidFill>
@@ -14346,7 +14101,7 @@
           <a:sym typeface="Arial"/>
         </a:defRPr>
       </a:lvl3pPr>
-      <a:lvl4pPr lvl="3" marR="0" rtl="0" algn="l">
+      <a:lvl4pPr marR="0" lvl="3" algn="l" rtl="0">
         <a:lnSpc>
           <a:spcPct val="100000"/>
         </a:lnSpc>
@@ -14360,7 +14115,7 @@
           <a:srgbClr val="000000"/>
         </a:buClr>
         <a:buFont typeface="Arial"/>
-        <a:defRPr b="0" i="0" sz="1400" u="none" cap="none" strike="noStrike">
+        <a:defRPr sz="1400" b="0" i="0" u="none" strike="noStrike" cap="none">
           <a:solidFill>
             <a:srgbClr val="000000"/>
           </a:solidFill>
@@ -14370,7 +14125,7 @@
           <a:sym typeface="Arial"/>
         </a:defRPr>
       </a:lvl4pPr>
-      <a:lvl5pPr lvl="4" marR="0" rtl="0" algn="l">
+      <a:lvl5pPr marR="0" lvl="4" algn="l" rtl="0">
         <a:lnSpc>
           <a:spcPct val="100000"/>
         </a:lnSpc>
@@ -14384,7 +14139,7 @@
           <a:srgbClr val="000000"/>
         </a:buClr>
         <a:buFont typeface="Arial"/>
-        <a:defRPr b="0" i="0" sz="1400" u="none" cap="none" strike="noStrike">
+        <a:defRPr sz="1400" b="0" i="0" u="none" strike="noStrike" cap="none">
           <a:solidFill>
             <a:srgbClr val="000000"/>
           </a:solidFill>
@@ -14394,7 +14149,7 @@
           <a:sym typeface="Arial"/>
         </a:defRPr>
       </a:lvl5pPr>
-      <a:lvl6pPr lvl="5" marR="0" rtl="0" algn="l">
+      <a:lvl6pPr marR="0" lvl="5" algn="l" rtl="0">
         <a:lnSpc>
           <a:spcPct val="100000"/>
         </a:lnSpc>
@@ -14408,7 +14163,7 @@
           <a:srgbClr val="000000"/>
         </a:buClr>
         <a:buFont typeface="Arial"/>
-        <a:defRPr b="0" i="0" sz="1400" u="none" cap="none" strike="noStrike">
+        <a:defRPr sz="1400" b="0" i="0" u="none" strike="noStrike" cap="none">
           <a:solidFill>
             <a:srgbClr val="000000"/>
           </a:solidFill>
@@ -14418,7 +14173,7 @@
           <a:sym typeface="Arial"/>
         </a:defRPr>
       </a:lvl6pPr>
-      <a:lvl7pPr lvl="6" marR="0" rtl="0" algn="l">
+      <a:lvl7pPr marR="0" lvl="6" algn="l" rtl="0">
         <a:lnSpc>
           <a:spcPct val="100000"/>
         </a:lnSpc>
@@ -14432,7 +14187,7 @@
           <a:srgbClr val="000000"/>
         </a:buClr>
         <a:buFont typeface="Arial"/>
-        <a:defRPr b="0" i="0" sz="1400" u="none" cap="none" strike="noStrike">
+        <a:defRPr sz="1400" b="0" i="0" u="none" strike="noStrike" cap="none">
           <a:solidFill>
             <a:srgbClr val="000000"/>
           </a:solidFill>
@@ -14442,7 +14197,7 @@
           <a:sym typeface="Arial"/>
         </a:defRPr>
       </a:lvl7pPr>
-      <a:lvl8pPr lvl="7" marR="0" rtl="0" algn="l">
+      <a:lvl8pPr marR="0" lvl="7" algn="l" rtl="0">
         <a:lnSpc>
           <a:spcPct val="100000"/>
         </a:lnSpc>
@@ -14456,7 +14211,7 @@
           <a:srgbClr val="000000"/>
         </a:buClr>
         <a:buFont typeface="Arial"/>
-        <a:defRPr b="0" i="0" sz="1400" u="none" cap="none" strike="noStrike">
+        <a:defRPr sz="1400" b="0" i="0" u="none" strike="noStrike" cap="none">
           <a:solidFill>
             <a:srgbClr val="000000"/>
           </a:solidFill>
@@ -14466,7 +14221,7 @@
           <a:sym typeface="Arial"/>
         </a:defRPr>
       </a:lvl8pPr>
-      <a:lvl9pPr lvl="8" marR="0" rtl="0" algn="l">
+      <a:lvl9pPr marR="0" lvl="8" algn="l" rtl="0">
         <a:lnSpc>
           <a:spcPct val="100000"/>
         </a:lnSpc>
@@ -14480,7 +14235,7 @@
           <a:srgbClr val="000000"/>
         </a:buClr>
         <a:buFont typeface="Arial"/>
-        <a:defRPr b="0" i="0" sz="1400" u="none" cap="none" strike="noStrike">
+        <a:defRPr sz="1400" b="0" i="0" u="none" strike="noStrike" cap="none">
           <a:solidFill>
             <a:srgbClr val="000000"/>
           </a:solidFill>
@@ -14492,7 +14247,7 @@
       </a:lvl9pPr>
     </p:titleStyle>
     <p:bodyStyle>
-      <a:defPPr lvl="0" marR="0" rtl="0" algn="l">
+      <a:defPPr marR="0" lvl="0" algn="l" rtl="0">
         <a:lnSpc>
           <a:spcPct val="100000"/>
         </a:lnSpc>
@@ -14503,7 +14258,7 @@
           <a:spcPts val="0"/>
         </a:spcAft>
       </a:defPPr>
-      <a:lvl1pPr lvl="0" marR="0" rtl="0" algn="l">
+      <a:lvl1pPr marR="0" lvl="0" algn="l" rtl="0">
         <a:lnSpc>
           <a:spcPct val="100000"/>
         </a:lnSpc>
@@ -14517,7 +14272,7 @@
           <a:srgbClr val="000000"/>
         </a:buClr>
         <a:buFont typeface="Arial"/>
-        <a:defRPr b="0" i="0" sz="1400" u="none" cap="none" strike="noStrike">
+        <a:defRPr sz="1400" b="0" i="0" u="none" strike="noStrike" cap="none">
           <a:solidFill>
             <a:srgbClr val="000000"/>
           </a:solidFill>
@@ -14527,7 +14282,7 @@
           <a:sym typeface="Arial"/>
         </a:defRPr>
       </a:lvl1pPr>
-      <a:lvl2pPr lvl="1" marR="0" rtl="0" algn="l">
+      <a:lvl2pPr marR="0" lvl="1" algn="l" rtl="0">
         <a:lnSpc>
           <a:spcPct val="100000"/>
         </a:lnSpc>
@@ -14541,7 +14296,7 @@
           <a:srgbClr val="000000"/>
         </a:buClr>
         <a:buFont typeface="Arial"/>
-        <a:defRPr b="0" i="0" sz="1400" u="none" cap="none" strike="noStrike">
+        <a:defRPr sz="1400" b="0" i="0" u="none" strike="noStrike" cap="none">
           <a:solidFill>
             <a:srgbClr val="000000"/>
           </a:solidFill>
@@ -14551,7 +14306,7 @@
           <a:sym typeface="Arial"/>
         </a:defRPr>
       </a:lvl2pPr>
-      <a:lvl3pPr lvl="2" marR="0" rtl="0" algn="l">
+      <a:lvl3pPr marR="0" lvl="2" algn="l" rtl="0">
         <a:lnSpc>
           <a:spcPct val="100000"/>
         </a:lnSpc>
@@ -14565,7 +14320,7 @@
           <a:srgbClr val="000000"/>
         </a:buClr>
         <a:buFont typeface="Arial"/>
-        <a:defRPr b="0" i="0" sz="1400" u="none" cap="none" strike="noStrike">
+        <a:defRPr sz="1400" b="0" i="0" u="none" strike="noStrike" cap="none">
           <a:solidFill>
             <a:srgbClr val="000000"/>
           </a:solidFill>
@@ -14575,7 +14330,7 @@
           <a:sym typeface="Arial"/>
         </a:defRPr>
       </a:lvl3pPr>
-      <a:lvl4pPr lvl="3" marR="0" rtl="0" algn="l">
+      <a:lvl4pPr marR="0" lvl="3" algn="l" rtl="0">
         <a:lnSpc>
           <a:spcPct val="100000"/>
         </a:lnSpc>
@@ -14589,7 +14344,7 @@
           <a:srgbClr val="000000"/>
         </a:buClr>
         <a:buFont typeface="Arial"/>
-        <a:defRPr b="0" i="0" sz="1400" u="none" cap="none" strike="noStrike">
+        <a:defRPr sz="1400" b="0" i="0" u="none" strike="noStrike" cap="none">
           <a:solidFill>
             <a:srgbClr val="000000"/>
           </a:solidFill>
@@ -14599,7 +14354,7 @@
           <a:sym typeface="Arial"/>
         </a:defRPr>
       </a:lvl4pPr>
-      <a:lvl5pPr lvl="4" marR="0" rtl="0" algn="l">
+      <a:lvl5pPr marR="0" lvl="4" algn="l" rtl="0">
         <a:lnSpc>
           <a:spcPct val="100000"/>
         </a:lnSpc>
@@ -14613,7 +14368,7 @@
           <a:srgbClr val="000000"/>
         </a:buClr>
         <a:buFont typeface="Arial"/>
-        <a:defRPr b="0" i="0" sz="1400" u="none" cap="none" strike="noStrike">
+        <a:defRPr sz="1400" b="0" i="0" u="none" strike="noStrike" cap="none">
           <a:solidFill>
             <a:srgbClr val="000000"/>
           </a:solidFill>
@@ -14623,7 +14378,7 @@
           <a:sym typeface="Arial"/>
         </a:defRPr>
       </a:lvl5pPr>
-      <a:lvl6pPr lvl="5" marR="0" rtl="0" algn="l">
+      <a:lvl6pPr marR="0" lvl="5" algn="l" rtl="0">
         <a:lnSpc>
           <a:spcPct val="100000"/>
         </a:lnSpc>
@@ -14637,7 +14392,7 @@
           <a:srgbClr val="000000"/>
         </a:buClr>
         <a:buFont typeface="Arial"/>
-        <a:defRPr b="0" i="0" sz="1400" u="none" cap="none" strike="noStrike">
+        <a:defRPr sz="1400" b="0" i="0" u="none" strike="noStrike" cap="none">
           <a:solidFill>
             <a:srgbClr val="000000"/>
           </a:solidFill>
@@ -14647,7 +14402,7 @@
           <a:sym typeface="Arial"/>
         </a:defRPr>
       </a:lvl6pPr>
-      <a:lvl7pPr lvl="6" marR="0" rtl="0" algn="l">
+      <a:lvl7pPr marR="0" lvl="6" algn="l" rtl="0">
         <a:lnSpc>
           <a:spcPct val="100000"/>
         </a:lnSpc>
@@ -14661,7 +14416,7 @@
           <a:srgbClr val="000000"/>
         </a:buClr>
         <a:buFont typeface="Arial"/>
-        <a:defRPr b="0" i="0" sz="1400" u="none" cap="none" strike="noStrike">
+        <a:defRPr sz="1400" b="0" i="0" u="none" strike="noStrike" cap="none">
           <a:solidFill>
             <a:srgbClr val="000000"/>
           </a:solidFill>
@@ -14671,7 +14426,7 @@
           <a:sym typeface="Arial"/>
         </a:defRPr>
       </a:lvl7pPr>
-      <a:lvl8pPr lvl="7" marR="0" rtl="0" algn="l">
+      <a:lvl8pPr marR="0" lvl="7" algn="l" rtl="0">
         <a:lnSpc>
           <a:spcPct val="100000"/>
         </a:lnSpc>
@@ -14685,7 +14440,7 @@
           <a:srgbClr val="000000"/>
         </a:buClr>
         <a:buFont typeface="Arial"/>
-        <a:defRPr b="0" i="0" sz="1400" u="none" cap="none" strike="noStrike">
+        <a:defRPr sz="1400" b="0" i="0" u="none" strike="noStrike" cap="none">
           <a:solidFill>
             <a:srgbClr val="000000"/>
           </a:solidFill>
@@ -14695,7 +14450,7 @@
           <a:sym typeface="Arial"/>
         </a:defRPr>
       </a:lvl8pPr>
-      <a:lvl9pPr lvl="8" marR="0" rtl="0" algn="l">
+      <a:lvl9pPr marR="0" lvl="8" algn="l" rtl="0">
         <a:lnSpc>
           <a:spcPct val="100000"/>
         </a:lnSpc>
@@ -14709,7 +14464,7 @@
           <a:srgbClr val="000000"/>
         </a:buClr>
         <a:buFont typeface="Arial"/>
-        <a:defRPr b="0" i="0" sz="1400" u="none" cap="none" strike="noStrike">
+        <a:defRPr sz="1400" b="0" i="0" u="none" strike="noStrike" cap="none">
           <a:solidFill>
             <a:srgbClr val="000000"/>
           </a:solidFill>
@@ -14721,7 +14476,7 @@
       </a:lvl9pPr>
     </p:bodyStyle>
     <p:otherStyle>
-      <a:defPPr lvl="0" marR="0" rtl="0" algn="l">
+      <a:defPPr marR="0" lvl="0" algn="l" rtl="0">
         <a:lnSpc>
           <a:spcPct val="100000"/>
         </a:lnSpc>
@@ -14732,7 +14487,7 @@
           <a:spcPts val="0"/>
         </a:spcAft>
       </a:defPPr>
-      <a:lvl1pPr lvl="0" marR="0" rtl="0" algn="l">
+      <a:lvl1pPr marR="0" lvl="0" algn="l" rtl="0">
         <a:lnSpc>
           <a:spcPct val="100000"/>
         </a:lnSpc>
@@ -14746,7 +14501,7 @@
           <a:srgbClr val="000000"/>
         </a:buClr>
         <a:buFont typeface="Arial"/>
-        <a:defRPr b="0" i="0" sz="1400" u="none" cap="none" strike="noStrike">
+        <a:defRPr sz="1400" b="0" i="0" u="none" strike="noStrike" cap="none">
           <a:solidFill>
             <a:srgbClr val="000000"/>
           </a:solidFill>
@@ -14756,7 +14511,7 @@
           <a:sym typeface="Arial"/>
         </a:defRPr>
       </a:lvl1pPr>
-      <a:lvl2pPr lvl="1" marR="0" rtl="0" algn="l">
+      <a:lvl2pPr marR="0" lvl="1" algn="l" rtl="0">
         <a:lnSpc>
           <a:spcPct val="100000"/>
         </a:lnSpc>
@@ -14770,7 +14525,7 @@
           <a:srgbClr val="000000"/>
         </a:buClr>
         <a:buFont typeface="Arial"/>
-        <a:defRPr b="0" i="0" sz="1400" u="none" cap="none" strike="noStrike">
+        <a:defRPr sz="1400" b="0" i="0" u="none" strike="noStrike" cap="none">
           <a:solidFill>
             <a:srgbClr val="000000"/>
           </a:solidFill>
@@ -14780,7 +14535,7 @@
           <a:sym typeface="Arial"/>
         </a:defRPr>
       </a:lvl2pPr>
-      <a:lvl3pPr lvl="2" marR="0" rtl="0" algn="l">
+      <a:lvl3pPr marR="0" lvl="2" algn="l" rtl="0">
         <a:lnSpc>
           <a:spcPct val="100000"/>
         </a:lnSpc>
@@ -14794,7 +14549,7 @@
           <a:srgbClr val="000000"/>
         </a:buClr>
         <a:buFont typeface="Arial"/>
-        <a:defRPr b="0" i="0" sz="1400" u="none" cap="none" strike="noStrike">
+        <a:defRPr sz="1400" b="0" i="0" u="none" strike="noStrike" cap="none">
           <a:solidFill>
             <a:srgbClr val="000000"/>
           </a:solidFill>
@@ -14804,7 +14559,7 @@
           <a:sym typeface="Arial"/>
         </a:defRPr>
       </a:lvl3pPr>
-      <a:lvl4pPr lvl="3" marR="0" rtl="0" algn="l">
+      <a:lvl4pPr marR="0" lvl="3" algn="l" rtl="0">
         <a:lnSpc>
           <a:spcPct val="100000"/>
         </a:lnSpc>
@@ -14818,7 +14573,7 @@
           <a:srgbClr val="000000"/>
         </a:buClr>
         <a:buFont typeface="Arial"/>
-        <a:defRPr b="0" i="0" sz="1400" u="none" cap="none" strike="noStrike">
+        <a:defRPr sz="1400" b="0" i="0" u="none" strike="noStrike" cap="none">
           <a:solidFill>
             <a:srgbClr val="000000"/>
           </a:solidFill>
@@ -14828,7 +14583,7 @@
           <a:sym typeface="Arial"/>
         </a:defRPr>
       </a:lvl4pPr>
-      <a:lvl5pPr lvl="4" marR="0" rtl="0" algn="l">
+      <a:lvl5pPr marR="0" lvl="4" algn="l" rtl="0">
         <a:lnSpc>
           <a:spcPct val="100000"/>
         </a:lnSpc>
@@ -14842,7 +14597,7 @@
           <a:srgbClr val="000000"/>
         </a:buClr>
         <a:buFont typeface="Arial"/>
-        <a:defRPr b="0" i="0" sz="1400" u="none" cap="none" strike="noStrike">
+        <a:defRPr sz="1400" b="0" i="0" u="none" strike="noStrike" cap="none">
           <a:solidFill>
             <a:srgbClr val="000000"/>
           </a:solidFill>
@@ -14852,7 +14607,7 @@
           <a:sym typeface="Arial"/>
         </a:defRPr>
       </a:lvl5pPr>
-      <a:lvl6pPr lvl="5" marR="0" rtl="0" algn="l">
+      <a:lvl6pPr marR="0" lvl="5" algn="l" rtl="0">
         <a:lnSpc>
           <a:spcPct val="100000"/>
         </a:lnSpc>
@@ -14866,7 +14621,7 @@
           <a:srgbClr val="000000"/>
         </a:buClr>
         <a:buFont typeface="Arial"/>
-        <a:defRPr b="0" i="0" sz="1400" u="none" cap="none" strike="noStrike">
+        <a:defRPr sz="1400" b="0" i="0" u="none" strike="noStrike" cap="none">
           <a:solidFill>
             <a:srgbClr val="000000"/>
           </a:solidFill>
@@ -14876,7 +14631,7 @@
           <a:sym typeface="Arial"/>
         </a:defRPr>
       </a:lvl6pPr>
-      <a:lvl7pPr lvl="6" marR="0" rtl="0" algn="l">
+      <a:lvl7pPr marR="0" lvl="6" algn="l" rtl="0">
         <a:lnSpc>
           <a:spcPct val="100000"/>
         </a:lnSpc>
@@ -14890,7 +14645,7 @@
           <a:srgbClr val="000000"/>
         </a:buClr>
         <a:buFont typeface="Arial"/>
-        <a:defRPr b="0" i="0" sz="1400" u="none" cap="none" strike="noStrike">
+        <a:defRPr sz="1400" b="0" i="0" u="none" strike="noStrike" cap="none">
           <a:solidFill>
             <a:srgbClr val="000000"/>
           </a:solidFill>
@@ -14900,7 +14655,7 @@
           <a:sym typeface="Arial"/>
         </a:defRPr>
       </a:lvl7pPr>
-      <a:lvl8pPr lvl="7" marR="0" rtl="0" algn="l">
+      <a:lvl8pPr marR="0" lvl="7" algn="l" rtl="0">
         <a:lnSpc>
           <a:spcPct val="100000"/>
         </a:lnSpc>
@@ -14914,7 +14669,7 @@
           <a:srgbClr val="000000"/>
         </a:buClr>
         <a:buFont typeface="Arial"/>
-        <a:defRPr b="0" i="0" sz="1400" u="none" cap="none" strike="noStrike">
+        <a:defRPr sz="1400" b="0" i="0" u="none" strike="noStrike" cap="none">
           <a:solidFill>
             <a:srgbClr val="000000"/>
           </a:solidFill>
@@ -14924,7 +14679,7 @@
           <a:sym typeface="Arial"/>
         </a:defRPr>
       </a:lvl8pPr>
-      <a:lvl9pPr lvl="8" marR="0" rtl="0" algn="l">
+      <a:lvl9pPr marR="0" lvl="8" algn="l" rtl="0">
         <a:lnSpc>
           <a:spcPct val="100000"/>
         </a:lnSpc>
@@ -14938,7 +14693,7 @@
           <a:srgbClr val="000000"/>
         </a:buClr>
         <a:buFont typeface="Arial"/>
-        <a:defRPr b="0" i="0" sz="1400" u="none" cap="none" strike="noStrike">
+        <a:defRPr sz="1400" b="0" i="0" u="none" strike="noStrike" cap="none">
           <a:solidFill>
             <a:srgbClr val="000000"/>
           </a:solidFill>
@@ -14954,11 +14709,11 @@
 </file>
 
 <file path=ppt/slides/slide1.xml><?xml version="1.0" encoding="utf-8"?>
-<p:sld xmlns:a="http://schemas.openxmlformats.org/drawingml/2006/main" xmlns:r="http://schemas.openxmlformats.org/officeDocument/2006/relationships" xmlns:mc="http://schemas.openxmlformats.org/markup-compatibility/2006" xmlns:mv="urn:schemas-microsoft-com:mac:vml" xmlns:p="http://schemas.openxmlformats.org/presentationml/2006/main" xmlns:c="http://schemas.openxmlformats.org/drawingml/2006/chart" xmlns:dgm="http://schemas.openxmlformats.org/drawingml/2006/diagram" xmlns:o="urn:schemas-microsoft-com:office:office" xmlns:v="urn:schemas-microsoft-com:vml" xmlns:pvml="urn:schemas-microsoft-com:office:powerpoint" xmlns:com="http://schemas.openxmlformats.org/drawingml/2006/compatibility" xmlns:p14="http://schemas.microsoft.com/office/powerpoint/2010/main" xmlns:p15="http://schemas.microsoft.com/office/powerpoint/2012/main" xmlns:ahyp="http://schemas.microsoft.com/office/drawing/2018/hyperlinkcolor">
+<p:sld xmlns:a="http://schemas.openxmlformats.org/drawingml/2006/main" xmlns:r="http://schemas.openxmlformats.org/officeDocument/2006/relationships" xmlns:p="http://schemas.openxmlformats.org/presentationml/2006/main">
   <p:cSld>
     <p:spTree>
       <p:nvGrpSpPr>
-        <p:cNvPr id="88" name="Shape 88"/>
+        <p:cNvPr id="1" name="Shape 88"/>
         <p:cNvGrpSpPr/>
         <p:nvPr/>
       </p:nvGrpSpPr>
@@ -14991,7 +14746,7 @@
             <a:noFill/>
           </a:ln>
           <a:effectLst>
-            <a:outerShdw blurRad="50800" rotWithShape="0" algn="t" dir="5400000" dist="38100">
+            <a:outerShdw blurRad="50800" dist="38100" dir="5400000" algn="t" rotWithShape="0">
               <a:srgbClr val="000000">
                 <a:alpha val="40000"/>
               </a:srgbClr>
@@ -14999,12 +14754,12 @@
           </a:effectLst>
         </p:spPr>
         <p:txBody>
-          <a:bodyPr anchorCtr="0" anchor="ctr" bIns="45700" lIns="91425" spcFirstLastPara="1" rIns="91425" wrap="square" tIns="45700">
+          <a:bodyPr spcFirstLastPara="1" wrap="square" lIns="91425" tIns="45700" rIns="91425" bIns="45700" anchor="ctr" anchorCtr="0">
             <a:noAutofit/>
           </a:bodyPr>
           <a:lstStyle/>
           <a:p>
-            <a:pPr indent="0" lvl="0" marL="0" marR="0" rtl="0" algn="ctr">
+            <a:pPr marL="0" marR="0" lvl="0" indent="0" algn="ctr" rtl="0">
               <a:lnSpc>
                 <a:spcPct val="100000"/>
               </a:lnSpc>
@@ -15021,10 +14776,7 @@
               <a:buFont typeface="Arial"/>
               <a:buNone/>
             </a:pPr>
-            <a:r>
-              <a:t/>
-            </a:r>
-            <a:endParaRPr b="0" i="0" sz="1800" u="none" cap="none" strike="noStrike">
+            <a:endParaRPr sz="1800" b="0" i="0" u="none" strike="noStrike" cap="none">
               <a:solidFill>
                 <a:schemeClr val="lt1"/>
               </a:solidFill>
@@ -15039,7 +14791,9 @@
       <p:sp>
         <p:nvSpPr>
           <p:cNvPr id="90" name="Google Shape;90;p1"/>
-          <p:cNvSpPr txBox="1"/>
+          <p:cNvSpPr txBox="1">
+            <a:spLocks noGrp="1"/>
+          </p:cNvSpPr>
           <p:nvPr>
             <p:ph type="ctrTitle"/>
           </p:nvPr>
@@ -15057,7 +14811,7 @@
             <a:noFill/>
           </a:ln>
           <a:effectLst>
-            <a:outerShdw blurRad="50800" rotWithShape="0" algn="t" dir="5400000" dist="38100">
+            <a:outerShdw blurRad="50800" dist="38100" dir="5400000" algn="t" rotWithShape="0">
               <a:srgbClr val="000000">
                 <a:alpha val="40000"/>
               </a:srgbClr>
@@ -15065,12 +14819,12 @@
           </a:effectLst>
         </p:spPr>
         <p:txBody>
-          <a:bodyPr anchorCtr="0" anchor="b" bIns="45700" lIns="91425" spcFirstLastPara="1" rIns="91425" wrap="square" tIns="45700">
+          <a:bodyPr spcFirstLastPara="1" wrap="square" lIns="91425" tIns="45700" rIns="91425" bIns="45700" anchor="b" anchorCtr="0">
             <a:normAutofit fontScale="90000"/>
           </a:bodyPr>
           <a:lstStyle/>
           <a:p>
-            <a:pPr indent="0" lvl="0" marL="0" rtl="0" algn="ctr">
+            <a:pPr marL="0" lvl="0" indent="0" algn="ctr" rtl="0">
               <a:lnSpc>
                 <a:spcPct val="90000"/>
               </a:lnSpc>
@@ -15088,23 +14842,40 @@
               <a:buNone/>
             </a:pPr>
             <a:r>
-              <a:rPr lang="en-AU" sz="6000">
+              <a:rPr lang="en-AU" sz="6000" dirty="0">
                 <a:solidFill>
                   <a:srgbClr val="FFFFFF"/>
                 </a:solidFill>
               </a:rPr>
-              <a:t>Workshop 3: Indicators and the Backtester</a:t>
+              <a:t>Team 3</a:t>
             </a:r>
-            <a:endParaRPr sz="5600"/>
+            <a:br>
+              <a:rPr lang="en-AU" sz="6000" dirty="0">
+                <a:solidFill>
+                  <a:srgbClr val="FFFFFF"/>
+                </a:solidFill>
+              </a:rPr>
+            </a:br>
+            <a:r>
+              <a:rPr lang="en-AU" sz="6000" dirty="0">
+                <a:solidFill>
+                  <a:srgbClr val="FFFFFF"/>
+                </a:solidFill>
+              </a:rPr>
+              <a:t>ETF Trading Presentation</a:t>
+            </a:r>
+            <a:endParaRPr sz="5600" dirty="0"/>
           </a:p>
         </p:txBody>
       </p:sp>
       <p:sp>
         <p:nvSpPr>
           <p:cNvPr id="91" name="Google Shape;91;p1"/>
-          <p:cNvSpPr txBox="1"/>
+          <p:cNvSpPr txBox="1">
+            <a:spLocks noGrp="1"/>
+          </p:cNvSpPr>
           <p:nvPr>
-            <p:ph idx="1" type="subTitle"/>
+            <p:ph type="subTitle" idx="1"/>
           </p:nvPr>
         </p:nvSpPr>
         <p:spPr>
@@ -15120,7 +14891,7 @@
             <a:noFill/>
           </a:ln>
           <a:effectLst>
-            <a:outerShdw blurRad="50800" rotWithShape="0" algn="t" dir="5400000" dist="38100">
+            <a:outerShdw blurRad="50800" dist="38100" dir="5400000" algn="t" rotWithShape="0">
               <a:srgbClr val="000000">
                 <a:alpha val="40000"/>
               </a:srgbClr>
@@ -15128,12 +14899,12 @@
           </a:effectLst>
         </p:spPr>
         <p:txBody>
-          <a:bodyPr anchorCtr="0" anchor="t" bIns="45700" lIns="91425" spcFirstLastPara="1" rIns="91425" wrap="square" tIns="45700">
+          <a:bodyPr spcFirstLastPara="1" wrap="square" lIns="91425" tIns="45700" rIns="91425" bIns="45700" anchor="t" anchorCtr="0">
             <a:normAutofit/>
           </a:bodyPr>
           <a:lstStyle/>
           <a:p>
-            <a:pPr indent="0" lvl="0" marL="0" rtl="0" algn="ctr">
+            <a:pPr marL="0" lvl="0" indent="0" algn="ctr" rtl="0">
               <a:lnSpc>
                 <a:spcPct val="90000"/>
               </a:lnSpc>
@@ -15150,7 +14921,7 @@
               <a:buNone/>
             </a:pPr>
             <a:r>
-              <a:rPr lang="en-AU" sz="2400">
+              <a:rPr lang="en-AU" sz="2400" dirty="0">
                 <a:solidFill>
                   <a:srgbClr val="FFFFFF"/>
                 </a:solidFill>
@@ -15159,9 +14930,33 @@
                 <a:cs typeface="Arial"/>
                 <a:sym typeface="Arial"/>
               </a:rPr>
-              <a:t>March 24, 2023</a:t>
+              <a:t>12</a:t>
             </a:r>
-            <a:endParaRPr/>
+            <a:r>
+              <a:rPr lang="en-AU" sz="2400" baseline="30000" dirty="0">
+                <a:solidFill>
+                  <a:srgbClr val="FFFFFF"/>
+                </a:solidFill>
+                <a:latin typeface="Arial"/>
+                <a:ea typeface="Arial"/>
+                <a:cs typeface="Arial"/>
+                <a:sym typeface="Arial"/>
+              </a:rPr>
+              <a:t>th</a:t>
+            </a:r>
+            <a:r>
+              <a:rPr lang="en-AU" sz="2400" dirty="0">
+                <a:solidFill>
+                  <a:srgbClr val="FFFFFF"/>
+                </a:solidFill>
+                <a:latin typeface="Arial"/>
+                <a:ea typeface="Arial"/>
+                <a:cs typeface="Arial"/>
+                <a:sym typeface="Arial"/>
+              </a:rPr>
+              <a:t> May 2023</a:t>
+            </a:r>
+            <a:endParaRPr dirty="0"/>
           </a:p>
         </p:txBody>
       </p:sp>
@@ -15174,11 +14969,11 @@
 </file>
 
 <file path=ppt/slides/slide2.xml><?xml version="1.0" encoding="utf-8"?>
-<p:sld xmlns:a="http://schemas.openxmlformats.org/drawingml/2006/main" xmlns:r="http://schemas.openxmlformats.org/officeDocument/2006/relationships" xmlns:mc="http://schemas.openxmlformats.org/markup-compatibility/2006" xmlns:mv="urn:schemas-microsoft-com:mac:vml" xmlns:p="http://schemas.openxmlformats.org/presentationml/2006/main" xmlns:c="http://schemas.openxmlformats.org/drawingml/2006/chart" xmlns:dgm="http://schemas.openxmlformats.org/drawingml/2006/diagram" xmlns:o="urn:schemas-microsoft-com:office:office" xmlns:v="urn:schemas-microsoft-com:vml" xmlns:pvml="urn:schemas-microsoft-com:office:powerpoint" xmlns:com="http://schemas.openxmlformats.org/drawingml/2006/compatibility" xmlns:p14="http://schemas.microsoft.com/office/powerpoint/2010/main" xmlns:p15="http://schemas.microsoft.com/office/powerpoint/2012/main" xmlns:ahyp="http://schemas.microsoft.com/office/drawing/2018/hyperlinkcolor">
+<p:sld xmlns:a="http://schemas.openxmlformats.org/drawingml/2006/main" xmlns:r="http://schemas.openxmlformats.org/officeDocument/2006/relationships" xmlns:p="http://schemas.openxmlformats.org/presentationml/2006/main">
   <p:cSld>
     <p:spTree>
       <p:nvGrpSpPr>
-        <p:cNvPr id="95" name="Shape 95"/>
+        <p:cNvPr id="1" name=""/>
         <p:cNvGrpSpPr/>
         <p:nvPr/>
       </p:nvGrpSpPr>
@@ -15192,243 +14987,126 @@
       </p:grpSpPr>
       <p:sp>
         <p:nvSpPr>
-          <p:cNvPr id="96" name="Google Shape;96;p2"/>
+          <p:cNvPr id="2" name="Title 1">
+            <a:extLst>
+              <a:ext uri="{FF2B5EF4-FFF2-40B4-BE49-F238E27FC236}">
+                <a16:creationId xmlns:a16="http://schemas.microsoft.com/office/drawing/2014/main" id="{DD17FC45-2EBC-FD08-F968-44254B245470}"/>
+              </a:ext>
+            </a:extLst>
+          </p:cNvPr>
+          <p:cNvSpPr>
+            <a:spLocks noGrp="1"/>
+          </p:cNvSpPr>
+          <p:nvPr>
+            <p:ph type="title"/>
+          </p:nvPr>
+        </p:nvSpPr>
+        <p:spPr/>
+        <p:txBody>
+          <a:bodyPr/>
+          <a:lstStyle/>
+          <a:p>
+            <a:r>
+              <a:rPr lang="en-AU" dirty="0"/>
+              <a:t>Correlation heat map</a:t>
+            </a:r>
+          </a:p>
+        </p:txBody>
+      </p:sp>
+      <p:pic>
+        <p:nvPicPr>
+          <p:cNvPr id="5" name="Picture 4" descr="A picture containing calendar&#10;&#10;Description automatically generated">
+            <a:extLst>
+              <a:ext uri="{FF2B5EF4-FFF2-40B4-BE49-F238E27FC236}">
+                <a16:creationId xmlns:a16="http://schemas.microsoft.com/office/drawing/2014/main" id="{04E34684-4B64-A34E-9AC5-43E88529D586}"/>
+              </a:ext>
+            </a:extLst>
+          </p:cNvPr>
+          <p:cNvPicPr>
+            <a:picLocks noChangeAspect="1"/>
+          </p:cNvPicPr>
+          <p:nvPr/>
+        </p:nvPicPr>
+        <p:blipFill rotWithShape="1">
+          <a:blip r:embed="rId2"/>
+          <a:srcRect l="6194" t="9793" r="16003"/>
+          <a:stretch/>
+        </p:blipFill>
+        <p:spPr>
+          <a:xfrm>
+            <a:off x="464575" y="1540462"/>
+            <a:ext cx="8522110" cy="4850319"/>
+          </a:xfrm>
+          <a:prstGeom prst="rect">
+            <a:avLst/>
+          </a:prstGeom>
+        </p:spPr>
+      </p:pic>
+      <p:sp>
+        <p:nvSpPr>
+          <p:cNvPr id="6" name="TextBox 5">
+            <a:extLst>
+              <a:ext uri="{FF2B5EF4-FFF2-40B4-BE49-F238E27FC236}">
+                <a16:creationId xmlns:a16="http://schemas.microsoft.com/office/drawing/2014/main" id="{40C19153-A6B5-F668-3DEE-4F0091A6F1FB}"/>
+              </a:ext>
+            </a:extLst>
+          </p:cNvPr>
           <p:cNvSpPr txBox="1"/>
-          <p:nvPr>
-            <p:ph idx="1" type="body"/>
-          </p:nvPr>
+          <p:nvPr/>
         </p:nvSpPr>
         <p:spPr>
           <a:xfrm>
-            <a:off x="838200" y="1511024"/>
-            <a:ext cx="10515600" cy="4931100"/>
+            <a:off x="9144000" y="1540462"/>
+            <a:ext cx="2861187" cy="3046988"/>
           </a:xfrm>
           <a:prstGeom prst="rect">
             <a:avLst/>
           </a:prstGeom>
           <a:noFill/>
-          <a:ln>
-            <a:noFill/>
-          </a:ln>
         </p:spPr>
         <p:txBody>
-          <a:bodyPr anchorCtr="0" anchor="t" bIns="45700" lIns="91425" spcFirstLastPara="1" rIns="91425" wrap="square" tIns="45700">
-            <a:normAutofit/>
+          <a:bodyPr wrap="square" rtlCol="0">
+            <a:spAutoFit/>
           </a:bodyPr>
           <a:lstStyle/>
           <a:p>
-            <a:pPr indent="0" lvl="0" marL="0" rtl="0" algn="l">
-              <a:lnSpc>
-                <a:spcPct val="100000"/>
-              </a:lnSpc>
-              <a:spcBef>
-                <a:spcPts val="1000"/>
-              </a:spcBef>
-              <a:spcAft>
-                <a:spcPts val="0"/>
-              </a:spcAft>
-              <a:buSzPts val="3613"/>
-              <a:buNone/>
-            </a:pPr>
+            <a:pPr algn="ctr"/>
             <a:r>
-              <a:rPr lang="en-AU"/>
-              <a:t>Section 1 - Putting you into teams!</a:t>
+              <a:rPr lang="en-AU" sz="3200" dirty="0">
+                <a:solidFill>
+                  <a:schemeClr val="bg1"/>
+                </a:solidFill>
+              </a:rPr>
+              <a:t>VGT and IYW are highly correlated</a:t>
             </a:r>
-            <a:endParaRPr/>
           </a:p>
           <a:p>
-            <a:pPr indent="0" lvl="0" marL="0" rtl="0" algn="l">
-              <a:lnSpc>
-                <a:spcPct val="100000"/>
-              </a:lnSpc>
-              <a:spcBef>
-                <a:spcPts val="1000"/>
-              </a:spcBef>
-              <a:spcAft>
-                <a:spcPts val="0"/>
-              </a:spcAft>
-              <a:buSzPts val="3613"/>
-              <a:buNone/>
-            </a:pPr>
-            <a:r>
-              <a:t/>
-            </a:r>
-            <a:endParaRPr/>
+            <a:pPr algn="ctr"/>
+            <a:endParaRPr lang="en-AU" sz="3200" dirty="0">
+              <a:solidFill>
+                <a:schemeClr val="bg1"/>
+              </a:solidFill>
+            </a:endParaRPr>
           </a:p>
           <a:p>
-            <a:pPr indent="0" lvl="0" marL="0" rtl="0" algn="l">
-              <a:lnSpc>
-                <a:spcPct val="100000"/>
-              </a:lnSpc>
-              <a:spcBef>
-                <a:spcPts val="1000"/>
-              </a:spcBef>
-              <a:spcAft>
-                <a:spcPts val="0"/>
-              </a:spcAft>
-              <a:buSzPts val="3613"/>
-              <a:buNone/>
-            </a:pPr>
+            <a:pPr algn="ctr"/>
             <a:r>
-              <a:rPr lang="en-AU"/>
-              <a:t>Section 2 - Workshop</a:t>
+              <a:rPr lang="en-AU" sz="3200" dirty="0">
+                <a:solidFill>
+                  <a:schemeClr val="bg1"/>
+                </a:solidFill>
+              </a:rPr>
+              <a:t>PAIRS TRADING!</a:t>
             </a:r>
-            <a:endParaRPr/>
-          </a:p>
-          <a:p>
-            <a:pPr indent="0" lvl="0" marL="0" rtl="0" algn="l">
-              <a:lnSpc>
-                <a:spcPct val="100000"/>
-              </a:lnSpc>
-              <a:spcBef>
-                <a:spcPts val="1000"/>
-              </a:spcBef>
-              <a:spcAft>
-                <a:spcPts val="0"/>
-              </a:spcAft>
-              <a:buSzPts val="3613"/>
-              <a:buNone/>
-            </a:pPr>
-            <a:r>
-              <a:t/>
-            </a:r>
-            <a:endParaRPr/>
-          </a:p>
-          <a:p>
-            <a:pPr indent="-406400" lvl="0" marL="457200" rtl="0" algn="l">
-              <a:lnSpc>
-                <a:spcPct val="100000"/>
-              </a:lnSpc>
-              <a:spcBef>
-                <a:spcPts val="1000"/>
-              </a:spcBef>
-              <a:spcAft>
-                <a:spcPts val="0"/>
-              </a:spcAft>
-              <a:buSzPts val="2800"/>
-              <a:buChar char="-"/>
-            </a:pPr>
-            <a:r>
-              <a:rPr lang="en-AU"/>
-              <a:t>Recap of last week</a:t>
-            </a:r>
-            <a:endParaRPr/>
-          </a:p>
-          <a:p>
-            <a:pPr indent="-406400" lvl="0" marL="457200" rtl="0" algn="l">
-              <a:lnSpc>
-                <a:spcPct val="100000"/>
-              </a:lnSpc>
-              <a:spcBef>
-                <a:spcPts val="0"/>
-              </a:spcBef>
-              <a:spcAft>
-                <a:spcPts val="0"/>
-              </a:spcAft>
-              <a:buSzPts val="2800"/>
-              <a:buChar char="-"/>
-            </a:pPr>
-            <a:r>
-              <a:rPr lang="en-AU"/>
-              <a:t>Pulling from API</a:t>
-            </a:r>
-            <a:endParaRPr/>
-          </a:p>
-          <a:p>
-            <a:pPr indent="-406400" lvl="0" marL="457200" rtl="0" algn="l">
-              <a:lnSpc>
-                <a:spcPct val="100000"/>
-              </a:lnSpc>
-              <a:spcBef>
-                <a:spcPts val="0"/>
-              </a:spcBef>
-              <a:spcAft>
-                <a:spcPts val="0"/>
-              </a:spcAft>
-              <a:buSzPts val="2800"/>
-              <a:buChar char="-"/>
-            </a:pPr>
-            <a:r>
-              <a:rPr lang="en-AU"/>
-              <a:t>qfinuwa package</a:t>
-            </a:r>
-            <a:endParaRPr/>
-          </a:p>
-          <a:p>
-            <a:pPr indent="-406400" lvl="0" marL="457200" rtl="0" algn="l">
-              <a:lnSpc>
-                <a:spcPct val="100000"/>
-              </a:lnSpc>
-              <a:spcBef>
-                <a:spcPts val="0"/>
-              </a:spcBef>
-              <a:spcAft>
-                <a:spcPts val="0"/>
-              </a:spcAft>
-              <a:buSzPts val="2800"/>
-              <a:buChar char="-"/>
-            </a:pPr>
-            <a:r>
-              <a:rPr lang="en-AU"/>
-              <a:t>Implementing Indicators</a:t>
-            </a:r>
-            <a:endParaRPr/>
-          </a:p>
-        </p:txBody>
-      </p:sp>
-      <p:sp>
-        <p:nvSpPr>
-          <p:cNvPr id="97" name="Google Shape;97;p2"/>
-          <p:cNvSpPr txBox="1"/>
-          <p:nvPr>
-            <p:ph type="title"/>
-          </p:nvPr>
-        </p:nvSpPr>
-        <p:spPr>
-          <a:xfrm>
-            <a:off x="838200" y="18255"/>
-            <a:ext cx="10515600" cy="1325563"/>
-          </a:xfrm>
-          <a:prstGeom prst="rect">
-            <a:avLst/>
-          </a:prstGeom>
-          <a:noFill/>
-          <a:ln>
-            <a:noFill/>
-          </a:ln>
-        </p:spPr>
-        <p:txBody>
-          <a:bodyPr anchorCtr="0" anchor="ctr" bIns="45700" lIns="91425" spcFirstLastPara="1" rIns="91425" wrap="square" tIns="45700">
-            <a:normAutofit/>
-          </a:bodyPr>
-          <a:lstStyle/>
-          <a:p>
-            <a:pPr indent="0" lvl="0" marL="0" rtl="0" algn="l">
-              <a:lnSpc>
-                <a:spcPct val="90000"/>
-              </a:lnSpc>
-              <a:spcBef>
-                <a:spcPts val="0"/>
-              </a:spcBef>
-              <a:spcAft>
-                <a:spcPts val="0"/>
-              </a:spcAft>
-              <a:buClr>
-                <a:schemeClr val="lt1"/>
-              </a:buClr>
-              <a:buSzPts val="4000"/>
-              <a:buFont typeface="Calibri"/>
-              <a:buNone/>
-            </a:pPr>
-            <a:r>
-              <a:rPr lang="en-AU" sz="5000"/>
-              <a:t>Today’s Agenda:</a:t>
-            </a:r>
-            <a:endParaRPr sz="5000"/>
           </a:p>
         </p:txBody>
       </p:sp>
     </p:spTree>
+    <p:extLst>
+      <p:ext uri="{BB962C8B-B14F-4D97-AF65-F5344CB8AC3E}">
+        <p14:creationId xmlns:p14="http://schemas.microsoft.com/office/powerpoint/2010/main" val="1168973492"/>
+      </p:ext>
+    </p:extLst>
   </p:cSld>
   <p:clrMapOvr>
     <a:masterClrMapping/>
@@ -15437,11 +15115,11 @@
 </file>
 
 <file path=ppt/slides/slide3.xml><?xml version="1.0" encoding="utf-8"?>
-<p:sld xmlns:a="http://schemas.openxmlformats.org/drawingml/2006/main" xmlns:r="http://schemas.openxmlformats.org/officeDocument/2006/relationships" xmlns:mc="http://schemas.openxmlformats.org/markup-compatibility/2006" xmlns:mv="urn:schemas-microsoft-com:mac:vml" xmlns:p="http://schemas.openxmlformats.org/presentationml/2006/main" xmlns:c="http://schemas.openxmlformats.org/drawingml/2006/chart" xmlns:dgm="http://schemas.openxmlformats.org/drawingml/2006/diagram" xmlns:o="urn:schemas-microsoft-com:office:office" xmlns:v="urn:schemas-microsoft-com:vml" xmlns:pvml="urn:schemas-microsoft-com:office:powerpoint" xmlns:com="http://schemas.openxmlformats.org/drawingml/2006/compatibility" xmlns:p14="http://schemas.microsoft.com/office/powerpoint/2010/main" xmlns:p15="http://schemas.microsoft.com/office/powerpoint/2012/main" xmlns:ahyp="http://schemas.microsoft.com/office/drawing/2018/hyperlinkcolor">
+<p:sld xmlns:a="http://schemas.openxmlformats.org/drawingml/2006/main" xmlns:r="http://schemas.openxmlformats.org/officeDocument/2006/relationships" xmlns:p="http://schemas.openxmlformats.org/presentationml/2006/main">
   <p:cSld>
     <p:spTree>
       <p:nvGrpSpPr>
-        <p:cNvPr id="102" name="Shape 102"/>
+        <p:cNvPr id="1" name=""/>
         <p:cNvGrpSpPr/>
         <p:nvPr/>
       </p:nvGrpSpPr>
@@ -15455,128 +15133,68 @@
       </p:grpSpPr>
       <p:sp>
         <p:nvSpPr>
-          <p:cNvPr id="103" name="Google Shape;103;g21dc117e85d_0_15"/>
-          <p:cNvSpPr txBox="1"/>
+          <p:cNvPr id="2" name="Title 1">
+            <a:extLst>
+              <a:ext uri="{FF2B5EF4-FFF2-40B4-BE49-F238E27FC236}">
+                <a16:creationId xmlns:a16="http://schemas.microsoft.com/office/drawing/2014/main" id="{84B1DFA8-FE93-D693-2AA5-523DD8BE2884}"/>
+              </a:ext>
+            </a:extLst>
+          </p:cNvPr>
+          <p:cNvSpPr>
+            <a:spLocks noGrp="1"/>
+          </p:cNvSpPr>
           <p:nvPr>
             <p:ph type="title"/>
           </p:nvPr>
         </p:nvSpPr>
-        <p:spPr>
-          <a:xfrm>
-            <a:off x="838200" y="18255"/>
-            <a:ext cx="10515600" cy="1325700"/>
-          </a:xfrm>
-          <a:prstGeom prst="rect">
-            <a:avLst/>
-          </a:prstGeom>
-          <a:noFill/>
-          <a:ln>
-            <a:noFill/>
-          </a:ln>
-        </p:spPr>
+        <p:spPr/>
         <p:txBody>
-          <a:bodyPr anchorCtr="0" anchor="ctr" bIns="45700" lIns="91425" spcFirstLastPara="1" rIns="91425" wrap="square" tIns="45700">
-            <a:normAutofit/>
-          </a:bodyPr>
+          <a:bodyPr/>
           <a:lstStyle/>
           <a:p>
-            <a:pPr indent="0" lvl="0" marL="0" rtl="0" algn="l">
-              <a:lnSpc>
-                <a:spcPct val="90000"/>
-              </a:lnSpc>
-              <a:spcBef>
-                <a:spcPts val="0"/>
-              </a:spcBef>
-              <a:spcAft>
-                <a:spcPts val="0"/>
-              </a:spcAft>
-              <a:buSzPts val="4000"/>
-              <a:buNone/>
-            </a:pPr>
             <a:r>
-              <a:rPr lang="en-AU"/>
-              <a:t>Optiver event next week!</a:t>
+              <a:rPr lang="en-AU" dirty="0"/>
+              <a:t>Pairs Trading - Indicator</a:t>
             </a:r>
-            <a:endParaRPr/>
-          </a:p>
-        </p:txBody>
-      </p:sp>
-      <p:sp>
-        <p:nvSpPr>
-          <p:cNvPr id="104" name="Google Shape;104;g21dc117e85d_0_15"/>
-          <p:cNvSpPr txBox="1"/>
-          <p:nvPr>
-            <p:ph idx="1" type="body"/>
-          </p:nvPr>
-        </p:nvSpPr>
-        <p:spPr>
-          <a:xfrm>
-            <a:off x="844731" y="1847304"/>
-            <a:ext cx="10515600" cy="4259700"/>
-          </a:xfrm>
-          <a:prstGeom prst="rect">
-            <a:avLst/>
-          </a:prstGeom>
-          <a:noFill/>
-          <a:ln>
-            <a:noFill/>
-          </a:ln>
-        </p:spPr>
-        <p:txBody>
-          <a:bodyPr anchorCtr="0" anchor="t" bIns="45700" lIns="91425" spcFirstLastPara="1" rIns="91425" wrap="square" tIns="45700">
-            <a:normAutofit/>
-          </a:bodyPr>
-          <a:lstStyle/>
-          <a:p>
-            <a:pPr indent="0" lvl="0" marL="0" rtl="0" algn="l">
-              <a:lnSpc>
-                <a:spcPct val="90000"/>
-              </a:lnSpc>
-              <a:spcBef>
-                <a:spcPts val="1000"/>
-              </a:spcBef>
-              <a:spcAft>
-                <a:spcPts val="0"/>
-              </a:spcAft>
-              <a:buSzPts val="2800"/>
-              <a:buNone/>
-            </a:pPr>
-            <a:r>
-              <a:t/>
-            </a:r>
-            <a:endParaRPr/>
           </a:p>
         </p:txBody>
       </p:sp>
       <p:pic>
         <p:nvPicPr>
-          <p:cNvPr id="105" name="Google Shape;105;g21dc117e85d_0_15"/>
-          <p:cNvPicPr preferRelativeResize="0"/>
+          <p:cNvPr id="7" name="Picture 6">
+            <a:extLst>
+              <a:ext uri="{FF2B5EF4-FFF2-40B4-BE49-F238E27FC236}">
+                <a16:creationId xmlns:a16="http://schemas.microsoft.com/office/drawing/2014/main" id="{D8823599-FC27-1495-9501-2EB78962743E}"/>
+              </a:ext>
+            </a:extLst>
+          </p:cNvPr>
+          <p:cNvPicPr>
+            <a:picLocks noChangeAspect="1"/>
+          </p:cNvPicPr>
           <p:nvPr/>
         </p:nvPicPr>
         <p:blipFill>
-          <a:blip r:embed="rId3">
-            <a:alphaModFix/>
-          </a:blip>
+          <a:blip r:embed="rId2"/>
           <a:stretch>
             <a:fillRect/>
           </a:stretch>
         </p:blipFill>
         <p:spPr>
           <a:xfrm>
-            <a:off x="1340675" y="1619998"/>
-            <a:ext cx="9680700" cy="4923100"/>
+            <a:off x="632782" y="1488510"/>
+            <a:ext cx="5620534" cy="2229161"/>
           </a:xfrm>
           <a:prstGeom prst="rect">
             <a:avLst/>
           </a:prstGeom>
-          <a:noFill/>
-          <a:ln>
-            <a:noFill/>
-          </a:ln>
         </p:spPr>
       </p:pic>
     </p:spTree>
+    <p:extLst>
+      <p:ext uri="{BB962C8B-B14F-4D97-AF65-F5344CB8AC3E}">
+        <p14:creationId xmlns:p14="http://schemas.microsoft.com/office/powerpoint/2010/main" val="1783288415"/>
+      </p:ext>
+    </p:extLst>
   </p:cSld>
   <p:clrMapOvr>
     <a:masterClrMapping/>
@@ -15585,11 +15203,11 @@
 </file>
 
 <file path=ppt/slides/slide4.xml><?xml version="1.0" encoding="utf-8"?>
-<p:sld xmlns:a="http://schemas.openxmlformats.org/drawingml/2006/main" xmlns:r="http://schemas.openxmlformats.org/officeDocument/2006/relationships" xmlns:mc="http://schemas.openxmlformats.org/markup-compatibility/2006" xmlns:mv="urn:schemas-microsoft-com:mac:vml" xmlns:p="http://schemas.openxmlformats.org/presentationml/2006/main" xmlns:c="http://schemas.openxmlformats.org/drawingml/2006/chart" xmlns:dgm="http://schemas.openxmlformats.org/drawingml/2006/diagram" xmlns:o="urn:schemas-microsoft-com:office:office" xmlns:v="urn:schemas-microsoft-com:vml" xmlns:pvml="urn:schemas-microsoft-com:office:powerpoint" xmlns:com="http://schemas.openxmlformats.org/drawingml/2006/compatibility" xmlns:p14="http://schemas.microsoft.com/office/powerpoint/2010/main" xmlns:p15="http://schemas.microsoft.com/office/powerpoint/2012/main" xmlns:ahyp="http://schemas.microsoft.com/office/drawing/2018/hyperlinkcolor">
+<p:sld xmlns:a="http://schemas.openxmlformats.org/drawingml/2006/main" xmlns:r="http://schemas.openxmlformats.org/officeDocument/2006/relationships" xmlns:p="http://schemas.openxmlformats.org/presentationml/2006/main">
   <p:cSld>
     <p:spTree>
       <p:nvGrpSpPr>
-        <p:cNvPr id="110" name="Shape 110"/>
+        <p:cNvPr id="1" name=""/>
         <p:cNvGrpSpPr/>
         <p:nvPr/>
       </p:nvGrpSpPr>
@@ -15603,112 +15221,68 @@
       </p:grpSpPr>
       <p:sp>
         <p:nvSpPr>
-          <p:cNvPr id="111" name="Google Shape;111;g1f9c2f4f056_0_1"/>
-          <p:cNvSpPr txBox="1"/>
+          <p:cNvPr id="2" name="Title 1">
+            <a:extLst>
+              <a:ext uri="{FF2B5EF4-FFF2-40B4-BE49-F238E27FC236}">
+                <a16:creationId xmlns:a16="http://schemas.microsoft.com/office/drawing/2014/main" id="{C7DD264B-CE1C-F94F-EE9B-591644A406ED}"/>
+              </a:ext>
+            </a:extLst>
+          </p:cNvPr>
+          <p:cNvSpPr>
+            <a:spLocks noGrp="1"/>
+          </p:cNvSpPr>
           <p:nvPr>
             <p:ph type="title"/>
           </p:nvPr>
         </p:nvSpPr>
-        <p:spPr>
-          <a:xfrm>
-            <a:off x="838200" y="18255"/>
-            <a:ext cx="10515600" cy="1325700"/>
-          </a:xfrm>
-          <a:prstGeom prst="rect">
-            <a:avLst/>
-          </a:prstGeom>
-        </p:spPr>
+        <p:spPr/>
         <p:txBody>
-          <a:bodyPr anchorCtr="0" anchor="ctr" bIns="45700" lIns="91425" spcFirstLastPara="1" rIns="91425" wrap="square" tIns="45700">
-            <a:normAutofit/>
-          </a:bodyPr>
+          <a:bodyPr/>
           <a:lstStyle/>
           <a:p>
-            <a:pPr indent="0" lvl="0" marL="0" rtl="0" algn="l">
-              <a:spcBef>
-                <a:spcPts val="0"/>
-              </a:spcBef>
-              <a:spcAft>
-                <a:spcPts val="0"/>
-              </a:spcAft>
-              <a:buNone/>
-            </a:pPr>
             <a:r>
-              <a:rPr lang="en-AU"/>
-              <a:t>Another Optiver event next week!</a:t>
+              <a:rPr lang="en-AU" dirty="0"/>
+              <a:t>Pairs Trading - Strategy</a:t>
             </a:r>
-            <a:endParaRPr/>
-          </a:p>
-        </p:txBody>
-      </p:sp>
-      <p:sp>
-        <p:nvSpPr>
-          <p:cNvPr id="112" name="Google Shape;112;g1f9c2f4f056_0_1"/>
-          <p:cNvSpPr txBox="1"/>
-          <p:nvPr>
-            <p:ph idx="1" type="body"/>
-          </p:nvPr>
-        </p:nvSpPr>
-        <p:spPr>
-          <a:xfrm>
-            <a:off x="844731" y="1847304"/>
-            <a:ext cx="10515600" cy="4259700"/>
-          </a:xfrm>
-          <a:prstGeom prst="rect">
-            <a:avLst/>
-          </a:prstGeom>
-        </p:spPr>
-        <p:txBody>
-          <a:bodyPr anchorCtr="0" anchor="t" bIns="45700" lIns="91425" spcFirstLastPara="1" rIns="91425" wrap="square" tIns="45700">
-            <a:normAutofit/>
-          </a:bodyPr>
-          <a:lstStyle/>
-          <a:p>
-            <a:pPr indent="0" lvl="0" marL="0" rtl="0" algn="l">
-              <a:spcBef>
-                <a:spcPts val="1000"/>
-              </a:spcBef>
-              <a:spcAft>
-                <a:spcPts val="0"/>
-              </a:spcAft>
-              <a:buNone/>
-            </a:pPr>
-            <a:r>
-              <a:t/>
-            </a:r>
-            <a:endParaRPr/>
           </a:p>
         </p:txBody>
       </p:sp>
       <p:pic>
         <p:nvPicPr>
-          <p:cNvPr id="113" name="Google Shape;113;g1f9c2f4f056_0_1"/>
-          <p:cNvPicPr preferRelativeResize="0"/>
+          <p:cNvPr id="5" name="Picture 4">
+            <a:extLst>
+              <a:ext uri="{FF2B5EF4-FFF2-40B4-BE49-F238E27FC236}">
+                <a16:creationId xmlns:a16="http://schemas.microsoft.com/office/drawing/2014/main" id="{DC3E3E4A-D4C1-C418-CE71-F6E64DD2F16E}"/>
+              </a:ext>
+            </a:extLst>
+          </p:cNvPr>
+          <p:cNvPicPr>
+            <a:picLocks noChangeAspect="1"/>
+          </p:cNvPicPr>
           <p:nvPr/>
         </p:nvPicPr>
         <p:blipFill>
-          <a:blip r:embed="rId3">
-            <a:alphaModFix/>
-          </a:blip>
+          <a:blip r:embed="rId2"/>
           <a:stretch>
             <a:fillRect/>
           </a:stretch>
         </p:blipFill>
         <p:spPr>
           <a:xfrm>
-            <a:off x="844713" y="1534450"/>
-            <a:ext cx="10236075" cy="4885399"/>
+            <a:off x="462608" y="1425677"/>
+            <a:ext cx="5446579" cy="5033448"/>
           </a:xfrm>
           <a:prstGeom prst="rect">
             <a:avLst/>
           </a:prstGeom>
-          <a:noFill/>
-          <a:ln>
-            <a:noFill/>
-          </a:ln>
         </p:spPr>
       </p:pic>
     </p:spTree>
+    <p:extLst>
+      <p:ext uri="{BB962C8B-B14F-4D97-AF65-F5344CB8AC3E}">
+        <p14:creationId xmlns:p14="http://schemas.microsoft.com/office/powerpoint/2010/main" val="1780000538"/>
+      </p:ext>
+    </p:extLst>
   </p:cSld>
   <p:clrMapOvr>
     <a:masterClrMapping/>
@@ -15717,11 +15291,11 @@
 </file>
 
 <file path=ppt/slides/slide5.xml><?xml version="1.0" encoding="utf-8"?>
-<p:sld xmlns:a="http://schemas.openxmlformats.org/drawingml/2006/main" xmlns:r="http://schemas.openxmlformats.org/officeDocument/2006/relationships" xmlns:mc="http://schemas.openxmlformats.org/markup-compatibility/2006" xmlns:mv="urn:schemas-microsoft-com:mac:vml" xmlns:p="http://schemas.openxmlformats.org/presentationml/2006/main" xmlns:c="http://schemas.openxmlformats.org/drawingml/2006/chart" xmlns:dgm="http://schemas.openxmlformats.org/drawingml/2006/diagram" xmlns:o="urn:schemas-microsoft-com:office:office" xmlns:v="urn:schemas-microsoft-com:vml" xmlns:pvml="urn:schemas-microsoft-com:office:powerpoint" xmlns:com="http://schemas.openxmlformats.org/drawingml/2006/compatibility" xmlns:p14="http://schemas.microsoft.com/office/powerpoint/2010/main" xmlns:p15="http://schemas.microsoft.com/office/powerpoint/2012/main" xmlns:ahyp="http://schemas.microsoft.com/office/drawing/2018/hyperlinkcolor">
+<p:sld xmlns:a="http://schemas.openxmlformats.org/drawingml/2006/main" xmlns:r="http://schemas.openxmlformats.org/officeDocument/2006/relationships" xmlns:p="http://schemas.openxmlformats.org/presentationml/2006/main">
   <p:cSld>
     <p:spTree>
       <p:nvGrpSpPr>
-        <p:cNvPr id="118" name="Shape 118"/>
+        <p:cNvPr id="1" name=""/>
         <p:cNvGrpSpPr/>
         <p:nvPr/>
       </p:nvGrpSpPr>
@@ -15735,112 +15309,67 @@
       </p:grpSpPr>
       <p:sp>
         <p:nvSpPr>
-          <p:cNvPr id="119" name="Google Shape;119;g1f9c2f4f056_0_8"/>
-          <p:cNvSpPr txBox="1"/>
+          <p:cNvPr id="2" name="Title 1">
+            <a:extLst>
+              <a:ext uri="{FF2B5EF4-FFF2-40B4-BE49-F238E27FC236}">
+                <a16:creationId xmlns:a16="http://schemas.microsoft.com/office/drawing/2014/main" id="{EA2B4730-AE37-6118-E75B-A3DEEB78E548}"/>
+              </a:ext>
+            </a:extLst>
+          </p:cNvPr>
+          <p:cNvSpPr>
+            <a:spLocks noGrp="1"/>
+          </p:cNvSpPr>
           <p:nvPr>
             <p:ph type="title"/>
           </p:nvPr>
         </p:nvSpPr>
+        <p:spPr/>
+        <p:txBody>
+          <a:bodyPr/>
+          <a:lstStyle/>
+          <a:p>
+            <a:r>
+              <a:rPr lang="en-AU" dirty="0"/>
+              <a:t>Pairs Strategy - Results</a:t>
+            </a:r>
+          </a:p>
+        </p:txBody>
+      </p:sp>
+      <p:pic>
+        <p:nvPicPr>
+          <p:cNvPr id="7" name="Picture 6">
+            <a:extLst>
+              <a:ext uri="{FF2B5EF4-FFF2-40B4-BE49-F238E27FC236}">
+                <a16:creationId xmlns:a16="http://schemas.microsoft.com/office/drawing/2014/main" id="{F40AF75A-B382-42E6-E842-E5AA12CBAF7E}"/>
+              </a:ext>
+            </a:extLst>
+          </p:cNvPr>
+          <p:cNvPicPr>
+            <a:picLocks noChangeAspect="1"/>
+          </p:cNvPicPr>
+          <p:nvPr/>
+        </p:nvPicPr>
+        <p:blipFill>
+          <a:blip/>
+          <a:srcRect/>
+          <a:stretch/>
+        </p:blipFill>
         <p:spPr>
           <a:xfrm>
-            <a:off x="838200" y="18255"/>
-            <a:ext cx="10515600" cy="1325700"/>
+            <a:off x="5619750" y="2952750"/>
+            <a:ext cx="952500" cy="952500"/>
           </a:xfrm>
           <a:prstGeom prst="rect">
             <a:avLst/>
           </a:prstGeom>
         </p:spPr>
-        <p:txBody>
-          <a:bodyPr anchorCtr="0" anchor="ctr" bIns="45700" lIns="91425" spcFirstLastPara="1" rIns="91425" wrap="square" tIns="45700">
-            <a:normAutofit/>
-          </a:bodyPr>
-          <a:lstStyle/>
-          <a:p>
-            <a:pPr indent="0" lvl="0" marL="0" rtl="0" algn="l">
-              <a:spcBef>
-                <a:spcPts val="0"/>
-              </a:spcBef>
-              <a:spcAft>
-                <a:spcPts val="0"/>
-              </a:spcAft>
-              <a:buNone/>
-            </a:pPr>
-            <a:r>
-              <a:rPr lang="en-AU"/>
-              <a:t>TRADING TEAMS</a:t>
-            </a:r>
-            <a:endParaRPr/>
-          </a:p>
-        </p:txBody>
-      </p:sp>
-      <p:sp>
-        <p:nvSpPr>
-          <p:cNvPr id="120" name="Google Shape;120;g1f9c2f4f056_0_8"/>
-          <p:cNvSpPr txBox="1"/>
-          <p:nvPr>
-            <p:ph idx="1" type="body"/>
-          </p:nvPr>
-        </p:nvSpPr>
-        <p:spPr>
-          <a:xfrm>
-            <a:off x="844731" y="1847304"/>
-            <a:ext cx="10515600" cy="4259700"/>
-          </a:xfrm>
-          <a:prstGeom prst="rect">
-            <a:avLst/>
-          </a:prstGeom>
-        </p:spPr>
-        <p:txBody>
-          <a:bodyPr anchorCtr="0" anchor="t" bIns="45700" lIns="91425" spcFirstLastPara="1" rIns="91425" wrap="square" tIns="45700">
-            <a:normAutofit/>
-          </a:bodyPr>
-          <a:lstStyle/>
-          <a:p>
-            <a:pPr indent="0" lvl="0" marL="0" rtl="0" algn="l">
-              <a:spcBef>
-                <a:spcPts val="1000"/>
-              </a:spcBef>
-              <a:spcAft>
-                <a:spcPts val="0"/>
-              </a:spcAft>
-              <a:buNone/>
-            </a:pPr>
-            <a:r>
-              <a:t/>
-            </a:r>
-            <a:endParaRPr/>
-          </a:p>
-        </p:txBody>
-      </p:sp>
-      <p:pic>
-        <p:nvPicPr>
-          <p:cNvPr id="121" name="Google Shape;121;g1f9c2f4f056_0_8"/>
-          <p:cNvPicPr preferRelativeResize="0"/>
-          <p:nvPr/>
-        </p:nvPicPr>
-        <p:blipFill>
-          <a:blip r:embed="rId3">
-            <a:alphaModFix/>
-          </a:blip>
-          <a:stretch>
-            <a:fillRect/>
-          </a:stretch>
-        </p:blipFill>
-        <p:spPr>
-          <a:xfrm>
-            <a:off x="274668" y="2026100"/>
-            <a:ext cx="11655725" cy="3764250"/>
-          </a:xfrm>
-          <a:prstGeom prst="rect">
-            <a:avLst/>
-          </a:prstGeom>
-          <a:noFill/>
-          <a:ln>
-            <a:noFill/>
-          </a:ln>
-        </p:spPr>
       </p:pic>
     </p:spTree>
+    <p:extLst>
+      <p:ext uri="{BB962C8B-B14F-4D97-AF65-F5344CB8AC3E}">
+        <p14:creationId xmlns:p14="http://schemas.microsoft.com/office/powerpoint/2010/main" val="1288116916"/>
+      </p:ext>
+    </p:extLst>
   </p:cSld>
   <p:clrMapOvr>
     <a:masterClrMapping/>
@@ -15849,11 +15378,11 @@
 </file>
 
 <file path=ppt/slides/slide6.xml><?xml version="1.0" encoding="utf-8"?>
-<p:sld xmlns:a="http://schemas.openxmlformats.org/drawingml/2006/main" xmlns:r="http://schemas.openxmlformats.org/officeDocument/2006/relationships" xmlns:mc="http://schemas.openxmlformats.org/markup-compatibility/2006" xmlns:mv="urn:schemas-microsoft-com:mac:vml" xmlns:p="http://schemas.openxmlformats.org/presentationml/2006/main" xmlns:c="http://schemas.openxmlformats.org/drawingml/2006/chart" xmlns:dgm="http://schemas.openxmlformats.org/drawingml/2006/diagram" xmlns:o="urn:schemas-microsoft-com:office:office" xmlns:v="urn:schemas-microsoft-com:vml" xmlns:pvml="urn:schemas-microsoft-com:office:powerpoint" xmlns:com="http://schemas.openxmlformats.org/drawingml/2006/compatibility" xmlns:p14="http://schemas.microsoft.com/office/powerpoint/2010/main" xmlns:p15="http://schemas.microsoft.com/office/powerpoint/2012/main" xmlns:ahyp="http://schemas.microsoft.com/office/drawing/2018/hyperlinkcolor">
+<p:sld xmlns:a="http://schemas.openxmlformats.org/drawingml/2006/main" xmlns:r="http://schemas.openxmlformats.org/officeDocument/2006/relationships" xmlns:p="http://schemas.openxmlformats.org/presentationml/2006/main">
   <p:cSld>
     <p:spTree>
       <p:nvGrpSpPr>
-        <p:cNvPr id="126" name="Shape 126"/>
+        <p:cNvPr id="1" name=""/>
         <p:cNvGrpSpPr/>
         <p:nvPr/>
       </p:nvGrpSpPr>
@@ -15867,294 +15396,63 @@
       </p:grpSpPr>
       <p:sp>
         <p:nvSpPr>
-          <p:cNvPr id="127" name="Google Shape;127;g21dc117e85d_0_0"/>
-          <p:cNvSpPr txBox="1"/>
+          <p:cNvPr id="2" name="Title 1">
+            <a:extLst>
+              <a:ext uri="{FF2B5EF4-FFF2-40B4-BE49-F238E27FC236}">
+                <a16:creationId xmlns:a16="http://schemas.microsoft.com/office/drawing/2014/main" id="{F02CC09A-E061-99A0-AF33-049101430E2F}"/>
+              </a:ext>
+            </a:extLst>
+          </p:cNvPr>
+          <p:cNvSpPr>
+            <a:spLocks noGrp="1"/>
+          </p:cNvSpPr>
           <p:nvPr>
             <p:ph type="title"/>
           </p:nvPr>
         </p:nvSpPr>
-        <p:spPr>
-          <a:xfrm>
-            <a:off x="838200" y="18255"/>
-            <a:ext cx="10515600" cy="1325700"/>
-          </a:xfrm>
-          <a:prstGeom prst="rect">
-            <a:avLst/>
-          </a:prstGeom>
-          <a:noFill/>
-          <a:ln>
-            <a:noFill/>
-          </a:ln>
-        </p:spPr>
+        <p:spPr/>
         <p:txBody>
-          <a:bodyPr anchorCtr="0" anchor="ctr" bIns="45700" lIns="91425" spcFirstLastPara="1" rIns="91425" wrap="square" tIns="45700">
-            <a:normAutofit/>
-          </a:bodyPr>
+          <a:bodyPr/>
           <a:lstStyle/>
           <a:p>
-            <a:pPr indent="0" lvl="0" marL="0" rtl="0" algn="l">
-              <a:lnSpc>
-                <a:spcPct val="90000"/>
-              </a:lnSpc>
-              <a:spcBef>
-                <a:spcPts val="0"/>
-              </a:spcBef>
-              <a:spcAft>
-                <a:spcPts val="0"/>
-              </a:spcAft>
-              <a:buSzPts val="4000"/>
-              <a:buNone/>
-            </a:pPr>
             <a:r>
-              <a:rPr lang="en-AU"/>
-              <a:t>Installing VSCode and Python</a:t>
+              <a:rPr lang="en-AU" dirty="0"/>
+              <a:t>Volatility</a:t>
             </a:r>
-            <a:endParaRPr/>
           </a:p>
         </p:txBody>
       </p:sp>
       <p:sp>
         <p:nvSpPr>
-          <p:cNvPr id="128" name="Google Shape;128;g21dc117e85d_0_0"/>
-          <p:cNvSpPr txBox="1"/>
+          <p:cNvPr id="3" name="Text Placeholder 2">
+            <a:extLst>
+              <a:ext uri="{FF2B5EF4-FFF2-40B4-BE49-F238E27FC236}">
+                <a16:creationId xmlns:a16="http://schemas.microsoft.com/office/drawing/2014/main" id="{3A181B3A-92B7-606D-3091-7830117D042B}"/>
+              </a:ext>
+            </a:extLst>
+          </p:cNvPr>
+          <p:cNvSpPr>
+            <a:spLocks noGrp="1"/>
+          </p:cNvSpPr>
           <p:nvPr>
-            <p:ph idx="1" type="body"/>
+            <p:ph type="body" idx="1"/>
           </p:nvPr>
         </p:nvSpPr>
-        <p:spPr>
-          <a:xfrm>
-            <a:off x="844731" y="1847304"/>
-            <a:ext cx="10515600" cy="4259700"/>
-          </a:xfrm>
-          <a:prstGeom prst="rect">
-            <a:avLst/>
-          </a:prstGeom>
-          <a:noFill/>
-          <a:ln>
-            <a:noFill/>
-          </a:ln>
-        </p:spPr>
+        <p:spPr/>
         <p:txBody>
-          <a:bodyPr anchorCtr="0" anchor="t" bIns="45700" lIns="91425" spcFirstLastPara="1" rIns="91425" wrap="square" tIns="45700">
-            <a:normAutofit lnSpcReduction="10000"/>
-          </a:bodyPr>
+          <a:bodyPr/>
           <a:lstStyle/>
           <a:p>
-            <a:pPr indent="0" lvl="0" marL="0" rtl="0" algn="l">
-              <a:lnSpc>
-                <a:spcPct val="90000"/>
-              </a:lnSpc>
-              <a:spcBef>
-                <a:spcPts val="1000"/>
-              </a:spcBef>
-              <a:spcAft>
-                <a:spcPts val="0"/>
-              </a:spcAft>
-              <a:buSzPts val="2800"/>
-              <a:buNone/>
-            </a:pPr>
-            <a:r>
-              <a:rPr lang="en-AU"/>
-              <a:t>Install VSCode and Python 10 if you haven’t:</a:t>
-            </a:r>
-            <a:endParaRPr/>
-          </a:p>
-          <a:p>
-            <a:pPr indent="0" lvl="0" marL="0" rtl="0" algn="l">
-              <a:lnSpc>
-                <a:spcPct val="90000"/>
-              </a:lnSpc>
-              <a:spcBef>
-                <a:spcPts val="1000"/>
-              </a:spcBef>
-              <a:spcAft>
-                <a:spcPts val="0"/>
-              </a:spcAft>
-              <a:buSzPts val="2800"/>
-              <a:buNone/>
-            </a:pPr>
-            <a:r>
-              <a:rPr lang="en-AU" u="sng">
-                <a:solidFill>
-                  <a:schemeClr val="hlink"/>
-                </a:solidFill>
-                <a:hlinkClick r:id="rId3"/>
-              </a:rPr>
-              <a:t>https://code.visualstudio.com/</a:t>
-            </a:r>
-            <a:endParaRPr/>
-          </a:p>
-          <a:p>
-            <a:pPr indent="0" lvl="0" marL="0" rtl="0" algn="l">
-              <a:lnSpc>
-                <a:spcPct val="90000"/>
-              </a:lnSpc>
-              <a:spcBef>
-                <a:spcPts val="1000"/>
-              </a:spcBef>
-              <a:spcAft>
-                <a:spcPts val="0"/>
-              </a:spcAft>
-              <a:buSzPts val="2800"/>
-              <a:buNone/>
-            </a:pPr>
-            <a:r>
-              <a:t/>
-            </a:r>
-            <a:endParaRPr/>
-          </a:p>
-          <a:p>
-            <a:pPr indent="0" lvl="0" marL="0" rtl="0" algn="l">
-              <a:lnSpc>
-                <a:spcPct val="90000"/>
-              </a:lnSpc>
-              <a:spcBef>
-                <a:spcPts val="1000"/>
-              </a:spcBef>
-              <a:spcAft>
-                <a:spcPts val="0"/>
-              </a:spcAft>
-              <a:buSzPts val="2800"/>
-              <a:buNone/>
-            </a:pPr>
-            <a:r>
-              <a:rPr lang="en-AU" u="sng">
-                <a:solidFill>
-                  <a:schemeClr val="hlink"/>
-                </a:solidFill>
-                <a:hlinkClick r:id="rId4"/>
-              </a:rPr>
-              <a:t>https://www.python.org/downloads/</a:t>
-            </a:r>
-            <a:endParaRPr/>
-          </a:p>
-          <a:p>
-            <a:pPr indent="0" lvl="0" marL="0" rtl="0" algn="l">
-              <a:lnSpc>
-                <a:spcPct val="90000"/>
-              </a:lnSpc>
-              <a:spcBef>
-                <a:spcPts val="1000"/>
-              </a:spcBef>
-              <a:spcAft>
-                <a:spcPts val="0"/>
-              </a:spcAft>
-              <a:buSzPts val="2800"/>
-              <a:buNone/>
-            </a:pPr>
-            <a:r>
-              <a:t/>
-            </a:r>
-            <a:endParaRPr/>
-          </a:p>
-          <a:p>
-            <a:pPr indent="0" lvl="0" marL="0" rtl="0" algn="l">
-              <a:lnSpc>
-                <a:spcPct val="90000"/>
-              </a:lnSpc>
-              <a:spcBef>
-                <a:spcPts val="1000"/>
-              </a:spcBef>
-              <a:spcAft>
-                <a:spcPts val="0"/>
-              </a:spcAft>
-              <a:buSzPts val="2800"/>
-              <a:buNone/>
-            </a:pPr>
-            <a:r>
-              <a:rPr lang="en-AU"/>
-              <a:t>Then open up your cmd, and type in:</a:t>
-            </a:r>
-            <a:endParaRPr/>
-          </a:p>
-          <a:p>
-            <a:pPr indent="0" lvl="0" marL="0" rtl="0" algn="l">
-              <a:lnSpc>
-                <a:spcPct val="90000"/>
-              </a:lnSpc>
-              <a:spcBef>
-                <a:spcPts val="1000"/>
-              </a:spcBef>
-              <a:spcAft>
-                <a:spcPts val="0"/>
-              </a:spcAft>
-              <a:buSzPts val="2800"/>
-              <a:buNone/>
-            </a:pPr>
-            <a:r>
-              <a:rPr lang="en-AU"/>
-              <a:t>pip install lxml matplotlib numpy pandas</a:t>
-            </a:r>
-            <a:endParaRPr/>
-          </a:p>
-          <a:p>
-            <a:pPr indent="0" lvl="0" marL="0" rtl="0" algn="l">
-              <a:lnSpc>
-                <a:spcPct val="90000"/>
-              </a:lnSpc>
-              <a:spcBef>
-                <a:spcPts val="1000"/>
-              </a:spcBef>
-              <a:spcAft>
-                <a:spcPts val="0"/>
-              </a:spcAft>
-              <a:buSzPts val="2800"/>
-              <a:buNone/>
-            </a:pPr>
-            <a:r>
-              <a:t/>
-            </a:r>
-            <a:endParaRPr/>
-          </a:p>
-          <a:p>
-            <a:pPr indent="0" lvl="0" marL="0" rtl="0" algn="l">
-              <a:lnSpc>
-                <a:spcPct val="90000"/>
-              </a:lnSpc>
-              <a:spcBef>
-                <a:spcPts val="1000"/>
-              </a:spcBef>
-              <a:spcAft>
-                <a:spcPts val="0"/>
-              </a:spcAft>
-              <a:buSzPts val="2800"/>
-              <a:buNone/>
-            </a:pPr>
-            <a:r>
-              <a:t/>
-            </a:r>
-            <a:endParaRPr/>
+            <a:endParaRPr lang="en-AU"/>
           </a:p>
         </p:txBody>
       </p:sp>
-      <p:pic>
-        <p:nvPicPr>
-          <p:cNvPr id="129" name="Google Shape;129;g21dc117e85d_0_0"/>
-          <p:cNvPicPr preferRelativeResize="0"/>
-          <p:nvPr/>
-        </p:nvPicPr>
-        <p:blipFill rotWithShape="1">
-          <a:blip r:embed="rId5">
-            <a:alphaModFix/>
-          </a:blip>
-          <a:srcRect b="0" l="0" r="0" t="0"/>
-          <a:stretch/>
-        </p:blipFill>
-        <p:spPr>
-          <a:xfrm>
-            <a:off x="1010750" y="5237697"/>
-            <a:ext cx="8480075" cy="654775"/>
-          </a:xfrm>
-          <a:prstGeom prst="rect">
-            <a:avLst/>
-          </a:prstGeom>
-          <a:noFill/>
-          <a:ln>
-            <a:noFill/>
-          </a:ln>
-        </p:spPr>
-      </p:pic>
     </p:spTree>
+    <p:extLst>
+      <p:ext uri="{BB962C8B-B14F-4D97-AF65-F5344CB8AC3E}">
+        <p14:creationId xmlns:p14="http://schemas.microsoft.com/office/powerpoint/2010/main" val="184825024"/>
+      </p:ext>
+    </p:extLst>
   </p:cSld>
   <p:clrMapOvr>
     <a:masterClrMapping/>
@@ -16163,7 +15461,7 @@
 </file>
 
 <file path=ppt/theme/theme1.xml><?xml version="1.0" encoding="utf-8"?>
-<a:theme xmlns:a="http://schemas.openxmlformats.org/drawingml/2006/main" xmlns:r="http://schemas.openxmlformats.org/officeDocument/2006/relationships" name="Office Theme">
+<a:theme xmlns:a="http://schemas.openxmlformats.org/drawingml/2006/main" name="Office Theme">
   <a:themeElements>
     <a:clrScheme name="Office">
       <a:dk1>
@@ -16438,11 +15736,13 @@
       </a:bgFillStyleLst>
     </a:fmtScheme>
   </a:themeElements>
+  <a:objectDefaults/>
+  <a:extraClrSchemeLst/>
 </a:theme>
 </file>
 
 <file path=ppt/theme/theme2.xml><?xml version="1.0" encoding="utf-8"?>
-<a:theme xmlns:a="http://schemas.openxmlformats.org/drawingml/2006/main" xmlns:r="http://schemas.openxmlformats.org/officeDocument/2006/relationships" name="Office Theme">
+<a:theme xmlns:a="http://schemas.openxmlformats.org/drawingml/2006/main" name="Office Theme">
   <a:themeElements>
     <a:clrScheme name="Office">
       <a:dk1>
@@ -16717,5 +16017,7 @@
       </a:bgFillStyleLst>
     </a:fmtScheme>
   </a:themeElements>
+  <a:objectDefaults/>
+  <a:extraClrSchemeLst/>
 </a:theme>
 </file>
--- a/ETF Trading Presentation.pptx
+++ b/ETF Trading Presentation.pptx
@@ -247,8 +247,11 @@
     </a:lvl9pPr>
   </p:defaultTextStyle>
   <p:extLst>
+    <p:ext uri="{EFAFB233-063F-42B5-8137-9DF3F51BA10A}">
+      <p15:sldGuideLst xmlns:p15="http://schemas.microsoft.com/office/powerpoint/2012/main"/>
+    </p:ext>
     <p:ext uri="http://customooxmlschemas.google.com/">
-      <go:slidesCustomData xmlns:go="http://customooxmlschemas.google.com/" xmlns:ahyp="http://schemas.microsoft.com/office/drawing/2018/hyperlinkcolor" xmlns:p15="http://schemas.microsoft.com/office/powerpoint/2012/main" xmlns:p14="http://schemas.microsoft.com/office/powerpoint/2010/main" xmlns:com="http://schemas.openxmlformats.org/drawingml/2006/compatibility" xmlns:pvml="urn:schemas-microsoft-com:office:powerpoint" xmlns:v="urn:schemas-microsoft-com:vml" xmlns:o="urn:schemas-microsoft-com:office:office" xmlns:dgm="http://schemas.openxmlformats.org/drawingml/2006/diagram" xmlns:c="http://schemas.openxmlformats.org/drawingml/2006/chart" xmlns:mv="urn:schemas-microsoft-com:mac:vml" xmlns:mc="http://schemas.openxmlformats.org/markup-compatibility/2006" xmlns="" r:id="rId11" roundtripDataSignature="AMtx7miw7Fg9BWm7vHNkQBXt29LrrGx/UQ=="/>
+      <go:slidesCustomData xmlns="" xmlns:mc="http://schemas.openxmlformats.org/markup-compatibility/2006" xmlns:mv="urn:schemas-microsoft-com:mac:vml" xmlns:c="http://schemas.openxmlformats.org/drawingml/2006/chart" xmlns:dgm="http://schemas.openxmlformats.org/drawingml/2006/diagram" xmlns:o="urn:schemas-microsoft-com:office:office" xmlns:v="urn:schemas-microsoft-com:vml" xmlns:pvml="urn:schemas-microsoft-com:office:powerpoint" xmlns:com="http://schemas.openxmlformats.org/drawingml/2006/compatibility" xmlns:p14="http://schemas.microsoft.com/office/powerpoint/2010/main" xmlns:p15="http://schemas.microsoft.com/office/powerpoint/2012/main" xmlns:ahyp="http://schemas.microsoft.com/office/drawing/2018/hyperlinkcolor" xmlns:go="http://customooxmlschemas.google.com/" r:id="rId11" roundtripDataSignature="AMtx7miw7Fg9BWm7vHNkQBXt29LrrGx/UQ=="/>
     </p:ext>
   </p:extLst>
 </p:presentation>
@@ -257,7 +260,7 @@
 <file path=ppt/revisionInfo.xml><?xml version="1.0" encoding="utf-8"?>
 <p1510:revInfo xmlns:a="http://schemas.openxmlformats.org/drawingml/2006/main" xmlns:r="http://schemas.openxmlformats.org/officeDocument/2006/relationships" xmlns:p1510="http://schemas.microsoft.com/office/powerpoint/2015/10/main">
   <p1510:revLst>
-    <p1510:client id="{1E53E40C-9ACA-4259-B355-28C05824811C}" v="5" dt="2023-05-04T06:50:48.444"/>
+    <p1510:client id="{1E53E40C-9ACA-4259-B355-28C05824811C}" v="6" dt="2023-05-05T00:14:44.017"/>
   </p1510:revLst>
 </p1510:revInfo>
 </file>
@@ -267,7 +270,7 @@
   <pc:docChgLst>
     <pc:chgData name="Farruh" userId="de8bb862-12c7-472f-9cba-bb61f72c7c9e" providerId="ADAL" clId="{1E53E40C-9ACA-4259-B355-28C05824811C}"/>
     <pc:docChg chg="undo custSel addSld delSld modSld">
-      <pc:chgData name="Farruh" userId="de8bb862-12c7-472f-9cba-bb61f72c7c9e" providerId="ADAL" clId="{1E53E40C-9ACA-4259-B355-28C05824811C}" dt="2023-05-04T06:54:24.945" v="395" actId="20577"/>
+      <pc:chgData name="Farruh" userId="de8bb862-12c7-472f-9cba-bb61f72c7c9e" providerId="ADAL" clId="{1E53E40C-9ACA-4259-B355-28C05824811C}" dt="2023-05-05T01:18:37.059" v="818" actId="1076"/>
       <pc:docMkLst>
         <pc:docMk/>
       </pc:docMkLst>
@@ -377,7 +380,7 @@
         </pc:picChg>
       </pc:sldChg>
       <pc:sldChg chg="addSp delSp modSp new mod">
-        <pc:chgData name="Farruh" userId="de8bb862-12c7-472f-9cba-bb61f72c7c9e" providerId="ADAL" clId="{1E53E40C-9ACA-4259-B355-28C05824811C}" dt="2023-05-04T06:48:21.014" v="279" actId="1076"/>
+        <pc:chgData name="Farruh" userId="de8bb862-12c7-472f-9cba-bb61f72c7c9e" providerId="ADAL" clId="{1E53E40C-9ACA-4259-B355-28C05824811C}" dt="2023-05-05T01:18:37.059" v="818" actId="1076"/>
         <pc:sldMkLst>
           <pc:docMk/>
           <pc:sldMk cId="1783288415" sldId="263"/>
@@ -398,6 +401,14 @@
             <ac:spMk id="3" creationId="{55F5E1F4-C751-9E92-801E-C3F3CFA65450}"/>
           </ac:spMkLst>
         </pc:spChg>
+        <pc:picChg chg="add del mod">
+          <ac:chgData name="Farruh" userId="de8bb862-12c7-472f-9cba-bb61f72c7c9e" providerId="ADAL" clId="{1E53E40C-9ACA-4259-B355-28C05824811C}" dt="2023-05-05T01:11:43.294" v="803" actId="478"/>
+          <ac:picMkLst>
+            <pc:docMk/>
+            <pc:sldMk cId="1783288415" sldId="263"/>
+            <ac:picMk id="4" creationId="{DA262628-EBD7-528B-F014-41696D4C6495}"/>
+          </ac:picMkLst>
+        </pc:picChg>
         <pc:picChg chg="add del">
           <ac:chgData name="Farruh" userId="de8bb862-12c7-472f-9cba-bb61f72c7c9e" providerId="ADAL" clId="{1E53E40C-9ACA-4259-B355-28C05824811C}" dt="2023-05-04T06:48:13.625" v="276" actId="478"/>
           <ac:picMkLst>
@@ -406,12 +417,36 @@
             <ac:picMk id="5" creationId="{D36099CC-F2E1-7491-97FC-C6DEC18FDFB6}"/>
           </ac:picMkLst>
         </pc:picChg>
+        <pc:picChg chg="add del mod">
+          <ac:chgData name="Farruh" userId="de8bb862-12c7-472f-9cba-bb61f72c7c9e" providerId="ADAL" clId="{1E53E40C-9ACA-4259-B355-28C05824811C}" dt="2023-05-05T01:18:23.422" v="813" actId="478"/>
+          <ac:picMkLst>
+            <pc:docMk/>
+            <pc:sldMk cId="1783288415" sldId="263"/>
+            <ac:picMk id="6" creationId="{59AE6A5B-2CB8-3BAC-BB91-CE010F9FAFBC}"/>
+          </ac:picMkLst>
+        </pc:picChg>
         <pc:picChg chg="add mod">
-          <ac:chgData name="Farruh" userId="de8bb862-12c7-472f-9cba-bb61f72c7c9e" providerId="ADAL" clId="{1E53E40C-9ACA-4259-B355-28C05824811C}" dt="2023-05-04T06:48:21.014" v="279" actId="1076"/>
+          <ac:chgData name="Farruh" userId="de8bb862-12c7-472f-9cba-bb61f72c7c9e" providerId="ADAL" clId="{1E53E40C-9ACA-4259-B355-28C05824811C}" dt="2023-05-05T01:12:08.202" v="812" actId="14100"/>
           <ac:picMkLst>
             <pc:docMk/>
             <pc:sldMk cId="1783288415" sldId="263"/>
             <ac:picMk id="7" creationId="{D8823599-FC27-1495-9501-2EB78962743E}"/>
+          </ac:picMkLst>
+        </pc:picChg>
+        <pc:picChg chg="add mod">
+          <ac:chgData name="Farruh" userId="de8bb862-12c7-472f-9cba-bb61f72c7c9e" providerId="ADAL" clId="{1E53E40C-9ACA-4259-B355-28C05824811C}" dt="2023-05-05T01:12:03.833" v="811" actId="1036"/>
+          <ac:picMkLst>
+            <pc:docMk/>
+            <pc:sldMk cId="1783288415" sldId="263"/>
+            <ac:picMk id="9" creationId="{2219304B-41E9-4FB9-192C-E1CA987F3693}"/>
+          </ac:picMkLst>
+        </pc:picChg>
+        <pc:picChg chg="add mod">
+          <ac:chgData name="Farruh" userId="de8bb862-12c7-472f-9cba-bb61f72c7c9e" providerId="ADAL" clId="{1E53E40C-9ACA-4259-B355-28C05824811C}" dt="2023-05-05T01:18:37.059" v="818" actId="1076"/>
+          <ac:picMkLst>
+            <pc:docMk/>
+            <pc:sldMk cId="1783288415" sldId="263"/>
+            <ac:picMk id="11" creationId="{6800BA28-B30B-AE4C-587F-AD280EAD6108}"/>
           </ac:picMkLst>
         </pc:picChg>
       </pc:sldChg>
@@ -447,7 +482,7 @@
         </pc:picChg>
       </pc:sldChg>
       <pc:sldChg chg="addSp delSp modSp new mod">
-        <pc:chgData name="Farruh" userId="de8bb862-12c7-472f-9cba-bb61f72c7c9e" providerId="ADAL" clId="{1E53E40C-9ACA-4259-B355-28C05824811C}" dt="2023-05-04T06:50:48.442" v="372" actId="14826"/>
+        <pc:chgData name="Farruh" userId="de8bb862-12c7-472f-9cba-bb61f72c7c9e" providerId="ADAL" clId="{1E53E40C-9ACA-4259-B355-28C05824811C}" dt="2023-05-05T00:17:12.075" v="802" actId="20577"/>
         <pc:sldMkLst>
           <pc:docMk/>
           <pc:sldMk cId="1288116916" sldId="265"/>
@@ -468,6 +503,22 @@
             <ac:spMk id="3" creationId="{6FE69C23-08C8-BF96-6887-DDE79B59F2C7}"/>
           </ac:spMkLst>
         </pc:spChg>
+        <pc:spChg chg="add mod">
+          <ac:chgData name="Farruh" userId="de8bb862-12c7-472f-9cba-bb61f72c7c9e" providerId="ADAL" clId="{1E53E40C-9ACA-4259-B355-28C05824811C}" dt="2023-05-05T00:17:12.075" v="802" actId="20577"/>
+          <ac:spMkLst>
+            <pc:docMk/>
+            <pc:sldMk cId="1288116916" sldId="265"/>
+            <ac:spMk id="5" creationId="{6E3654DC-4BAD-BE64-5A6A-F4E09D296A11}"/>
+          </ac:spMkLst>
+        </pc:spChg>
+        <pc:picChg chg="add mod">
+          <ac:chgData name="Farruh" userId="de8bb862-12c7-472f-9cba-bb61f72c7c9e" providerId="ADAL" clId="{1E53E40C-9ACA-4259-B355-28C05824811C}" dt="2023-05-05T00:14:25.538" v="417" actId="1037"/>
+          <ac:picMkLst>
+            <pc:docMk/>
+            <pc:sldMk cId="1288116916" sldId="265"/>
+            <ac:picMk id="4" creationId="{A521EB7E-13A3-ADCF-F205-607D0C176D12}"/>
+          </ac:picMkLst>
+        </pc:picChg>
         <pc:picChg chg="add del mod">
           <ac:chgData name="Farruh" userId="de8bb862-12c7-472f-9cba-bb61f72c7c9e" providerId="ADAL" clId="{1E53E40C-9ACA-4259-B355-28C05824811C}" dt="2023-05-04T06:50:24.643" v="370" actId="478"/>
           <ac:picMkLst>
@@ -476,8 +527,8 @@
             <ac:picMk id="5" creationId="{AF7F3AFA-EA51-0BCF-DE3E-E557845F3DCB}"/>
           </ac:picMkLst>
         </pc:picChg>
-        <pc:picChg chg="add mod">
-          <ac:chgData name="Farruh" userId="de8bb862-12c7-472f-9cba-bb61f72c7c9e" providerId="ADAL" clId="{1E53E40C-9ACA-4259-B355-28C05824811C}" dt="2023-05-04T06:50:48.442" v="372" actId="14826"/>
+        <pc:picChg chg="add del mod">
+          <ac:chgData name="Farruh" userId="de8bb862-12c7-472f-9cba-bb61f72c7c9e" providerId="ADAL" clId="{1E53E40C-9ACA-4259-B355-28C05824811C}" dt="2023-05-05T00:04:44.377" v="396" actId="478"/>
           <ac:picMkLst>
             <pc:docMk/>
             <pc:sldMk cId="1288116916" sldId="265"/>
@@ -15181,8 +15232,68 @@
         </p:blipFill>
         <p:spPr>
           <a:xfrm>
-            <a:off x="632782" y="1488510"/>
-            <a:ext cx="5620534" cy="2229161"/>
+            <a:off x="573788" y="1488510"/>
+            <a:ext cx="5522212" cy="2190165"/>
+          </a:xfrm>
+          <a:prstGeom prst="rect">
+            <a:avLst/>
+          </a:prstGeom>
+        </p:spPr>
+      </p:pic>
+      <p:pic>
+        <p:nvPicPr>
+          <p:cNvPr id="9" name="Picture 8">
+            <a:extLst>
+              <a:ext uri="{FF2B5EF4-FFF2-40B4-BE49-F238E27FC236}">
+                <a16:creationId xmlns:a16="http://schemas.microsoft.com/office/drawing/2014/main" id="{2219304B-41E9-4FB9-192C-E1CA987F3693}"/>
+              </a:ext>
+            </a:extLst>
+          </p:cNvPr>
+          <p:cNvPicPr>
+            <a:picLocks noChangeAspect="1"/>
+          </p:cNvPicPr>
+          <p:nvPr/>
+        </p:nvPicPr>
+        <p:blipFill>
+          <a:blip r:embed="rId3"/>
+          <a:stretch>
+            <a:fillRect/>
+          </a:stretch>
+        </p:blipFill>
+        <p:spPr>
+          <a:xfrm>
+            <a:off x="573788" y="3735620"/>
+            <a:ext cx="5522212" cy="2802235"/>
+          </a:xfrm>
+          <a:prstGeom prst="rect">
+            <a:avLst/>
+          </a:prstGeom>
+        </p:spPr>
+      </p:pic>
+      <p:pic>
+        <p:nvPicPr>
+          <p:cNvPr id="11" name="Picture 10">
+            <a:extLst>
+              <a:ext uri="{FF2B5EF4-FFF2-40B4-BE49-F238E27FC236}">
+                <a16:creationId xmlns:a16="http://schemas.microsoft.com/office/drawing/2014/main" id="{6800BA28-B30B-AE4C-587F-AD280EAD6108}"/>
+              </a:ext>
+            </a:extLst>
+          </p:cNvPr>
+          <p:cNvPicPr>
+            <a:picLocks noChangeAspect="1"/>
+          </p:cNvPicPr>
+          <p:nvPr/>
+        </p:nvPicPr>
+        <p:blipFill>
+          <a:blip r:embed="rId4"/>
+          <a:stretch>
+            <a:fillRect/>
+          </a:stretch>
+        </p:blipFill>
+        <p:spPr>
+          <a:xfrm>
+            <a:off x="6341806" y="1488510"/>
+            <a:ext cx="5643716" cy="2223861"/>
           </a:xfrm>
           <a:prstGeom prst="rect">
             <a:avLst/>
@@ -15337,10 +15448,10 @@
       </p:sp>
       <p:pic>
         <p:nvPicPr>
-          <p:cNvPr id="7" name="Picture 6">
+          <p:cNvPr id="4" name="Picture 3">
             <a:extLst>
               <a:ext uri="{FF2B5EF4-FFF2-40B4-BE49-F238E27FC236}">
-                <a16:creationId xmlns:a16="http://schemas.microsoft.com/office/drawing/2014/main" id="{F40AF75A-B382-42E6-E842-E5AA12CBAF7E}"/>
+                <a16:creationId xmlns:a16="http://schemas.microsoft.com/office/drawing/2014/main" id="{A521EB7E-13A3-ADCF-F205-607D0C176D12}"/>
               </a:ext>
             </a:extLst>
           </p:cNvPr>
@@ -15350,20 +15461,122 @@
           <p:nvPr/>
         </p:nvPicPr>
         <p:blipFill>
-          <a:blip/>
-          <a:srcRect/>
-          <a:stretch/>
+          <a:blip r:embed="rId2"/>
+          <a:stretch>
+            <a:fillRect/>
+          </a:stretch>
         </p:blipFill>
         <p:spPr>
           <a:xfrm>
-            <a:off x="5619750" y="2952750"/>
-            <a:ext cx="952500" cy="952500"/>
+            <a:off x="408605" y="1465978"/>
+            <a:ext cx="7997978" cy="4950749"/>
           </a:xfrm>
           <a:prstGeom prst="rect">
             <a:avLst/>
           </a:prstGeom>
         </p:spPr>
       </p:pic>
+      <p:sp>
+        <p:nvSpPr>
+          <p:cNvPr id="5" name="TextBox 4">
+            <a:extLst>
+              <a:ext uri="{FF2B5EF4-FFF2-40B4-BE49-F238E27FC236}">
+                <a16:creationId xmlns:a16="http://schemas.microsoft.com/office/drawing/2014/main" id="{6E3654DC-4BAD-BE64-5A6A-F4E09D296A11}"/>
+              </a:ext>
+            </a:extLst>
+          </p:cNvPr>
+          <p:cNvSpPr txBox="1"/>
+          <p:nvPr/>
+        </p:nvSpPr>
+        <p:spPr>
+          <a:xfrm>
+            <a:off x="8495071" y="1465978"/>
+            <a:ext cx="3549445" cy="3477875"/>
+          </a:xfrm>
+          <a:prstGeom prst="rect">
+            <a:avLst/>
+          </a:prstGeom>
+          <a:noFill/>
+        </p:spPr>
+        <p:txBody>
+          <a:bodyPr wrap="square" rtlCol="0">
+            <a:spAutoFit/>
+          </a:bodyPr>
+          <a:lstStyle/>
+          <a:p>
+            <a:r>
+              <a:rPr lang="en-AU" sz="2000" dirty="0">
+                <a:solidFill>
+                  <a:schemeClr val="bg1"/>
+                </a:solidFill>
+              </a:rPr>
+              <a:t>Using grid search, the best order quantity is 5 and the best window size is 30. </a:t>
+            </a:r>
+          </a:p>
+          <a:p>
+            <a:endParaRPr lang="en-AU" sz="2000" dirty="0">
+              <a:solidFill>
+                <a:schemeClr val="bg1"/>
+              </a:solidFill>
+            </a:endParaRPr>
+          </a:p>
+          <a:p>
+            <a:r>
+              <a:rPr lang="en-AU" sz="2000" dirty="0">
+                <a:solidFill>
+                  <a:schemeClr val="bg1"/>
+                </a:solidFill>
+              </a:rPr>
+              <a:t>Consistently positive PNL over 20 runs</a:t>
+            </a:r>
+          </a:p>
+          <a:p>
+            <a:endParaRPr lang="en-AU" sz="2000" dirty="0">
+              <a:solidFill>
+                <a:schemeClr val="bg1"/>
+              </a:solidFill>
+            </a:endParaRPr>
+          </a:p>
+          <a:p>
+            <a:r>
+              <a:rPr lang="en-AU" sz="2000" dirty="0">
+                <a:solidFill>
+                  <a:schemeClr val="bg1"/>
+                </a:solidFill>
+              </a:rPr>
+              <a:t>Next steps:</a:t>
+            </a:r>
+          </a:p>
+          <a:p>
+            <a:pPr marL="342900" indent="-342900">
+              <a:buFont typeface="Arial" panose="020B0604020202020204" pitchFamily="34" charset="0"/>
+              <a:buChar char="•"/>
+            </a:pPr>
+            <a:r>
+              <a:rPr lang="en-AU" sz="2000" dirty="0">
+                <a:solidFill>
+                  <a:schemeClr val="bg1"/>
+                </a:solidFill>
+              </a:rPr>
+              <a:t>Implement stop-losses</a:t>
+            </a:r>
+          </a:p>
+          <a:p>
+            <a:pPr marL="342900" indent="-342900">
+              <a:buFont typeface="Arial" panose="020B0604020202020204" pitchFamily="34" charset="0"/>
+              <a:buChar char="•"/>
+            </a:pPr>
+            <a:r>
+              <a:rPr lang="en-AU" sz="2000" dirty="0">
+                <a:solidFill>
+                  <a:schemeClr val="bg1"/>
+                </a:solidFill>
+              </a:rPr>
+              <a:t>Optimise entry and exit bounds</a:t>
+            </a:r>
+          </a:p>
+        </p:txBody>
+      </p:sp>
     </p:spTree>
     <p:extLst>
       <p:ext uri="{BB962C8B-B14F-4D97-AF65-F5344CB8AC3E}">
